--- a/Masked Autoencoders Are Scalable Vision Learners.pptx
+++ b/Masked Autoencoders Are Scalable Vision Learners.pptx
@@ -6,7 +6,7 @@
     <p:sldMasterId id="2147483671" r:id="rId2"/>
   </p:sldMasterIdLst>
   <p:notesMasterIdLst>
-    <p:notesMasterId r:id="rId9"/>
+    <p:notesMasterId r:id="rId12"/>
   </p:notesMasterIdLst>
   <p:sldIdLst>
     <p:sldId id="256" r:id="rId3"/>
@@ -14,7 +14,10 @@
     <p:sldId id="293" r:id="rId5"/>
     <p:sldId id="294" r:id="rId6"/>
     <p:sldId id="295" r:id="rId7"/>
-    <p:sldId id="292" r:id="rId8"/>
+    <p:sldId id="296" r:id="rId8"/>
+    <p:sldId id="297" r:id="rId9"/>
+    <p:sldId id="298" r:id="rId10"/>
+    <p:sldId id="292" r:id="rId11"/>
   </p:sldIdLst>
   <p:sldSz cx="9144000" cy="5143500" type="screen16x9"/>
   <p:notesSz cx="6858000" cy="9144000"/>
@@ -1831,6 +1834,541 @@
 </file>
 
 <file path=ppt/notesSlides/notesSlide6.xml><?xml version="1.0" encoding="utf-8"?>
+<p:notes xmlns:a="http://schemas.openxmlformats.org/drawingml/2006/main" xmlns:r="http://schemas.openxmlformats.org/officeDocument/2006/relationships" xmlns:p="http://schemas.openxmlformats.org/presentationml/2006/main" showMasterSp="0" showMasterPhAnim="0">
+  <p:cSld>
+    <p:spTree>
+      <p:nvGrpSpPr>
+        <p:cNvPr id="1" name="Shape 135"/>
+        <p:cNvGrpSpPr/>
+        <p:nvPr/>
+      </p:nvGrpSpPr>
+      <p:grpSpPr>
+        <a:xfrm>
+          <a:off x="0" y="0"/>
+          <a:ext cx="0" cy="0"/>
+          <a:chOff x="0" y="0"/>
+          <a:chExt cx="0" cy="0"/>
+        </a:xfrm>
+      </p:grpSpPr>
+      <p:sp>
+        <p:nvSpPr>
+          <p:cNvPr id="136" name="Google Shape;136;g1144437607e_2_96:notes"/>
+          <p:cNvSpPr>
+            <a:spLocks noGrp="1" noRot="1" noChangeAspect="1"/>
+          </p:cNvSpPr>
+          <p:nvPr>
+            <p:ph type="sldImg" idx="2"/>
+          </p:nvPr>
+        </p:nvSpPr>
+        <p:spPr>
+          <a:xfrm>
+            <a:off x="685800" y="1143000"/>
+            <a:ext cx="5486400" cy="3086100"/>
+          </a:xfrm>
+          <a:custGeom>
+            <a:avLst/>
+            <a:gdLst/>
+            <a:ahLst/>
+            <a:cxnLst/>
+            <a:rect l="l" t="t" r="r" b="b"/>
+            <a:pathLst>
+              <a:path w="120000" h="120000" extrusionOk="0">
+                <a:moveTo>
+                  <a:pt x="0" y="0"/>
+                </a:moveTo>
+                <a:lnTo>
+                  <a:pt x="120000" y="0"/>
+                </a:lnTo>
+                <a:lnTo>
+                  <a:pt x="120000" y="120000"/>
+                </a:lnTo>
+                <a:lnTo>
+                  <a:pt x="0" y="120000"/>
+                </a:lnTo>
+                <a:close/>
+              </a:path>
+            </a:pathLst>
+          </a:custGeom>
+          <a:noFill/>
+          <a:ln w="12700" cap="flat" cmpd="sng">
+            <a:solidFill>
+              <a:srgbClr val="000000"/>
+            </a:solidFill>
+            <a:prstDash val="solid"/>
+            <a:round/>
+            <a:headEnd type="none" w="sm" len="sm"/>
+            <a:tailEnd type="none" w="sm" len="sm"/>
+          </a:ln>
+        </p:spPr>
+      </p:sp>
+      <p:sp>
+        <p:nvSpPr>
+          <p:cNvPr id="137" name="Google Shape;137;g1144437607e_2_96:notes"/>
+          <p:cNvSpPr txBox="1">
+            <a:spLocks noGrp="1"/>
+          </p:cNvSpPr>
+          <p:nvPr>
+            <p:ph type="body" idx="1"/>
+          </p:nvPr>
+        </p:nvSpPr>
+        <p:spPr>
+          <a:xfrm>
+            <a:off x="685800" y="4400550"/>
+            <a:ext cx="5486400" cy="3600600"/>
+          </a:xfrm>
+          <a:prstGeom prst="rect">
+            <a:avLst/>
+          </a:prstGeom>
+          <a:noFill/>
+          <a:ln>
+            <a:noFill/>
+          </a:ln>
+        </p:spPr>
+        <p:txBody>
+          <a:bodyPr spcFirstLastPara="1" wrap="square" lIns="91425" tIns="45700" rIns="91425" bIns="45700" anchor="t" anchorCtr="0">
+            <a:noAutofit/>
+          </a:bodyPr>
+          <a:lstStyle/>
+          <a:p>
+            <a:pPr marL="0" marR="0" lvl="0" indent="0" algn="l" rtl="0">
+              <a:lnSpc>
+                <a:spcPct val="100000"/>
+              </a:lnSpc>
+              <a:spcBef>
+                <a:spcPts val="0"/>
+              </a:spcBef>
+              <a:spcAft>
+                <a:spcPts val="0"/>
+              </a:spcAft>
+              <a:buClr>
+                <a:schemeClr val="dk1"/>
+              </a:buClr>
+              <a:buSzPts val="1200"/>
+              <a:buFont typeface="Calibri"/>
+              <a:buNone/>
+            </a:pPr>
+            <a:r>
+              <a:rPr lang="zh-TW" altLang="en-US" dirty="0"/>
+              <a:t>轉移</a:t>
+            </a:r>
+            <a:endParaRPr dirty="0"/>
+          </a:p>
+        </p:txBody>
+      </p:sp>
+      <p:sp>
+        <p:nvSpPr>
+          <p:cNvPr id="138" name="Google Shape;138;g1144437607e_2_96:notes"/>
+          <p:cNvSpPr txBox="1">
+            <a:spLocks noGrp="1"/>
+          </p:cNvSpPr>
+          <p:nvPr>
+            <p:ph type="sldNum" idx="12"/>
+          </p:nvPr>
+        </p:nvSpPr>
+        <p:spPr>
+          <a:xfrm>
+            <a:off x="3884613" y="8685213"/>
+            <a:ext cx="2971800" cy="458700"/>
+          </a:xfrm>
+          <a:prstGeom prst="rect">
+            <a:avLst/>
+          </a:prstGeom>
+          <a:noFill/>
+          <a:ln>
+            <a:noFill/>
+          </a:ln>
+        </p:spPr>
+        <p:txBody>
+          <a:bodyPr spcFirstLastPara="1" wrap="square" lIns="91425" tIns="45700" rIns="91425" bIns="45700" anchor="b" anchorCtr="0">
+            <a:noAutofit/>
+          </a:bodyPr>
+          <a:lstStyle/>
+          <a:p>
+            <a:pPr marL="0" lvl="0" indent="0" algn="r" rtl="0">
+              <a:spcBef>
+                <a:spcPts val="0"/>
+              </a:spcBef>
+              <a:spcAft>
+                <a:spcPts val="0"/>
+              </a:spcAft>
+              <a:buNone/>
+            </a:pPr>
+            <a:fld id="{00000000-1234-1234-1234-123412341234}" type="slidenum">
+              <a:rPr lang="en-US" altLang="zh-TW"/>
+              <a:t>6</a:t>
+            </a:fld>
+            <a:endParaRPr/>
+          </a:p>
+        </p:txBody>
+      </p:sp>
+    </p:spTree>
+    <p:extLst>
+      <p:ext uri="{BB962C8B-B14F-4D97-AF65-F5344CB8AC3E}">
+        <p14:creationId xmlns:p14="http://schemas.microsoft.com/office/powerpoint/2010/main" val="3638492712"/>
+      </p:ext>
+    </p:extLst>
+  </p:cSld>
+  <p:clrMapOvr>
+    <a:masterClrMapping/>
+  </p:clrMapOvr>
+</p:notes>
+</file>
+
+<file path=ppt/notesSlides/notesSlide7.xml><?xml version="1.0" encoding="utf-8"?>
+<p:notes xmlns:a="http://schemas.openxmlformats.org/drawingml/2006/main" xmlns:r="http://schemas.openxmlformats.org/officeDocument/2006/relationships" xmlns:p="http://schemas.openxmlformats.org/presentationml/2006/main" showMasterSp="0" showMasterPhAnim="0">
+  <p:cSld>
+    <p:spTree>
+      <p:nvGrpSpPr>
+        <p:cNvPr id="1" name="Shape 135"/>
+        <p:cNvGrpSpPr/>
+        <p:nvPr/>
+      </p:nvGrpSpPr>
+      <p:grpSpPr>
+        <a:xfrm>
+          <a:off x="0" y="0"/>
+          <a:ext cx="0" cy="0"/>
+          <a:chOff x="0" y="0"/>
+          <a:chExt cx="0" cy="0"/>
+        </a:xfrm>
+      </p:grpSpPr>
+      <p:sp>
+        <p:nvSpPr>
+          <p:cNvPr id="136" name="Google Shape;136;g1144437607e_2_96:notes"/>
+          <p:cNvSpPr>
+            <a:spLocks noGrp="1" noRot="1" noChangeAspect="1"/>
+          </p:cNvSpPr>
+          <p:nvPr>
+            <p:ph type="sldImg" idx="2"/>
+          </p:nvPr>
+        </p:nvSpPr>
+        <p:spPr>
+          <a:xfrm>
+            <a:off x="685800" y="1143000"/>
+            <a:ext cx="5486400" cy="3086100"/>
+          </a:xfrm>
+          <a:custGeom>
+            <a:avLst/>
+            <a:gdLst/>
+            <a:ahLst/>
+            <a:cxnLst/>
+            <a:rect l="l" t="t" r="r" b="b"/>
+            <a:pathLst>
+              <a:path w="120000" h="120000" extrusionOk="0">
+                <a:moveTo>
+                  <a:pt x="0" y="0"/>
+                </a:moveTo>
+                <a:lnTo>
+                  <a:pt x="120000" y="0"/>
+                </a:lnTo>
+                <a:lnTo>
+                  <a:pt x="120000" y="120000"/>
+                </a:lnTo>
+                <a:lnTo>
+                  <a:pt x="0" y="120000"/>
+                </a:lnTo>
+                <a:close/>
+              </a:path>
+            </a:pathLst>
+          </a:custGeom>
+          <a:noFill/>
+          <a:ln w="12700" cap="flat" cmpd="sng">
+            <a:solidFill>
+              <a:srgbClr val="000000"/>
+            </a:solidFill>
+            <a:prstDash val="solid"/>
+            <a:round/>
+            <a:headEnd type="none" w="sm" len="sm"/>
+            <a:tailEnd type="none" w="sm" len="sm"/>
+          </a:ln>
+        </p:spPr>
+      </p:sp>
+      <p:sp>
+        <p:nvSpPr>
+          <p:cNvPr id="137" name="Google Shape;137;g1144437607e_2_96:notes"/>
+          <p:cNvSpPr txBox="1">
+            <a:spLocks noGrp="1"/>
+          </p:cNvSpPr>
+          <p:nvPr>
+            <p:ph type="body" idx="1"/>
+          </p:nvPr>
+        </p:nvSpPr>
+        <p:spPr>
+          <a:xfrm>
+            <a:off x="685800" y="4400550"/>
+            <a:ext cx="5486400" cy="3600600"/>
+          </a:xfrm>
+          <a:prstGeom prst="rect">
+            <a:avLst/>
+          </a:prstGeom>
+          <a:noFill/>
+          <a:ln>
+            <a:noFill/>
+          </a:ln>
+        </p:spPr>
+        <p:txBody>
+          <a:bodyPr spcFirstLastPara="1" wrap="square" lIns="91425" tIns="45700" rIns="91425" bIns="45700" anchor="t" anchorCtr="0">
+            <a:noAutofit/>
+          </a:bodyPr>
+          <a:lstStyle/>
+          <a:p>
+            <a:pPr marL="0" marR="0" lvl="0" indent="0" algn="l" rtl="0">
+              <a:lnSpc>
+                <a:spcPct val="100000"/>
+              </a:lnSpc>
+              <a:spcBef>
+                <a:spcPts val="0"/>
+              </a:spcBef>
+              <a:spcAft>
+                <a:spcPts val="0"/>
+              </a:spcAft>
+              <a:buClr>
+                <a:schemeClr val="dk1"/>
+              </a:buClr>
+              <a:buSzPts val="1200"/>
+              <a:buFont typeface="Calibri"/>
+              <a:buNone/>
+            </a:pPr>
+            <a:endParaRPr dirty="0"/>
+          </a:p>
+        </p:txBody>
+      </p:sp>
+      <p:sp>
+        <p:nvSpPr>
+          <p:cNvPr id="138" name="Google Shape;138;g1144437607e_2_96:notes"/>
+          <p:cNvSpPr txBox="1">
+            <a:spLocks noGrp="1"/>
+          </p:cNvSpPr>
+          <p:nvPr>
+            <p:ph type="sldNum" idx="12"/>
+          </p:nvPr>
+        </p:nvSpPr>
+        <p:spPr>
+          <a:xfrm>
+            <a:off x="3884613" y="8685213"/>
+            <a:ext cx="2971800" cy="458700"/>
+          </a:xfrm>
+          <a:prstGeom prst="rect">
+            <a:avLst/>
+          </a:prstGeom>
+          <a:noFill/>
+          <a:ln>
+            <a:noFill/>
+          </a:ln>
+        </p:spPr>
+        <p:txBody>
+          <a:bodyPr spcFirstLastPara="1" wrap="square" lIns="91425" tIns="45700" rIns="91425" bIns="45700" anchor="b" anchorCtr="0">
+            <a:noAutofit/>
+          </a:bodyPr>
+          <a:lstStyle/>
+          <a:p>
+            <a:pPr marL="0" lvl="0" indent="0" algn="r" rtl="0">
+              <a:spcBef>
+                <a:spcPts val="0"/>
+              </a:spcBef>
+              <a:spcAft>
+                <a:spcPts val="0"/>
+              </a:spcAft>
+              <a:buNone/>
+            </a:pPr>
+            <a:fld id="{00000000-1234-1234-1234-123412341234}" type="slidenum">
+              <a:rPr lang="en-US" altLang="zh-TW"/>
+              <a:t>7</a:t>
+            </a:fld>
+            <a:endParaRPr/>
+          </a:p>
+        </p:txBody>
+      </p:sp>
+    </p:spTree>
+    <p:extLst>
+      <p:ext uri="{BB962C8B-B14F-4D97-AF65-F5344CB8AC3E}">
+        <p14:creationId xmlns:p14="http://schemas.microsoft.com/office/powerpoint/2010/main" val="3936539009"/>
+      </p:ext>
+    </p:extLst>
+  </p:cSld>
+  <p:clrMapOvr>
+    <a:masterClrMapping/>
+  </p:clrMapOvr>
+</p:notes>
+</file>
+
+<file path=ppt/notesSlides/notesSlide8.xml><?xml version="1.0" encoding="utf-8"?>
+<p:notes xmlns:a="http://schemas.openxmlformats.org/drawingml/2006/main" xmlns:r="http://schemas.openxmlformats.org/officeDocument/2006/relationships" xmlns:p="http://schemas.openxmlformats.org/presentationml/2006/main" showMasterSp="0" showMasterPhAnim="0">
+  <p:cSld>
+    <p:spTree>
+      <p:nvGrpSpPr>
+        <p:cNvPr id="1" name="Shape 135"/>
+        <p:cNvGrpSpPr/>
+        <p:nvPr/>
+      </p:nvGrpSpPr>
+      <p:grpSpPr>
+        <a:xfrm>
+          <a:off x="0" y="0"/>
+          <a:ext cx="0" cy="0"/>
+          <a:chOff x="0" y="0"/>
+          <a:chExt cx="0" cy="0"/>
+        </a:xfrm>
+      </p:grpSpPr>
+      <p:sp>
+        <p:nvSpPr>
+          <p:cNvPr id="136" name="Google Shape;136;g1144437607e_2_96:notes"/>
+          <p:cNvSpPr>
+            <a:spLocks noGrp="1" noRot="1" noChangeAspect="1"/>
+          </p:cNvSpPr>
+          <p:nvPr>
+            <p:ph type="sldImg" idx="2"/>
+          </p:nvPr>
+        </p:nvSpPr>
+        <p:spPr>
+          <a:xfrm>
+            <a:off x="685800" y="1143000"/>
+            <a:ext cx="5486400" cy="3086100"/>
+          </a:xfrm>
+          <a:custGeom>
+            <a:avLst/>
+            <a:gdLst/>
+            <a:ahLst/>
+            <a:cxnLst/>
+            <a:rect l="l" t="t" r="r" b="b"/>
+            <a:pathLst>
+              <a:path w="120000" h="120000" extrusionOk="0">
+                <a:moveTo>
+                  <a:pt x="0" y="0"/>
+                </a:moveTo>
+                <a:lnTo>
+                  <a:pt x="120000" y="0"/>
+                </a:lnTo>
+                <a:lnTo>
+                  <a:pt x="120000" y="120000"/>
+                </a:lnTo>
+                <a:lnTo>
+                  <a:pt x="0" y="120000"/>
+                </a:lnTo>
+                <a:close/>
+              </a:path>
+            </a:pathLst>
+          </a:custGeom>
+          <a:noFill/>
+          <a:ln w="12700" cap="flat" cmpd="sng">
+            <a:solidFill>
+              <a:srgbClr val="000000"/>
+            </a:solidFill>
+            <a:prstDash val="solid"/>
+            <a:round/>
+            <a:headEnd type="none" w="sm" len="sm"/>
+            <a:tailEnd type="none" w="sm" len="sm"/>
+          </a:ln>
+        </p:spPr>
+      </p:sp>
+      <p:sp>
+        <p:nvSpPr>
+          <p:cNvPr id="137" name="Google Shape;137;g1144437607e_2_96:notes"/>
+          <p:cNvSpPr txBox="1">
+            <a:spLocks noGrp="1"/>
+          </p:cNvSpPr>
+          <p:nvPr>
+            <p:ph type="body" idx="1"/>
+          </p:nvPr>
+        </p:nvSpPr>
+        <p:spPr>
+          <a:xfrm>
+            <a:off x="685800" y="4400550"/>
+            <a:ext cx="5486400" cy="3600600"/>
+          </a:xfrm>
+          <a:prstGeom prst="rect">
+            <a:avLst/>
+          </a:prstGeom>
+          <a:noFill/>
+          <a:ln>
+            <a:noFill/>
+          </a:ln>
+        </p:spPr>
+        <p:txBody>
+          <a:bodyPr spcFirstLastPara="1" wrap="square" lIns="91425" tIns="45700" rIns="91425" bIns="45700" anchor="t" anchorCtr="0">
+            <a:noAutofit/>
+          </a:bodyPr>
+          <a:lstStyle/>
+          <a:p>
+            <a:pPr marL="0" marR="0" lvl="0" indent="0" algn="l" rtl="0">
+              <a:lnSpc>
+                <a:spcPct val="100000"/>
+              </a:lnSpc>
+              <a:spcBef>
+                <a:spcPts val="0"/>
+              </a:spcBef>
+              <a:spcAft>
+                <a:spcPts val="0"/>
+              </a:spcAft>
+              <a:buClr>
+                <a:schemeClr val="dk1"/>
+              </a:buClr>
+              <a:buSzPts val="1200"/>
+              <a:buFont typeface="Calibri"/>
+              <a:buNone/>
+            </a:pPr>
+            <a:endParaRPr dirty="0"/>
+          </a:p>
+        </p:txBody>
+      </p:sp>
+      <p:sp>
+        <p:nvSpPr>
+          <p:cNvPr id="138" name="Google Shape;138;g1144437607e_2_96:notes"/>
+          <p:cNvSpPr txBox="1">
+            <a:spLocks noGrp="1"/>
+          </p:cNvSpPr>
+          <p:nvPr>
+            <p:ph type="sldNum" idx="12"/>
+          </p:nvPr>
+        </p:nvSpPr>
+        <p:spPr>
+          <a:xfrm>
+            <a:off x="3884613" y="8685213"/>
+            <a:ext cx="2971800" cy="458700"/>
+          </a:xfrm>
+          <a:prstGeom prst="rect">
+            <a:avLst/>
+          </a:prstGeom>
+          <a:noFill/>
+          <a:ln>
+            <a:noFill/>
+          </a:ln>
+        </p:spPr>
+        <p:txBody>
+          <a:bodyPr spcFirstLastPara="1" wrap="square" lIns="91425" tIns="45700" rIns="91425" bIns="45700" anchor="b" anchorCtr="0">
+            <a:noAutofit/>
+          </a:bodyPr>
+          <a:lstStyle/>
+          <a:p>
+            <a:pPr marL="0" lvl="0" indent="0" algn="r" rtl="0">
+              <a:spcBef>
+                <a:spcPts val="0"/>
+              </a:spcBef>
+              <a:spcAft>
+                <a:spcPts val="0"/>
+              </a:spcAft>
+              <a:buNone/>
+            </a:pPr>
+            <a:fld id="{00000000-1234-1234-1234-123412341234}" type="slidenum">
+              <a:rPr lang="en-US" altLang="zh-TW"/>
+              <a:t>8</a:t>
+            </a:fld>
+            <a:endParaRPr/>
+          </a:p>
+        </p:txBody>
+      </p:sp>
+    </p:spTree>
+    <p:extLst>
+      <p:ext uri="{BB962C8B-B14F-4D97-AF65-F5344CB8AC3E}">
+        <p14:creationId xmlns:p14="http://schemas.microsoft.com/office/powerpoint/2010/main" val="3981368824"/>
+      </p:ext>
+    </p:extLst>
+  </p:cSld>
+  <p:clrMapOvr>
+    <a:masterClrMapping/>
+  </p:clrMapOvr>
+</p:notes>
+</file>
+
+<file path=ppt/notesSlides/notesSlide9.xml><?xml version="1.0" encoding="utf-8"?>
 <p:notes xmlns:a="http://schemas.openxmlformats.org/drawingml/2006/main" xmlns:r="http://schemas.openxmlformats.org/officeDocument/2006/relationships" xmlns:p="http://schemas.openxmlformats.org/presentationml/2006/main" showMasterSp="0" showMasterPhAnim="0">
   <p:cSld>
     <p:spTree>
@@ -19338,6 +19876,1277 @@
   <p:cSld>
     <p:spTree>
       <p:nvGrpSpPr>
+        <p:cNvPr id="1" name="Shape 139"/>
+        <p:cNvGrpSpPr/>
+        <p:nvPr/>
+      </p:nvGrpSpPr>
+      <p:grpSpPr>
+        <a:xfrm>
+          <a:off x="0" y="0"/>
+          <a:ext cx="0" cy="0"/>
+          <a:chOff x="0" y="0"/>
+          <a:chExt cx="0" cy="0"/>
+        </a:xfrm>
+      </p:grpSpPr>
+      <p:cxnSp>
+        <p:nvCxnSpPr>
+          <p:cNvPr id="140" name="Google Shape;140;p26"/>
+          <p:cNvCxnSpPr/>
+          <p:nvPr/>
+        </p:nvCxnSpPr>
+        <p:spPr>
+          <a:xfrm rot="10800000">
+            <a:off x="471906" y="672952"/>
+            <a:ext cx="8200200" cy="0"/>
+          </a:xfrm>
+          <a:prstGeom prst="straightConnector1">
+            <a:avLst/>
+          </a:prstGeom>
+          <a:noFill/>
+          <a:ln w="38100" cap="flat" cmpd="sng">
+            <a:solidFill>
+              <a:srgbClr val="08244A"/>
+            </a:solidFill>
+            <a:prstDash val="solid"/>
+            <a:miter lim="800000"/>
+            <a:headEnd type="none" w="sm" len="sm"/>
+            <a:tailEnd type="none" w="sm" len="sm"/>
+          </a:ln>
+        </p:spPr>
+      </p:cxnSp>
+      <p:sp>
+        <p:nvSpPr>
+          <p:cNvPr id="141" name="Google Shape;141;p26"/>
+          <p:cNvSpPr txBox="1"/>
+          <p:nvPr/>
+        </p:nvSpPr>
+        <p:spPr>
+          <a:xfrm>
+            <a:off x="4312990" y="4919588"/>
+            <a:ext cx="518100" cy="238500"/>
+          </a:xfrm>
+          <a:prstGeom prst="rect">
+            <a:avLst/>
+          </a:prstGeom>
+          <a:solidFill>
+            <a:srgbClr val="08244A"/>
+          </a:solidFill>
+          <a:ln>
+            <a:noFill/>
+          </a:ln>
+        </p:spPr>
+        <p:txBody>
+          <a:bodyPr spcFirstLastPara="1" wrap="square" lIns="68575" tIns="34275" rIns="68575" bIns="34275" anchor="t" anchorCtr="0">
+            <a:spAutoFit/>
+          </a:bodyPr>
+          <a:lstStyle/>
+          <a:p>
+            <a:pPr marL="0" marR="0" lvl="0" indent="0" algn="ctr" rtl="0">
+              <a:spcBef>
+                <a:spcPts val="0"/>
+              </a:spcBef>
+              <a:spcAft>
+                <a:spcPts val="0"/>
+              </a:spcAft>
+              <a:buNone/>
+            </a:pPr>
+            <a:endParaRPr sz="1100">
+              <a:solidFill>
+                <a:schemeClr val="lt1"/>
+              </a:solidFill>
+              <a:latin typeface="Arial"/>
+              <a:ea typeface="Arial"/>
+              <a:cs typeface="Arial"/>
+              <a:sym typeface="Arial"/>
+            </a:endParaRPr>
+          </a:p>
+        </p:txBody>
+      </p:sp>
+      <p:sp>
+        <p:nvSpPr>
+          <p:cNvPr id="142" name="Google Shape;142;p26"/>
+          <p:cNvSpPr txBox="1"/>
+          <p:nvPr/>
+        </p:nvSpPr>
+        <p:spPr>
+          <a:xfrm>
+            <a:off x="7422919" y="4868275"/>
+            <a:ext cx="1660500" cy="238500"/>
+          </a:xfrm>
+          <a:prstGeom prst="rect">
+            <a:avLst/>
+          </a:prstGeom>
+          <a:noFill/>
+          <a:ln>
+            <a:noFill/>
+          </a:ln>
+        </p:spPr>
+        <p:txBody>
+          <a:bodyPr spcFirstLastPara="1" wrap="square" lIns="68575" tIns="34275" rIns="68575" bIns="34275" anchor="t" anchorCtr="0">
+            <a:spAutoFit/>
+          </a:bodyPr>
+          <a:lstStyle/>
+          <a:p>
+            <a:pPr marL="0" marR="0" lvl="0" indent="0" algn="r" rtl="0">
+              <a:spcBef>
+                <a:spcPts val="0"/>
+              </a:spcBef>
+              <a:spcAft>
+                <a:spcPts val="0"/>
+              </a:spcAft>
+              <a:buNone/>
+            </a:pPr>
+            <a:r>
+              <a:rPr lang="zh-TW" sz="1100">
+                <a:solidFill>
+                  <a:srgbClr val="A5A5A5"/>
+                </a:solidFill>
+                <a:latin typeface="Consolas"/>
+                <a:ea typeface="Consolas"/>
+                <a:cs typeface="Consolas"/>
+                <a:sym typeface="Consolas"/>
+              </a:rPr>
+              <a:t>NTUST GAMELab</a:t>
+            </a:r>
+            <a:endParaRPr sz="1100">
+              <a:solidFill>
+                <a:srgbClr val="A5A5A5"/>
+              </a:solidFill>
+              <a:latin typeface="Consolas"/>
+              <a:ea typeface="Consolas"/>
+              <a:cs typeface="Consolas"/>
+              <a:sym typeface="Consolas"/>
+            </a:endParaRPr>
+          </a:p>
+        </p:txBody>
+      </p:sp>
+      <p:sp>
+        <p:nvSpPr>
+          <p:cNvPr id="143" name="Google Shape;143;p26"/>
+          <p:cNvSpPr txBox="1">
+            <a:spLocks noGrp="1"/>
+          </p:cNvSpPr>
+          <p:nvPr>
+            <p:ph type="sldNum" idx="12"/>
+          </p:nvPr>
+        </p:nvSpPr>
+        <p:spPr>
+          <a:xfrm>
+            <a:off x="3543300" y="4904660"/>
+            <a:ext cx="2057400" cy="273900"/>
+          </a:xfrm>
+          <a:prstGeom prst="rect">
+            <a:avLst/>
+          </a:prstGeom>
+          <a:noFill/>
+          <a:ln>
+            <a:noFill/>
+          </a:ln>
+        </p:spPr>
+        <p:txBody>
+          <a:bodyPr spcFirstLastPara="1" wrap="square" lIns="68575" tIns="34275" rIns="68575" bIns="34275" anchor="ctr" anchorCtr="0">
+            <a:noAutofit/>
+          </a:bodyPr>
+          <a:lstStyle/>
+          <a:p>
+            <a:pPr marL="0" lvl="0" indent="0" algn="ctr" rtl="0">
+              <a:spcBef>
+                <a:spcPts val="0"/>
+              </a:spcBef>
+              <a:spcAft>
+                <a:spcPts val="0"/>
+              </a:spcAft>
+              <a:buNone/>
+            </a:pPr>
+            <a:fld id="{00000000-1234-1234-1234-123412341234}" type="slidenum">
+              <a:rPr lang="en-US" altLang="zh-TW" sz="1100"/>
+              <a:t>6</a:t>
+            </a:fld>
+            <a:endParaRPr sz="1100"/>
+          </a:p>
+        </p:txBody>
+      </p:sp>
+      <p:sp>
+        <p:nvSpPr>
+          <p:cNvPr id="144" name="Google Shape;144;p26"/>
+          <p:cNvSpPr txBox="1"/>
+          <p:nvPr/>
+        </p:nvSpPr>
+        <p:spPr>
+          <a:xfrm>
+            <a:off x="368600" y="246125"/>
+            <a:ext cx="5633400" cy="392400"/>
+          </a:xfrm>
+          <a:prstGeom prst="rect">
+            <a:avLst/>
+          </a:prstGeom>
+          <a:noFill/>
+          <a:ln>
+            <a:noFill/>
+          </a:ln>
+        </p:spPr>
+        <p:txBody>
+          <a:bodyPr spcFirstLastPara="1" wrap="square" lIns="68575" tIns="34275" rIns="68575" bIns="34275" anchor="t" anchorCtr="0">
+            <a:spAutoFit/>
+          </a:bodyPr>
+          <a:lstStyle/>
+          <a:p>
+            <a:pPr lvl="0"/>
+            <a:r>
+              <a:rPr lang="en-US" sz="2100" b="1" dirty="0">
+                <a:solidFill>
+                  <a:srgbClr val="08244A"/>
+                </a:solidFill>
+                <a:latin typeface="Microsoft JhengHei"/>
+                <a:ea typeface="Microsoft JhengHei"/>
+                <a:cs typeface="Microsoft JhengHei"/>
+                <a:sym typeface="Microsoft JhengHei"/>
+              </a:rPr>
+              <a:t>Introduction</a:t>
+            </a:r>
+            <a:r>
+              <a:rPr lang="zh-TW" altLang="en-US" sz="2100" b="1" dirty="0">
+                <a:solidFill>
+                  <a:srgbClr val="08244A"/>
+                </a:solidFill>
+                <a:latin typeface="Microsoft JhengHei"/>
+                <a:ea typeface="Microsoft JhengHei"/>
+                <a:cs typeface="Microsoft JhengHei"/>
+                <a:sym typeface="Microsoft JhengHei"/>
+              </a:rPr>
+              <a:t> </a:t>
+            </a:r>
+            <a:r>
+              <a:rPr lang="en-US" altLang="zh-TW" sz="2100" b="1" dirty="0">
+                <a:solidFill>
+                  <a:srgbClr val="08244A"/>
+                </a:solidFill>
+                <a:latin typeface="Microsoft JhengHei"/>
+                <a:ea typeface="Microsoft JhengHei"/>
+                <a:cs typeface="Microsoft JhengHei"/>
+                <a:sym typeface="Microsoft JhengHei"/>
+              </a:rPr>
+              <a:t>-</a:t>
+            </a:r>
+            <a:r>
+              <a:rPr lang="zh-TW" altLang="en-US" sz="2100" b="1" dirty="0">
+                <a:solidFill>
+                  <a:srgbClr val="08244A"/>
+                </a:solidFill>
+                <a:latin typeface="Microsoft JhengHei"/>
+                <a:ea typeface="Microsoft JhengHei"/>
+                <a:cs typeface="Microsoft JhengHei"/>
+                <a:sym typeface="Microsoft JhengHei"/>
+              </a:rPr>
+              <a:t> </a:t>
+            </a:r>
+            <a:r>
+              <a:rPr lang="en-US" altLang="zh-TW" sz="2100" b="1" dirty="0">
+                <a:solidFill>
+                  <a:srgbClr val="08244A"/>
+                </a:solidFill>
+                <a:latin typeface="Microsoft JhengHei"/>
+                <a:ea typeface="Microsoft JhengHei"/>
+                <a:cs typeface="Microsoft JhengHei"/>
+                <a:sym typeface="Microsoft JhengHei"/>
+              </a:rPr>
+              <a:t> masked  autoencoder (MAE)</a:t>
+            </a:r>
+            <a:endParaRPr sz="2100" b="1" dirty="0">
+              <a:solidFill>
+                <a:srgbClr val="08244A"/>
+              </a:solidFill>
+              <a:latin typeface="Microsoft JhengHei"/>
+              <a:ea typeface="Microsoft JhengHei"/>
+              <a:cs typeface="Microsoft JhengHei"/>
+              <a:sym typeface="Microsoft JhengHei"/>
+            </a:endParaRPr>
+          </a:p>
+        </p:txBody>
+      </p:sp>
+      <p:sp>
+        <p:nvSpPr>
+          <p:cNvPr id="145" name="Google Shape;145;p26"/>
+          <p:cNvSpPr txBox="1"/>
+          <p:nvPr/>
+        </p:nvSpPr>
+        <p:spPr>
+          <a:xfrm>
+            <a:off x="471900" y="736201"/>
+            <a:ext cx="7422300" cy="369300"/>
+          </a:xfrm>
+          <a:prstGeom prst="rect">
+            <a:avLst/>
+          </a:prstGeom>
+          <a:noFill/>
+          <a:ln>
+            <a:noFill/>
+          </a:ln>
+        </p:spPr>
+        <p:txBody>
+          <a:bodyPr spcFirstLastPara="1" wrap="square" lIns="91425" tIns="91425" rIns="91425" bIns="91425" anchor="t" anchorCtr="0">
+            <a:spAutoFit/>
+          </a:bodyPr>
+          <a:lstStyle/>
+          <a:p>
+            <a:pPr marL="0" lvl="0" indent="0" algn="l" rtl="0">
+              <a:spcBef>
+                <a:spcPts val="0"/>
+              </a:spcBef>
+              <a:spcAft>
+                <a:spcPts val="0"/>
+              </a:spcAft>
+              <a:buNone/>
+            </a:pPr>
+            <a:endParaRPr sz="1200" b="1">
+              <a:solidFill>
+                <a:schemeClr val="dk1"/>
+              </a:solidFill>
+              <a:latin typeface="Microsoft JhengHei"/>
+              <a:ea typeface="Microsoft JhengHei"/>
+              <a:cs typeface="Microsoft JhengHei"/>
+              <a:sym typeface="Microsoft JhengHei"/>
+            </a:endParaRPr>
+          </a:p>
+        </p:txBody>
+      </p:sp>
+      <p:sp>
+        <p:nvSpPr>
+          <p:cNvPr id="146" name="Google Shape;146;p26"/>
+          <p:cNvSpPr txBox="1"/>
+          <p:nvPr/>
+        </p:nvSpPr>
+        <p:spPr>
+          <a:xfrm>
+            <a:off x="-134923" y="757186"/>
+            <a:ext cx="5403566" cy="3416290"/>
+          </a:xfrm>
+          <a:prstGeom prst="rect">
+            <a:avLst/>
+          </a:prstGeom>
+          <a:noFill/>
+          <a:ln>
+            <a:noFill/>
+          </a:ln>
+        </p:spPr>
+        <p:txBody>
+          <a:bodyPr spcFirstLastPara="1" wrap="square" lIns="91425" tIns="91425" rIns="91425" bIns="91425" anchor="t" anchorCtr="0">
+            <a:spAutoFit/>
+          </a:bodyPr>
+          <a:lstStyle/>
+          <a:p>
+            <a:pPr marL="368300" lvl="0" indent="-228600">
+              <a:lnSpc>
+                <a:spcPct val="150000"/>
+              </a:lnSpc>
+              <a:buClr>
+                <a:schemeClr val="dk1"/>
+              </a:buClr>
+              <a:buSzPts val="1400"/>
+              <a:buFont typeface="+mj-lt"/>
+              <a:buAutoNum type="arabicPeriod"/>
+            </a:pPr>
+            <a:r>
+              <a:rPr lang="en-US" altLang="zh-TW" dirty="0"/>
+              <a:t>Masks random patches and reconstructs missing patches.</a:t>
+            </a:r>
+          </a:p>
+          <a:p>
+            <a:pPr marL="368300" lvl="0" indent="-228600">
+              <a:lnSpc>
+                <a:spcPct val="150000"/>
+              </a:lnSpc>
+              <a:buClr>
+                <a:schemeClr val="dk1"/>
+              </a:buClr>
+              <a:buSzPts val="1400"/>
+              <a:buFont typeface="+mj-lt"/>
+              <a:buAutoNum type="arabicPeriod"/>
+            </a:pPr>
+            <a:r>
+              <a:rPr lang="en-US" altLang="zh-TW" dirty="0"/>
+              <a:t>Asymmetric</a:t>
+            </a:r>
+            <a:r>
+              <a:rPr lang="zh-TW" altLang="en-US" dirty="0"/>
+              <a:t> </a:t>
+            </a:r>
+            <a:r>
+              <a:rPr lang="en-US" altLang="zh-TW" dirty="0"/>
+              <a:t>encoder-decoder design.</a:t>
+            </a:r>
+          </a:p>
+          <a:p>
+            <a:pPr marL="368300" lvl="0" indent="-228600">
+              <a:lnSpc>
+                <a:spcPct val="150000"/>
+              </a:lnSpc>
+              <a:buClr>
+                <a:schemeClr val="dk1"/>
+              </a:buClr>
+              <a:buSzPts val="1400"/>
+              <a:buFont typeface="+mj-lt"/>
+              <a:buAutoNum type="arabicPeriod"/>
+            </a:pPr>
+            <a:r>
+              <a:rPr lang="en-US" altLang="zh-TW" dirty="0"/>
+              <a:t>Encoder on visible</a:t>
+            </a:r>
+            <a:r>
+              <a:rPr lang="zh-TW" altLang="en-US" dirty="0"/>
+              <a:t> </a:t>
+            </a:r>
+            <a:r>
+              <a:rPr lang="en-US" altLang="zh-TW" dirty="0"/>
+              <a:t>patches.</a:t>
+            </a:r>
+          </a:p>
+          <a:p>
+            <a:pPr marL="368300" lvl="0" indent="-228600">
+              <a:lnSpc>
+                <a:spcPct val="150000"/>
+              </a:lnSpc>
+              <a:buClr>
+                <a:schemeClr val="dk1"/>
+              </a:buClr>
+              <a:buSzPts val="1400"/>
+              <a:buFont typeface="+mj-lt"/>
+              <a:buAutoNum type="arabicPeriod"/>
+            </a:pPr>
+            <a:r>
+              <a:rPr lang="en-US" altLang="zh-TW" dirty="0"/>
+              <a:t>Decoder reconstructs latent representation along with mask tokens.</a:t>
+            </a:r>
+          </a:p>
+          <a:p>
+            <a:pPr marL="368300" lvl="0" indent="-228600">
+              <a:lnSpc>
+                <a:spcPct val="150000"/>
+              </a:lnSpc>
+              <a:buClr>
+                <a:schemeClr val="dk1"/>
+              </a:buClr>
+              <a:buSzPts val="1400"/>
+              <a:buFont typeface="+mj-lt"/>
+              <a:buAutoNum type="arabicPeriod"/>
+            </a:pPr>
+            <a:r>
+              <a:rPr lang="en-US" altLang="zh-TW" dirty="0"/>
+              <a:t>With MAE pre-training, </a:t>
+            </a:r>
+            <a:r>
+              <a:rPr lang="en-US" altLang="zh-TW" dirty="0" err="1"/>
+              <a:t>ViT</a:t>
+            </a:r>
+            <a:r>
+              <a:rPr lang="en-US" altLang="zh-TW" dirty="0"/>
+              <a:t>-Large/-Huge achieve 87.8% when finetuned on ImageNet-1K.</a:t>
+            </a:r>
+          </a:p>
+          <a:p>
+            <a:pPr marL="368300" lvl="0" indent="-228600">
+              <a:lnSpc>
+                <a:spcPct val="150000"/>
+              </a:lnSpc>
+              <a:buClr>
+                <a:schemeClr val="dk1"/>
+              </a:buClr>
+              <a:buSzPts val="1400"/>
+              <a:buFont typeface="+mj-lt"/>
+              <a:buAutoNum type="arabicPeriod"/>
+            </a:pPr>
+            <a:r>
+              <a:rPr lang="en-US" altLang="zh-TW" dirty="0"/>
+              <a:t>Transfer learning on object detection, instance segmentation, and semantic segmentation achieves better results than its supervised pretrain.</a:t>
+            </a:r>
+          </a:p>
+        </p:txBody>
+      </p:sp>
+      <p:pic>
+        <p:nvPicPr>
+          <p:cNvPr id="2" name="圖片 1">
+            <a:extLst>
+              <a:ext uri="{FF2B5EF4-FFF2-40B4-BE49-F238E27FC236}">
+                <a16:creationId xmlns:a16="http://schemas.microsoft.com/office/drawing/2014/main" id="{CE190DBE-2D00-417A-95B4-3FCF82AF732C}"/>
+              </a:ext>
+            </a:extLst>
+          </p:cNvPr>
+          <p:cNvPicPr>
+            <a:picLocks noChangeAspect="1"/>
+          </p:cNvPicPr>
+          <p:nvPr/>
+        </p:nvPicPr>
+        <p:blipFill>
+          <a:blip r:embed="rId3"/>
+          <a:stretch>
+            <a:fillRect/>
+          </a:stretch>
+        </p:blipFill>
+        <p:spPr>
+          <a:xfrm>
+            <a:off x="5268643" y="612732"/>
+            <a:ext cx="3814776" cy="2148829"/>
+          </a:xfrm>
+          <a:prstGeom prst="rect">
+            <a:avLst/>
+          </a:prstGeom>
+        </p:spPr>
+      </p:pic>
+    </p:spTree>
+    <p:extLst>
+      <p:ext uri="{BB962C8B-B14F-4D97-AF65-F5344CB8AC3E}">
+        <p14:creationId xmlns:p14="http://schemas.microsoft.com/office/powerpoint/2010/main" val="2328762498"/>
+      </p:ext>
+    </p:extLst>
+  </p:cSld>
+  <p:clrMapOvr>
+    <a:masterClrMapping/>
+  </p:clrMapOvr>
+  <p:transition spd="slow">
+    <p:push/>
+  </p:transition>
+</p:sld>
+</file>
+
+<file path=ppt/slides/slide7.xml><?xml version="1.0" encoding="utf-8"?>
+<p:sld xmlns:a="http://schemas.openxmlformats.org/drawingml/2006/main" xmlns:r="http://schemas.openxmlformats.org/officeDocument/2006/relationships" xmlns:p="http://schemas.openxmlformats.org/presentationml/2006/main">
+  <p:cSld>
+    <p:spTree>
+      <p:nvGrpSpPr>
+        <p:cNvPr id="1" name="Shape 139"/>
+        <p:cNvGrpSpPr/>
+        <p:nvPr/>
+      </p:nvGrpSpPr>
+      <p:grpSpPr>
+        <a:xfrm>
+          <a:off x="0" y="0"/>
+          <a:ext cx="0" cy="0"/>
+          <a:chOff x="0" y="0"/>
+          <a:chExt cx="0" cy="0"/>
+        </a:xfrm>
+      </p:grpSpPr>
+      <p:cxnSp>
+        <p:nvCxnSpPr>
+          <p:cNvPr id="140" name="Google Shape;140;p26"/>
+          <p:cNvCxnSpPr/>
+          <p:nvPr/>
+        </p:nvCxnSpPr>
+        <p:spPr>
+          <a:xfrm rot="10800000">
+            <a:off x="471906" y="672952"/>
+            <a:ext cx="8200200" cy="0"/>
+          </a:xfrm>
+          <a:prstGeom prst="straightConnector1">
+            <a:avLst/>
+          </a:prstGeom>
+          <a:noFill/>
+          <a:ln w="38100" cap="flat" cmpd="sng">
+            <a:solidFill>
+              <a:srgbClr val="08244A"/>
+            </a:solidFill>
+            <a:prstDash val="solid"/>
+            <a:miter lim="800000"/>
+            <a:headEnd type="none" w="sm" len="sm"/>
+            <a:tailEnd type="none" w="sm" len="sm"/>
+          </a:ln>
+        </p:spPr>
+      </p:cxnSp>
+      <p:sp>
+        <p:nvSpPr>
+          <p:cNvPr id="141" name="Google Shape;141;p26"/>
+          <p:cNvSpPr txBox="1"/>
+          <p:nvPr/>
+        </p:nvSpPr>
+        <p:spPr>
+          <a:xfrm>
+            <a:off x="4312990" y="4919588"/>
+            <a:ext cx="518100" cy="238500"/>
+          </a:xfrm>
+          <a:prstGeom prst="rect">
+            <a:avLst/>
+          </a:prstGeom>
+          <a:solidFill>
+            <a:srgbClr val="08244A"/>
+          </a:solidFill>
+          <a:ln>
+            <a:noFill/>
+          </a:ln>
+        </p:spPr>
+        <p:txBody>
+          <a:bodyPr spcFirstLastPara="1" wrap="square" lIns="68575" tIns="34275" rIns="68575" bIns="34275" anchor="t" anchorCtr="0">
+            <a:spAutoFit/>
+          </a:bodyPr>
+          <a:lstStyle/>
+          <a:p>
+            <a:pPr marL="0" marR="0" lvl="0" indent="0" algn="ctr" rtl="0">
+              <a:spcBef>
+                <a:spcPts val="0"/>
+              </a:spcBef>
+              <a:spcAft>
+                <a:spcPts val="0"/>
+              </a:spcAft>
+              <a:buNone/>
+            </a:pPr>
+            <a:endParaRPr sz="1100">
+              <a:solidFill>
+                <a:schemeClr val="lt1"/>
+              </a:solidFill>
+              <a:latin typeface="Arial"/>
+              <a:ea typeface="Arial"/>
+              <a:cs typeface="Arial"/>
+              <a:sym typeface="Arial"/>
+            </a:endParaRPr>
+          </a:p>
+        </p:txBody>
+      </p:sp>
+      <p:sp>
+        <p:nvSpPr>
+          <p:cNvPr id="142" name="Google Shape;142;p26"/>
+          <p:cNvSpPr txBox="1"/>
+          <p:nvPr/>
+        </p:nvSpPr>
+        <p:spPr>
+          <a:xfrm>
+            <a:off x="7422919" y="4868275"/>
+            <a:ext cx="1660500" cy="238500"/>
+          </a:xfrm>
+          <a:prstGeom prst="rect">
+            <a:avLst/>
+          </a:prstGeom>
+          <a:noFill/>
+          <a:ln>
+            <a:noFill/>
+          </a:ln>
+        </p:spPr>
+        <p:txBody>
+          <a:bodyPr spcFirstLastPara="1" wrap="square" lIns="68575" tIns="34275" rIns="68575" bIns="34275" anchor="t" anchorCtr="0">
+            <a:spAutoFit/>
+          </a:bodyPr>
+          <a:lstStyle/>
+          <a:p>
+            <a:pPr marL="0" marR="0" lvl="0" indent="0" algn="r" rtl="0">
+              <a:spcBef>
+                <a:spcPts val="0"/>
+              </a:spcBef>
+              <a:spcAft>
+                <a:spcPts val="0"/>
+              </a:spcAft>
+              <a:buNone/>
+            </a:pPr>
+            <a:r>
+              <a:rPr lang="zh-TW" sz="1100">
+                <a:solidFill>
+                  <a:srgbClr val="A5A5A5"/>
+                </a:solidFill>
+                <a:latin typeface="Consolas"/>
+                <a:ea typeface="Consolas"/>
+                <a:cs typeface="Consolas"/>
+                <a:sym typeface="Consolas"/>
+              </a:rPr>
+              <a:t>NTUST GAMELab</a:t>
+            </a:r>
+            <a:endParaRPr sz="1100">
+              <a:solidFill>
+                <a:srgbClr val="A5A5A5"/>
+              </a:solidFill>
+              <a:latin typeface="Consolas"/>
+              <a:ea typeface="Consolas"/>
+              <a:cs typeface="Consolas"/>
+              <a:sym typeface="Consolas"/>
+            </a:endParaRPr>
+          </a:p>
+        </p:txBody>
+      </p:sp>
+      <p:sp>
+        <p:nvSpPr>
+          <p:cNvPr id="143" name="Google Shape;143;p26"/>
+          <p:cNvSpPr txBox="1">
+            <a:spLocks noGrp="1"/>
+          </p:cNvSpPr>
+          <p:nvPr>
+            <p:ph type="sldNum" idx="12"/>
+          </p:nvPr>
+        </p:nvSpPr>
+        <p:spPr>
+          <a:xfrm>
+            <a:off x="3543300" y="4904660"/>
+            <a:ext cx="2057400" cy="273900"/>
+          </a:xfrm>
+          <a:prstGeom prst="rect">
+            <a:avLst/>
+          </a:prstGeom>
+          <a:noFill/>
+          <a:ln>
+            <a:noFill/>
+          </a:ln>
+        </p:spPr>
+        <p:txBody>
+          <a:bodyPr spcFirstLastPara="1" wrap="square" lIns="68575" tIns="34275" rIns="68575" bIns="34275" anchor="ctr" anchorCtr="0">
+            <a:noAutofit/>
+          </a:bodyPr>
+          <a:lstStyle/>
+          <a:p>
+            <a:pPr marL="0" lvl="0" indent="0" algn="ctr" rtl="0">
+              <a:spcBef>
+                <a:spcPts val="0"/>
+              </a:spcBef>
+              <a:spcAft>
+                <a:spcPts val="0"/>
+              </a:spcAft>
+              <a:buNone/>
+            </a:pPr>
+            <a:fld id="{00000000-1234-1234-1234-123412341234}" type="slidenum">
+              <a:rPr lang="en-US" altLang="zh-TW" sz="1100"/>
+              <a:t>7</a:t>
+            </a:fld>
+            <a:endParaRPr sz="1100"/>
+          </a:p>
+        </p:txBody>
+      </p:sp>
+      <p:sp>
+        <p:nvSpPr>
+          <p:cNvPr id="144" name="Google Shape;144;p26"/>
+          <p:cNvSpPr txBox="1"/>
+          <p:nvPr/>
+        </p:nvSpPr>
+        <p:spPr>
+          <a:xfrm>
+            <a:off x="368600" y="246125"/>
+            <a:ext cx="7941920" cy="392385"/>
+          </a:xfrm>
+          <a:prstGeom prst="rect">
+            <a:avLst/>
+          </a:prstGeom>
+          <a:noFill/>
+          <a:ln>
+            <a:noFill/>
+          </a:ln>
+        </p:spPr>
+        <p:txBody>
+          <a:bodyPr spcFirstLastPara="1" wrap="square" lIns="68575" tIns="34275" rIns="68575" bIns="34275" anchor="t" anchorCtr="0">
+            <a:spAutoFit/>
+          </a:bodyPr>
+          <a:lstStyle/>
+          <a:p>
+            <a:pPr lvl="0"/>
+            <a:r>
+              <a:rPr lang="en-US" sz="2100" b="1" dirty="0">
+                <a:solidFill>
+                  <a:srgbClr val="08244A"/>
+                </a:solidFill>
+                <a:latin typeface="Microsoft JhengHei"/>
+                <a:ea typeface="Microsoft JhengHei"/>
+                <a:cs typeface="Microsoft JhengHei"/>
+                <a:sym typeface="Microsoft JhengHei"/>
+              </a:rPr>
+              <a:t>Related Work - Masked language modeling  </a:t>
+            </a:r>
+            <a:endParaRPr sz="2100" b="1" dirty="0">
+              <a:solidFill>
+                <a:srgbClr val="08244A"/>
+              </a:solidFill>
+              <a:latin typeface="Microsoft JhengHei"/>
+              <a:ea typeface="Microsoft JhengHei"/>
+              <a:cs typeface="Microsoft JhengHei"/>
+              <a:sym typeface="Microsoft JhengHei"/>
+            </a:endParaRPr>
+          </a:p>
+        </p:txBody>
+      </p:sp>
+      <p:sp>
+        <p:nvSpPr>
+          <p:cNvPr id="145" name="Google Shape;145;p26"/>
+          <p:cNvSpPr txBox="1"/>
+          <p:nvPr/>
+        </p:nvSpPr>
+        <p:spPr>
+          <a:xfrm>
+            <a:off x="471900" y="736201"/>
+            <a:ext cx="7422300" cy="369300"/>
+          </a:xfrm>
+          <a:prstGeom prst="rect">
+            <a:avLst/>
+          </a:prstGeom>
+          <a:noFill/>
+          <a:ln>
+            <a:noFill/>
+          </a:ln>
+        </p:spPr>
+        <p:txBody>
+          <a:bodyPr spcFirstLastPara="1" wrap="square" lIns="91425" tIns="91425" rIns="91425" bIns="91425" anchor="t" anchorCtr="0">
+            <a:spAutoFit/>
+          </a:bodyPr>
+          <a:lstStyle/>
+          <a:p>
+            <a:pPr marL="0" lvl="0" indent="0" algn="l" rtl="0">
+              <a:spcBef>
+                <a:spcPts val="0"/>
+              </a:spcBef>
+              <a:spcAft>
+                <a:spcPts val="0"/>
+              </a:spcAft>
+              <a:buNone/>
+            </a:pPr>
+            <a:endParaRPr sz="1200" b="1">
+              <a:solidFill>
+                <a:schemeClr val="dk1"/>
+              </a:solidFill>
+              <a:latin typeface="Microsoft JhengHei"/>
+              <a:ea typeface="Microsoft JhengHei"/>
+              <a:cs typeface="Microsoft JhengHei"/>
+              <a:sym typeface="Microsoft JhengHei"/>
+            </a:endParaRPr>
+          </a:p>
+        </p:txBody>
+      </p:sp>
+      <p:sp>
+        <p:nvSpPr>
+          <p:cNvPr id="146" name="Google Shape;146;p26"/>
+          <p:cNvSpPr txBox="1"/>
+          <p:nvPr/>
+        </p:nvSpPr>
+        <p:spPr>
+          <a:xfrm>
+            <a:off x="471900" y="886850"/>
+            <a:ext cx="8252100" cy="1154132"/>
+          </a:xfrm>
+          <a:prstGeom prst="rect">
+            <a:avLst/>
+          </a:prstGeom>
+          <a:noFill/>
+          <a:ln>
+            <a:noFill/>
+          </a:ln>
+        </p:spPr>
+        <p:txBody>
+          <a:bodyPr spcFirstLastPara="1" wrap="square" lIns="91425" tIns="91425" rIns="91425" bIns="91425" anchor="t" anchorCtr="0">
+            <a:spAutoFit/>
+          </a:bodyPr>
+          <a:lstStyle/>
+          <a:p>
+            <a:pPr marL="457200" lvl="0" indent="-317500">
+              <a:lnSpc>
+                <a:spcPct val="150000"/>
+              </a:lnSpc>
+              <a:buClr>
+                <a:schemeClr val="dk1"/>
+              </a:buClr>
+              <a:buSzPts val="1400"/>
+              <a:buFont typeface="Microsoft JhengHei"/>
+              <a:buAutoNum type="arabicPeriod"/>
+            </a:pPr>
+            <a:r>
+              <a:rPr lang="en-US" altLang="zh-TW" dirty="0"/>
+              <a:t>BERT and GPT are highly successful methods for pre-training in NLP. </a:t>
+            </a:r>
+          </a:p>
+          <a:p>
+            <a:pPr marL="457200" lvl="0" indent="-317500">
+              <a:lnSpc>
+                <a:spcPct val="150000"/>
+              </a:lnSpc>
+              <a:buClr>
+                <a:schemeClr val="dk1"/>
+              </a:buClr>
+              <a:buSzPts val="1400"/>
+              <a:buFont typeface="Microsoft JhengHei"/>
+              <a:buAutoNum type="arabicPeriod"/>
+            </a:pPr>
+            <a:r>
+              <a:rPr lang="en-US" altLang="zh-TW" dirty="0"/>
+              <a:t>These methods hold out a portion of the input sequence and train models to predict the missing content. </a:t>
+            </a:r>
+          </a:p>
+        </p:txBody>
+      </p:sp>
+    </p:spTree>
+    <p:extLst>
+      <p:ext uri="{BB962C8B-B14F-4D97-AF65-F5344CB8AC3E}">
+        <p14:creationId xmlns:p14="http://schemas.microsoft.com/office/powerpoint/2010/main" val="1986401551"/>
+      </p:ext>
+    </p:extLst>
+  </p:cSld>
+  <p:clrMapOvr>
+    <a:masterClrMapping/>
+  </p:clrMapOvr>
+  <p:transition spd="slow">
+    <p:push/>
+  </p:transition>
+</p:sld>
+</file>
+
+<file path=ppt/slides/slide8.xml><?xml version="1.0" encoding="utf-8"?>
+<p:sld xmlns:a="http://schemas.openxmlformats.org/drawingml/2006/main" xmlns:r="http://schemas.openxmlformats.org/officeDocument/2006/relationships" xmlns:p="http://schemas.openxmlformats.org/presentationml/2006/main">
+  <p:cSld>
+    <p:spTree>
+      <p:nvGrpSpPr>
+        <p:cNvPr id="1" name="Shape 139"/>
+        <p:cNvGrpSpPr/>
+        <p:nvPr/>
+      </p:nvGrpSpPr>
+      <p:grpSpPr>
+        <a:xfrm>
+          <a:off x="0" y="0"/>
+          <a:ext cx="0" cy="0"/>
+          <a:chOff x="0" y="0"/>
+          <a:chExt cx="0" cy="0"/>
+        </a:xfrm>
+      </p:grpSpPr>
+      <p:cxnSp>
+        <p:nvCxnSpPr>
+          <p:cNvPr id="140" name="Google Shape;140;p26"/>
+          <p:cNvCxnSpPr/>
+          <p:nvPr/>
+        </p:nvCxnSpPr>
+        <p:spPr>
+          <a:xfrm rot="10800000">
+            <a:off x="471906" y="672952"/>
+            <a:ext cx="8200200" cy="0"/>
+          </a:xfrm>
+          <a:prstGeom prst="straightConnector1">
+            <a:avLst/>
+          </a:prstGeom>
+          <a:noFill/>
+          <a:ln w="38100" cap="flat" cmpd="sng">
+            <a:solidFill>
+              <a:srgbClr val="08244A"/>
+            </a:solidFill>
+            <a:prstDash val="solid"/>
+            <a:miter lim="800000"/>
+            <a:headEnd type="none" w="sm" len="sm"/>
+            <a:tailEnd type="none" w="sm" len="sm"/>
+          </a:ln>
+        </p:spPr>
+      </p:cxnSp>
+      <p:sp>
+        <p:nvSpPr>
+          <p:cNvPr id="141" name="Google Shape;141;p26"/>
+          <p:cNvSpPr txBox="1"/>
+          <p:nvPr/>
+        </p:nvSpPr>
+        <p:spPr>
+          <a:xfrm>
+            <a:off x="4312990" y="4919588"/>
+            <a:ext cx="518100" cy="238500"/>
+          </a:xfrm>
+          <a:prstGeom prst="rect">
+            <a:avLst/>
+          </a:prstGeom>
+          <a:solidFill>
+            <a:srgbClr val="08244A"/>
+          </a:solidFill>
+          <a:ln>
+            <a:noFill/>
+          </a:ln>
+        </p:spPr>
+        <p:txBody>
+          <a:bodyPr spcFirstLastPara="1" wrap="square" lIns="68575" tIns="34275" rIns="68575" bIns="34275" anchor="t" anchorCtr="0">
+            <a:spAutoFit/>
+          </a:bodyPr>
+          <a:lstStyle/>
+          <a:p>
+            <a:pPr marL="0" marR="0" lvl="0" indent="0" algn="ctr" rtl="0">
+              <a:spcBef>
+                <a:spcPts val="0"/>
+              </a:spcBef>
+              <a:spcAft>
+                <a:spcPts val="0"/>
+              </a:spcAft>
+              <a:buNone/>
+            </a:pPr>
+            <a:endParaRPr sz="1100">
+              <a:solidFill>
+                <a:schemeClr val="lt1"/>
+              </a:solidFill>
+              <a:latin typeface="Arial"/>
+              <a:ea typeface="Arial"/>
+              <a:cs typeface="Arial"/>
+              <a:sym typeface="Arial"/>
+            </a:endParaRPr>
+          </a:p>
+        </p:txBody>
+      </p:sp>
+      <p:sp>
+        <p:nvSpPr>
+          <p:cNvPr id="142" name="Google Shape;142;p26"/>
+          <p:cNvSpPr txBox="1"/>
+          <p:nvPr/>
+        </p:nvSpPr>
+        <p:spPr>
+          <a:xfrm>
+            <a:off x="7422919" y="4868275"/>
+            <a:ext cx="1660500" cy="238500"/>
+          </a:xfrm>
+          <a:prstGeom prst="rect">
+            <a:avLst/>
+          </a:prstGeom>
+          <a:noFill/>
+          <a:ln>
+            <a:noFill/>
+          </a:ln>
+        </p:spPr>
+        <p:txBody>
+          <a:bodyPr spcFirstLastPara="1" wrap="square" lIns="68575" tIns="34275" rIns="68575" bIns="34275" anchor="t" anchorCtr="0">
+            <a:spAutoFit/>
+          </a:bodyPr>
+          <a:lstStyle/>
+          <a:p>
+            <a:pPr marL="0" marR="0" lvl="0" indent="0" algn="r" rtl="0">
+              <a:spcBef>
+                <a:spcPts val="0"/>
+              </a:spcBef>
+              <a:spcAft>
+                <a:spcPts val="0"/>
+              </a:spcAft>
+              <a:buNone/>
+            </a:pPr>
+            <a:r>
+              <a:rPr lang="zh-TW" sz="1100">
+                <a:solidFill>
+                  <a:srgbClr val="A5A5A5"/>
+                </a:solidFill>
+                <a:latin typeface="Consolas"/>
+                <a:ea typeface="Consolas"/>
+                <a:cs typeface="Consolas"/>
+                <a:sym typeface="Consolas"/>
+              </a:rPr>
+              <a:t>NTUST GAMELab</a:t>
+            </a:r>
+            <a:endParaRPr sz="1100">
+              <a:solidFill>
+                <a:srgbClr val="A5A5A5"/>
+              </a:solidFill>
+              <a:latin typeface="Consolas"/>
+              <a:ea typeface="Consolas"/>
+              <a:cs typeface="Consolas"/>
+              <a:sym typeface="Consolas"/>
+            </a:endParaRPr>
+          </a:p>
+        </p:txBody>
+      </p:sp>
+      <p:sp>
+        <p:nvSpPr>
+          <p:cNvPr id="143" name="Google Shape;143;p26"/>
+          <p:cNvSpPr txBox="1">
+            <a:spLocks noGrp="1"/>
+          </p:cNvSpPr>
+          <p:nvPr>
+            <p:ph type="sldNum" idx="12"/>
+          </p:nvPr>
+        </p:nvSpPr>
+        <p:spPr>
+          <a:xfrm>
+            <a:off x="3543300" y="4904660"/>
+            <a:ext cx="2057400" cy="273900"/>
+          </a:xfrm>
+          <a:prstGeom prst="rect">
+            <a:avLst/>
+          </a:prstGeom>
+          <a:noFill/>
+          <a:ln>
+            <a:noFill/>
+          </a:ln>
+        </p:spPr>
+        <p:txBody>
+          <a:bodyPr spcFirstLastPara="1" wrap="square" lIns="68575" tIns="34275" rIns="68575" bIns="34275" anchor="ctr" anchorCtr="0">
+            <a:noAutofit/>
+          </a:bodyPr>
+          <a:lstStyle/>
+          <a:p>
+            <a:pPr marL="0" lvl="0" indent="0" algn="ctr" rtl="0">
+              <a:spcBef>
+                <a:spcPts val="0"/>
+              </a:spcBef>
+              <a:spcAft>
+                <a:spcPts val="0"/>
+              </a:spcAft>
+              <a:buNone/>
+            </a:pPr>
+            <a:fld id="{00000000-1234-1234-1234-123412341234}" type="slidenum">
+              <a:rPr lang="en-US" altLang="zh-TW" sz="1100"/>
+              <a:t>8</a:t>
+            </a:fld>
+            <a:endParaRPr sz="1100"/>
+          </a:p>
+        </p:txBody>
+      </p:sp>
+      <p:sp>
+        <p:nvSpPr>
+          <p:cNvPr id="144" name="Google Shape;144;p26"/>
+          <p:cNvSpPr txBox="1"/>
+          <p:nvPr/>
+        </p:nvSpPr>
+        <p:spPr>
+          <a:xfrm>
+            <a:off x="368600" y="246125"/>
+            <a:ext cx="7941920" cy="392385"/>
+          </a:xfrm>
+          <a:prstGeom prst="rect">
+            <a:avLst/>
+          </a:prstGeom>
+          <a:noFill/>
+          <a:ln>
+            <a:noFill/>
+          </a:ln>
+        </p:spPr>
+        <p:txBody>
+          <a:bodyPr spcFirstLastPara="1" wrap="square" lIns="68575" tIns="34275" rIns="68575" bIns="34275" anchor="t" anchorCtr="0">
+            <a:spAutoFit/>
+          </a:bodyPr>
+          <a:lstStyle/>
+          <a:p>
+            <a:pPr lvl="0"/>
+            <a:r>
+              <a:rPr lang="en-US" sz="2100" b="1" dirty="0">
+                <a:solidFill>
+                  <a:srgbClr val="08244A"/>
+                </a:solidFill>
+                <a:latin typeface="Microsoft JhengHei"/>
+                <a:ea typeface="Microsoft JhengHei"/>
+                <a:cs typeface="Microsoft JhengHei"/>
+                <a:sym typeface="Microsoft JhengHei"/>
+              </a:rPr>
+              <a:t>Related Work - Autoencoding</a:t>
+            </a:r>
+            <a:endParaRPr sz="2100" b="1" dirty="0">
+              <a:solidFill>
+                <a:srgbClr val="08244A"/>
+              </a:solidFill>
+              <a:latin typeface="Microsoft JhengHei"/>
+              <a:ea typeface="Microsoft JhengHei"/>
+              <a:cs typeface="Microsoft JhengHei"/>
+              <a:sym typeface="Microsoft JhengHei"/>
+            </a:endParaRPr>
+          </a:p>
+        </p:txBody>
+      </p:sp>
+      <p:sp>
+        <p:nvSpPr>
+          <p:cNvPr id="145" name="Google Shape;145;p26"/>
+          <p:cNvSpPr txBox="1"/>
+          <p:nvPr/>
+        </p:nvSpPr>
+        <p:spPr>
+          <a:xfrm>
+            <a:off x="471900" y="736201"/>
+            <a:ext cx="7422300" cy="369300"/>
+          </a:xfrm>
+          <a:prstGeom prst="rect">
+            <a:avLst/>
+          </a:prstGeom>
+          <a:noFill/>
+          <a:ln>
+            <a:noFill/>
+          </a:ln>
+        </p:spPr>
+        <p:txBody>
+          <a:bodyPr spcFirstLastPara="1" wrap="square" lIns="91425" tIns="91425" rIns="91425" bIns="91425" anchor="t" anchorCtr="0">
+            <a:spAutoFit/>
+          </a:bodyPr>
+          <a:lstStyle/>
+          <a:p>
+            <a:pPr marL="0" lvl="0" indent="0" algn="l" rtl="0">
+              <a:spcBef>
+                <a:spcPts val="0"/>
+              </a:spcBef>
+              <a:spcAft>
+                <a:spcPts val="0"/>
+              </a:spcAft>
+              <a:buNone/>
+            </a:pPr>
+            <a:endParaRPr sz="1200" b="1">
+              <a:solidFill>
+                <a:schemeClr val="dk1"/>
+              </a:solidFill>
+              <a:latin typeface="Microsoft JhengHei"/>
+              <a:ea typeface="Microsoft JhengHei"/>
+              <a:cs typeface="Microsoft JhengHei"/>
+              <a:sym typeface="Microsoft JhengHei"/>
+            </a:endParaRPr>
+          </a:p>
+        </p:txBody>
+      </p:sp>
+      <p:sp>
+        <p:nvSpPr>
+          <p:cNvPr id="146" name="Google Shape;146;p26"/>
+          <p:cNvSpPr txBox="1"/>
+          <p:nvPr/>
+        </p:nvSpPr>
+        <p:spPr>
+          <a:xfrm>
+            <a:off x="471900" y="886850"/>
+            <a:ext cx="8252100" cy="1154132"/>
+          </a:xfrm>
+          <a:prstGeom prst="rect">
+            <a:avLst/>
+          </a:prstGeom>
+          <a:noFill/>
+          <a:ln>
+            <a:noFill/>
+          </a:ln>
+        </p:spPr>
+        <p:txBody>
+          <a:bodyPr spcFirstLastPara="1" wrap="square" lIns="91425" tIns="91425" rIns="91425" bIns="91425" anchor="t" anchorCtr="0">
+            <a:spAutoFit/>
+          </a:bodyPr>
+          <a:lstStyle/>
+          <a:p>
+            <a:pPr marL="457200" lvl="0" indent="-317500">
+              <a:lnSpc>
+                <a:spcPct val="150000"/>
+              </a:lnSpc>
+              <a:buClr>
+                <a:schemeClr val="dk1"/>
+              </a:buClr>
+              <a:buSzPts val="1400"/>
+              <a:buFont typeface="Microsoft JhengHei"/>
+              <a:buAutoNum type="arabicPeriod"/>
+            </a:pPr>
+            <a:r>
+              <a:rPr lang="en-US" altLang="zh-TW" dirty="0"/>
+              <a:t>BERT and GPT are highly successful methods for pre-training in NLP. </a:t>
+            </a:r>
+          </a:p>
+          <a:p>
+            <a:pPr marL="457200" lvl="0" indent="-317500">
+              <a:lnSpc>
+                <a:spcPct val="150000"/>
+              </a:lnSpc>
+              <a:buClr>
+                <a:schemeClr val="dk1"/>
+              </a:buClr>
+              <a:buSzPts val="1400"/>
+              <a:buFont typeface="Microsoft JhengHei"/>
+              <a:buAutoNum type="arabicPeriod"/>
+            </a:pPr>
+            <a:r>
+              <a:rPr lang="en-US" altLang="zh-TW" dirty="0"/>
+              <a:t>These methods hold out a portion of the input sequence and train models to predict the missing content. </a:t>
+            </a:r>
+          </a:p>
+        </p:txBody>
+      </p:sp>
+    </p:spTree>
+    <p:extLst>
+      <p:ext uri="{BB962C8B-B14F-4D97-AF65-F5344CB8AC3E}">
+        <p14:creationId xmlns:p14="http://schemas.microsoft.com/office/powerpoint/2010/main" val="257205780"/>
+      </p:ext>
+    </p:extLst>
+  </p:cSld>
+  <p:clrMapOvr>
+    <a:masterClrMapping/>
+  </p:clrMapOvr>
+  <p:transition spd="slow">
+    <p:push/>
+  </p:transition>
+</p:sld>
+</file>
+
+<file path=ppt/slides/slide9.xml><?xml version="1.0" encoding="utf-8"?>
+<p:sld xmlns:a="http://schemas.openxmlformats.org/drawingml/2006/main" xmlns:r="http://schemas.openxmlformats.org/officeDocument/2006/relationships" xmlns:p="http://schemas.openxmlformats.org/presentationml/2006/main">
+  <p:cSld>
+    <p:spTree>
+      <p:nvGrpSpPr>
         <p:cNvPr id="1" name="Shape 674"/>
         <p:cNvGrpSpPr/>
         <p:nvPr/>
@@ -19538,7 +21347,7 @@
             </a:pPr>
             <a:fld id="{00000000-1234-1234-1234-123412341234}" type="slidenum">
               <a:rPr lang="en-US" altLang="zh-TW"/>
-              <a:t>6</a:t>
+              <a:t>9</a:t>
             </a:fld>
             <a:endParaRPr/>
           </a:p>

--- a/Masked Autoencoders Are Scalable Vision Learners.pptx
+++ b/Masked Autoencoders Are Scalable Vision Learners.pptx
@@ -6,7 +6,7 @@
     <p:sldMasterId id="2147483671" r:id="rId2"/>
   </p:sldMasterIdLst>
   <p:notesMasterIdLst>
-    <p:notesMasterId r:id="rId12"/>
+    <p:notesMasterId r:id="rId23"/>
   </p:notesMasterIdLst>
   <p:sldIdLst>
     <p:sldId id="256" r:id="rId3"/>
@@ -17,7 +17,18 @@
     <p:sldId id="296" r:id="rId8"/>
     <p:sldId id="297" r:id="rId9"/>
     <p:sldId id="298" r:id="rId10"/>
-    <p:sldId id="292" r:id="rId11"/>
+    <p:sldId id="299" r:id="rId11"/>
+    <p:sldId id="300" r:id="rId12"/>
+    <p:sldId id="301" r:id="rId13"/>
+    <p:sldId id="303" r:id="rId14"/>
+    <p:sldId id="302" r:id="rId15"/>
+    <p:sldId id="304" r:id="rId16"/>
+    <p:sldId id="305" r:id="rId17"/>
+    <p:sldId id="307" r:id="rId18"/>
+    <p:sldId id="306" r:id="rId19"/>
+    <p:sldId id="308" r:id="rId20"/>
+    <p:sldId id="309" r:id="rId21"/>
+    <p:sldId id="292" r:id="rId22"/>
   </p:sldIdLst>
   <p:sldSz cx="9144000" cy="5143500" type="screen16x9"/>
   <p:notesSz cx="6858000" cy="9144000"/>
@@ -886,7 +897,7 @@
 </p:notes>
 </file>
 
-<file path=ppt/notesSlides/notesSlide2.xml><?xml version="1.0" encoding="utf-8"?>
+<file path=ppt/notesSlides/notesSlide10.xml><?xml version="1.0" encoding="utf-8"?>
 <p:notes xmlns:a="http://schemas.openxmlformats.org/drawingml/2006/main" xmlns:r="http://schemas.openxmlformats.org/officeDocument/2006/relationships" xmlns:p="http://schemas.openxmlformats.org/presentationml/2006/main" showMasterSp="0" showMasterPhAnim="0">
   <p:cSld>
     <p:spTree>
@@ -1000,7 +1011,11 @@
               <a:buFont typeface="Calibri"/>
               <a:buNone/>
             </a:pPr>
-            <a:endParaRPr/>
+            <a:r>
+              <a:rPr lang="en-US" altLang="zh-TW" dirty="0"/>
+              <a:t>80%</a:t>
+            </a:r>
+            <a:endParaRPr dirty="0"/>
           </a:p>
         </p:txBody>
       </p:sp>
@@ -1044,11 +1059,2436 @@
             </a:pPr>
             <a:fld id="{00000000-1234-1234-1234-123412341234}" type="slidenum">
               <a:rPr lang="en-US" altLang="zh-TW"/>
+              <a:t>10</a:t>
+            </a:fld>
+            <a:endParaRPr/>
+          </a:p>
+        </p:txBody>
+      </p:sp>
+    </p:spTree>
+    <p:extLst>
+      <p:ext uri="{BB962C8B-B14F-4D97-AF65-F5344CB8AC3E}">
+        <p14:creationId xmlns:p14="http://schemas.microsoft.com/office/powerpoint/2010/main" val="116696983"/>
+      </p:ext>
+    </p:extLst>
+  </p:cSld>
+  <p:clrMapOvr>
+    <a:masterClrMapping/>
+  </p:clrMapOvr>
+</p:notes>
+</file>
+
+<file path=ppt/notesSlides/notesSlide11.xml><?xml version="1.0" encoding="utf-8"?>
+<p:notes xmlns:a="http://schemas.openxmlformats.org/drawingml/2006/main" xmlns:r="http://schemas.openxmlformats.org/officeDocument/2006/relationships" xmlns:p="http://schemas.openxmlformats.org/presentationml/2006/main" showMasterSp="0" showMasterPhAnim="0">
+  <p:cSld>
+    <p:spTree>
+      <p:nvGrpSpPr>
+        <p:cNvPr id="1" name="Shape 135"/>
+        <p:cNvGrpSpPr/>
+        <p:nvPr/>
+      </p:nvGrpSpPr>
+      <p:grpSpPr>
+        <a:xfrm>
+          <a:off x="0" y="0"/>
+          <a:ext cx="0" cy="0"/>
+          <a:chOff x="0" y="0"/>
+          <a:chExt cx="0" cy="0"/>
+        </a:xfrm>
+      </p:grpSpPr>
+      <p:sp>
+        <p:nvSpPr>
+          <p:cNvPr id="136" name="Google Shape;136;g1144437607e_2_96:notes"/>
+          <p:cNvSpPr>
+            <a:spLocks noGrp="1" noRot="1" noChangeAspect="1"/>
+          </p:cNvSpPr>
+          <p:nvPr>
+            <p:ph type="sldImg" idx="2"/>
+          </p:nvPr>
+        </p:nvSpPr>
+        <p:spPr>
+          <a:xfrm>
+            <a:off x="685800" y="1143000"/>
+            <a:ext cx="5486400" cy="3086100"/>
+          </a:xfrm>
+          <a:custGeom>
+            <a:avLst/>
+            <a:gdLst/>
+            <a:ahLst/>
+            <a:cxnLst/>
+            <a:rect l="l" t="t" r="r" b="b"/>
+            <a:pathLst>
+              <a:path w="120000" h="120000" extrusionOk="0">
+                <a:moveTo>
+                  <a:pt x="0" y="0"/>
+                </a:moveTo>
+                <a:lnTo>
+                  <a:pt x="120000" y="0"/>
+                </a:lnTo>
+                <a:lnTo>
+                  <a:pt x="120000" y="120000"/>
+                </a:lnTo>
+                <a:lnTo>
+                  <a:pt x="0" y="120000"/>
+                </a:lnTo>
+                <a:close/>
+              </a:path>
+            </a:pathLst>
+          </a:custGeom>
+          <a:noFill/>
+          <a:ln w="12700" cap="flat" cmpd="sng">
+            <a:solidFill>
+              <a:srgbClr val="000000"/>
+            </a:solidFill>
+            <a:prstDash val="solid"/>
+            <a:round/>
+            <a:headEnd type="none" w="sm" len="sm"/>
+            <a:tailEnd type="none" w="sm" len="sm"/>
+          </a:ln>
+        </p:spPr>
+      </p:sp>
+      <p:sp>
+        <p:nvSpPr>
+          <p:cNvPr id="137" name="Google Shape;137;g1144437607e_2_96:notes"/>
+          <p:cNvSpPr txBox="1">
+            <a:spLocks noGrp="1"/>
+          </p:cNvSpPr>
+          <p:nvPr>
+            <p:ph type="body" idx="1"/>
+          </p:nvPr>
+        </p:nvSpPr>
+        <p:spPr>
+          <a:xfrm>
+            <a:off x="685800" y="4400550"/>
+            <a:ext cx="5486400" cy="3600600"/>
+          </a:xfrm>
+          <a:prstGeom prst="rect">
+            <a:avLst/>
+          </a:prstGeom>
+          <a:noFill/>
+          <a:ln>
+            <a:noFill/>
+          </a:ln>
+        </p:spPr>
+        <p:txBody>
+          <a:bodyPr spcFirstLastPara="1" wrap="square" lIns="91425" tIns="45700" rIns="91425" bIns="45700" anchor="t" anchorCtr="0">
+            <a:noAutofit/>
+          </a:bodyPr>
+          <a:lstStyle/>
+          <a:p>
+            <a:pPr marL="0" marR="0" lvl="0" indent="0" algn="l" rtl="0">
+              <a:lnSpc>
+                <a:spcPct val="100000"/>
+              </a:lnSpc>
+              <a:spcBef>
+                <a:spcPts val="0"/>
+              </a:spcBef>
+              <a:spcAft>
+                <a:spcPts val="0"/>
+              </a:spcAft>
+              <a:buClr>
+                <a:schemeClr val="dk1"/>
+              </a:buClr>
+              <a:buSzPts val="1200"/>
+              <a:buFont typeface="Calibri"/>
+              <a:buNone/>
+            </a:pPr>
+            <a:r>
+              <a:rPr lang="en-US" altLang="zh-TW" b="0" i="0" dirty="0">
+                <a:effectLst/>
+                <a:latin typeface="Arial" panose="020B0604020202020204" pitchFamily="34" charset="0"/>
+              </a:rPr>
+              <a:t>(</a:t>
+            </a:r>
+            <a:r>
+              <a:rPr lang="en-US" altLang="zh-TW" b="0" i="0" dirty="0" err="1">
+                <a:effectLst/>
+                <a:latin typeface="Arial" panose="020B0604020202020204" pitchFamily="34" charset="0"/>
+              </a:rPr>
+              <a:t>i</a:t>
+            </a:r>
+            <a:r>
+              <a:rPr lang="en-US" altLang="zh-TW" b="0" i="0" dirty="0">
+                <a:effectLst/>
+                <a:latin typeface="Arial" panose="020B0604020202020204" pitchFamily="34" charset="0"/>
+              </a:rPr>
+              <a:t>) encoded visible patches, and (ii) mask tokens.</a:t>
+            </a:r>
+            <a:endParaRPr dirty="0"/>
+          </a:p>
+        </p:txBody>
+      </p:sp>
+      <p:sp>
+        <p:nvSpPr>
+          <p:cNvPr id="138" name="Google Shape;138;g1144437607e_2_96:notes"/>
+          <p:cNvSpPr txBox="1">
+            <a:spLocks noGrp="1"/>
+          </p:cNvSpPr>
+          <p:nvPr>
+            <p:ph type="sldNum" idx="12"/>
+          </p:nvPr>
+        </p:nvSpPr>
+        <p:spPr>
+          <a:xfrm>
+            <a:off x="3884613" y="8685213"/>
+            <a:ext cx="2971800" cy="458700"/>
+          </a:xfrm>
+          <a:prstGeom prst="rect">
+            <a:avLst/>
+          </a:prstGeom>
+          <a:noFill/>
+          <a:ln>
+            <a:noFill/>
+          </a:ln>
+        </p:spPr>
+        <p:txBody>
+          <a:bodyPr spcFirstLastPara="1" wrap="square" lIns="91425" tIns="45700" rIns="91425" bIns="45700" anchor="b" anchorCtr="0">
+            <a:noAutofit/>
+          </a:bodyPr>
+          <a:lstStyle/>
+          <a:p>
+            <a:pPr marL="0" lvl="0" indent="0" algn="r" rtl="0">
+              <a:spcBef>
+                <a:spcPts val="0"/>
+              </a:spcBef>
+              <a:spcAft>
+                <a:spcPts val="0"/>
+              </a:spcAft>
+              <a:buNone/>
+            </a:pPr>
+            <a:fld id="{00000000-1234-1234-1234-123412341234}" type="slidenum">
+              <a:rPr lang="en-US" altLang="zh-TW"/>
+              <a:t>11</a:t>
+            </a:fld>
+            <a:endParaRPr/>
+          </a:p>
+        </p:txBody>
+      </p:sp>
+    </p:spTree>
+    <p:extLst>
+      <p:ext uri="{BB962C8B-B14F-4D97-AF65-F5344CB8AC3E}">
+        <p14:creationId xmlns:p14="http://schemas.microsoft.com/office/powerpoint/2010/main" val="831116393"/>
+      </p:ext>
+    </p:extLst>
+  </p:cSld>
+  <p:clrMapOvr>
+    <a:masterClrMapping/>
+  </p:clrMapOvr>
+</p:notes>
+</file>
+
+<file path=ppt/notesSlides/notesSlide12.xml><?xml version="1.0" encoding="utf-8"?>
+<p:notes xmlns:a="http://schemas.openxmlformats.org/drawingml/2006/main" xmlns:r="http://schemas.openxmlformats.org/officeDocument/2006/relationships" xmlns:p="http://schemas.openxmlformats.org/presentationml/2006/main" showMasterSp="0" showMasterPhAnim="0">
+  <p:cSld>
+    <p:spTree>
+      <p:nvGrpSpPr>
+        <p:cNvPr id="1" name="Shape 135"/>
+        <p:cNvGrpSpPr/>
+        <p:nvPr/>
+      </p:nvGrpSpPr>
+      <p:grpSpPr>
+        <a:xfrm>
+          <a:off x="0" y="0"/>
+          <a:ext cx="0" cy="0"/>
+          <a:chOff x="0" y="0"/>
+          <a:chExt cx="0" cy="0"/>
+        </a:xfrm>
+      </p:grpSpPr>
+      <p:sp>
+        <p:nvSpPr>
+          <p:cNvPr id="136" name="Google Shape;136;g1144437607e_2_96:notes"/>
+          <p:cNvSpPr>
+            <a:spLocks noGrp="1" noRot="1" noChangeAspect="1"/>
+          </p:cNvSpPr>
+          <p:nvPr>
+            <p:ph type="sldImg" idx="2"/>
+          </p:nvPr>
+        </p:nvSpPr>
+        <p:spPr>
+          <a:xfrm>
+            <a:off x="685800" y="1143000"/>
+            <a:ext cx="5486400" cy="3086100"/>
+          </a:xfrm>
+          <a:custGeom>
+            <a:avLst/>
+            <a:gdLst/>
+            <a:ahLst/>
+            <a:cxnLst/>
+            <a:rect l="l" t="t" r="r" b="b"/>
+            <a:pathLst>
+              <a:path w="120000" h="120000" extrusionOk="0">
+                <a:moveTo>
+                  <a:pt x="0" y="0"/>
+                </a:moveTo>
+                <a:lnTo>
+                  <a:pt x="120000" y="0"/>
+                </a:lnTo>
+                <a:lnTo>
+                  <a:pt x="120000" y="120000"/>
+                </a:lnTo>
+                <a:lnTo>
+                  <a:pt x="0" y="120000"/>
+                </a:lnTo>
+                <a:close/>
+              </a:path>
+            </a:pathLst>
+          </a:custGeom>
+          <a:noFill/>
+          <a:ln w="12700" cap="flat" cmpd="sng">
+            <a:solidFill>
+              <a:srgbClr val="000000"/>
+            </a:solidFill>
+            <a:prstDash val="solid"/>
+            <a:round/>
+            <a:headEnd type="none" w="sm" len="sm"/>
+            <a:tailEnd type="none" w="sm" len="sm"/>
+          </a:ln>
+        </p:spPr>
+      </p:sp>
+      <p:sp>
+        <p:nvSpPr>
+          <p:cNvPr id="137" name="Google Shape;137;g1144437607e_2_96:notes"/>
+          <p:cNvSpPr txBox="1">
+            <a:spLocks noGrp="1"/>
+          </p:cNvSpPr>
+          <p:nvPr>
+            <p:ph type="body" idx="1"/>
+          </p:nvPr>
+        </p:nvSpPr>
+        <p:spPr>
+          <a:xfrm>
+            <a:off x="685800" y="4400550"/>
+            <a:ext cx="5486400" cy="3600600"/>
+          </a:xfrm>
+          <a:prstGeom prst="rect">
+            <a:avLst/>
+          </a:prstGeom>
+          <a:noFill/>
+          <a:ln>
+            <a:noFill/>
+          </a:ln>
+        </p:spPr>
+        <p:txBody>
+          <a:bodyPr spcFirstLastPara="1" wrap="square" lIns="91425" tIns="45700" rIns="91425" bIns="45700" anchor="t" anchorCtr="0">
+            <a:noAutofit/>
+          </a:bodyPr>
+          <a:lstStyle/>
+          <a:p>
+            <a:pPr marL="0" marR="0" lvl="0" indent="0" algn="l" rtl="0">
+              <a:lnSpc>
+                <a:spcPct val="100000"/>
+              </a:lnSpc>
+              <a:spcBef>
+                <a:spcPts val="0"/>
+              </a:spcBef>
+              <a:spcAft>
+                <a:spcPts val="0"/>
+              </a:spcAft>
+              <a:buClr>
+                <a:schemeClr val="dk1"/>
+              </a:buClr>
+              <a:buSzPts val="1200"/>
+              <a:buFont typeface="Calibri"/>
+              <a:buNone/>
+            </a:pPr>
+            <a:r>
+              <a:rPr lang="en-US" altLang="zh-TW" b="0" i="0" dirty="0">
+                <a:effectLst/>
+                <a:latin typeface="Arial" panose="020B0604020202020204" pitchFamily="34" charset="0"/>
+              </a:rPr>
+              <a:t>big improvement</a:t>
+            </a:r>
+          </a:p>
+          <a:p>
+            <a:pPr marL="0" marR="0" lvl="0" indent="0" algn="l" rtl="0">
+              <a:lnSpc>
+                <a:spcPct val="100000"/>
+              </a:lnSpc>
+              <a:spcBef>
+                <a:spcPts val="0"/>
+              </a:spcBef>
+              <a:spcAft>
+                <a:spcPts val="0"/>
+              </a:spcAft>
+              <a:buClr>
+                <a:schemeClr val="dk1"/>
+              </a:buClr>
+              <a:buSzPts val="1200"/>
+              <a:buFont typeface="Calibri"/>
+              <a:buNone/>
+            </a:pPr>
+            <a:r>
+              <a:rPr lang="en-US" altLang="zh-TW" b="0" i="0" dirty="0">
+                <a:effectLst/>
+                <a:latin typeface="Arial" panose="020B0604020202020204" pitchFamily="34" charset="0"/>
+              </a:rPr>
+              <a:t>75%</a:t>
+            </a:r>
+            <a:endParaRPr dirty="0"/>
+          </a:p>
+        </p:txBody>
+      </p:sp>
+      <p:sp>
+        <p:nvSpPr>
+          <p:cNvPr id="138" name="Google Shape;138;g1144437607e_2_96:notes"/>
+          <p:cNvSpPr txBox="1">
+            <a:spLocks noGrp="1"/>
+          </p:cNvSpPr>
+          <p:nvPr>
+            <p:ph type="sldNum" idx="12"/>
+          </p:nvPr>
+        </p:nvSpPr>
+        <p:spPr>
+          <a:xfrm>
+            <a:off x="3884613" y="8685213"/>
+            <a:ext cx="2971800" cy="458700"/>
+          </a:xfrm>
+          <a:prstGeom prst="rect">
+            <a:avLst/>
+          </a:prstGeom>
+          <a:noFill/>
+          <a:ln>
+            <a:noFill/>
+          </a:ln>
+        </p:spPr>
+        <p:txBody>
+          <a:bodyPr spcFirstLastPara="1" wrap="square" lIns="91425" tIns="45700" rIns="91425" bIns="45700" anchor="b" anchorCtr="0">
+            <a:noAutofit/>
+          </a:bodyPr>
+          <a:lstStyle/>
+          <a:p>
+            <a:pPr marL="0" lvl="0" indent="0" algn="r" rtl="0">
+              <a:spcBef>
+                <a:spcPts val="0"/>
+              </a:spcBef>
+              <a:spcAft>
+                <a:spcPts val="0"/>
+              </a:spcAft>
+              <a:buNone/>
+            </a:pPr>
+            <a:fld id="{00000000-1234-1234-1234-123412341234}" type="slidenum">
+              <a:rPr lang="en-US" altLang="zh-TW"/>
+              <a:t>12</a:t>
+            </a:fld>
+            <a:endParaRPr/>
+          </a:p>
+        </p:txBody>
+      </p:sp>
+    </p:spTree>
+    <p:extLst>
+      <p:ext uri="{BB962C8B-B14F-4D97-AF65-F5344CB8AC3E}">
+        <p14:creationId xmlns:p14="http://schemas.microsoft.com/office/powerpoint/2010/main" val="855851815"/>
+      </p:ext>
+    </p:extLst>
+  </p:cSld>
+  <p:clrMapOvr>
+    <a:masterClrMapping/>
+  </p:clrMapOvr>
+</p:notes>
+</file>
+
+<file path=ppt/notesSlides/notesSlide13.xml><?xml version="1.0" encoding="utf-8"?>
+<p:notes xmlns:a="http://schemas.openxmlformats.org/drawingml/2006/main" xmlns:r="http://schemas.openxmlformats.org/officeDocument/2006/relationships" xmlns:p="http://schemas.openxmlformats.org/presentationml/2006/main" showMasterSp="0" showMasterPhAnim="0">
+  <p:cSld>
+    <p:spTree>
+      <p:nvGrpSpPr>
+        <p:cNvPr id="1" name="Shape 135"/>
+        <p:cNvGrpSpPr/>
+        <p:nvPr/>
+      </p:nvGrpSpPr>
+      <p:grpSpPr>
+        <a:xfrm>
+          <a:off x="0" y="0"/>
+          <a:ext cx="0" cy="0"/>
+          <a:chOff x="0" y="0"/>
+          <a:chExt cx="0" cy="0"/>
+        </a:xfrm>
+      </p:grpSpPr>
+      <p:sp>
+        <p:nvSpPr>
+          <p:cNvPr id="136" name="Google Shape;136;g1144437607e_2_96:notes"/>
+          <p:cNvSpPr>
+            <a:spLocks noGrp="1" noRot="1" noChangeAspect="1"/>
+          </p:cNvSpPr>
+          <p:nvPr>
+            <p:ph type="sldImg" idx="2"/>
+          </p:nvPr>
+        </p:nvSpPr>
+        <p:spPr>
+          <a:xfrm>
+            <a:off x="685800" y="1143000"/>
+            <a:ext cx="5486400" cy="3086100"/>
+          </a:xfrm>
+          <a:custGeom>
+            <a:avLst/>
+            <a:gdLst/>
+            <a:ahLst/>
+            <a:cxnLst/>
+            <a:rect l="l" t="t" r="r" b="b"/>
+            <a:pathLst>
+              <a:path w="120000" h="120000" extrusionOk="0">
+                <a:moveTo>
+                  <a:pt x="0" y="0"/>
+                </a:moveTo>
+                <a:lnTo>
+                  <a:pt x="120000" y="0"/>
+                </a:lnTo>
+                <a:lnTo>
+                  <a:pt x="120000" y="120000"/>
+                </a:lnTo>
+                <a:lnTo>
+                  <a:pt x="0" y="120000"/>
+                </a:lnTo>
+                <a:close/>
+              </a:path>
+            </a:pathLst>
+          </a:custGeom>
+          <a:noFill/>
+          <a:ln w="12700" cap="flat" cmpd="sng">
+            <a:solidFill>
+              <a:srgbClr val="000000"/>
+            </a:solidFill>
+            <a:prstDash val="solid"/>
+            <a:round/>
+            <a:headEnd type="none" w="sm" len="sm"/>
+            <a:tailEnd type="none" w="sm" len="sm"/>
+          </a:ln>
+        </p:spPr>
+      </p:sp>
+      <p:sp>
+        <p:nvSpPr>
+          <p:cNvPr id="137" name="Google Shape;137;g1144437607e_2_96:notes"/>
+          <p:cNvSpPr txBox="1">
+            <a:spLocks noGrp="1"/>
+          </p:cNvSpPr>
+          <p:nvPr>
+            <p:ph type="body" idx="1"/>
+          </p:nvPr>
+        </p:nvSpPr>
+        <p:spPr>
+          <a:xfrm>
+            <a:off x="685800" y="4400550"/>
+            <a:ext cx="5486400" cy="3600600"/>
+          </a:xfrm>
+          <a:prstGeom prst="rect">
+            <a:avLst/>
+          </a:prstGeom>
+          <a:noFill/>
+          <a:ln>
+            <a:noFill/>
+          </a:ln>
+        </p:spPr>
+        <p:txBody>
+          <a:bodyPr spcFirstLastPara="1" wrap="square" lIns="91425" tIns="45700" rIns="91425" bIns="45700" anchor="t" anchorCtr="0">
+            <a:noAutofit/>
+          </a:bodyPr>
+          <a:lstStyle/>
+          <a:p>
+            <a:pPr marL="0" marR="0" lvl="0" indent="0" algn="l" rtl="0">
+              <a:lnSpc>
+                <a:spcPct val="100000"/>
+              </a:lnSpc>
+              <a:spcBef>
+                <a:spcPts val="0"/>
+              </a:spcBef>
+              <a:spcAft>
+                <a:spcPts val="0"/>
+              </a:spcAft>
+              <a:buClr>
+                <a:schemeClr val="dk1"/>
+              </a:buClr>
+              <a:buSzPts val="1200"/>
+              <a:buFont typeface="Calibri"/>
+              <a:buNone/>
+            </a:pPr>
+            <a:r>
+              <a:rPr lang="en-US" altLang="zh-TW" b="0" i="0" dirty="0">
+                <a:effectLst/>
+                <a:latin typeface="Arial" panose="020B0604020202020204" pitchFamily="34" charset="0"/>
+              </a:rPr>
+              <a:t>Autoencoder</a:t>
+            </a:r>
+            <a:r>
+              <a:rPr lang="zh-TW" altLang="en-US" b="0" i="0" dirty="0">
+                <a:effectLst/>
+                <a:latin typeface="Arial" panose="020B0604020202020204" pitchFamily="34" charset="0"/>
+              </a:rPr>
+              <a:t>最後幾層對於重建尤為重要</a:t>
+            </a:r>
+            <a:endParaRPr lang="en-US" altLang="zh-TW" b="0" i="0" dirty="0">
+              <a:effectLst/>
+              <a:latin typeface="Arial" panose="020B0604020202020204" pitchFamily="34" charset="0"/>
+            </a:endParaRPr>
+          </a:p>
+          <a:p>
+            <a:pPr marL="0" marR="0" lvl="0" indent="0" algn="l" rtl="0">
+              <a:lnSpc>
+                <a:spcPct val="100000"/>
+              </a:lnSpc>
+              <a:spcBef>
+                <a:spcPts val="0"/>
+              </a:spcBef>
+              <a:spcAft>
+                <a:spcPts val="0"/>
+              </a:spcAft>
+              <a:buClr>
+                <a:schemeClr val="dk1"/>
+              </a:buClr>
+              <a:buSzPts val="1200"/>
+              <a:buFont typeface="Calibri"/>
+              <a:buNone/>
+            </a:pPr>
+            <a:r>
+              <a:rPr lang="en-US" altLang="zh-TW" b="0" i="0" dirty="0">
+                <a:effectLst/>
+                <a:latin typeface="Arial" panose="020B0604020202020204" pitchFamily="34" charset="0"/>
+              </a:rPr>
+              <a:t>8% improvement in linear probing</a:t>
+            </a:r>
+          </a:p>
+          <a:p>
+            <a:pPr marL="0" marR="0" lvl="0" indent="0" algn="l" rtl="0">
+              <a:lnSpc>
+                <a:spcPct val="100000"/>
+              </a:lnSpc>
+              <a:spcBef>
+                <a:spcPts val="0"/>
+              </a:spcBef>
+              <a:spcAft>
+                <a:spcPts val="0"/>
+              </a:spcAft>
+              <a:buClr>
+                <a:schemeClr val="dk1"/>
+              </a:buClr>
+              <a:buSzPts val="1200"/>
+              <a:buFont typeface="Calibri"/>
+              <a:buNone/>
+            </a:pPr>
+            <a:r>
+              <a:rPr lang="en-US" altLang="zh-TW" b="0" i="0" dirty="0">
+                <a:effectLst/>
+                <a:latin typeface="Arial" panose="020B0604020202020204" pitchFamily="34" charset="0"/>
+              </a:rPr>
+              <a:t>less influential for improving fine-tuning</a:t>
+            </a:r>
+          </a:p>
+          <a:p>
+            <a:pPr marL="0" marR="0" lvl="0" indent="0" algn="l" rtl="0">
+              <a:lnSpc>
+                <a:spcPct val="100000"/>
+              </a:lnSpc>
+              <a:spcBef>
+                <a:spcPts val="0"/>
+              </a:spcBef>
+              <a:spcAft>
+                <a:spcPts val="0"/>
+              </a:spcAft>
+              <a:buClr>
+                <a:schemeClr val="dk1"/>
+              </a:buClr>
+              <a:buSzPts val="1200"/>
+              <a:buFont typeface="Calibri"/>
+              <a:buNone/>
+            </a:pPr>
+            <a:endParaRPr lang="en-US" b="0" i="0" dirty="0">
+              <a:effectLst/>
+              <a:latin typeface="Arial" panose="020B0604020202020204" pitchFamily="34" charset="0"/>
+            </a:endParaRPr>
+          </a:p>
+          <a:p>
+            <a:pPr marL="0" marR="0" lvl="0" indent="0" algn="l" rtl="0">
+              <a:lnSpc>
+                <a:spcPct val="100000"/>
+              </a:lnSpc>
+              <a:spcBef>
+                <a:spcPts val="0"/>
+              </a:spcBef>
+              <a:spcAft>
+                <a:spcPts val="0"/>
+              </a:spcAft>
+              <a:buClr>
+                <a:schemeClr val="dk1"/>
+              </a:buClr>
+              <a:buSzPts val="1200"/>
+              <a:buFont typeface="Calibri"/>
+              <a:buNone/>
+            </a:pPr>
+            <a:r>
+              <a:rPr lang="en-US" altLang="zh-TW" b="0" i="0" dirty="0">
+                <a:effectLst/>
+                <a:latin typeface="Arial" panose="020B0604020202020204" pitchFamily="34" charset="0"/>
+              </a:rPr>
+              <a:t>Interestingly, our MAE with a single-block decoder can perform strongly with fine-tuning </a:t>
+            </a:r>
+          </a:p>
+          <a:p>
+            <a:pPr marL="0" marR="0" lvl="0" indent="0" algn="l" rtl="0">
+              <a:lnSpc>
+                <a:spcPct val="100000"/>
+              </a:lnSpc>
+              <a:spcBef>
+                <a:spcPts val="0"/>
+              </a:spcBef>
+              <a:spcAft>
+                <a:spcPts val="0"/>
+              </a:spcAft>
+              <a:buClr>
+                <a:schemeClr val="dk1"/>
+              </a:buClr>
+              <a:buSzPts val="1200"/>
+              <a:buFont typeface="Calibri"/>
+              <a:buNone/>
+            </a:pPr>
+            <a:r>
+              <a:rPr lang="en-US" altLang="zh-TW" b="0" i="0" dirty="0">
+                <a:effectLst/>
+                <a:latin typeface="Arial" panose="020B0604020202020204" pitchFamily="34" charset="0"/>
+              </a:rPr>
+              <a:t>a small decoder can further speed up training</a:t>
+            </a:r>
+            <a:endParaRPr dirty="0"/>
+          </a:p>
+        </p:txBody>
+      </p:sp>
+      <p:sp>
+        <p:nvSpPr>
+          <p:cNvPr id="138" name="Google Shape;138;g1144437607e_2_96:notes"/>
+          <p:cNvSpPr txBox="1">
+            <a:spLocks noGrp="1"/>
+          </p:cNvSpPr>
+          <p:nvPr>
+            <p:ph type="sldNum" idx="12"/>
+          </p:nvPr>
+        </p:nvSpPr>
+        <p:spPr>
+          <a:xfrm>
+            <a:off x="3884613" y="8685213"/>
+            <a:ext cx="2971800" cy="458700"/>
+          </a:xfrm>
+          <a:prstGeom prst="rect">
+            <a:avLst/>
+          </a:prstGeom>
+          <a:noFill/>
+          <a:ln>
+            <a:noFill/>
+          </a:ln>
+        </p:spPr>
+        <p:txBody>
+          <a:bodyPr spcFirstLastPara="1" wrap="square" lIns="91425" tIns="45700" rIns="91425" bIns="45700" anchor="b" anchorCtr="0">
+            <a:noAutofit/>
+          </a:bodyPr>
+          <a:lstStyle/>
+          <a:p>
+            <a:pPr marL="0" lvl="0" indent="0" algn="r" rtl="0">
+              <a:spcBef>
+                <a:spcPts val="0"/>
+              </a:spcBef>
+              <a:spcAft>
+                <a:spcPts val="0"/>
+              </a:spcAft>
+              <a:buNone/>
+            </a:pPr>
+            <a:fld id="{00000000-1234-1234-1234-123412341234}" type="slidenum">
+              <a:rPr lang="en-US" altLang="zh-TW"/>
+              <a:t>13</a:t>
+            </a:fld>
+            <a:endParaRPr/>
+          </a:p>
+        </p:txBody>
+      </p:sp>
+    </p:spTree>
+    <p:extLst>
+      <p:ext uri="{BB962C8B-B14F-4D97-AF65-F5344CB8AC3E}">
+        <p14:creationId xmlns:p14="http://schemas.microsoft.com/office/powerpoint/2010/main" val="2568080081"/>
+      </p:ext>
+    </p:extLst>
+  </p:cSld>
+  <p:clrMapOvr>
+    <a:masterClrMapping/>
+  </p:clrMapOvr>
+</p:notes>
+</file>
+
+<file path=ppt/notesSlides/notesSlide14.xml><?xml version="1.0" encoding="utf-8"?>
+<p:notes xmlns:a="http://schemas.openxmlformats.org/drawingml/2006/main" xmlns:r="http://schemas.openxmlformats.org/officeDocument/2006/relationships" xmlns:p="http://schemas.openxmlformats.org/presentationml/2006/main" showMasterSp="0" showMasterPhAnim="0">
+  <p:cSld>
+    <p:spTree>
+      <p:nvGrpSpPr>
+        <p:cNvPr id="1" name="Shape 135"/>
+        <p:cNvGrpSpPr/>
+        <p:nvPr/>
+      </p:nvGrpSpPr>
+      <p:grpSpPr>
+        <a:xfrm>
+          <a:off x="0" y="0"/>
+          <a:ext cx="0" cy="0"/>
+          <a:chOff x="0" y="0"/>
+          <a:chExt cx="0" cy="0"/>
+        </a:xfrm>
+      </p:grpSpPr>
+      <p:sp>
+        <p:nvSpPr>
+          <p:cNvPr id="136" name="Google Shape;136;g1144437607e_2_96:notes"/>
+          <p:cNvSpPr>
+            <a:spLocks noGrp="1" noRot="1" noChangeAspect="1"/>
+          </p:cNvSpPr>
+          <p:nvPr>
+            <p:ph type="sldImg" idx="2"/>
+          </p:nvPr>
+        </p:nvSpPr>
+        <p:spPr>
+          <a:xfrm>
+            <a:off x="685800" y="1143000"/>
+            <a:ext cx="5486400" cy="3086100"/>
+          </a:xfrm>
+          <a:custGeom>
+            <a:avLst/>
+            <a:gdLst/>
+            <a:ahLst/>
+            <a:cxnLst/>
+            <a:rect l="l" t="t" r="r" b="b"/>
+            <a:pathLst>
+              <a:path w="120000" h="120000" extrusionOk="0">
+                <a:moveTo>
+                  <a:pt x="0" y="0"/>
+                </a:moveTo>
+                <a:lnTo>
+                  <a:pt x="120000" y="0"/>
+                </a:lnTo>
+                <a:lnTo>
+                  <a:pt x="120000" y="120000"/>
+                </a:lnTo>
+                <a:lnTo>
+                  <a:pt x="0" y="120000"/>
+                </a:lnTo>
+                <a:close/>
+              </a:path>
+            </a:pathLst>
+          </a:custGeom>
+          <a:noFill/>
+          <a:ln w="12700" cap="flat" cmpd="sng">
+            <a:solidFill>
+              <a:srgbClr val="000000"/>
+            </a:solidFill>
+            <a:prstDash val="solid"/>
+            <a:round/>
+            <a:headEnd type="none" w="sm" len="sm"/>
+            <a:tailEnd type="none" w="sm" len="sm"/>
+          </a:ln>
+        </p:spPr>
+      </p:sp>
+      <p:sp>
+        <p:nvSpPr>
+          <p:cNvPr id="137" name="Google Shape;137;g1144437607e_2_96:notes"/>
+          <p:cNvSpPr txBox="1">
+            <a:spLocks noGrp="1"/>
+          </p:cNvSpPr>
+          <p:nvPr>
+            <p:ph type="body" idx="1"/>
+          </p:nvPr>
+        </p:nvSpPr>
+        <p:spPr>
+          <a:xfrm>
+            <a:off x="685800" y="4400550"/>
+            <a:ext cx="5486400" cy="3600600"/>
+          </a:xfrm>
+          <a:prstGeom prst="rect">
+            <a:avLst/>
+          </a:prstGeom>
+          <a:noFill/>
+          <a:ln>
+            <a:noFill/>
+          </a:ln>
+        </p:spPr>
+        <p:txBody>
+          <a:bodyPr spcFirstLastPara="1" wrap="square" lIns="91425" tIns="45700" rIns="91425" bIns="45700" anchor="t" anchorCtr="0">
+            <a:noAutofit/>
+          </a:bodyPr>
+          <a:lstStyle/>
+          <a:p>
+            <a:pPr marL="0" marR="0" lvl="0" indent="0" algn="l" rtl="0">
+              <a:lnSpc>
+                <a:spcPct val="100000"/>
+              </a:lnSpc>
+              <a:spcBef>
+                <a:spcPts val="0"/>
+              </a:spcBef>
+              <a:spcAft>
+                <a:spcPts val="0"/>
+              </a:spcAft>
+              <a:buClr>
+                <a:schemeClr val="dk1"/>
+              </a:buClr>
+              <a:buSzPts val="1200"/>
+              <a:buFont typeface="Calibri"/>
+              <a:buNone/>
+            </a:pPr>
+            <a:r>
+              <a:rPr lang="en-US" altLang="zh-TW" b="0" i="0" dirty="0">
+                <a:effectLst/>
+                <a:latin typeface="Arial" panose="020B0604020202020204" pitchFamily="34" charset="0"/>
+              </a:rPr>
+              <a:t>drops by 14% in linear probing</a:t>
+            </a:r>
+          </a:p>
+          <a:p>
+            <a:pPr marL="0" marR="0" lvl="0" indent="0" algn="l" rtl="0">
+              <a:lnSpc>
+                <a:spcPct val="100000"/>
+              </a:lnSpc>
+              <a:spcBef>
+                <a:spcPts val="0"/>
+              </a:spcBef>
+              <a:spcAft>
+                <a:spcPts val="0"/>
+              </a:spcAft>
+              <a:buClr>
+                <a:schemeClr val="dk1"/>
+              </a:buClr>
+              <a:buSzPts val="1200"/>
+              <a:buFont typeface="Calibri"/>
+              <a:buNone/>
+            </a:pPr>
+            <a:r>
+              <a:rPr lang="en-US" altLang="zh-TW" b="0" i="0" dirty="0">
+                <a:effectLst/>
+                <a:latin typeface="Arial" panose="020B0604020202020204" pitchFamily="34" charset="0"/>
+              </a:rPr>
+              <a:t>FLOPs by 3.3×</a:t>
+            </a:r>
+            <a:br>
+              <a:rPr lang="en-US" altLang="zh-TW" dirty="0"/>
+            </a:br>
+            <a:r>
+              <a:rPr lang="en-US" altLang="zh-TW" b="0" i="0" dirty="0">
+                <a:effectLst/>
+                <a:latin typeface="Arial" panose="020B0604020202020204" pitchFamily="34" charset="0"/>
+              </a:rPr>
+              <a:t>2.8×wall-clock speedup</a:t>
+            </a:r>
+          </a:p>
+          <a:p>
+            <a:pPr marL="0" marR="0" lvl="0" indent="0" algn="l" rtl="0">
+              <a:lnSpc>
+                <a:spcPct val="100000"/>
+              </a:lnSpc>
+              <a:spcBef>
+                <a:spcPts val="0"/>
+              </a:spcBef>
+              <a:spcAft>
+                <a:spcPts val="0"/>
+              </a:spcAft>
+              <a:buClr>
+                <a:schemeClr val="dk1"/>
+              </a:buClr>
+              <a:buSzPts val="1200"/>
+              <a:buFont typeface="Calibri"/>
+              <a:buNone/>
+            </a:pPr>
+            <a:r>
+              <a:rPr lang="en-US" altLang="zh-TW" b="0" i="0" dirty="0">
+                <a:effectLst/>
+                <a:latin typeface="Arial" panose="020B0604020202020204" pitchFamily="34" charset="0"/>
+              </a:rPr>
+              <a:t>bigger (3.5–4.1×), for a smaller decoder (1-block)</a:t>
+            </a:r>
+            <a:endParaRPr dirty="0"/>
+          </a:p>
+        </p:txBody>
+      </p:sp>
+      <p:sp>
+        <p:nvSpPr>
+          <p:cNvPr id="138" name="Google Shape;138;g1144437607e_2_96:notes"/>
+          <p:cNvSpPr txBox="1">
+            <a:spLocks noGrp="1"/>
+          </p:cNvSpPr>
+          <p:nvPr>
+            <p:ph type="sldNum" idx="12"/>
+          </p:nvPr>
+        </p:nvSpPr>
+        <p:spPr>
+          <a:xfrm>
+            <a:off x="3884613" y="8685213"/>
+            <a:ext cx="2971800" cy="458700"/>
+          </a:xfrm>
+          <a:prstGeom prst="rect">
+            <a:avLst/>
+          </a:prstGeom>
+          <a:noFill/>
+          <a:ln>
+            <a:noFill/>
+          </a:ln>
+        </p:spPr>
+        <p:txBody>
+          <a:bodyPr spcFirstLastPara="1" wrap="square" lIns="91425" tIns="45700" rIns="91425" bIns="45700" anchor="b" anchorCtr="0">
+            <a:noAutofit/>
+          </a:bodyPr>
+          <a:lstStyle/>
+          <a:p>
+            <a:pPr marL="0" lvl="0" indent="0" algn="r" rtl="0">
+              <a:spcBef>
+                <a:spcPts val="0"/>
+              </a:spcBef>
+              <a:spcAft>
+                <a:spcPts val="0"/>
+              </a:spcAft>
+              <a:buNone/>
+            </a:pPr>
+            <a:fld id="{00000000-1234-1234-1234-123412341234}" type="slidenum">
+              <a:rPr lang="en-US" altLang="zh-TW"/>
+              <a:t>14</a:t>
+            </a:fld>
+            <a:endParaRPr/>
+          </a:p>
+        </p:txBody>
+      </p:sp>
+    </p:spTree>
+    <p:extLst>
+      <p:ext uri="{BB962C8B-B14F-4D97-AF65-F5344CB8AC3E}">
+        <p14:creationId xmlns:p14="http://schemas.microsoft.com/office/powerpoint/2010/main" val="2245181661"/>
+      </p:ext>
+    </p:extLst>
+  </p:cSld>
+  <p:clrMapOvr>
+    <a:masterClrMapping/>
+  </p:clrMapOvr>
+</p:notes>
+</file>
+
+<file path=ppt/notesSlides/notesSlide15.xml><?xml version="1.0" encoding="utf-8"?>
+<p:notes xmlns:a="http://schemas.openxmlformats.org/drawingml/2006/main" xmlns:r="http://schemas.openxmlformats.org/officeDocument/2006/relationships" xmlns:p="http://schemas.openxmlformats.org/presentationml/2006/main" showMasterSp="0" showMasterPhAnim="0">
+  <p:cSld>
+    <p:spTree>
+      <p:nvGrpSpPr>
+        <p:cNvPr id="1" name="Shape 135"/>
+        <p:cNvGrpSpPr/>
+        <p:nvPr/>
+      </p:nvGrpSpPr>
+      <p:grpSpPr>
+        <a:xfrm>
+          <a:off x="0" y="0"/>
+          <a:ext cx="0" cy="0"/>
+          <a:chOff x="0" y="0"/>
+          <a:chExt cx="0" cy="0"/>
+        </a:xfrm>
+      </p:grpSpPr>
+      <p:sp>
+        <p:nvSpPr>
+          <p:cNvPr id="136" name="Google Shape;136;g1144437607e_2_96:notes"/>
+          <p:cNvSpPr>
+            <a:spLocks noGrp="1" noRot="1" noChangeAspect="1"/>
+          </p:cNvSpPr>
+          <p:nvPr>
+            <p:ph type="sldImg" idx="2"/>
+          </p:nvPr>
+        </p:nvSpPr>
+        <p:spPr>
+          <a:xfrm>
+            <a:off x="685800" y="1143000"/>
+            <a:ext cx="5486400" cy="3086100"/>
+          </a:xfrm>
+          <a:custGeom>
+            <a:avLst/>
+            <a:gdLst/>
+            <a:ahLst/>
+            <a:cxnLst/>
+            <a:rect l="l" t="t" r="r" b="b"/>
+            <a:pathLst>
+              <a:path w="120000" h="120000" extrusionOk="0">
+                <a:moveTo>
+                  <a:pt x="0" y="0"/>
+                </a:moveTo>
+                <a:lnTo>
+                  <a:pt x="120000" y="0"/>
+                </a:lnTo>
+                <a:lnTo>
+                  <a:pt x="120000" y="120000"/>
+                </a:lnTo>
+                <a:lnTo>
+                  <a:pt x="0" y="120000"/>
+                </a:lnTo>
+                <a:close/>
+              </a:path>
+            </a:pathLst>
+          </a:custGeom>
+          <a:noFill/>
+          <a:ln w="12700" cap="flat" cmpd="sng">
+            <a:solidFill>
+              <a:srgbClr val="000000"/>
+            </a:solidFill>
+            <a:prstDash val="solid"/>
+            <a:round/>
+            <a:headEnd type="none" w="sm" len="sm"/>
+            <a:tailEnd type="none" w="sm" len="sm"/>
+          </a:ln>
+        </p:spPr>
+      </p:sp>
+      <p:sp>
+        <p:nvSpPr>
+          <p:cNvPr id="137" name="Google Shape;137;g1144437607e_2_96:notes"/>
+          <p:cNvSpPr txBox="1">
+            <a:spLocks noGrp="1"/>
+          </p:cNvSpPr>
+          <p:nvPr>
+            <p:ph type="body" idx="1"/>
+          </p:nvPr>
+        </p:nvSpPr>
+        <p:spPr>
+          <a:xfrm>
+            <a:off x="685800" y="4400550"/>
+            <a:ext cx="5486400" cy="3600600"/>
+          </a:xfrm>
+          <a:prstGeom prst="rect">
+            <a:avLst/>
+          </a:prstGeom>
+          <a:noFill/>
+          <a:ln>
+            <a:noFill/>
+          </a:ln>
+        </p:spPr>
+        <p:txBody>
+          <a:bodyPr spcFirstLastPara="1" wrap="square" lIns="91425" tIns="45700" rIns="91425" bIns="45700" anchor="t" anchorCtr="0">
+            <a:noAutofit/>
+          </a:bodyPr>
+          <a:lstStyle/>
+          <a:p>
+            <a:pPr marL="0" marR="0" lvl="0" indent="0" algn="l" rtl="0">
+              <a:lnSpc>
+                <a:spcPct val="100000"/>
+              </a:lnSpc>
+              <a:spcBef>
+                <a:spcPts val="0"/>
+              </a:spcBef>
+              <a:spcAft>
+                <a:spcPts val="0"/>
+              </a:spcAft>
+              <a:buClr>
+                <a:schemeClr val="dk1"/>
+              </a:buClr>
+              <a:buSzPts val="1200"/>
+              <a:buFont typeface="Calibri"/>
+              <a:buNone/>
+            </a:pPr>
+            <a:endParaRPr dirty="0"/>
+          </a:p>
+        </p:txBody>
+      </p:sp>
+      <p:sp>
+        <p:nvSpPr>
+          <p:cNvPr id="138" name="Google Shape;138;g1144437607e_2_96:notes"/>
+          <p:cNvSpPr txBox="1">
+            <a:spLocks noGrp="1"/>
+          </p:cNvSpPr>
+          <p:nvPr>
+            <p:ph type="sldNum" idx="12"/>
+          </p:nvPr>
+        </p:nvSpPr>
+        <p:spPr>
+          <a:xfrm>
+            <a:off x="3884613" y="8685213"/>
+            <a:ext cx="2971800" cy="458700"/>
+          </a:xfrm>
+          <a:prstGeom prst="rect">
+            <a:avLst/>
+          </a:prstGeom>
+          <a:noFill/>
+          <a:ln>
+            <a:noFill/>
+          </a:ln>
+        </p:spPr>
+        <p:txBody>
+          <a:bodyPr spcFirstLastPara="1" wrap="square" lIns="91425" tIns="45700" rIns="91425" bIns="45700" anchor="b" anchorCtr="0">
+            <a:noAutofit/>
+          </a:bodyPr>
+          <a:lstStyle/>
+          <a:p>
+            <a:pPr marL="0" lvl="0" indent="0" algn="r" rtl="0">
+              <a:spcBef>
+                <a:spcPts val="0"/>
+              </a:spcBef>
+              <a:spcAft>
+                <a:spcPts val="0"/>
+              </a:spcAft>
+              <a:buNone/>
+            </a:pPr>
+            <a:fld id="{00000000-1234-1234-1234-123412341234}" type="slidenum">
+              <a:rPr lang="en-US" altLang="zh-TW"/>
+              <a:t>15</a:t>
+            </a:fld>
+            <a:endParaRPr/>
+          </a:p>
+        </p:txBody>
+      </p:sp>
+    </p:spTree>
+    <p:extLst>
+      <p:ext uri="{BB962C8B-B14F-4D97-AF65-F5344CB8AC3E}">
+        <p14:creationId xmlns:p14="http://schemas.microsoft.com/office/powerpoint/2010/main" val="3501484120"/>
+      </p:ext>
+    </p:extLst>
+  </p:cSld>
+  <p:clrMapOvr>
+    <a:masterClrMapping/>
+  </p:clrMapOvr>
+</p:notes>
+</file>
+
+<file path=ppt/notesSlides/notesSlide16.xml><?xml version="1.0" encoding="utf-8"?>
+<p:notes xmlns:a="http://schemas.openxmlformats.org/drawingml/2006/main" xmlns:r="http://schemas.openxmlformats.org/officeDocument/2006/relationships" xmlns:p="http://schemas.openxmlformats.org/presentationml/2006/main" showMasterSp="0" showMasterPhAnim="0">
+  <p:cSld>
+    <p:spTree>
+      <p:nvGrpSpPr>
+        <p:cNvPr id="1" name="Shape 135"/>
+        <p:cNvGrpSpPr/>
+        <p:nvPr/>
+      </p:nvGrpSpPr>
+      <p:grpSpPr>
+        <a:xfrm>
+          <a:off x="0" y="0"/>
+          <a:ext cx="0" cy="0"/>
+          <a:chOff x="0" y="0"/>
+          <a:chExt cx="0" cy="0"/>
+        </a:xfrm>
+      </p:grpSpPr>
+      <p:sp>
+        <p:nvSpPr>
+          <p:cNvPr id="136" name="Google Shape;136;g1144437607e_2_96:notes"/>
+          <p:cNvSpPr>
+            <a:spLocks noGrp="1" noRot="1" noChangeAspect="1"/>
+          </p:cNvSpPr>
+          <p:nvPr>
+            <p:ph type="sldImg" idx="2"/>
+          </p:nvPr>
+        </p:nvSpPr>
+        <p:spPr>
+          <a:xfrm>
+            <a:off x="685800" y="1143000"/>
+            <a:ext cx="5486400" cy="3086100"/>
+          </a:xfrm>
+          <a:custGeom>
+            <a:avLst/>
+            <a:gdLst/>
+            <a:ahLst/>
+            <a:cxnLst/>
+            <a:rect l="l" t="t" r="r" b="b"/>
+            <a:pathLst>
+              <a:path w="120000" h="120000" extrusionOk="0">
+                <a:moveTo>
+                  <a:pt x="0" y="0"/>
+                </a:moveTo>
+                <a:lnTo>
+                  <a:pt x="120000" y="0"/>
+                </a:lnTo>
+                <a:lnTo>
+                  <a:pt x="120000" y="120000"/>
+                </a:lnTo>
+                <a:lnTo>
+                  <a:pt x="0" y="120000"/>
+                </a:lnTo>
+                <a:close/>
+              </a:path>
+            </a:pathLst>
+          </a:custGeom>
+          <a:noFill/>
+          <a:ln w="12700" cap="flat" cmpd="sng">
+            <a:solidFill>
+              <a:srgbClr val="000000"/>
+            </a:solidFill>
+            <a:prstDash val="solid"/>
+            <a:round/>
+            <a:headEnd type="none" w="sm" len="sm"/>
+            <a:tailEnd type="none" w="sm" len="sm"/>
+          </a:ln>
+        </p:spPr>
+      </p:sp>
+      <p:sp>
+        <p:nvSpPr>
+          <p:cNvPr id="137" name="Google Shape;137;g1144437607e_2_96:notes"/>
+          <p:cNvSpPr txBox="1">
+            <a:spLocks noGrp="1"/>
+          </p:cNvSpPr>
+          <p:nvPr>
+            <p:ph type="body" idx="1"/>
+          </p:nvPr>
+        </p:nvSpPr>
+        <p:spPr>
+          <a:xfrm>
+            <a:off x="685800" y="4400550"/>
+            <a:ext cx="5486400" cy="3600600"/>
+          </a:xfrm>
+          <a:prstGeom prst="rect">
+            <a:avLst/>
+          </a:prstGeom>
+          <a:noFill/>
+          <a:ln>
+            <a:noFill/>
+          </a:ln>
+        </p:spPr>
+        <p:txBody>
+          <a:bodyPr spcFirstLastPara="1" wrap="square" lIns="91425" tIns="45700" rIns="91425" bIns="45700" anchor="t" anchorCtr="0">
+            <a:noAutofit/>
+          </a:bodyPr>
+          <a:lstStyle/>
+          <a:p>
+            <a:pPr marL="0" marR="0" lvl="0" indent="0" algn="l" rtl="0">
+              <a:lnSpc>
+                <a:spcPct val="100000"/>
+              </a:lnSpc>
+              <a:spcBef>
+                <a:spcPts val="0"/>
+              </a:spcBef>
+              <a:spcAft>
+                <a:spcPts val="0"/>
+              </a:spcAft>
+              <a:buClr>
+                <a:schemeClr val="dk1"/>
+              </a:buClr>
+              <a:buSzPts val="1200"/>
+              <a:buFont typeface="Calibri"/>
+              <a:buNone/>
+            </a:pPr>
+            <a:endParaRPr dirty="0"/>
+          </a:p>
+        </p:txBody>
+      </p:sp>
+      <p:sp>
+        <p:nvSpPr>
+          <p:cNvPr id="138" name="Google Shape;138;g1144437607e_2_96:notes"/>
+          <p:cNvSpPr txBox="1">
+            <a:spLocks noGrp="1"/>
+          </p:cNvSpPr>
+          <p:nvPr>
+            <p:ph type="sldNum" idx="12"/>
+          </p:nvPr>
+        </p:nvSpPr>
+        <p:spPr>
+          <a:xfrm>
+            <a:off x="3884613" y="8685213"/>
+            <a:ext cx="2971800" cy="458700"/>
+          </a:xfrm>
+          <a:prstGeom prst="rect">
+            <a:avLst/>
+          </a:prstGeom>
+          <a:noFill/>
+          <a:ln>
+            <a:noFill/>
+          </a:ln>
+        </p:spPr>
+        <p:txBody>
+          <a:bodyPr spcFirstLastPara="1" wrap="square" lIns="91425" tIns="45700" rIns="91425" bIns="45700" anchor="b" anchorCtr="0">
+            <a:noAutofit/>
+          </a:bodyPr>
+          <a:lstStyle/>
+          <a:p>
+            <a:pPr marL="0" lvl="0" indent="0" algn="r" rtl="0">
+              <a:spcBef>
+                <a:spcPts val="0"/>
+              </a:spcBef>
+              <a:spcAft>
+                <a:spcPts val="0"/>
+              </a:spcAft>
+              <a:buNone/>
+            </a:pPr>
+            <a:fld id="{00000000-1234-1234-1234-123412341234}" type="slidenum">
+              <a:rPr lang="en-US" altLang="zh-TW"/>
+              <a:t>16</a:t>
+            </a:fld>
+            <a:endParaRPr/>
+          </a:p>
+        </p:txBody>
+      </p:sp>
+    </p:spTree>
+    <p:extLst>
+      <p:ext uri="{BB962C8B-B14F-4D97-AF65-F5344CB8AC3E}">
+        <p14:creationId xmlns:p14="http://schemas.microsoft.com/office/powerpoint/2010/main" val="2988920185"/>
+      </p:ext>
+    </p:extLst>
+  </p:cSld>
+  <p:clrMapOvr>
+    <a:masterClrMapping/>
+  </p:clrMapOvr>
+</p:notes>
+</file>
+
+<file path=ppt/notesSlides/notesSlide17.xml><?xml version="1.0" encoding="utf-8"?>
+<p:notes xmlns:a="http://schemas.openxmlformats.org/drawingml/2006/main" xmlns:r="http://schemas.openxmlformats.org/officeDocument/2006/relationships" xmlns:p="http://schemas.openxmlformats.org/presentationml/2006/main" showMasterSp="0" showMasterPhAnim="0">
+  <p:cSld>
+    <p:spTree>
+      <p:nvGrpSpPr>
+        <p:cNvPr id="1" name="Shape 135"/>
+        <p:cNvGrpSpPr/>
+        <p:nvPr/>
+      </p:nvGrpSpPr>
+      <p:grpSpPr>
+        <a:xfrm>
+          <a:off x="0" y="0"/>
+          <a:ext cx="0" cy="0"/>
+          <a:chOff x="0" y="0"/>
+          <a:chExt cx="0" cy="0"/>
+        </a:xfrm>
+      </p:grpSpPr>
+      <p:sp>
+        <p:nvSpPr>
+          <p:cNvPr id="136" name="Google Shape;136;g1144437607e_2_96:notes"/>
+          <p:cNvSpPr>
+            <a:spLocks noGrp="1" noRot="1" noChangeAspect="1"/>
+          </p:cNvSpPr>
+          <p:nvPr>
+            <p:ph type="sldImg" idx="2"/>
+          </p:nvPr>
+        </p:nvSpPr>
+        <p:spPr>
+          <a:xfrm>
+            <a:off x="685800" y="1143000"/>
+            <a:ext cx="5486400" cy="3086100"/>
+          </a:xfrm>
+          <a:custGeom>
+            <a:avLst/>
+            <a:gdLst/>
+            <a:ahLst/>
+            <a:cxnLst/>
+            <a:rect l="l" t="t" r="r" b="b"/>
+            <a:pathLst>
+              <a:path w="120000" h="120000" extrusionOk="0">
+                <a:moveTo>
+                  <a:pt x="0" y="0"/>
+                </a:moveTo>
+                <a:lnTo>
+                  <a:pt x="120000" y="0"/>
+                </a:lnTo>
+                <a:lnTo>
+                  <a:pt x="120000" y="120000"/>
+                </a:lnTo>
+                <a:lnTo>
+                  <a:pt x="0" y="120000"/>
+                </a:lnTo>
+                <a:close/>
+              </a:path>
+            </a:pathLst>
+          </a:custGeom>
+          <a:noFill/>
+          <a:ln w="12700" cap="flat" cmpd="sng">
+            <a:solidFill>
+              <a:srgbClr val="000000"/>
+            </a:solidFill>
+            <a:prstDash val="solid"/>
+            <a:round/>
+            <a:headEnd type="none" w="sm" len="sm"/>
+            <a:tailEnd type="none" w="sm" len="sm"/>
+          </a:ln>
+        </p:spPr>
+      </p:sp>
+      <p:sp>
+        <p:nvSpPr>
+          <p:cNvPr id="137" name="Google Shape;137;g1144437607e_2_96:notes"/>
+          <p:cNvSpPr txBox="1">
+            <a:spLocks noGrp="1"/>
+          </p:cNvSpPr>
+          <p:nvPr>
+            <p:ph type="body" idx="1"/>
+          </p:nvPr>
+        </p:nvSpPr>
+        <p:spPr>
+          <a:xfrm>
+            <a:off x="685800" y="4400550"/>
+            <a:ext cx="5486400" cy="3600600"/>
+          </a:xfrm>
+          <a:prstGeom prst="rect">
+            <a:avLst/>
+          </a:prstGeom>
+          <a:noFill/>
+          <a:ln>
+            <a:noFill/>
+          </a:ln>
+        </p:spPr>
+        <p:txBody>
+          <a:bodyPr spcFirstLastPara="1" wrap="square" lIns="91425" tIns="45700" rIns="91425" bIns="45700" anchor="t" anchorCtr="0">
+            <a:noAutofit/>
+          </a:bodyPr>
+          <a:lstStyle/>
+          <a:p>
+            <a:pPr marL="0" marR="0" lvl="0" indent="0" algn="l" rtl="0">
+              <a:lnSpc>
+                <a:spcPct val="100000"/>
+              </a:lnSpc>
+              <a:spcBef>
+                <a:spcPts val="0"/>
+              </a:spcBef>
+              <a:spcAft>
+                <a:spcPts val="0"/>
+              </a:spcAft>
+              <a:buClr>
+                <a:schemeClr val="dk1"/>
+              </a:buClr>
+              <a:buSzPts val="1200"/>
+              <a:buFont typeface="Calibri"/>
+              <a:buNone/>
+            </a:pPr>
+            <a:r>
+              <a:rPr lang="en-US" altLang="zh-TW" b="0" i="0" dirty="0">
+                <a:effectLst/>
+                <a:latin typeface="Arial" panose="020B0604020202020204" pitchFamily="34" charset="0"/>
+              </a:rPr>
+              <a:t>86.9% </a:t>
+            </a:r>
+            <a:r>
+              <a:rPr lang="en-US" altLang="zh-TW" b="0" i="0" dirty="0" err="1">
+                <a:effectLst/>
+                <a:latin typeface="Arial" panose="020B0604020202020204" pitchFamily="34" charset="0"/>
+              </a:rPr>
+              <a:t>VitH</a:t>
+            </a:r>
+            <a:br>
+              <a:rPr lang="zh-TW" altLang="en-US" b="0" i="0" dirty="0">
+                <a:effectLst/>
+                <a:latin typeface="Arial" panose="020B0604020202020204" pitchFamily="34" charset="0"/>
+              </a:rPr>
+            </a:br>
+            <a:r>
+              <a:rPr lang="en-US" altLang="zh-TW" b="0" i="0" dirty="0">
+                <a:effectLst/>
+                <a:latin typeface="Arial" panose="020B0604020202020204" pitchFamily="34" charset="0"/>
+              </a:rPr>
+              <a:t>87.8%</a:t>
+            </a:r>
+          </a:p>
+          <a:p>
+            <a:pPr marL="0" marR="0" lvl="0" indent="0" algn="l" rtl="0">
+              <a:lnSpc>
+                <a:spcPct val="100000"/>
+              </a:lnSpc>
+              <a:spcBef>
+                <a:spcPts val="0"/>
+              </a:spcBef>
+              <a:spcAft>
+                <a:spcPts val="0"/>
+              </a:spcAft>
+              <a:buClr>
+                <a:schemeClr val="dk1"/>
+              </a:buClr>
+              <a:buSzPts val="1200"/>
+              <a:buFont typeface="Calibri"/>
+              <a:buNone/>
+            </a:pPr>
+            <a:endParaRPr lang="en-US" b="0" i="0" dirty="0">
+              <a:effectLst/>
+              <a:latin typeface="Arial" panose="020B0604020202020204" pitchFamily="34" charset="0"/>
+            </a:endParaRPr>
+          </a:p>
+          <a:p>
+            <a:pPr marL="0" marR="0" lvl="0" indent="0" algn="l" rtl="0">
+              <a:lnSpc>
+                <a:spcPct val="100000"/>
+              </a:lnSpc>
+              <a:spcBef>
+                <a:spcPts val="0"/>
+              </a:spcBef>
+              <a:spcAft>
+                <a:spcPts val="0"/>
+              </a:spcAft>
+              <a:buClr>
+                <a:schemeClr val="dk1"/>
+              </a:buClr>
+              <a:buSzPts val="1200"/>
+              <a:buFont typeface="Calibri"/>
+              <a:buNone/>
+            </a:pPr>
+            <a:r>
+              <a:rPr lang="en-US" altLang="zh-TW" b="0" i="0" dirty="0">
+                <a:effectLst/>
+                <a:latin typeface="Arial" panose="020B0604020202020204" pitchFamily="34" charset="0"/>
+              </a:rPr>
+              <a:t>Comparing with </a:t>
+            </a:r>
+            <a:r>
+              <a:rPr lang="en-US" altLang="zh-TW" b="0" i="0" dirty="0" err="1">
+                <a:effectLst/>
+                <a:latin typeface="Arial" panose="020B0604020202020204" pitchFamily="34" charset="0"/>
+              </a:rPr>
+              <a:t>BEiT</a:t>
+            </a:r>
+            <a:r>
+              <a:rPr lang="en-US" altLang="zh-TW" b="0" i="0" dirty="0">
+                <a:effectLst/>
+                <a:latin typeface="Arial" panose="020B0604020202020204" pitchFamily="34" charset="0"/>
+              </a:rPr>
+              <a:t> MAE is more accurate while being simpler and faster</a:t>
+            </a:r>
+          </a:p>
+          <a:p>
+            <a:pPr marL="0" marR="0" lvl="0" indent="0" algn="l" rtl="0">
+              <a:lnSpc>
+                <a:spcPct val="100000"/>
+              </a:lnSpc>
+              <a:spcBef>
+                <a:spcPts val="0"/>
+              </a:spcBef>
+              <a:spcAft>
+                <a:spcPts val="0"/>
+              </a:spcAft>
+              <a:buClr>
+                <a:schemeClr val="dk1"/>
+              </a:buClr>
+              <a:buSzPts val="1200"/>
+              <a:buFont typeface="Calibri"/>
+              <a:buNone/>
+            </a:pPr>
+            <a:r>
+              <a:rPr lang="en-US" altLang="zh-TW" b="0" i="0" dirty="0">
+                <a:effectLst/>
+                <a:latin typeface="Arial" panose="020B0604020202020204" pitchFamily="34" charset="0"/>
+              </a:rPr>
+              <a:t>MAE’s training time is 31 hours for 1600 epochs and 	</a:t>
+            </a:r>
+          </a:p>
+          <a:p>
+            <a:pPr marL="0" marR="0" lvl="0" indent="0" algn="l" rtl="0">
+              <a:lnSpc>
+                <a:spcPct val="100000"/>
+              </a:lnSpc>
+              <a:spcBef>
+                <a:spcPts val="0"/>
+              </a:spcBef>
+              <a:spcAft>
+                <a:spcPts val="0"/>
+              </a:spcAft>
+              <a:buClr>
+                <a:schemeClr val="dk1"/>
+              </a:buClr>
+              <a:buSzPts val="1200"/>
+              <a:buFont typeface="Calibri"/>
+              <a:buNone/>
+            </a:pPr>
+            <a:r>
+              <a:rPr lang="en-US" altLang="zh-TW" b="0" i="0" dirty="0">
+                <a:effectLst/>
+                <a:latin typeface="Arial" panose="020B0604020202020204" pitchFamily="34" charset="0"/>
+              </a:rPr>
+              <a:t>                 </a:t>
+            </a:r>
+            <a:r>
+              <a:rPr lang="en-US" altLang="zh-TW" b="0" i="0" dirty="0" err="1">
+                <a:effectLst/>
+                <a:latin typeface="Arial" panose="020B0604020202020204" pitchFamily="34" charset="0"/>
+              </a:rPr>
+              <a:t>MoCo</a:t>
+            </a:r>
+            <a:r>
+              <a:rPr lang="en-US" altLang="zh-TW" b="0" i="0" dirty="0">
+                <a:effectLst/>
+                <a:latin typeface="Arial" panose="020B0604020202020204" pitchFamily="34" charset="0"/>
+              </a:rPr>
+              <a:t> v3’s is 36 hours for 300 epoch</a:t>
+            </a:r>
+            <a:endParaRPr lang="en-US" b="0" i="0" dirty="0">
+              <a:effectLst/>
+              <a:latin typeface="Arial" panose="020B0604020202020204" pitchFamily="34" charset="0"/>
+            </a:endParaRPr>
+          </a:p>
+          <a:p>
+            <a:pPr marL="0" marR="0" lvl="0" indent="0" algn="l" rtl="0">
+              <a:lnSpc>
+                <a:spcPct val="100000"/>
+              </a:lnSpc>
+              <a:spcBef>
+                <a:spcPts val="0"/>
+              </a:spcBef>
+              <a:spcAft>
+                <a:spcPts val="0"/>
+              </a:spcAft>
+              <a:buClr>
+                <a:schemeClr val="dk1"/>
+              </a:buClr>
+              <a:buSzPts val="1200"/>
+              <a:buFont typeface="Calibri"/>
+              <a:buNone/>
+            </a:pPr>
+            <a:endParaRPr dirty="0"/>
+          </a:p>
+        </p:txBody>
+      </p:sp>
+      <p:sp>
+        <p:nvSpPr>
+          <p:cNvPr id="138" name="Google Shape;138;g1144437607e_2_96:notes"/>
+          <p:cNvSpPr txBox="1">
+            <a:spLocks noGrp="1"/>
+          </p:cNvSpPr>
+          <p:nvPr>
+            <p:ph type="sldNum" idx="12"/>
+          </p:nvPr>
+        </p:nvSpPr>
+        <p:spPr>
+          <a:xfrm>
+            <a:off x="3884613" y="8685213"/>
+            <a:ext cx="2971800" cy="458700"/>
+          </a:xfrm>
+          <a:prstGeom prst="rect">
+            <a:avLst/>
+          </a:prstGeom>
+          <a:noFill/>
+          <a:ln>
+            <a:noFill/>
+          </a:ln>
+        </p:spPr>
+        <p:txBody>
+          <a:bodyPr spcFirstLastPara="1" wrap="square" lIns="91425" tIns="45700" rIns="91425" bIns="45700" anchor="b" anchorCtr="0">
+            <a:noAutofit/>
+          </a:bodyPr>
+          <a:lstStyle/>
+          <a:p>
+            <a:pPr marL="0" lvl="0" indent="0" algn="r" rtl="0">
+              <a:spcBef>
+                <a:spcPts val="0"/>
+              </a:spcBef>
+              <a:spcAft>
+                <a:spcPts val="0"/>
+              </a:spcAft>
+              <a:buNone/>
+            </a:pPr>
+            <a:fld id="{00000000-1234-1234-1234-123412341234}" type="slidenum">
+              <a:rPr lang="en-US" altLang="zh-TW"/>
+              <a:t>17</a:t>
+            </a:fld>
+            <a:endParaRPr/>
+          </a:p>
+        </p:txBody>
+      </p:sp>
+    </p:spTree>
+    <p:extLst>
+      <p:ext uri="{BB962C8B-B14F-4D97-AF65-F5344CB8AC3E}">
+        <p14:creationId xmlns:p14="http://schemas.microsoft.com/office/powerpoint/2010/main" val="1578631697"/>
+      </p:ext>
+    </p:extLst>
+  </p:cSld>
+  <p:clrMapOvr>
+    <a:masterClrMapping/>
+  </p:clrMapOvr>
+</p:notes>
+</file>
+
+<file path=ppt/notesSlides/notesSlide18.xml><?xml version="1.0" encoding="utf-8"?>
+<p:notes xmlns:a="http://schemas.openxmlformats.org/drawingml/2006/main" xmlns:r="http://schemas.openxmlformats.org/officeDocument/2006/relationships" xmlns:p="http://schemas.openxmlformats.org/presentationml/2006/main" showMasterSp="0" showMasterPhAnim="0">
+  <p:cSld>
+    <p:spTree>
+      <p:nvGrpSpPr>
+        <p:cNvPr id="1" name="Shape 135"/>
+        <p:cNvGrpSpPr/>
+        <p:nvPr/>
+      </p:nvGrpSpPr>
+      <p:grpSpPr>
+        <a:xfrm>
+          <a:off x="0" y="0"/>
+          <a:ext cx="0" cy="0"/>
+          <a:chOff x="0" y="0"/>
+          <a:chExt cx="0" cy="0"/>
+        </a:xfrm>
+      </p:grpSpPr>
+      <p:sp>
+        <p:nvSpPr>
+          <p:cNvPr id="136" name="Google Shape;136;g1144437607e_2_96:notes"/>
+          <p:cNvSpPr>
+            <a:spLocks noGrp="1" noRot="1" noChangeAspect="1"/>
+          </p:cNvSpPr>
+          <p:nvPr>
+            <p:ph type="sldImg" idx="2"/>
+          </p:nvPr>
+        </p:nvSpPr>
+        <p:spPr>
+          <a:xfrm>
+            <a:off x="685800" y="1143000"/>
+            <a:ext cx="5486400" cy="3086100"/>
+          </a:xfrm>
+          <a:custGeom>
+            <a:avLst/>
+            <a:gdLst/>
+            <a:ahLst/>
+            <a:cxnLst/>
+            <a:rect l="l" t="t" r="r" b="b"/>
+            <a:pathLst>
+              <a:path w="120000" h="120000" extrusionOk="0">
+                <a:moveTo>
+                  <a:pt x="0" y="0"/>
+                </a:moveTo>
+                <a:lnTo>
+                  <a:pt x="120000" y="0"/>
+                </a:lnTo>
+                <a:lnTo>
+                  <a:pt x="120000" y="120000"/>
+                </a:lnTo>
+                <a:lnTo>
+                  <a:pt x="0" y="120000"/>
+                </a:lnTo>
+                <a:close/>
+              </a:path>
+            </a:pathLst>
+          </a:custGeom>
+          <a:noFill/>
+          <a:ln w="12700" cap="flat" cmpd="sng">
+            <a:solidFill>
+              <a:srgbClr val="000000"/>
+            </a:solidFill>
+            <a:prstDash val="solid"/>
+            <a:round/>
+            <a:headEnd type="none" w="sm" len="sm"/>
+            <a:tailEnd type="none" w="sm" len="sm"/>
+          </a:ln>
+        </p:spPr>
+      </p:sp>
+      <p:sp>
+        <p:nvSpPr>
+          <p:cNvPr id="137" name="Google Shape;137;g1144437607e_2_96:notes"/>
+          <p:cNvSpPr txBox="1">
+            <a:spLocks noGrp="1"/>
+          </p:cNvSpPr>
+          <p:nvPr>
+            <p:ph type="body" idx="1"/>
+          </p:nvPr>
+        </p:nvSpPr>
+        <p:spPr>
+          <a:xfrm>
+            <a:off x="685800" y="4400550"/>
+            <a:ext cx="5486400" cy="3600600"/>
+          </a:xfrm>
+          <a:prstGeom prst="rect">
+            <a:avLst/>
+          </a:prstGeom>
+          <a:noFill/>
+          <a:ln>
+            <a:noFill/>
+          </a:ln>
+        </p:spPr>
+        <p:txBody>
+          <a:bodyPr spcFirstLastPara="1" wrap="square" lIns="91425" tIns="45700" rIns="91425" bIns="45700" anchor="t" anchorCtr="0">
+            <a:noAutofit/>
+          </a:bodyPr>
+          <a:lstStyle/>
+          <a:p>
+            <a:pPr marL="0" marR="0" lvl="0" indent="0" algn="l" rtl="0">
+              <a:lnSpc>
+                <a:spcPct val="100000"/>
+              </a:lnSpc>
+              <a:spcBef>
+                <a:spcPts val="0"/>
+              </a:spcBef>
+              <a:spcAft>
+                <a:spcPts val="0"/>
+              </a:spcAft>
+              <a:buClr>
+                <a:schemeClr val="dk1"/>
+              </a:buClr>
+              <a:buSzPts val="1200"/>
+              <a:buFont typeface="Calibri"/>
+              <a:buNone/>
+            </a:pPr>
+            <a:endParaRPr dirty="0"/>
+          </a:p>
+        </p:txBody>
+      </p:sp>
+      <p:sp>
+        <p:nvSpPr>
+          <p:cNvPr id="138" name="Google Shape;138;g1144437607e_2_96:notes"/>
+          <p:cNvSpPr txBox="1">
+            <a:spLocks noGrp="1"/>
+          </p:cNvSpPr>
+          <p:nvPr>
+            <p:ph type="sldNum" idx="12"/>
+          </p:nvPr>
+        </p:nvSpPr>
+        <p:spPr>
+          <a:xfrm>
+            <a:off x="3884613" y="8685213"/>
+            <a:ext cx="2971800" cy="458700"/>
+          </a:xfrm>
+          <a:prstGeom prst="rect">
+            <a:avLst/>
+          </a:prstGeom>
+          <a:noFill/>
+          <a:ln>
+            <a:noFill/>
+          </a:ln>
+        </p:spPr>
+        <p:txBody>
+          <a:bodyPr spcFirstLastPara="1" wrap="square" lIns="91425" tIns="45700" rIns="91425" bIns="45700" anchor="b" anchorCtr="0">
+            <a:noAutofit/>
+          </a:bodyPr>
+          <a:lstStyle/>
+          <a:p>
+            <a:pPr marL="0" lvl="0" indent="0" algn="r" rtl="0">
+              <a:spcBef>
+                <a:spcPts val="0"/>
+              </a:spcBef>
+              <a:spcAft>
+                <a:spcPts val="0"/>
+              </a:spcAft>
+              <a:buNone/>
+            </a:pPr>
+            <a:fld id="{00000000-1234-1234-1234-123412341234}" type="slidenum">
+              <a:rPr lang="en-US" altLang="zh-TW"/>
+              <a:t>18</a:t>
+            </a:fld>
+            <a:endParaRPr/>
+          </a:p>
+        </p:txBody>
+      </p:sp>
+    </p:spTree>
+    <p:extLst>
+      <p:ext uri="{BB962C8B-B14F-4D97-AF65-F5344CB8AC3E}">
+        <p14:creationId xmlns:p14="http://schemas.microsoft.com/office/powerpoint/2010/main" val="489152485"/>
+      </p:ext>
+    </p:extLst>
+  </p:cSld>
+  <p:clrMapOvr>
+    <a:masterClrMapping/>
+  </p:clrMapOvr>
+</p:notes>
+</file>
+
+<file path=ppt/notesSlides/notesSlide19.xml><?xml version="1.0" encoding="utf-8"?>
+<p:notes xmlns:a="http://schemas.openxmlformats.org/drawingml/2006/main" xmlns:r="http://schemas.openxmlformats.org/officeDocument/2006/relationships" xmlns:p="http://schemas.openxmlformats.org/presentationml/2006/main" showMasterSp="0" showMasterPhAnim="0">
+  <p:cSld>
+    <p:spTree>
+      <p:nvGrpSpPr>
+        <p:cNvPr id="1" name="Shape 135"/>
+        <p:cNvGrpSpPr/>
+        <p:nvPr/>
+      </p:nvGrpSpPr>
+      <p:grpSpPr>
+        <a:xfrm>
+          <a:off x="0" y="0"/>
+          <a:ext cx="0" cy="0"/>
+          <a:chOff x="0" y="0"/>
+          <a:chExt cx="0" cy="0"/>
+        </a:xfrm>
+      </p:grpSpPr>
+      <p:sp>
+        <p:nvSpPr>
+          <p:cNvPr id="136" name="Google Shape;136;g1144437607e_2_96:notes"/>
+          <p:cNvSpPr>
+            <a:spLocks noGrp="1" noRot="1" noChangeAspect="1"/>
+          </p:cNvSpPr>
+          <p:nvPr>
+            <p:ph type="sldImg" idx="2"/>
+          </p:nvPr>
+        </p:nvSpPr>
+        <p:spPr>
+          <a:xfrm>
+            <a:off x="685800" y="1143000"/>
+            <a:ext cx="5486400" cy="3086100"/>
+          </a:xfrm>
+          <a:custGeom>
+            <a:avLst/>
+            <a:gdLst/>
+            <a:ahLst/>
+            <a:cxnLst/>
+            <a:rect l="l" t="t" r="r" b="b"/>
+            <a:pathLst>
+              <a:path w="120000" h="120000" extrusionOk="0">
+                <a:moveTo>
+                  <a:pt x="0" y="0"/>
+                </a:moveTo>
+                <a:lnTo>
+                  <a:pt x="120000" y="0"/>
+                </a:lnTo>
+                <a:lnTo>
+                  <a:pt x="120000" y="120000"/>
+                </a:lnTo>
+                <a:lnTo>
+                  <a:pt x="0" y="120000"/>
+                </a:lnTo>
+                <a:close/>
+              </a:path>
+            </a:pathLst>
+          </a:custGeom>
+          <a:noFill/>
+          <a:ln w="12700" cap="flat" cmpd="sng">
+            <a:solidFill>
+              <a:srgbClr val="000000"/>
+            </a:solidFill>
+            <a:prstDash val="solid"/>
+            <a:round/>
+            <a:headEnd type="none" w="sm" len="sm"/>
+            <a:tailEnd type="none" w="sm" len="sm"/>
+          </a:ln>
+        </p:spPr>
+      </p:sp>
+      <p:sp>
+        <p:nvSpPr>
+          <p:cNvPr id="137" name="Google Shape;137;g1144437607e_2_96:notes"/>
+          <p:cNvSpPr txBox="1">
+            <a:spLocks noGrp="1"/>
+          </p:cNvSpPr>
+          <p:nvPr>
+            <p:ph type="body" idx="1"/>
+          </p:nvPr>
+        </p:nvSpPr>
+        <p:spPr>
+          <a:xfrm>
+            <a:off x="685800" y="4400550"/>
+            <a:ext cx="5486400" cy="3600600"/>
+          </a:xfrm>
+          <a:prstGeom prst="rect">
+            <a:avLst/>
+          </a:prstGeom>
+          <a:noFill/>
+          <a:ln>
+            <a:noFill/>
+          </a:ln>
+        </p:spPr>
+        <p:txBody>
+          <a:bodyPr spcFirstLastPara="1" wrap="square" lIns="91425" tIns="45700" rIns="91425" bIns="45700" anchor="t" anchorCtr="0">
+            <a:noAutofit/>
+          </a:bodyPr>
+          <a:lstStyle/>
+          <a:p>
+            <a:pPr marL="0" marR="0" lvl="0" indent="0" algn="l" rtl="0">
+              <a:lnSpc>
+                <a:spcPct val="100000"/>
+              </a:lnSpc>
+              <a:spcBef>
+                <a:spcPts val="0"/>
+              </a:spcBef>
+              <a:spcAft>
+                <a:spcPts val="0"/>
+              </a:spcAft>
+              <a:buClr>
+                <a:schemeClr val="dk1"/>
+              </a:buClr>
+              <a:buSzPts val="1200"/>
+              <a:buFont typeface="Calibri"/>
+              <a:buNone/>
+            </a:pPr>
+            <a:r>
+              <a:rPr lang="en-US" altLang="zh-TW" b="0" i="0" dirty="0">
+                <a:effectLst/>
+                <a:latin typeface="Arial" panose="020B0604020202020204" pitchFamily="34" charset="0"/>
+              </a:rPr>
+              <a:t>86.9% </a:t>
+            </a:r>
+            <a:r>
+              <a:rPr lang="en-US" altLang="zh-TW" b="0" i="0" dirty="0" err="1">
+                <a:effectLst/>
+                <a:latin typeface="Arial" panose="020B0604020202020204" pitchFamily="34" charset="0"/>
+              </a:rPr>
+              <a:t>VitH</a:t>
+            </a:r>
+            <a:br>
+              <a:rPr lang="zh-TW" altLang="en-US" b="0" i="0" dirty="0">
+                <a:effectLst/>
+                <a:latin typeface="Arial" panose="020B0604020202020204" pitchFamily="34" charset="0"/>
+              </a:rPr>
+            </a:br>
+            <a:r>
+              <a:rPr lang="en-US" altLang="zh-TW" b="0" i="0" dirty="0">
+                <a:effectLst/>
+                <a:latin typeface="Arial" panose="020B0604020202020204" pitchFamily="34" charset="0"/>
+              </a:rPr>
+              <a:t>87.8%</a:t>
+            </a:r>
+          </a:p>
+          <a:p>
+            <a:pPr marL="0" marR="0" lvl="0" indent="0" algn="l" rtl="0">
+              <a:lnSpc>
+                <a:spcPct val="100000"/>
+              </a:lnSpc>
+              <a:spcBef>
+                <a:spcPts val="0"/>
+              </a:spcBef>
+              <a:spcAft>
+                <a:spcPts val="0"/>
+              </a:spcAft>
+              <a:buClr>
+                <a:schemeClr val="dk1"/>
+              </a:buClr>
+              <a:buSzPts val="1200"/>
+              <a:buFont typeface="Calibri"/>
+              <a:buNone/>
+            </a:pPr>
+            <a:endParaRPr lang="en-US" b="0" i="0" dirty="0">
+              <a:effectLst/>
+              <a:latin typeface="Arial" panose="020B0604020202020204" pitchFamily="34" charset="0"/>
+            </a:endParaRPr>
+          </a:p>
+          <a:p>
+            <a:pPr marL="0" marR="0" lvl="0" indent="0" algn="l" rtl="0">
+              <a:lnSpc>
+                <a:spcPct val="100000"/>
+              </a:lnSpc>
+              <a:spcBef>
+                <a:spcPts val="0"/>
+              </a:spcBef>
+              <a:spcAft>
+                <a:spcPts val="0"/>
+              </a:spcAft>
+              <a:buClr>
+                <a:schemeClr val="dk1"/>
+              </a:buClr>
+              <a:buSzPts val="1200"/>
+              <a:buFont typeface="Calibri"/>
+              <a:buNone/>
+            </a:pPr>
+            <a:r>
+              <a:rPr lang="en-US" altLang="zh-TW" b="0" i="0" dirty="0">
+                <a:effectLst/>
+                <a:latin typeface="Arial" panose="020B0604020202020204" pitchFamily="34" charset="0"/>
+              </a:rPr>
+              <a:t>Comparing with </a:t>
+            </a:r>
+            <a:r>
+              <a:rPr lang="en-US" altLang="zh-TW" b="0" i="0" dirty="0" err="1">
+                <a:effectLst/>
+                <a:latin typeface="Arial" panose="020B0604020202020204" pitchFamily="34" charset="0"/>
+              </a:rPr>
+              <a:t>BEiT</a:t>
+            </a:r>
+            <a:r>
+              <a:rPr lang="en-US" altLang="zh-TW" b="0" i="0" dirty="0">
+                <a:effectLst/>
+                <a:latin typeface="Arial" panose="020B0604020202020204" pitchFamily="34" charset="0"/>
+              </a:rPr>
+              <a:t> MAE </a:t>
+            </a:r>
+            <a:r>
+              <a:rPr lang="en-US" altLang="zh-TW" b="0" i="0" dirty="0" err="1">
+                <a:effectLst/>
+                <a:latin typeface="Arial" panose="020B0604020202020204" pitchFamily="34" charset="0"/>
+              </a:rPr>
+              <a:t>ismore</a:t>
+            </a:r>
+            <a:r>
+              <a:rPr lang="en-US" altLang="zh-TW" b="0" i="0" dirty="0">
+                <a:effectLst/>
+                <a:latin typeface="Arial" panose="020B0604020202020204" pitchFamily="34" charset="0"/>
+              </a:rPr>
+              <a:t> accurate while being simpler and faster</a:t>
+            </a:r>
+            <a:endParaRPr dirty="0"/>
+          </a:p>
+        </p:txBody>
+      </p:sp>
+      <p:sp>
+        <p:nvSpPr>
+          <p:cNvPr id="138" name="Google Shape;138;g1144437607e_2_96:notes"/>
+          <p:cNvSpPr txBox="1">
+            <a:spLocks noGrp="1"/>
+          </p:cNvSpPr>
+          <p:nvPr>
+            <p:ph type="sldNum" idx="12"/>
+          </p:nvPr>
+        </p:nvSpPr>
+        <p:spPr>
+          <a:xfrm>
+            <a:off x="3884613" y="8685213"/>
+            <a:ext cx="2971800" cy="458700"/>
+          </a:xfrm>
+          <a:prstGeom prst="rect">
+            <a:avLst/>
+          </a:prstGeom>
+          <a:noFill/>
+          <a:ln>
+            <a:noFill/>
+          </a:ln>
+        </p:spPr>
+        <p:txBody>
+          <a:bodyPr spcFirstLastPara="1" wrap="square" lIns="91425" tIns="45700" rIns="91425" bIns="45700" anchor="b" anchorCtr="0">
+            <a:noAutofit/>
+          </a:bodyPr>
+          <a:lstStyle/>
+          <a:p>
+            <a:pPr marL="0" lvl="0" indent="0" algn="r" rtl="0">
+              <a:spcBef>
+                <a:spcPts val="0"/>
+              </a:spcBef>
+              <a:spcAft>
+                <a:spcPts val="0"/>
+              </a:spcAft>
+              <a:buNone/>
+            </a:pPr>
+            <a:fld id="{00000000-1234-1234-1234-123412341234}" type="slidenum">
+              <a:rPr lang="en-US" altLang="zh-TW"/>
+              <a:t>19</a:t>
+            </a:fld>
+            <a:endParaRPr/>
+          </a:p>
+        </p:txBody>
+      </p:sp>
+    </p:spTree>
+    <p:extLst>
+      <p:ext uri="{BB962C8B-B14F-4D97-AF65-F5344CB8AC3E}">
+        <p14:creationId xmlns:p14="http://schemas.microsoft.com/office/powerpoint/2010/main" val="3584049124"/>
+      </p:ext>
+    </p:extLst>
+  </p:cSld>
+  <p:clrMapOvr>
+    <a:masterClrMapping/>
+  </p:clrMapOvr>
+</p:notes>
+</file>
+
+<file path=ppt/notesSlides/notesSlide2.xml><?xml version="1.0" encoding="utf-8"?>
+<p:notes xmlns:a="http://schemas.openxmlformats.org/drawingml/2006/main" xmlns:r="http://schemas.openxmlformats.org/officeDocument/2006/relationships" xmlns:p="http://schemas.openxmlformats.org/presentationml/2006/main" showMasterSp="0" showMasterPhAnim="0">
+  <p:cSld>
+    <p:spTree>
+      <p:nvGrpSpPr>
+        <p:cNvPr id="1" name="Shape 135"/>
+        <p:cNvGrpSpPr/>
+        <p:nvPr/>
+      </p:nvGrpSpPr>
+      <p:grpSpPr>
+        <a:xfrm>
+          <a:off x="0" y="0"/>
+          <a:ext cx="0" cy="0"/>
+          <a:chOff x="0" y="0"/>
+          <a:chExt cx="0" cy="0"/>
+        </a:xfrm>
+      </p:grpSpPr>
+      <p:sp>
+        <p:nvSpPr>
+          <p:cNvPr id="136" name="Google Shape;136;g1144437607e_2_96:notes"/>
+          <p:cNvSpPr>
+            <a:spLocks noGrp="1" noRot="1" noChangeAspect="1"/>
+          </p:cNvSpPr>
+          <p:nvPr>
+            <p:ph type="sldImg" idx="2"/>
+          </p:nvPr>
+        </p:nvSpPr>
+        <p:spPr>
+          <a:xfrm>
+            <a:off x="685800" y="1143000"/>
+            <a:ext cx="5486400" cy="3086100"/>
+          </a:xfrm>
+          <a:custGeom>
+            <a:avLst/>
+            <a:gdLst/>
+            <a:ahLst/>
+            <a:cxnLst/>
+            <a:rect l="l" t="t" r="r" b="b"/>
+            <a:pathLst>
+              <a:path w="120000" h="120000" extrusionOk="0">
+                <a:moveTo>
+                  <a:pt x="0" y="0"/>
+                </a:moveTo>
+                <a:lnTo>
+                  <a:pt x="120000" y="0"/>
+                </a:lnTo>
+                <a:lnTo>
+                  <a:pt x="120000" y="120000"/>
+                </a:lnTo>
+                <a:lnTo>
+                  <a:pt x="0" y="120000"/>
+                </a:lnTo>
+                <a:close/>
+              </a:path>
+            </a:pathLst>
+          </a:custGeom>
+          <a:noFill/>
+          <a:ln w="12700" cap="flat" cmpd="sng">
+            <a:solidFill>
+              <a:srgbClr val="000000"/>
+            </a:solidFill>
+            <a:prstDash val="solid"/>
+            <a:round/>
+            <a:headEnd type="none" w="sm" len="sm"/>
+            <a:tailEnd type="none" w="sm" len="sm"/>
+          </a:ln>
+        </p:spPr>
+      </p:sp>
+      <p:sp>
+        <p:nvSpPr>
+          <p:cNvPr id="137" name="Google Shape;137;g1144437607e_2_96:notes"/>
+          <p:cNvSpPr txBox="1">
+            <a:spLocks noGrp="1"/>
+          </p:cNvSpPr>
+          <p:nvPr>
+            <p:ph type="body" idx="1"/>
+          </p:nvPr>
+        </p:nvSpPr>
+        <p:spPr>
+          <a:xfrm>
+            <a:off x="685800" y="4400550"/>
+            <a:ext cx="5486400" cy="3600600"/>
+          </a:xfrm>
+          <a:prstGeom prst="rect">
+            <a:avLst/>
+          </a:prstGeom>
+          <a:noFill/>
+          <a:ln>
+            <a:noFill/>
+          </a:ln>
+        </p:spPr>
+        <p:txBody>
+          <a:bodyPr spcFirstLastPara="1" wrap="square" lIns="91425" tIns="45700" rIns="91425" bIns="45700" anchor="t" anchorCtr="0">
+            <a:noAutofit/>
+          </a:bodyPr>
+          <a:lstStyle/>
+          <a:p>
+            <a:pPr marL="0" marR="0" lvl="0" indent="0" algn="l" rtl="0">
+              <a:lnSpc>
+                <a:spcPct val="100000"/>
+              </a:lnSpc>
+              <a:spcBef>
+                <a:spcPts val="0"/>
+              </a:spcBef>
+              <a:spcAft>
+                <a:spcPts val="0"/>
+              </a:spcAft>
+              <a:buClr>
+                <a:schemeClr val="dk1"/>
+              </a:buClr>
+              <a:buSzPts val="1200"/>
+              <a:buFont typeface="Calibri"/>
+              <a:buNone/>
+            </a:pPr>
+            <a:endParaRPr/>
+          </a:p>
+        </p:txBody>
+      </p:sp>
+      <p:sp>
+        <p:nvSpPr>
+          <p:cNvPr id="138" name="Google Shape;138;g1144437607e_2_96:notes"/>
+          <p:cNvSpPr txBox="1">
+            <a:spLocks noGrp="1"/>
+          </p:cNvSpPr>
+          <p:nvPr>
+            <p:ph type="sldNum" idx="12"/>
+          </p:nvPr>
+        </p:nvSpPr>
+        <p:spPr>
+          <a:xfrm>
+            <a:off x="3884613" y="8685213"/>
+            <a:ext cx="2971800" cy="458700"/>
+          </a:xfrm>
+          <a:prstGeom prst="rect">
+            <a:avLst/>
+          </a:prstGeom>
+          <a:noFill/>
+          <a:ln>
+            <a:noFill/>
+          </a:ln>
+        </p:spPr>
+        <p:txBody>
+          <a:bodyPr spcFirstLastPara="1" wrap="square" lIns="91425" tIns="45700" rIns="91425" bIns="45700" anchor="b" anchorCtr="0">
+            <a:noAutofit/>
+          </a:bodyPr>
+          <a:lstStyle/>
+          <a:p>
+            <a:pPr marL="0" lvl="0" indent="0" algn="r" rtl="0">
+              <a:spcBef>
+                <a:spcPts val="0"/>
+              </a:spcBef>
+              <a:spcAft>
+                <a:spcPts val="0"/>
+              </a:spcAft>
+              <a:buNone/>
+            </a:pPr>
+            <a:fld id="{00000000-1234-1234-1234-123412341234}" type="slidenum">
+              <a:rPr lang="en-US" altLang="zh-TW"/>
               <a:t>2</a:t>
             </a:fld>
             <a:endParaRPr/>
           </a:p>
         </p:txBody>
+      </p:sp>
+    </p:spTree>
+  </p:cSld>
+  <p:clrMapOvr>
+    <a:masterClrMapping/>
+  </p:clrMapOvr>
+</p:notes>
+</file>
+
+<file path=ppt/notesSlides/notesSlide20.xml><?xml version="1.0" encoding="utf-8"?>
+<p:notes xmlns:a="http://schemas.openxmlformats.org/drawingml/2006/main" xmlns:r="http://schemas.openxmlformats.org/officeDocument/2006/relationships" xmlns:p="http://schemas.openxmlformats.org/presentationml/2006/main" showMasterSp="0" showMasterPhAnim="0">
+  <p:cSld>
+    <p:spTree>
+      <p:nvGrpSpPr>
+        <p:cNvPr id="1" name="Shape 671"/>
+        <p:cNvGrpSpPr/>
+        <p:nvPr/>
+      </p:nvGrpSpPr>
+      <p:grpSpPr>
+        <a:xfrm>
+          <a:off x="0" y="0"/>
+          <a:ext cx="0" cy="0"/>
+          <a:chOff x="0" y="0"/>
+          <a:chExt cx="0" cy="0"/>
+        </a:xfrm>
+      </p:grpSpPr>
+      <p:sp>
+        <p:nvSpPr>
+          <p:cNvPr id="672" name="Google Shape;672;g1144437607e_2_308:notes"/>
+          <p:cNvSpPr txBox="1">
+            <a:spLocks noGrp="1"/>
+          </p:cNvSpPr>
+          <p:nvPr>
+            <p:ph type="body" idx="1"/>
+          </p:nvPr>
+        </p:nvSpPr>
+        <p:spPr>
+          <a:xfrm>
+            <a:off x="685800" y="4400550"/>
+            <a:ext cx="5486400" cy="3600600"/>
+          </a:xfrm>
+          <a:prstGeom prst="rect">
+            <a:avLst/>
+          </a:prstGeom>
+        </p:spPr>
+        <p:txBody>
+          <a:bodyPr spcFirstLastPara="1" wrap="square" lIns="91425" tIns="91425" rIns="91425" bIns="91425" anchor="t" anchorCtr="0">
+            <a:noAutofit/>
+          </a:bodyPr>
+          <a:lstStyle/>
+          <a:p>
+            <a:pPr marL="0" lvl="0" indent="0" algn="l" rtl="0">
+              <a:spcBef>
+                <a:spcPts val="0"/>
+              </a:spcBef>
+              <a:spcAft>
+                <a:spcPts val="0"/>
+              </a:spcAft>
+              <a:buNone/>
+            </a:pPr>
+            <a:endParaRPr/>
+          </a:p>
+        </p:txBody>
+      </p:sp>
+      <p:sp>
+        <p:nvSpPr>
+          <p:cNvPr id="673" name="Google Shape;673;g1144437607e_2_308:notes"/>
+          <p:cNvSpPr>
+            <a:spLocks noGrp="1" noRot="1" noChangeAspect="1"/>
+          </p:cNvSpPr>
+          <p:nvPr>
+            <p:ph type="sldImg" idx="2"/>
+          </p:nvPr>
+        </p:nvSpPr>
+        <p:spPr>
+          <a:xfrm>
+            <a:off x="685800" y="1143000"/>
+            <a:ext cx="5486400" cy="3086100"/>
+          </a:xfrm>
+          <a:custGeom>
+            <a:avLst/>
+            <a:gdLst/>
+            <a:ahLst/>
+            <a:cxnLst/>
+            <a:rect l="l" t="t" r="r" b="b"/>
+            <a:pathLst>
+              <a:path w="120000" h="120000" extrusionOk="0">
+                <a:moveTo>
+                  <a:pt x="0" y="0"/>
+                </a:moveTo>
+                <a:lnTo>
+                  <a:pt x="120000" y="0"/>
+                </a:lnTo>
+                <a:lnTo>
+                  <a:pt x="120000" y="120000"/>
+                </a:lnTo>
+                <a:lnTo>
+                  <a:pt x="0" y="120000"/>
+                </a:lnTo>
+                <a:close/>
+              </a:path>
+            </a:pathLst>
+          </a:custGeom>
+        </p:spPr>
       </p:sp>
     </p:spTree>
   </p:cSld>
@@ -2305,6 +4745,13 @@
               <a:buFont typeface="Calibri"/>
               <a:buNone/>
             </a:pPr>
+            <a:r>
+              <a:rPr lang="en-US" altLang="zh-TW" b="0" i="0" dirty="0">
+                <a:effectLst/>
+                <a:latin typeface="Arial" panose="020B0604020202020204" pitchFamily="34" charset="0"/>
+              </a:rPr>
+              <a:t>MAE is a form of denoising autoencoding</a:t>
+            </a:r>
             <a:endParaRPr dirty="0"/>
           </a:p>
         </p:txBody>
@@ -2373,7 +4820,7 @@
   <p:cSld>
     <p:spTree>
       <p:nvGrpSpPr>
-        <p:cNvPr id="1" name="Shape 671"/>
+        <p:cNvPr id="1" name="Shape 135"/>
         <p:cNvGrpSpPr/>
         <p:nvPr/>
       </p:nvGrpSpPr>
@@ -2387,45 +4834,7 @@
       </p:grpSpPr>
       <p:sp>
         <p:nvSpPr>
-          <p:cNvPr id="672" name="Google Shape;672;g1144437607e_2_308:notes"/>
-          <p:cNvSpPr txBox="1">
-            <a:spLocks noGrp="1"/>
-          </p:cNvSpPr>
-          <p:nvPr>
-            <p:ph type="body" idx="1"/>
-          </p:nvPr>
-        </p:nvSpPr>
-        <p:spPr>
-          <a:xfrm>
-            <a:off x="685800" y="4400550"/>
-            <a:ext cx="5486400" cy="3600600"/>
-          </a:xfrm>
-          <a:prstGeom prst="rect">
-            <a:avLst/>
-          </a:prstGeom>
-        </p:spPr>
-        <p:txBody>
-          <a:bodyPr spcFirstLastPara="1" wrap="square" lIns="91425" tIns="91425" rIns="91425" bIns="91425" anchor="t" anchorCtr="0">
-            <a:noAutofit/>
-          </a:bodyPr>
-          <a:lstStyle/>
-          <a:p>
-            <a:pPr marL="0" lvl="0" indent="0" algn="l" rtl="0">
-              <a:spcBef>
-                <a:spcPts val="0"/>
-              </a:spcBef>
-              <a:spcAft>
-                <a:spcPts val="0"/>
-              </a:spcAft>
-              <a:buNone/>
-            </a:pPr>
-            <a:endParaRPr/>
-          </a:p>
-        </p:txBody>
-      </p:sp>
-      <p:sp>
-        <p:nvSpPr>
-          <p:cNvPr id="673" name="Google Shape;673;g1144437607e_2_308:notes"/>
+          <p:cNvPr id="136" name="Google Shape;136;g1144437607e_2_96:notes"/>
           <p:cNvSpPr>
             <a:spLocks noGrp="1" noRot="1" noChangeAspect="1"/>
           </p:cNvSpPr>
@@ -2462,9 +4871,239 @@
               </a:path>
             </a:pathLst>
           </a:custGeom>
-        </p:spPr>
+          <a:noFill/>
+          <a:ln w="12700" cap="flat" cmpd="sng">
+            <a:solidFill>
+              <a:srgbClr val="000000"/>
+            </a:solidFill>
+            <a:prstDash val="solid"/>
+            <a:round/>
+            <a:headEnd type="none" w="sm" len="sm"/>
+            <a:tailEnd type="none" w="sm" len="sm"/>
+          </a:ln>
+        </p:spPr>
+      </p:sp>
+      <p:sp>
+        <p:nvSpPr>
+          <p:cNvPr id="137" name="Google Shape;137;g1144437607e_2_96:notes"/>
+          <p:cNvSpPr txBox="1">
+            <a:spLocks noGrp="1"/>
+          </p:cNvSpPr>
+          <p:nvPr>
+            <p:ph type="body" idx="1"/>
+          </p:nvPr>
+        </p:nvSpPr>
+        <p:spPr>
+          <a:xfrm>
+            <a:off x="685800" y="4400550"/>
+            <a:ext cx="5486400" cy="3600600"/>
+          </a:xfrm>
+          <a:prstGeom prst="rect">
+            <a:avLst/>
+          </a:prstGeom>
+          <a:noFill/>
+          <a:ln>
+            <a:noFill/>
+          </a:ln>
+        </p:spPr>
+        <p:txBody>
+          <a:bodyPr spcFirstLastPara="1" wrap="square" lIns="91425" tIns="45700" rIns="91425" bIns="45700" anchor="t" anchorCtr="0">
+            <a:noAutofit/>
+          </a:bodyPr>
+          <a:lstStyle/>
+          <a:p>
+            <a:pPr marL="0" marR="0" lvl="0" indent="0" algn="l" rtl="0">
+              <a:lnSpc>
+                <a:spcPct val="100000"/>
+              </a:lnSpc>
+              <a:spcBef>
+                <a:spcPts val="0"/>
+              </a:spcBef>
+              <a:spcAft>
+                <a:spcPts val="0"/>
+              </a:spcAft>
+              <a:buClr>
+                <a:schemeClr val="dk1"/>
+              </a:buClr>
+              <a:buSzPts val="1200"/>
+              <a:buFont typeface="Calibri"/>
+              <a:buNone/>
+            </a:pPr>
+            <a:r>
+              <a:rPr lang="en-US" altLang="zh-TW" b="0" i="0" dirty="0" err="1">
+                <a:effectLst/>
+                <a:latin typeface="Arial" panose="020B0604020202020204" pitchFamily="34" charset="0"/>
+              </a:rPr>
+              <a:t>iGPT</a:t>
+            </a:r>
+            <a:r>
+              <a:rPr lang="en-US" altLang="zh-TW" b="0" i="0" dirty="0">
+                <a:effectLst/>
+                <a:latin typeface="Arial" panose="020B0604020202020204" pitchFamily="34" charset="0"/>
+              </a:rPr>
+              <a:t>  Linear Probe</a:t>
+            </a:r>
+          </a:p>
+          <a:p>
+            <a:pPr marL="0" marR="0" lvl="0" indent="0" algn="l" rtl="0">
+              <a:lnSpc>
+                <a:spcPct val="100000"/>
+              </a:lnSpc>
+              <a:spcBef>
+                <a:spcPts val="0"/>
+              </a:spcBef>
+              <a:spcAft>
+                <a:spcPts val="0"/>
+              </a:spcAft>
+              <a:buClr>
+                <a:schemeClr val="dk1"/>
+              </a:buClr>
+              <a:buSzPts val="1200"/>
+              <a:buFont typeface="Calibri"/>
+              <a:buNone/>
+            </a:pPr>
+            <a:r>
+              <a:rPr lang="en-US" altLang="zh-TW" b="0" i="0" dirty="0" err="1">
+                <a:effectLst/>
+                <a:latin typeface="Arial" panose="020B0604020202020204" pitchFamily="34" charset="0"/>
+              </a:rPr>
+              <a:t>ViT</a:t>
+            </a:r>
+            <a:r>
+              <a:rPr lang="en-US" altLang="zh-TW" b="0" i="0" dirty="0">
+                <a:effectLst/>
+                <a:latin typeface="Arial" panose="020B0604020202020204" pitchFamily="34" charset="0"/>
+              </a:rPr>
+              <a:t> </a:t>
+            </a:r>
+            <a:r>
+              <a:rPr lang="zh-TW" altLang="en-US" b="0" i="0" dirty="0">
+                <a:effectLst/>
+                <a:latin typeface="Arial" panose="020B0604020202020204" pitchFamily="34" charset="0"/>
+              </a:rPr>
+              <a:t>嘗試了</a:t>
+            </a:r>
+            <a:r>
+              <a:rPr lang="en-US" altLang="zh-TW" b="0" i="0" dirty="0">
+                <a:effectLst/>
+                <a:latin typeface="Arial" panose="020B0604020202020204" pitchFamily="34" charset="0"/>
+              </a:rPr>
+              <a:t>self attention </a:t>
+            </a:r>
+            <a:r>
+              <a:rPr lang="zh-TW" altLang="en-US" b="0" i="0" dirty="0">
+                <a:effectLst/>
+                <a:latin typeface="Arial" panose="020B0604020202020204" pitchFamily="34" charset="0"/>
+              </a:rPr>
+              <a:t>的方式 但結果不盡人意</a:t>
+            </a:r>
+            <a:endParaRPr lang="en-US" altLang="zh-TW" b="0" i="0" dirty="0">
+              <a:effectLst/>
+              <a:latin typeface="Arial" panose="020B0604020202020204" pitchFamily="34" charset="0"/>
+            </a:endParaRPr>
+          </a:p>
+          <a:p>
+            <a:pPr marL="0" marR="0" lvl="0" indent="0" algn="l" rtl="0">
+              <a:lnSpc>
+                <a:spcPct val="100000"/>
+              </a:lnSpc>
+              <a:spcBef>
+                <a:spcPts val="0"/>
+              </a:spcBef>
+              <a:spcAft>
+                <a:spcPts val="0"/>
+              </a:spcAft>
+              <a:buClr>
+                <a:schemeClr val="dk1"/>
+              </a:buClr>
+              <a:buSzPts val="1200"/>
+              <a:buFont typeface="Calibri"/>
+              <a:buNone/>
+            </a:pPr>
+            <a:r>
+              <a:rPr lang="en-US" altLang="zh-TW" b="0" i="0" dirty="0" err="1">
+                <a:effectLst/>
+                <a:latin typeface="Arial" panose="020B0604020202020204" pitchFamily="34" charset="0"/>
+              </a:rPr>
+              <a:t>BEiT</a:t>
+            </a:r>
+            <a:r>
+              <a:rPr lang="zh-TW" altLang="en-US" b="0" i="0" dirty="0">
+                <a:effectLst/>
+                <a:latin typeface="Arial" panose="020B0604020202020204" pitchFamily="34" charset="0"/>
+              </a:rPr>
+              <a:t>則是提出 </a:t>
+            </a:r>
+            <a:r>
+              <a:rPr lang="en-US" altLang="zh-TW" b="0" i="0" dirty="0">
+                <a:effectLst/>
+                <a:latin typeface="Arial" panose="020B0604020202020204" pitchFamily="34" charset="0"/>
+              </a:rPr>
+              <a:t>predict discrete tokens</a:t>
+            </a:r>
+            <a:r>
+              <a:rPr lang="zh-TW" altLang="en-US" b="0" i="0" dirty="0">
+                <a:effectLst/>
+                <a:latin typeface="Arial" panose="020B0604020202020204" pitchFamily="34" charset="0"/>
+              </a:rPr>
+              <a:t>作為預訓練</a:t>
+            </a:r>
+            <a:endParaRPr dirty="0"/>
+          </a:p>
+        </p:txBody>
+      </p:sp>
+      <p:sp>
+        <p:nvSpPr>
+          <p:cNvPr id="138" name="Google Shape;138;g1144437607e_2_96:notes"/>
+          <p:cNvSpPr txBox="1">
+            <a:spLocks noGrp="1"/>
+          </p:cNvSpPr>
+          <p:nvPr>
+            <p:ph type="sldNum" idx="12"/>
+          </p:nvPr>
+        </p:nvSpPr>
+        <p:spPr>
+          <a:xfrm>
+            <a:off x="3884613" y="8685213"/>
+            <a:ext cx="2971800" cy="458700"/>
+          </a:xfrm>
+          <a:prstGeom prst="rect">
+            <a:avLst/>
+          </a:prstGeom>
+          <a:noFill/>
+          <a:ln>
+            <a:noFill/>
+          </a:ln>
+        </p:spPr>
+        <p:txBody>
+          <a:bodyPr spcFirstLastPara="1" wrap="square" lIns="91425" tIns="45700" rIns="91425" bIns="45700" anchor="b" anchorCtr="0">
+            <a:noAutofit/>
+          </a:bodyPr>
+          <a:lstStyle/>
+          <a:p>
+            <a:pPr marL="0" lvl="0" indent="0" algn="r" rtl="0">
+              <a:spcBef>
+                <a:spcPts val="0"/>
+              </a:spcBef>
+              <a:spcAft>
+                <a:spcPts val="0"/>
+              </a:spcAft>
+              <a:buNone/>
+            </a:pPr>
+            <a:fld id="{00000000-1234-1234-1234-123412341234}" type="slidenum">
+              <a:rPr lang="en-US" altLang="zh-TW"/>
+              <a:t>9</a:t>
+            </a:fld>
+            <a:endParaRPr/>
+          </a:p>
+        </p:txBody>
       </p:sp>
     </p:spTree>
+    <p:extLst>
+      <p:ext uri="{BB962C8B-B14F-4D97-AF65-F5344CB8AC3E}">
+        <p14:creationId xmlns:p14="http://schemas.microsoft.com/office/powerpoint/2010/main" val="380190700"/>
+      </p:ext>
+    </p:extLst>
   </p:cSld>
   <p:clrMapOvr>
     <a:masterClrMapping/>
@@ -18080,6 +20719,4346 @@
 </p:sld>
 </file>
 
+<file path=ppt/slides/slide10.xml><?xml version="1.0" encoding="utf-8"?>
+<p:sld xmlns:a="http://schemas.openxmlformats.org/drawingml/2006/main" xmlns:r="http://schemas.openxmlformats.org/officeDocument/2006/relationships" xmlns:p="http://schemas.openxmlformats.org/presentationml/2006/main">
+  <p:cSld>
+    <p:spTree>
+      <p:nvGrpSpPr>
+        <p:cNvPr id="1" name="Shape 139"/>
+        <p:cNvGrpSpPr/>
+        <p:nvPr/>
+      </p:nvGrpSpPr>
+      <p:grpSpPr>
+        <a:xfrm>
+          <a:off x="0" y="0"/>
+          <a:ext cx="0" cy="0"/>
+          <a:chOff x="0" y="0"/>
+          <a:chExt cx="0" cy="0"/>
+        </a:xfrm>
+      </p:grpSpPr>
+      <p:cxnSp>
+        <p:nvCxnSpPr>
+          <p:cNvPr id="140" name="Google Shape;140;p26"/>
+          <p:cNvCxnSpPr/>
+          <p:nvPr/>
+        </p:nvCxnSpPr>
+        <p:spPr>
+          <a:xfrm rot="10800000">
+            <a:off x="471906" y="672952"/>
+            <a:ext cx="8200200" cy="0"/>
+          </a:xfrm>
+          <a:prstGeom prst="straightConnector1">
+            <a:avLst/>
+          </a:prstGeom>
+          <a:noFill/>
+          <a:ln w="38100" cap="flat" cmpd="sng">
+            <a:solidFill>
+              <a:srgbClr val="08244A"/>
+            </a:solidFill>
+            <a:prstDash val="solid"/>
+            <a:miter lim="800000"/>
+            <a:headEnd type="none" w="sm" len="sm"/>
+            <a:tailEnd type="none" w="sm" len="sm"/>
+          </a:ln>
+        </p:spPr>
+      </p:cxnSp>
+      <p:sp>
+        <p:nvSpPr>
+          <p:cNvPr id="141" name="Google Shape;141;p26"/>
+          <p:cNvSpPr txBox="1"/>
+          <p:nvPr/>
+        </p:nvSpPr>
+        <p:spPr>
+          <a:xfrm>
+            <a:off x="4312990" y="4919588"/>
+            <a:ext cx="518100" cy="238500"/>
+          </a:xfrm>
+          <a:prstGeom prst="rect">
+            <a:avLst/>
+          </a:prstGeom>
+          <a:solidFill>
+            <a:srgbClr val="08244A"/>
+          </a:solidFill>
+          <a:ln>
+            <a:noFill/>
+          </a:ln>
+        </p:spPr>
+        <p:txBody>
+          <a:bodyPr spcFirstLastPara="1" wrap="square" lIns="68575" tIns="34275" rIns="68575" bIns="34275" anchor="t" anchorCtr="0">
+            <a:spAutoFit/>
+          </a:bodyPr>
+          <a:lstStyle/>
+          <a:p>
+            <a:pPr marL="0" marR="0" lvl="0" indent="0" algn="ctr" rtl="0">
+              <a:spcBef>
+                <a:spcPts val="0"/>
+              </a:spcBef>
+              <a:spcAft>
+                <a:spcPts val="0"/>
+              </a:spcAft>
+              <a:buNone/>
+            </a:pPr>
+            <a:endParaRPr sz="1100">
+              <a:solidFill>
+                <a:schemeClr val="lt1"/>
+              </a:solidFill>
+              <a:latin typeface="Arial"/>
+              <a:ea typeface="Arial"/>
+              <a:cs typeface="Arial"/>
+              <a:sym typeface="Arial"/>
+            </a:endParaRPr>
+          </a:p>
+        </p:txBody>
+      </p:sp>
+      <p:sp>
+        <p:nvSpPr>
+          <p:cNvPr id="142" name="Google Shape;142;p26"/>
+          <p:cNvSpPr txBox="1"/>
+          <p:nvPr/>
+        </p:nvSpPr>
+        <p:spPr>
+          <a:xfrm>
+            <a:off x="7422919" y="4868275"/>
+            <a:ext cx="1660500" cy="238500"/>
+          </a:xfrm>
+          <a:prstGeom prst="rect">
+            <a:avLst/>
+          </a:prstGeom>
+          <a:noFill/>
+          <a:ln>
+            <a:noFill/>
+          </a:ln>
+        </p:spPr>
+        <p:txBody>
+          <a:bodyPr spcFirstLastPara="1" wrap="square" lIns="68575" tIns="34275" rIns="68575" bIns="34275" anchor="t" anchorCtr="0">
+            <a:spAutoFit/>
+          </a:bodyPr>
+          <a:lstStyle/>
+          <a:p>
+            <a:pPr marL="0" marR="0" lvl="0" indent="0" algn="r" rtl="0">
+              <a:spcBef>
+                <a:spcPts val="0"/>
+              </a:spcBef>
+              <a:spcAft>
+                <a:spcPts val="0"/>
+              </a:spcAft>
+              <a:buNone/>
+            </a:pPr>
+            <a:r>
+              <a:rPr lang="zh-TW" sz="1100">
+                <a:solidFill>
+                  <a:srgbClr val="A5A5A5"/>
+                </a:solidFill>
+                <a:latin typeface="Consolas"/>
+                <a:ea typeface="Consolas"/>
+                <a:cs typeface="Consolas"/>
+                <a:sym typeface="Consolas"/>
+              </a:rPr>
+              <a:t>NTUST GAMELab</a:t>
+            </a:r>
+            <a:endParaRPr sz="1100">
+              <a:solidFill>
+                <a:srgbClr val="A5A5A5"/>
+              </a:solidFill>
+              <a:latin typeface="Consolas"/>
+              <a:ea typeface="Consolas"/>
+              <a:cs typeface="Consolas"/>
+              <a:sym typeface="Consolas"/>
+            </a:endParaRPr>
+          </a:p>
+        </p:txBody>
+      </p:sp>
+      <p:sp>
+        <p:nvSpPr>
+          <p:cNvPr id="143" name="Google Shape;143;p26"/>
+          <p:cNvSpPr txBox="1">
+            <a:spLocks noGrp="1"/>
+          </p:cNvSpPr>
+          <p:nvPr>
+            <p:ph type="sldNum" idx="12"/>
+          </p:nvPr>
+        </p:nvSpPr>
+        <p:spPr>
+          <a:xfrm>
+            <a:off x="3543300" y="4904660"/>
+            <a:ext cx="2057400" cy="273900"/>
+          </a:xfrm>
+          <a:prstGeom prst="rect">
+            <a:avLst/>
+          </a:prstGeom>
+          <a:noFill/>
+          <a:ln>
+            <a:noFill/>
+          </a:ln>
+        </p:spPr>
+        <p:txBody>
+          <a:bodyPr spcFirstLastPara="1" wrap="square" lIns="68575" tIns="34275" rIns="68575" bIns="34275" anchor="ctr" anchorCtr="0">
+            <a:noAutofit/>
+          </a:bodyPr>
+          <a:lstStyle/>
+          <a:p>
+            <a:pPr marL="0" lvl="0" indent="0" algn="ctr" rtl="0">
+              <a:spcBef>
+                <a:spcPts val="0"/>
+              </a:spcBef>
+              <a:spcAft>
+                <a:spcPts val="0"/>
+              </a:spcAft>
+              <a:buNone/>
+            </a:pPr>
+            <a:fld id="{00000000-1234-1234-1234-123412341234}" type="slidenum">
+              <a:rPr lang="en-US" altLang="zh-TW" sz="1100"/>
+              <a:t>10</a:t>
+            </a:fld>
+            <a:endParaRPr sz="1100"/>
+          </a:p>
+        </p:txBody>
+      </p:sp>
+      <p:sp>
+        <p:nvSpPr>
+          <p:cNvPr id="144" name="Google Shape;144;p26"/>
+          <p:cNvSpPr txBox="1"/>
+          <p:nvPr/>
+        </p:nvSpPr>
+        <p:spPr>
+          <a:xfrm>
+            <a:off x="368600" y="246125"/>
+            <a:ext cx="7941920" cy="392385"/>
+          </a:xfrm>
+          <a:prstGeom prst="rect">
+            <a:avLst/>
+          </a:prstGeom>
+          <a:noFill/>
+          <a:ln>
+            <a:noFill/>
+          </a:ln>
+        </p:spPr>
+        <p:txBody>
+          <a:bodyPr spcFirstLastPara="1" wrap="square" lIns="68575" tIns="34275" rIns="68575" bIns="34275" anchor="t" anchorCtr="0">
+            <a:spAutoFit/>
+          </a:bodyPr>
+          <a:lstStyle/>
+          <a:p>
+            <a:pPr lvl="0"/>
+            <a:r>
+              <a:rPr lang="en-US" altLang="zh-TW" sz="2100" b="1" dirty="0">
+                <a:solidFill>
+                  <a:srgbClr val="08244A"/>
+                </a:solidFill>
+                <a:latin typeface="Microsoft JhengHei"/>
+                <a:ea typeface="Microsoft JhengHei"/>
+                <a:cs typeface="Microsoft JhengHei"/>
+                <a:sym typeface="Microsoft JhengHei"/>
+              </a:rPr>
+              <a:t>Approach</a:t>
+            </a:r>
+            <a:r>
+              <a:rPr lang="zh-TW" altLang="en-US" sz="2100" b="1" dirty="0">
+                <a:solidFill>
+                  <a:srgbClr val="08244A"/>
+                </a:solidFill>
+                <a:latin typeface="Microsoft JhengHei"/>
+                <a:ea typeface="Microsoft JhengHei"/>
+                <a:cs typeface="Microsoft JhengHei"/>
+                <a:sym typeface="Microsoft JhengHei"/>
+              </a:rPr>
+              <a:t> </a:t>
+            </a:r>
+            <a:r>
+              <a:rPr lang="en-US" altLang="zh-TW" sz="2100" b="1" dirty="0">
+                <a:solidFill>
+                  <a:srgbClr val="08244A"/>
+                </a:solidFill>
+                <a:latin typeface="Microsoft JhengHei"/>
+                <a:ea typeface="Microsoft JhengHei"/>
+                <a:cs typeface="Microsoft JhengHei"/>
+                <a:sym typeface="Microsoft JhengHei"/>
+              </a:rPr>
+              <a:t>-</a:t>
+            </a:r>
+            <a:r>
+              <a:rPr lang="zh-TW" altLang="en-US" sz="2100" b="1" dirty="0">
+                <a:solidFill>
+                  <a:srgbClr val="08244A"/>
+                </a:solidFill>
+                <a:latin typeface="Microsoft JhengHei"/>
+                <a:ea typeface="Microsoft JhengHei"/>
+                <a:cs typeface="Microsoft JhengHei"/>
+                <a:sym typeface="Microsoft JhengHei"/>
+              </a:rPr>
+              <a:t> </a:t>
+            </a:r>
+            <a:r>
+              <a:rPr lang="en-US" altLang="zh-TW" sz="2100" b="1" dirty="0">
+                <a:solidFill>
+                  <a:srgbClr val="08244A"/>
+                </a:solidFill>
+                <a:latin typeface="Microsoft JhengHei"/>
+                <a:ea typeface="Microsoft JhengHei"/>
+                <a:cs typeface="Microsoft JhengHei"/>
+                <a:sym typeface="Microsoft JhengHei"/>
+              </a:rPr>
+              <a:t>Masking</a:t>
+            </a:r>
+            <a:endParaRPr lang="en-US" sz="2100" b="1" dirty="0">
+              <a:solidFill>
+                <a:srgbClr val="08244A"/>
+              </a:solidFill>
+              <a:latin typeface="Microsoft JhengHei"/>
+              <a:ea typeface="Microsoft JhengHei"/>
+              <a:cs typeface="Microsoft JhengHei"/>
+              <a:sym typeface="Microsoft JhengHei"/>
+            </a:endParaRPr>
+          </a:p>
+        </p:txBody>
+      </p:sp>
+      <p:sp>
+        <p:nvSpPr>
+          <p:cNvPr id="145" name="Google Shape;145;p26"/>
+          <p:cNvSpPr txBox="1"/>
+          <p:nvPr/>
+        </p:nvSpPr>
+        <p:spPr>
+          <a:xfrm>
+            <a:off x="471900" y="736201"/>
+            <a:ext cx="7422300" cy="369300"/>
+          </a:xfrm>
+          <a:prstGeom prst="rect">
+            <a:avLst/>
+          </a:prstGeom>
+          <a:noFill/>
+          <a:ln>
+            <a:noFill/>
+          </a:ln>
+        </p:spPr>
+        <p:txBody>
+          <a:bodyPr spcFirstLastPara="1" wrap="square" lIns="91425" tIns="91425" rIns="91425" bIns="91425" anchor="t" anchorCtr="0">
+            <a:spAutoFit/>
+          </a:bodyPr>
+          <a:lstStyle/>
+          <a:p>
+            <a:pPr marL="0" lvl="0" indent="0" algn="l" rtl="0">
+              <a:spcBef>
+                <a:spcPts val="0"/>
+              </a:spcBef>
+              <a:spcAft>
+                <a:spcPts val="0"/>
+              </a:spcAft>
+              <a:buNone/>
+            </a:pPr>
+            <a:endParaRPr sz="1200" b="1">
+              <a:solidFill>
+                <a:schemeClr val="dk1"/>
+              </a:solidFill>
+              <a:latin typeface="Microsoft JhengHei"/>
+              <a:ea typeface="Microsoft JhengHei"/>
+              <a:cs typeface="Microsoft JhengHei"/>
+              <a:sym typeface="Microsoft JhengHei"/>
+            </a:endParaRPr>
+          </a:p>
+        </p:txBody>
+      </p:sp>
+      <p:sp>
+        <p:nvSpPr>
+          <p:cNvPr id="12" name="Google Shape;146;p26">
+            <a:extLst>
+              <a:ext uri="{FF2B5EF4-FFF2-40B4-BE49-F238E27FC236}">
+                <a16:creationId xmlns:a16="http://schemas.microsoft.com/office/drawing/2014/main" id="{B28DA447-3E98-3B40-30D1-BA1BDE5BE45C}"/>
+              </a:ext>
+            </a:extLst>
+          </p:cNvPr>
+          <p:cNvSpPr txBox="1"/>
+          <p:nvPr/>
+        </p:nvSpPr>
+        <p:spPr>
+          <a:xfrm>
+            <a:off x="471900" y="886850"/>
+            <a:ext cx="8252100" cy="830966"/>
+          </a:xfrm>
+          <a:prstGeom prst="rect">
+            <a:avLst/>
+          </a:prstGeom>
+          <a:noFill/>
+          <a:ln>
+            <a:noFill/>
+          </a:ln>
+        </p:spPr>
+        <p:txBody>
+          <a:bodyPr spcFirstLastPara="1" wrap="square" lIns="91425" tIns="91425" rIns="91425" bIns="91425" anchor="t" anchorCtr="0">
+            <a:spAutoFit/>
+          </a:bodyPr>
+          <a:lstStyle/>
+          <a:p>
+            <a:pPr marL="457200" lvl="0" indent="-317500">
+              <a:lnSpc>
+                <a:spcPct val="150000"/>
+              </a:lnSpc>
+              <a:buClr>
+                <a:schemeClr val="dk1"/>
+              </a:buClr>
+              <a:buSzPts val="1400"/>
+              <a:buFont typeface="Microsoft JhengHei"/>
+              <a:buAutoNum type="arabicPeriod"/>
+            </a:pPr>
+            <a:r>
+              <a:rPr lang="en-US" altLang="zh-TW" b="0" i="0" dirty="0">
+                <a:effectLst/>
+                <a:latin typeface="Arial" panose="020B0604020202020204" pitchFamily="34" charset="0"/>
+              </a:rPr>
+              <a:t>non-overlapping patches</a:t>
+            </a:r>
+          </a:p>
+          <a:p>
+            <a:pPr marL="457200" lvl="0" indent="-317500">
+              <a:lnSpc>
+                <a:spcPct val="150000"/>
+              </a:lnSpc>
+              <a:buClr>
+                <a:schemeClr val="dk1"/>
+              </a:buClr>
+              <a:buSzPts val="1400"/>
+              <a:buFont typeface="Microsoft JhengHei"/>
+              <a:buAutoNum type="arabicPeriod"/>
+            </a:pPr>
+            <a:r>
+              <a:rPr lang="en-US" altLang="zh-TW" b="0" i="0" dirty="0">
+                <a:effectLst/>
+                <a:latin typeface="Arial" panose="020B0604020202020204" pitchFamily="34" charset="0"/>
+              </a:rPr>
+              <a:t>Random sampling</a:t>
+            </a:r>
+            <a:endParaRPr lang="en-US" altLang="zh-TW" dirty="0"/>
+          </a:p>
+        </p:txBody>
+      </p:sp>
+      <p:pic>
+        <p:nvPicPr>
+          <p:cNvPr id="5" name="圖片 4">
+            <a:extLst>
+              <a:ext uri="{FF2B5EF4-FFF2-40B4-BE49-F238E27FC236}">
+                <a16:creationId xmlns:a16="http://schemas.microsoft.com/office/drawing/2014/main" id="{36A0C458-81A3-6F3A-243A-24720E834251}"/>
+              </a:ext>
+            </a:extLst>
+          </p:cNvPr>
+          <p:cNvPicPr>
+            <a:picLocks noChangeAspect="1"/>
+          </p:cNvPicPr>
+          <p:nvPr/>
+        </p:nvPicPr>
+        <p:blipFill>
+          <a:blip r:embed="rId3"/>
+          <a:stretch>
+            <a:fillRect/>
+          </a:stretch>
+        </p:blipFill>
+        <p:spPr>
+          <a:xfrm>
+            <a:off x="1333206" y="2055377"/>
+            <a:ext cx="7810794" cy="2792426"/>
+          </a:xfrm>
+          <a:prstGeom prst="rect">
+            <a:avLst/>
+          </a:prstGeom>
+        </p:spPr>
+      </p:pic>
+      <p:pic>
+        <p:nvPicPr>
+          <p:cNvPr id="17" name="圖片 16">
+            <a:extLst>
+              <a:ext uri="{FF2B5EF4-FFF2-40B4-BE49-F238E27FC236}">
+                <a16:creationId xmlns:a16="http://schemas.microsoft.com/office/drawing/2014/main" id="{1F630671-57DB-09DC-B062-36B177208307}"/>
+              </a:ext>
+            </a:extLst>
+          </p:cNvPr>
+          <p:cNvPicPr>
+            <a:picLocks noChangeAspect="1"/>
+          </p:cNvPicPr>
+          <p:nvPr/>
+        </p:nvPicPr>
+        <p:blipFill>
+          <a:blip r:embed="rId4"/>
+          <a:stretch>
+            <a:fillRect/>
+          </a:stretch>
+        </p:blipFill>
+        <p:spPr>
+          <a:xfrm>
+            <a:off x="6627376" y="707394"/>
+            <a:ext cx="2245649" cy="1264954"/>
+          </a:xfrm>
+          <a:prstGeom prst="rect">
+            <a:avLst/>
+          </a:prstGeom>
+        </p:spPr>
+      </p:pic>
+    </p:spTree>
+    <p:extLst>
+      <p:ext uri="{BB962C8B-B14F-4D97-AF65-F5344CB8AC3E}">
+        <p14:creationId xmlns:p14="http://schemas.microsoft.com/office/powerpoint/2010/main" val="4100453120"/>
+      </p:ext>
+    </p:extLst>
+  </p:cSld>
+  <p:clrMapOvr>
+    <a:masterClrMapping/>
+  </p:clrMapOvr>
+  <p:transition spd="slow">
+    <p:push/>
+  </p:transition>
+</p:sld>
+</file>
+
+<file path=ppt/slides/slide11.xml><?xml version="1.0" encoding="utf-8"?>
+<p:sld xmlns:a="http://schemas.openxmlformats.org/drawingml/2006/main" xmlns:r="http://schemas.openxmlformats.org/officeDocument/2006/relationships" xmlns:p="http://schemas.openxmlformats.org/presentationml/2006/main">
+  <p:cSld>
+    <p:spTree>
+      <p:nvGrpSpPr>
+        <p:cNvPr id="1" name="Shape 139"/>
+        <p:cNvGrpSpPr/>
+        <p:nvPr/>
+      </p:nvGrpSpPr>
+      <p:grpSpPr>
+        <a:xfrm>
+          <a:off x="0" y="0"/>
+          <a:ext cx="0" cy="0"/>
+          <a:chOff x="0" y="0"/>
+          <a:chExt cx="0" cy="0"/>
+        </a:xfrm>
+      </p:grpSpPr>
+      <p:cxnSp>
+        <p:nvCxnSpPr>
+          <p:cNvPr id="140" name="Google Shape;140;p26"/>
+          <p:cNvCxnSpPr/>
+          <p:nvPr/>
+        </p:nvCxnSpPr>
+        <p:spPr>
+          <a:xfrm rot="10800000">
+            <a:off x="471906" y="672952"/>
+            <a:ext cx="8200200" cy="0"/>
+          </a:xfrm>
+          <a:prstGeom prst="straightConnector1">
+            <a:avLst/>
+          </a:prstGeom>
+          <a:noFill/>
+          <a:ln w="38100" cap="flat" cmpd="sng">
+            <a:solidFill>
+              <a:srgbClr val="08244A"/>
+            </a:solidFill>
+            <a:prstDash val="solid"/>
+            <a:miter lim="800000"/>
+            <a:headEnd type="none" w="sm" len="sm"/>
+            <a:tailEnd type="none" w="sm" len="sm"/>
+          </a:ln>
+        </p:spPr>
+      </p:cxnSp>
+      <p:sp>
+        <p:nvSpPr>
+          <p:cNvPr id="141" name="Google Shape;141;p26"/>
+          <p:cNvSpPr txBox="1"/>
+          <p:nvPr/>
+        </p:nvSpPr>
+        <p:spPr>
+          <a:xfrm>
+            <a:off x="4312990" y="4919588"/>
+            <a:ext cx="518100" cy="238500"/>
+          </a:xfrm>
+          <a:prstGeom prst="rect">
+            <a:avLst/>
+          </a:prstGeom>
+          <a:solidFill>
+            <a:srgbClr val="08244A"/>
+          </a:solidFill>
+          <a:ln>
+            <a:noFill/>
+          </a:ln>
+        </p:spPr>
+        <p:txBody>
+          <a:bodyPr spcFirstLastPara="1" wrap="square" lIns="68575" tIns="34275" rIns="68575" bIns="34275" anchor="t" anchorCtr="0">
+            <a:spAutoFit/>
+          </a:bodyPr>
+          <a:lstStyle/>
+          <a:p>
+            <a:pPr marL="0" marR="0" lvl="0" indent="0" algn="ctr" rtl="0">
+              <a:spcBef>
+                <a:spcPts val="0"/>
+              </a:spcBef>
+              <a:spcAft>
+                <a:spcPts val="0"/>
+              </a:spcAft>
+              <a:buNone/>
+            </a:pPr>
+            <a:endParaRPr sz="1100">
+              <a:solidFill>
+                <a:schemeClr val="lt1"/>
+              </a:solidFill>
+              <a:latin typeface="Arial"/>
+              <a:ea typeface="Arial"/>
+              <a:cs typeface="Arial"/>
+              <a:sym typeface="Arial"/>
+            </a:endParaRPr>
+          </a:p>
+        </p:txBody>
+      </p:sp>
+      <p:sp>
+        <p:nvSpPr>
+          <p:cNvPr id="142" name="Google Shape;142;p26"/>
+          <p:cNvSpPr txBox="1"/>
+          <p:nvPr/>
+        </p:nvSpPr>
+        <p:spPr>
+          <a:xfrm>
+            <a:off x="7422919" y="4868275"/>
+            <a:ext cx="1660500" cy="238500"/>
+          </a:xfrm>
+          <a:prstGeom prst="rect">
+            <a:avLst/>
+          </a:prstGeom>
+          <a:noFill/>
+          <a:ln>
+            <a:noFill/>
+          </a:ln>
+        </p:spPr>
+        <p:txBody>
+          <a:bodyPr spcFirstLastPara="1" wrap="square" lIns="68575" tIns="34275" rIns="68575" bIns="34275" anchor="t" anchorCtr="0">
+            <a:spAutoFit/>
+          </a:bodyPr>
+          <a:lstStyle/>
+          <a:p>
+            <a:pPr marL="0" marR="0" lvl="0" indent="0" algn="r" rtl="0">
+              <a:spcBef>
+                <a:spcPts val="0"/>
+              </a:spcBef>
+              <a:spcAft>
+                <a:spcPts val="0"/>
+              </a:spcAft>
+              <a:buNone/>
+            </a:pPr>
+            <a:r>
+              <a:rPr lang="zh-TW" sz="1100">
+                <a:solidFill>
+                  <a:srgbClr val="A5A5A5"/>
+                </a:solidFill>
+                <a:latin typeface="Consolas"/>
+                <a:ea typeface="Consolas"/>
+                <a:cs typeface="Consolas"/>
+                <a:sym typeface="Consolas"/>
+              </a:rPr>
+              <a:t>NTUST GAMELab</a:t>
+            </a:r>
+            <a:endParaRPr sz="1100">
+              <a:solidFill>
+                <a:srgbClr val="A5A5A5"/>
+              </a:solidFill>
+              <a:latin typeface="Consolas"/>
+              <a:ea typeface="Consolas"/>
+              <a:cs typeface="Consolas"/>
+              <a:sym typeface="Consolas"/>
+            </a:endParaRPr>
+          </a:p>
+        </p:txBody>
+      </p:sp>
+      <p:sp>
+        <p:nvSpPr>
+          <p:cNvPr id="143" name="Google Shape;143;p26"/>
+          <p:cNvSpPr txBox="1">
+            <a:spLocks noGrp="1"/>
+          </p:cNvSpPr>
+          <p:nvPr>
+            <p:ph type="sldNum" idx="12"/>
+          </p:nvPr>
+        </p:nvSpPr>
+        <p:spPr>
+          <a:xfrm>
+            <a:off x="3543300" y="4904660"/>
+            <a:ext cx="2057400" cy="273900"/>
+          </a:xfrm>
+          <a:prstGeom prst="rect">
+            <a:avLst/>
+          </a:prstGeom>
+          <a:noFill/>
+          <a:ln>
+            <a:noFill/>
+          </a:ln>
+        </p:spPr>
+        <p:txBody>
+          <a:bodyPr spcFirstLastPara="1" wrap="square" lIns="68575" tIns="34275" rIns="68575" bIns="34275" anchor="ctr" anchorCtr="0">
+            <a:noAutofit/>
+          </a:bodyPr>
+          <a:lstStyle/>
+          <a:p>
+            <a:pPr marL="0" lvl="0" indent="0" algn="ctr" rtl="0">
+              <a:spcBef>
+                <a:spcPts val="0"/>
+              </a:spcBef>
+              <a:spcAft>
+                <a:spcPts val="0"/>
+              </a:spcAft>
+              <a:buNone/>
+            </a:pPr>
+            <a:fld id="{00000000-1234-1234-1234-123412341234}" type="slidenum">
+              <a:rPr lang="en-US" altLang="zh-TW" sz="1100"/>
+              <a:t>11</a:t>
+            </a:fld>
+            <a:endParaRPr sz="1100"/>
+          </a:p>
+        </p:txBody>
+      </p:sp>
+      <p:sp>
+        <p:nvSpPr>
+          <p:cNvPr id="144" name="Google Shape;144;p26"/>
+          <p:cNvSpPr txBox="1"/>
+          <p:nvPr/>
+        </p:nvSpPr>
+        <p:spPr>
+          <a:xfrm>
+            <a:off x="368600" y="246125"/>
+            <a:ext cx="7941920" cy="392385"/>
+          </a:xfrm>
+          <a:prstGeom prst="rect">
+            <a:avLst/>
+          </a:prstGeom>
+          <a:noFill/>
+          <a:ln>
+            <a:noFill/>
+          </a:ln>
+        </p:spPr>
+        <p:txBody>
+          <a:bodyPr spcFirstLastPara="1" wrap="square" lIns="68575" tIns="34275" rIns="68575" bIns="34275" anchor="t" anchorCtr="0">
+            <a:spAutoFit/>
+          </a:bodyPr>
+          <a:lstStyle/>
+          <a:p>
+            <a:pPr lvl="0"/>
+            <a:r>
+              <a:rPr lang="en-US" altLang="zh-TW" sz="2100" b="1" dirty="0">
+                <a:solidFill>
+                  <a:srgbClr val="08244A"/>
+                </a:solidFill>
+                <a:latin typeface="Microsoft JhengHei"/>
+                <a:ea typeface="Microsoft JhengHei"/>
+                <a:cs typeface="Microsoft JhengHei"/>
+                <a:sym typeface="Microsoft JhengHei"/>
+              </a:rPr>
+              <a:t>Approach</a:t>
+            </a:r>
+            <a:r>
+              <a:rPr lang="zh-TW" altLang="en-US" sz="2100" b="1" dirty="0">
+                <a:solidFill>
+                  <a:srgbClr val="08244A"/>
+                </a:solidFill>
+                <a:latin typeface="Microsoft JhengHei"/>
+                <a:ea typeface="Microsoft JhengHei"/>
+                <a:cs typeface="Microsoft JhengHei"/>
+                <a:sym typeface="Microsoft JhengHei"/>
+              </a:rPr>
+              <a:t> </a:t>
+            </a:r>
+            <a:r>
+              <a:rPr lang="en-US" altLang="zh-TW" sz="2100" b="1" dirty="0">
+                <a:solidFill>
+                  <a:srgbClr val="08244A"/>
+                </a:solidFill>
+                <a:latin typeface="Microsoft JhengHei"/>
+                <a:ea typeface="Microsoft JhengHei"/>
+                <a:cs typeface="Microsoft JhengHei"/>
+                <a:sym typeface="Microsoft JhengHei"/>
+              </a:rPr>
+              <a:t>-</a:t>
+            </a:r>
+            <a:r>
+              <a:rPr lang="zh-TW" altLang="en-US" sz="2100" b="1" dirty="0">
+                <a:solidFill>
+                  <a:srgbClr val="08244A"/>
+                </a:solidFill>
+                <a:latin typeface="Microsoft JhengHei"/>
+                <a:ea typeface="Microsoft JhengHei"/>
+                <a:cs typeface="Microsoft JhengHei"/>
+                <a:sym typeface="Microsoft JhengHei"/>
+              </a:rPr>
+              <a:t> </a:t>
+            </a:r>
+            <a:r>
+              <a:rPr lang="en-US" altLang="zh-TW" sz="2100" b="1" dirty="0">
+                <a:solidFill>
+                  <a:srgbClr val="08244A"/>
+                </a:solidFill>
+                <a:latin typeface="Microsoft JhengHei"/>
+                <a:ea typeface="Microsoft JhengHei"/>
+                <a:cs typeface="Microsoft JhengHei"/>
+                <a:sym typeface="Microsoft JhengHei"/>
+              </a:rPr>
+              <a:t>MAE encoder &amp; decoder</a:t>
+            </a:r>
+            <a:endParaRPr lang="en-US" sz="2100" b="1" dirty="0">
+              <a:solidFill>
+                <a:srgbClr val="08244A"/>
+              </a:solidFill>
+              <a:latin typeface="Microsoft JhengHei"/>
+              <a:ea typeface="Microsoft JhengHei"/>
+              <a:cs typeface="Microsoft JhengHei"/>
+              <a:sym typeface="Microsoft JhengHei"/>
+            </a:endParaRPr>
+          </a:p>
+        </p:txBody>
+      </p:sp>
+      <p:sp>
+        <p:nvSpPr>
+          <p:cNvPr id="145" name="Google Shape;145;p26"/>
+          <p:cNvSpPr txBox="1"/>
+          <p:nvPr/>
+        </p:nvSpPr>
+        <p:spPr>
+          <a:xfrm>
+            <a:off x="471900" y="736201"/>
+            <a:ext cx="7422300" cy="369300"/>
+          </a:xfrm>
+          <a:prstGeom prst="rect">
+            <a:avLst/>
+          </a:prstGeom>
+          <a:noFill/>
+          <a:ln>
+            <a:noFill/>
+          </a:ln>
+        </p:spPr>
+        <p:txBody>
+          <a:bodyPr spcFirstLastPara="1" wrap="square" lIns="91425" tIns="91425" rIns="91425" bIns="91425" anchor="t" anchorCtr="0">
+            <a:spAutoFit/>
+          </a:bodyPr>
+          <a:lstStyle/>
+          <a:p>
+            <a:pPr marL="0" lvl="0" indent="0" algn="l" rtl="0">
+              <a:spcBef>
+                <a:spcPts val="0"/>
+              </a:spcBef>
+              <a:spcAft>
+                <a:spcPts val="0"/>
+              </a:spcAft>
+              <a:buNone/>
+            </a:pPr>
+            <a:endParaRPr sz="1200" b="1">
+              <a:solidFill>
+                <a:schemeClr val="dk1"/>
+              </a:solidFill>
+              <a:latin typeface="Microsoft JhengHei"/>
+              <a:ea typeface="Microsoft JhengHei"/>
+              <a:cs typeface="Microsoft JhengHei"/>
+              <a:sym typeface="Microsoft JhengHei"/>
+            </a:endParaRPr>
+          </a:p>
+        </p:txBody>
+      </p:sp>
+      <p:sp>
+        <p:nvSpPr>
+          <p:cNvPr id="12" name="Google Shape;146;p26">
+            <a:extLst>
+              <a:ext uri="{FF2B5EF4-FFF2-40B4-BE49-F238E27FC236}">
+                <a16:creationId xmlns:a16="http://schemas.microsoft.com/office/drawing/2014/main" id="{B28DA447-3E98-3B40-30D1-BA1BDE5BE45C}"/>
+              </a:ext>
+            </a:extLst>
+          </p:cNvPr>
+          <p:cNvSpPr txBox="1"/>
+          <p:nvPr/>
+        </p:nvSpPr>
+        <p:spPr>
+          <a:xfrm>
+            <a:off x="471900" y="886850"/>
+            <a:ext cx="8252100" cy="3093124"/>
+          </a:xfrm>
+          <a:prstGeom prst="rect">
+            <a:avLst/>
+          </a:prstGeom>
+          <a:noFill/>
+          <a:ln>
+            <a:noFill/>
+          </a:ln>
+        </p:spPr>
+        <p:txBody>
+          <a:bodyPr spcFirstLastPara="1" wrap="square" lIns="91425" tIns="91425" rIns="91425" bIns="91425" anchor="t" anchorCtr="0">
+            <a:spAutoFit/>
+          </a:bodyPr>
+          <a:lstStyle/>
+          <a:p>
+            <a:pPr marL="139700" lvl="0">
+              <a:lnSpc>
+                <a:spcPct val="150000"/>
+              </a:lnSpc>
+              <a:buClr>
+                <a:schemeClr val="dk1"/>
+              </a:buClr>
+              <a:buSzPts val="1400"/>
+            </a:pPr>
+            <a:r>
+              <a:rPr lang="en-US" altLang="zh-TW" sz="1400" b="1" dirty="0">
+                <a:solidFill>
+                  <a:srgbClr val="08244A"/>
+                </a:solidFill>
+                <a:latin typeface="Microsoft JhengHei"/>
+                <a:ea typeface="Microsoft JhengHei"/>
+                <a:cs typeface="Microsoft JhengHei"/>
+                <a:sym typeface="Microsoft JhengHei"/>
+              </a:rPr>
+              <a:t>encoder</a:t>
+            </a:r>
+            <a:endParaRPr lang="en-US" altLang="zh-TW" b="0" i="0" dirty="0">
+              <a:effectLst/>
+              <a:latin typeface="Arial" panose="020B0604020202020204" pitchFamily="34" charset="0"/>
+            </a:endParaRPr>
+          </a:p>
+          <a:p>
+            <a:pPr marL="457200" lvl="0" indent="-317500">
+              <a:lnSpc>
+                <a:spcPct val="150000"/>
+              </a:lnSpc>
+              <a:buClr>
+                <a:schemeClr val="dk1"/>
+              </a:buClr>
+              <a:buSzPts val="1400"/>
+              <a:buFont typeface="Microsoft JhengHei"/>
+              <a:buAutoNum type="arabicPeriod"/>
+            </a:pPr>
+            <a:r>
+              <a:rPr lang="en-US" altLang="zh-TW" b="0" i="0" dirty="0" err="1">
+                <a:effectLst/>
+                <a:latin typeface="Arial" panose="020B0604020202020204" pitchFamily="34" charset="0"/>
+              </a:rPr>
+              <a:t>ViT</a:t>
+            </a:r>
+            <a:endParaRPr lang="en-US" altLang="zh-TW" b="0" i="0" dirty="0">
+              <a:effectLst/>
+              <a:latin typeface="Arial" panose="020B0604020202020204" pitchFamily="34" charset="0"/>
+            </a:endParaRPr>
+          </a:p>
+          <a:p>
+            <a:pPr marL="457200" lvl="0" indent="-317500">
+              <a:lnSpc>
+                <a:spcPct val="150000"/>
+              </a:lnSpc>
+              <a:buClr>
+                <a:schemeClr val="dk1"/>
+              </a:buClr>
+              <a:buSzPts val="1400"/>
+              <a:buFont typeface="Microsoft JhengHei"/>
+              <a:buAutoNum type="arabicPeriod"/>
+            </a:pPr>
+            <a:r>
+              <a:rPr lang="en-US" altLang="zh-TW" b="0" i="0" dirty="0">
+                <a:effectLst/>
+                <a:latin typeface="Arial" panose="020B0604020202020204" pitchFamily="34" charset="0"/>
+              </a:rPr>
+              <a:t>Only unmasked patches.</a:t>
+            </a:r>
+          </a:p>
+          <a:p>
+            <a:pPr marL="139700" lvl="0">
+              <a:lnSpc>
+                <a:spcPct val="150000"/>
+              </a:lnSpc>
+              <a:buClr>
+                <a:schemeClr val="dk1"/>
+              </a:buClr>
+              <a:buSzPts val="1400"/>
+            </a:pPr>
+            <a:r>
+              <a:rPr lang="en-US" altLang="zh-TW" sz="1400" b="1" dirty="0">
+                <a:solidFill>
+                  <a:srgbClr val="08244A"/>
+                </a:solidFill>
+                <a:latin typeface="Microsoft JhengHei"/>
+                <a:ea typeface="Microsoft JhengHei"/>
+                <a:cs typeface="Microsoft JhengHei"/>
+                <a:sym typeface="Microsoft JhengHei"/>
+              </a:rPr>
+              <a:t>Decoder</a:t>
+            </a:r>
+          </a:p>
+          <a:p>
+            <a:pPr marL="482600" lvl="0" indent="-342900">
+              <a:lnSpc>
+                <a:spcPct val="150000"/>
+              </a:lnSpc>
+              <a:buClr>
+                <a:schemeClr val="dk1"/>
+              </a:buClr>
+              <a:buSzPts val="1400"/>
+              <a:buFont typeface="+mj-lt"/>
+              <a:buAutoNum type="arabicPeriod"/>
+            </a:pPr>
+            <a:r>
+              <a:rPr lang="en-US" altLang="zh-TW" b="0" i="0" dirty="0">
+                <a:effectLst/>
+                <a:latin typeface="Arial" panose="020B0604020202020204" pitchFamily="34" charset="0"/>
+              </a:rPr>
+              <a:t>Mask token is a shared, learned vector.</a:t>
+            </a:r>
+          </a:p>
+          <a:p>
+            <a:pPr marL="482600" lvl="0" indent="-342900">
+              <a:lnSpc>
+                <a:spcPct val="150000"/>
+              </a:lnSpc>
+              <a:buClr>
+                <a:schemeClr val="dk1"/>
+              </a:buClr>
+              <a:buSzPts val="1400"/>
+              <a:buFont typeface="+mj-lt"/>
+              <a:buAutoNum type="arabicPeriod"/>
+            </a:pPr>
+            <a:r>
+              <a:rPr lang="en-US" altLang="zh-TW" b="0" i="0" dirty="0">
+                <a:effectLst/>
+                <a:latin typeface="Arial" panose="020B0604020202020204" pitchFamily="34" charset="0"/>
+              </a:rPr>
+              <a:t>Only used during pre-training.</a:t>
+            </a:r>
+          </a:p>
+          <a:p>
+            <a:pPr marL="482600" lvl="0" indent="-342900">
+              <a:lnSpc>
+                <a:spcPct val="150000"/>
+              </a:lnSpc>
+              <a:buClr>
+                <a:schemeClr val="dk1"/>
+              </a:buClr>
+              <a:buSzPts val="1400"/>
+              <a:buFont typeface="+mj-lt"/>
+              <a:buAutoNum type="arabicPeriod"/>
+            </a:pPr>
+            <a:r>
+              <a:rPr lang="en-US" altLang="zh-TW" dirty="0">
+                <a:latin typeface="Arial" panose="020B0604020202020204" pitchFamily="34" charset="0"/>
+              </a:rPr>
+              <a:t>Use </a:t>
+            </a:r>
+            <a:r>
+              <a:rPr lang="en-US" altLang="zh-TW" b="0" i="0" dirty="0">
+                <a:effectLst/>
+                <a:latin typeface="Arial" panose="020B0604020202020204" pitchFamily="34" charset="0"/>
+              </a:rPr>
+              <a:t>10% computation</a:t>
+            </a:r>
+            <a:r>
+              <a:rPr lang="en-US" altLang="zh-TW" dirty="0">
+                <a:latin typeface="Arial" panose="020B0604020202020204" pitchFamily="34" charset="0"/>
+              </a:rPr>
+              <a:t> than encoder.</a:t>
+            </a:r>
+          </a:p>
+          <a:p>
+            <a:pPr marL="139700" lvl="0">
+              <a:lnSpc>
+                <a:spcPct val="150000"/>
+              </a:lnSpc>
+              <a:buClr>
+                <a:schemeClr val="dk1"/>
+              </a:buClr>
+              <a:buSzPts val="1400"/>
+            </a:pPr>
+            <a:r>
+              <a:rPr lang="en-US" altLang="zh-TW" sz="1400" b="1" dirty="0">
+                <a:solidFill>
+                  <a:srgbClr val="08244A"/>
+                </a:solidFill>
+                <a:latin typeface="Microsoft JhengHei"/>
+                <a:ea typeface="Microsoft JhengHei"/>
+                <a:cs typeface="Microsoft JhengHei"/>
+                <a:sym typeface="Microsoft JhengHei"/>
+              </a:rPr>
+              <a:t>Reconstruction target</a:t>
+            </a:r>
+          </a:p>
+          <a:p>
+            <a:pPr marL="482600" lvl="0" indent="-342900">
+              <a:lnSpc>
+                <a:spcPct val="150000"/>
+              </a:lnSpc>
+              <a:buClr>
+                <a:schemeClr val="dk1"/>
+              </a:buClr>
+              <a:buSzPts val="1400"/>
+              <a:buFont typeface="+mj-lt"/>
+              <a:buAutoNum type="arabicPeriod"/>
+            </a:pPr>
+            <a:r>
+              <a:rPr lang="en-US" altLang="zh-TW" b="0" i="0" dirty="0">
+                <a:effectLst/>
+                <a:latin typeface="Arial" panose="020B0604020202020204" pitchFamily="34" charset="0"/>
+              </a:rPr>
+              <a:t>Compute MSE loss on masked patches.</a:t>
+            </a:r>
+            <a:endParaRPr lang="en-US" altLang="zh-TW" dirty="0">
+              <a:latin typeface="Arial" panose="020B0604020202020204" pitchFamily="34" charset="0"/>
+              <a:sym typeface="Microsoft JhengHei"/>
+            </a:endParaRPr>
+          </a:p>
+        </p:txBody>
+      </p:sp>
+      <p:pic>
+        <p:nvPicPr>
+          <p:cNvPr id="17" name="圖片 16">
+            <a:extLst>
+              <a:ext uri="{FF2B5EF4-FFF2-40B4-BE49-F238E27FC236}">
+                <a16:creationId xmlns:a16="http://schemas.microsoft.com/office/drawing/2014/main" id="{1F630671-57DB-09DC-B062-36B177208307}"/>
+              </a:ext>
+            </a:extLst>
+          </p:cNvPr>
+          <p:cNvPicPr>
+            <a:picLocks noChangeAspect="1"/>
+          </p:cNvPicPr>
+          <p:nvPr/>
+        </p:nvPicPr>
+        <p:blipFill>
+          <a:blip r:embed="rId3"/>
+          <a:stretch>
+            <a:fillRect/>
+          </a:stretch>
+        </p:blipFill>
+        <p:spPr>
+          <a:xfrm>
+            <a:off x="4683821" y="1363421"/>
+            <a:ext cx="4290247" cy="2416658"/>
+          </a:xfrm>
+          <a:prstGeom prst="rect">
+            <a:avLst/>
+          </a:prstGeom>
+        </p:spPr>
+      </p:pic>
+    </p:spTree>
+    <p:extLst>
+      <p:ext uri="{BB962C8B-B14F-4D97-AF65-F5344CB8AC3E}">
+        <p14:creationId xmlns:p14="http://schemas.microsoft.com/office/powerpoint/2010/main" val="2991815041"/>
+      </p:ext>
+    </p:extLst>
+  </p:cSld>
+  <p:clrMapOvr>
+    <a:masterClrMapping/>
+  </p:clrMapOvr>
+  <p:transition spd="slow">
+    <p:push/>
+  </p:transition>
+</p:sld>
+</file>
+
+<file path=ppt/slides/slide12.xml><?xml version="1.0" encoding="utf-8"?>
+<p:sld xmlns:a="http://schemas.openxmlformats.org/drawingml/2006/main" xmlns:r="http://schemas.openxmlformats.org/officeDocument/2006/relationships" xmlns:p="http://schemas.openxmlformats.org/presentationml/2006/main">
+  <p:cSld>
+    <p:spTree>
+      <p:nvGrpSpPr>
+        <p:cNvPr id="1" name="Shape 139"/>
+        <p:cNvGrpSpPr/>
+        <p:nvPr/>
+      </p:nvGrpSpPr>
+      <p:grpSpPr>
+        <a:xfrm>
+          <a:off x="0" y="0"/>
+          <a:ext cx="0" cy="0"/>
+          <a:chOff x="0" y="0"/>
+          <a:chExt cx="0" cy="0"/>
+        </a:xfrm>
+      </p:grpSpPr>
+      <p:cxnSp>
+        <p:nvCxnSpPr>
+          <p:cNvPr id="140" name="Google Shape;140;p26"/>
+          <p:cNvCxnSpPr/>
+          <p:nvPr/>
+        </p:nvCxnSpPr>
+        <p:spPr>
+          <a:xfrm rot="10800000">
+            <a:off x="471906" y="672952"/>
+            <a:ext cx="8200200" cy="0"/>
+          </a:xfrm>
+          <a:prstGeom prst="straightConnector1">
+            <a:avLst/>
+          </a:prstGeom>
+          <a:noFill/>
+          <a:ln w="38100" cap="flat" cmpd="sng">
+            <a:solidFill>
+              <a:srgbClr val="08244A"/>
+            </a:solidFill>
+            <a:prstDash val="solid"/>
+            <a:miter lim="800000"/>
+            <a:headEnd type="none" w="sm" len="sm"/>
+            <a:tailEnd type="none" w="sm" len="sm"/>
+          </a:ln>
+        </p:spPr>
+      </p:cxnSp>
+      <p:sp>
+        <p:nvSpPr>
+          <p:cNvPr id="141" name="Google Shape;141;p26"/>
+          <p:cNvSpPr txBox="1"/>
+          <p:nvPr/>
+        </p:nvSpPr>
+        <p:spPr>
+          <a:xfrm>
+            <a:off x="4312990" y="4919588"/>
+            <a:ext cx="518100" cy="238500"/>
+          </a:xfrm>
+          <a:prstGeom prst="rect">
+            <a:avLst/>
+          </a:prstGeom>
+          <a:solidFill>
+            <a:srgbClr val="08244A"/>
+          </a:solidFill>
+          <a:ln>
+            <a:noFill/>
+          </a:ln>
+        </p:spPr>
+        <p:txBody>
+          <a:bodyPr spcFirstLastPara="1" wrap="square" lIns="68575" tIns="34275" rIns="68575" bIns="34275" anchor="t" anchorCtr="0">
+            <a:spAutoFit/>
+          </a:bodyPr>
+          <a:lstStyle/>
+          <a:p>
+            <a:pPr marL="0" marR="0" lvl="0" indent="0" algn="ctr" rtl="0">
+              <a:spcBef>
+                <a:spcPts val="0"/>
+              </a:spcBef>
+              <a:spcAft>
+                <a:spcPts val="0"/>
+              </a:spcAft>
+              <a:buNone/>
+            </a:pPr>
+            <a:endParaRPr sz="1100">
+              <a:solidFill>
+                <a:schemeClr val="lt1"/>
+              </a:solidFill>
+              <a:latin typeface="Arial"/>
+              <a:ea typeface="Arial"/>
+              <a:cs typeface="Arial"/>
+              <a:sym typeface="Arial"/>
+            </a:endParaRPr>
+          </a:p>
+        </p:txBody>
+      </p:sp>
+      <p:sp>
+        <p:nvSpPr>
+          <p:cNvPr id="142" name="Google Shape;142;p26"/>
+          <p:cNvSpPr txBox="1"/>
+          <p:nvPr/>
+        </p:nvSpPr>
+        <p:spPr>
+          <a:xfrm>
+            <a:off x="7422919" y="4868275"/>
+            <a:ext cx="1660500" cy="238500"/>
+          </a:xfrm>
+          <a:prstGeom prst="rect">
+            <a:avLst/>
+          </a:prstGeom>
+          <a:noFill/>
+          <a:ln>
+            <a:noFill/>
+          </a:ln>
+        </p:spPr>
+        <p:txBody>
+          <a:bodyPr spcFirstLastPara="1" wrap="square" lIns="68575" tIns="34275" rIns="68575" bIns="34275" anchor="t" anchorCtr="0">
+            <a:spAutoFit/>
+          </a:bodyPr>
+          <a:lstStyle/>
+          <a:p>
+            <a:pPr marL="0" marR="0" lvl="0" indent="0" algn="r" rtl="0">
+              <a:spcBef>
+                <a:spcPts val="0"/>
+              </a:spcBef>
+              <a:spcAft>
+                <a:spcPts val="0"/>
+              </a:spcAft>
+              <a:buNone/>
+            </a:pPr>
+            <a:r>
+              <a:rPr lang="zh-TW" sz="1100">
+                <a:solidFill>
+                  <a:srgbClr val="A5A5A5"/>
+                </a:solidFill>
+                <a:latin typeface="Consolas"/>
+                <a:ea typeface="Consolas"/>
+                <a:cs typeface="Consolas"/>
+                <a:sym typeface="Consolas"/>
+              </a:rPr>
+              <a:t>NTUST GAMELab</a:t>
+            </a:r>
+            <a:endParaRPr sz="1100">
+              <a:solidFill>
+                <a:srgbClr val="A5A5A5"/>
+              </a:solidFill>
+              <a:latin typeface="Consolas"/>
+              <a:ea typeface="Consolas"/>
+              <a:cs typeface="Consolas"/>
+              <a:sym typeface="Consolas"/>
+            </a:endParaRPr>
+          </a:p>
+        </p:txBody>
+      </p:sp>
+      <p:sp>
+        <p:nvSpPr>
+          <p:cNvPr id="143" name="Google Shape;143;p26"/>
+          <p:cNvSpPr txBox="1">
+            <a:spLocks noGrp="1"/>
+          </p:cNvSpPr>
+          <p:nvPr>
+            <p:ph type="sldNum" idx="12"/>
+          </p:nvPr>
+        </p:nvSpPr>
+        <p:spPr>
+          <a:xfrm>
+            <a:off x="3543300" y="4904660"/>
+            <a:ext cx="2057400" cy="273900"/>
+          </a:xfrm>
+          <a:prstGeom prst="rect">
+            <a:avLst/>
+          </a:prstGeom>
+          <a:noFill/>
+          <a:ln>
+            <a:noFill/>
+          </a:ln>
+        </p:spPr>
+        <p:txBody>
+          <a:bodyPr spcFirstLastPara="1" wrap="square" lIns="68575" tIns="34275" rIns="68575" bIns="34275" anchor="ctr" anchorCtr="0">
+            <a:noAutofit/>
+          </a:bodyPr>
+          <a:lstStyle/>
+          <a:p>
+            <a:pPr marL="0" lvl="0" indent="0" algn="ctr" rtl="0">
+              <a:spcBef>
+                <a:spcPts val="0"/>
+              </a:spcBef>
+              <a:spcAft>
+                <a:spcPts val="0"/>
+              </a:spcAft>
+              <a:buNone/>
+            </a:pPr>
+            <a:fld id="{00000000-1234-1234-1234-123412341234}" type="slidenum">
+              <a:rPr lang="en-US" altLang="zh-TW" sz="1100"/>
+              <a:t>12</a:t>
+            </a:fld>
+            <a:endParaRPr sz="1100"/>
+          </a:p>
+        </p:txBody>
+      </p:sp>
+      <p:sp>
+        <p:nvSpPr>
+          <p:cNvPr id="144" name="Google Shape;144;p26"/>
+          <p:cNvSpPr txBox="1"/>
+          <p:nvPr/>
+        </p:nvSpPr>
+        <p:spPr>
+          <a:xfrm>
+            <a:off x="368600" y="246125"/>
+            <a:ext cx="7941920" cy="392385"/>
+          </a:xfrm>
+          <a:prstGeom prst="rect">
+            <a:avLst/>
+          </a:prstGeom>
+          <a:noFill/>
+          <a:ln>
+            <a:noFill/>
+          </a:ln>
+        </p:spPr>
+        <p:txBody>
+          <a:bodyPr spcFirstLastPara="1" wrap="square" lIns="68575" tIns="34275" rIns="68575" bIns="34275" anchor="t" anchorCtr="0">
+            <a:spAutoFit/>
+          </a:bodyPr>
+          <a:lstStyle/>
+          <a:p>
+            <a:pPr lvl="0"/>
+            <a:r>
+              <a:rPr lang="en-US" sz="2100" b="1">
+                <a:solidFill>
+                  <a:srgbClr val="08244A"/>
+                </a:solidFill>
+                <a:latin typeface="Microsoft JhengHei"/>
+                <a:ea typeface="Microsoft JhengHei"/>
+                <a:cs typeface="Microsoft JhengHei"/>
+                <a:sym typeface="Microsoft JhengHei"/>
+              </a:rPr>
+              <a:t>ImageNet Experiments</a:t>
+            </a:r>
+            <a:endParaRPr lang="en-US" sz="2100" b="1" dirty="0">
+              <a:solidFill>
+                <a:srgbClr val="08244A"/>
+              </a:solidFill>
+              <a:latin typeface="Microsoft JhengHei"/>
+              <a:ea typeface="Microsoft JhengHei"/>
+              <a:cs typeface="Microsoft JhengHei"/>
+              <a:sym typeface="Microsoft JhengHei"/>
+            </a:endParaRPr>
+          </a:p>
+        </p:txBody>
+      </p:sp>
+      <p:sp>
+        <p:nvSpPr>
+          <p:cNvPr id="145" name="Google Shape;145;p26"/>
+          <p:cNvSpPr txBox="1"/>
+          <p:nvPr/>
+        </p:nvSpPr>
+        <p:spPr>
+          <a:xfrm>
+            <a:off x="471900" y="736201"/>
+            <a:ext cx="7422300" cy="369300"/>
+          </a:xfrm>
+          <a:prstGeom prst="rect">
+            <a:avLst/>
+          </a:prstGeom>
+          <a:noFill/>
+          <a:ln>
+            <a:noFill/>
+          </a:ln>
+        </p:spPr>
+        <p:txBody>
+          <a:bodyPr spcFirstLastPara="1" wrap="square" lIns="91425" tIns="91425" rIns="91425" bIns="91425" anchor="t" anchorCtr="0">
+            <a:spAutoFit/>
+          </a:bodyPr>
+          <a:lstStyle/>
+          <a:p>
+            <a:pPr marL="0" lvl="0" indent="0" algn="l" rtl="0">
+              <a:spcBef>
+                <a:spcPts val="0"/>
+              </a:spcBef>
+              <a:spcAft>
+                <a:spcPts val="0"/>
+              </a:spcAft>
+              <a:buNone/>
+            </a:pPr>
+            <a:endParaRPr sz="1200" b="1">
+              <a:solidFill>
+                <a:schemeClr val="dk1"/>
+              </a:solidFill>
+              <a:latin typeface="Microsoft JhengHei"/>
+              <a:ea typeface="Microsoft JhengHei"/>
+              <a:cs typeface="Microsoft JhengHei"/>
+              <a:sym typeface="Microsoft JhengHei"/>
+            </a:endParaRPr>
+          </a:p>
+        </p:txBody>
+      </p:sp>
+      <p:sp>
+        <p:nvSpPr>
+          <p:cNvPr id="12" name="Google Shape;146;p26">
+            <a:extLst>
+              <a:ext uri="{FF2B5EF4-FFF2-40B4-BE49-F238E27FC236}">
+                <a16:creationId xmlns:a16="http://schemas.microsoft.com/office/drawing/2014/main" id="{B28DA447-3E98-3B40-30D1-BA1BDE5BE45C}"/>
+              </a:ext>
+            </a:extLst>
+          </p:cNvPr>
+          <p:cNvSpPr txBox="1"/>
+          <p:nvPr/>
+        </p:nvSpPr>
+        <p:spPr>
+          <a:xfrm>
+            <a:off x="471900" y="713504"/>
+            <a:ext cx="8252100" cy="1154132"/>
+          </a:xfrm>
+          <a:prstGeom prst="rect">
+            <a:avLst/>
+          </a:prstGeom>
+          <a:noFill/>
+          <a:ln>
+            <a:noFill/>
+          </a:ln>
+        </p:spPr>
+        <p:txBody>
+          <a:bodyPr spcFirstLastPara="1" wrap="square" lIns="91425" tIns="91425" rIns="91425" bIns="91425" anchor="t" anchorCtr="0">
+            <a:spAutoFit/>
+          </a:bodyPr>
+          <a:lstStyle/>
+          <a:p>
+            <a:pPr marL="139700" lvl="0">
+              <a:lnSpc>
+                <a:spcPct val="150000"/>
+              </a:lnSpc>
+              <a:buClr>
+                <a:schemeClr val="dk1"/>
+              </a:buClr>
+              <a:buSzPts val="1400"/>
+            </a:pPr>
+            <a:r>
+              <a:rPr lang="en-US" altLang="zh-TW" b="0" i="0" dirty="0" err="1">
+                <a:effectLst/>
+                <a:latin typeface="Arial" panose="020B0604020202020204" pitchFamily="34" charset="0"/>
+              </a:rPr>
+              <a:t>ViT</a:t>
+            </a:r>
+            <a:r>
+              <a:rPr lang="en-US" altLang="zh-TW" b="0" i="0" dirty="0">
+                <a:effectLst/>
+                <a:latin typeface="Arial" panose="020B0604020202020204" pitchFamily="34" charset="0"/>
+              </a:rPr>
+              <a:t>-Large.</a:t>
+            </a:r>
+          </a:p>
+          <a:p>
+            <a:pPr marL="139700" lvl="0">
+              <a:lnSpc>
+                <a:spcPct val="150000"/>
+              </a:lnSpc>
+              <a:buClr>
+                <a:schemeClr val="dk1"/>
+              </a:buClr>
+              <a:buSzPts val="1400"/>
+            </a:pPr>
+            <a:r>
+              <a:rPr lang="en-US" altLang="zh-TW" b="0" i="0" dirty="0">
+                <a:effectLst/>
+                <a:latin typeface="Arial" panose="020B0604020202020204" pitchFamily="34" charset="0"/>
+              </a:rPr>
+              <a:t>ImageNet-1K</a:t>
+            </a:r>
+            <a:endParaRPr lang="en-US" altLang="zh-TW" dirty="0">
+              <a:latin typeface="Arial" panose="020B0604020202020204" pitchFamily="34" charset="0"/>
+            </a:endParaRPr>
+          </a:p>
+          <a:p>
+            <a:pPr marL="139700" lvl="0">
+              <a:lnSpc>
+                <a:spcPct val="150000"/>
+              </a:lnSpc>
+              <a:buClr>
+                <a:schemeClr val="dk1"/>
+              </a:buClr>
+              <a:buSzPts val="1400"/>
+            </a:pPr>
+            <a:r>
+              <a:rPr lang="en-US" altLang="zh-TW" b="0" i="0" dirty="0">
+                <a:effectLst/>
+                <a:latin typeface="Arial" panose="020B0604020202020204" pitchFamily="34" charset="0"/>
+              </a:rPr>
+              <a:t>224×224 crop</a:t>
+            </a:r>
+            <a:endParaRPr lang="en-US" altLang="zh-TW" dirty="0">
+              <a:latin typeface="Arial" panose="020B0604020202020204" pitchFamily="34" charset="0"/>
+              <a:sym typeface="Microsoft JhengHei"/>
+            </a:endParaRPr>
+          </a:p>
+        </p:txBody>
+      </p:sp>
+      <p:pic>
+        <p:nvPicPr>
+          <p:cNvPr id="3" name="圖片 2">
+            <a:extLst>
+              <a:ext uri="{FF2B5EF4-FFF2-40B4-BE49-F238E27FC236}">
+                <a16:creationId xmlns:a16="http://schemas.microsoft.com/office/drawing/2014/main" id="{1917D836-BAB7-C085-6ECF-61CBE1306887}"/>
+              </a:ext>
+            </a:extLst>
+          </p:cNvPr>
+          <p:cNvPicPr>
+            <a:picLocks noChangeAspect="1"/>
+          </p:cNvPicPr>
+          <p:nvPr/>
+        </p:nvPicPr>
+        <p:blipFill>
+          <a:blip r:embed="rId3"/>
+          <a:stretch>
+            <a:fillRect/>
+          </a:stretch>
+        </p:blipFill>
+        <p:spPr>
+          <a:xfrm>
+            <a:off x="659978" y="1782554"/>
+            <a:ext cx="5959308" cy="751723"/>
+          </a:xfrm>
+          <a:prstGeom prst="rect">
+            <a:avLst/>
+          </a:prstGeom>
+        </p:spPr>
+      </p:pic>
+      <p:sp>
+        <p:nvSpPr>
+          <p:cNvPr id="13" name="Google Shape;146;p26">
+            <a:extLst>
+              <a:ext uri="{FF2B5EF4-FFF2-40B4-BE49-F238E27FC236}">
+                <a16:creationId xmlns:a16="http://schemas.microsoft.com/office/drawing/2014/main" id="{5CF877DF-FC39-189B-0D04-2F62262FAD3D}"/>
+              </a:ext>
+            </a:extLst>
+          </p:cNvPr>
+          <p:cNvSpPr txBox="1"/>
+          <p:nvPr/>
+        </p:nvSpPr>
+        <p:spPr>
+          <a:xfrm>
+            <a:off x="57000" y="2534277"/>
+            <a:ext cx="8252100" cy="1154132"/>
+          </a:xfrm>
+          <a:prstGeom prst="rect">
+            <a:avLst/>
+          </a:prstGeom>
+          <a:noFill/>
+          <a:ln>
+            <a:noFill/>
+          </a:ln>
+        </p:spPr>
+        <p:txBody>
+          <a:bodyPr spcFirstLastPara="1" wrap="square" lIns="91425" tIns="91425" rIns="91425" bIns="91425" anchor="t" anchorCtr="0">
+            <a:spAutoFit/>
+          </a:bodyPr>
+          <a:lstStyle/>
+          <a:p>
+            <a:pPr marL="139700" lvl="0">
+              <a:lnSpc>
+                <a:spcPct val="150000"/>
+              </a:lnSpc>
+              <a:buClr>
+                <a:schemeClr val="dk1"/>
+              </a:buClr>
+              <a:buSzPts val="1400"/>
+            </a:pPr>
+            <a:r>
+              <a:rPr lang="en-US" altLang="zh-TW" b="0" i="0" dirty="0">
+                <a:effectLst/>
+                <a:latin typeface="Arial" panose="020B0604020202020204" pitchFamily="34" charset="0"/>
+              </a:rPr>
+              <a:t>Masking ratio</a:t>
+            </a:r>
+          </a:p>
+          <a:p>
+            <a:pPr marL="482600" lvl="0" indent="-342900">
+              <a:lnSpc>
+                <a:spcPct val="150000"/>
+              </a:lnSpc>
+              <a:buClr>
+                <a:schemeClr val="dk1"/>
+              </a:buClr>
+              <a:buSzPts val="1400"/>
+              <a:buFont typeface="+mj-lt"/>
+              <a:buAutoNum type="arabicPeriod"/>
+            </a:pPr>
+            <a:r>
+              <a:rPr lang="en-US" altLang="zh-TW" dirty="0">
+                <a:latin typeface="Arial" panose="020B0604020202020204" pitchFamily="34" charset="0"/>
+                <a:sym typeface="Microsoft JhengHei"/>
+              </a:rPr>
+              <a:t>Best:75%</a:t>
+            </a:r>
+          </a:p>
+          <a:p>
+            <a:pPr marL="482600" lvl="0" indent="-342900">
+              <a:lnSpc>
+                <a:spcPct val="150000"/>
+              </a:lnSpc>
+              <a:buClr>
+                <a:schemeClr val="dk1"/>
+              </a:buClr>
+              <a:buSzPts val="1400"/>
+              <a:buFont typeface="+mj-lt"/>
+              <a:buAutoNum type="arabicPeriod"/>
+            </a:pPr>
+            <a:r>
+              <a:rPr lang="en-US" altLang="zh-TW" b="0" i="0" dirty="0">
+                <a:effectLst/>
+                <a:latin typeface="Arial" panose="020B0604020202020204" pitchFamily="34" charset="0"/>
+              </a:rPr>
+              <a:t>higher than other in computer vision (20% to 50%).</a:t>
+            </a:r>
+            <a:endParaRPr lang="en-US" altLang="zh-TW" dirty="0">
+              <a:latin typeface="Arial" panose="020B0604020202020204" pitchFamily="34" charset="0"/>
+              <a:sym typeface="Microsoft JhengHei"/>
+            </a:endParaRPr>
+          </a:p>
+        </p:txBody>
+      </p:sp>
+      <p:pic>
+        <p:nvPicPr>
+          <p:cNvPr id="5" name="圖片 4">
+            <a:extLst>
+              <a:ext uri="{FF2B5EF4-FFF2-40B4-BE49-F238E27FC236}">
+                <a16:creationId xmlns:a16="http://schemas.microsoft.com/office/drawing/2014/main" id="{E5A3EEF1-E183-5120-A85D-E438B8977466}"/>
+              </a:ext>
+            </a:extLst>
+          </p:cNvPr>
+          <p:cNvPicPr>
+            <a:picLocks noChangeAspect="1"/>
+          </p:cNvPicPr>
+          <p:nvPr/>
+        </p:nvPicPr>
+        <p:blipFill>
+          <a:blip r:embed="rId4"/>
+          <a:stretch>
+            <a:fillRect/>
+          </a:stretch>
+        </p:blipFill>
+        <p:spPr>
+          <a:xfrm>
+            <a:off x="4765119" y="2644652"/>
+            <a:ext cx="3906987" cy="2211752"/>
+          </a:xfrm>
+          <a:prstGeom prst="rect">
+            <a:avLst/>
+          </a:prstGeom>
+        </p:spPr>
+      </p:pic>
+    </p:spTree>
+    <p:extLst>
+      <p:ext uri="{BB962C8B-B14F-4D97-AF65-F5344CB8AC3E}">
+        <p14:creationId xmlns:p14="http://schemas.microsoft.com/office/powerpoint/2010/main" val="3958510362"/>
+      </p:ext>
+    </p:extLst>
+  </p:cSld>
+  <p:clrMapOvr>
+    <a:masterClrMapping/>
+  </p:clrMapOvr>
+  <p:transition spd="slow">
+    <p:push/>
+  </p:transition>
+</p:sld>
+</file>
+
+<file path=ppt/slides/slide13.xml><?xml version="1.0" encoding="utf-8"?>
+<p:sld xmlns:a="http://schemas.openxmlformats.org/drawingml/2006/main" xmlns:r="http://schemas.openxmlformats.org/officeDocument/2006/relationships" xmlns:p="http://schemas.openxmlformats.org/presentationml/2006/main">
+  <p:cSld>
+    <p:spTree>
+      <p:nvGrpSpPr>
+        <p:cNvPr id="1" name="Shape 139"/>
+        <p:cNvGrpSpPr/>
+        <p:nvPr/>
+      </p:nvGrpSpPr>
+      <p:grpSpPr>
+        <a:xfrm>
+          <a:off x="0" y="0"/>
+          <a:ext cx="0" cy="0"/>
+          <a:chOff x="0" y="0"/>
+          <a:chExt cx="0" cy="0"/>
+        </a:xfrm>
+      </p:grpSpPr>
+      <p:cxnSp>
+        <p:nvCxnSpPr>
+          <p:cNvPr id="140" name="Google Shape;140;p26"/>
+          <p:cNvCxnSpPr/>
+          <p:nvPr/>
+        </p:nvCxnSpPr>
+        <p:spPr>
+          <a:xfrm rot="10800000">
+            <a:off x="471906" y="672952"/>
+            <a:ext cx="8200200" cy="0"/>
+          </a:xfrm>
+          <a:prstGeom prst="straightConnector1">
+            <a:avLst/>
+          </a:prstGeom>
+          <a:noFill/>
+          <a:ln w="38100" cap="flat" cmpd="sng">
+            <a:solidFill>
+              <a:srgbClr val="08244A"/>
+            </a:solidFill>
+            <a:prstDash val="solid"/>
+            <a:miter lim="800000"/>
+            <a:headEnd type="none" w="sm" len="sm"/>
+            <a:tailEnd type="none" w="sm" len="sm"/>
+          </a:ln>
+        </p:spPr>
+      </p:cxnSp>
+      <p:sp>
+        <p:nvSpPr>
+          <p:cNvPr id="141" name="Google Shape;141;p26"/>
+          <p:cNvSpPr txBox="1"/>
+          <p:nvPr/>
+        </p:nvSpPr>
+        <p:spPr>
+          <a:xfrm>
+            <a:off x="4312990" y="4919588"/>
+            <a:ext cx="518100" cy="238500"/>
+          </a:xfrm>
+          <a:prstGeom prst="rect">
+            <a:avLst/>
+          </a:prstGeom>
+          <a:solidFill>
+            <a:srgbClr val="08244A"/>
+          </a:solidFill>
+          <a:ln>
+            <a:noFill/>
+          </a:ln>
+        </p:spPr>
+        <p:txBody>
+          <a:bodyPr spcFirstLastPara="1" wrap="square" lIns="68575" tIns="34275" rIns="68575" bIns="34275" anchor="t" anchorCtr="0">
+            <a:spAutoFit/>
+          </a:bodyPr>
+          <a:lstStyle/>
+          <a:p>
+            <a:pPr marL="0" marR="0" lvl="0" indent="0" algn="ctr" rtl="0">
+              <a:spcBef>
+                <a:spcPts val="0"/>
+              </a:spcBef>
+              <a:spcAft>
+                <a:spcPts val="0"/>
+              </a:spcAft>
+              <a:buNone/>
+            </a:pPr>
+            <a:endParaRPr sz="1100">
+              <a:solidFill>
+                <a:schemeClr val="lt1"/>
+              </a:solidFill>
+              <a:latin typeface="Arial"/>
+              <a:ea typeface="Arial"/>
+              <a:cs typeface="Arial"/>
+              <a:sym typeface="Arial"/>
+            </a:endParaRPr>
+          </a:p>
+        </p:txBody>
+      </p:sp>
+      <p:sp>
+        <p:nvSpPr>
+          <p:cNvPr id="142" name="Google Shape;142;p26"/>
+          <p:cNvSpPr txBox="1"/>
+          <p:nvPr/>
+        </p:nvSpPr>
+        <p:spPr>
+          <a:xfrm>
+            <a:off x="7422919" y="4868275"/>
+            <a:ext cx="1660500" cy="238500"/>
+          </a:xfrm>
+          <a:prstGeom prst="rect">
+            <a:avLst/>
+          </a:prstGeom>
+          <a:noFill/>
+          <a:ln>
+            <a:noFill/>
+          </a:ln>
+        </p:spPr>
+        <p:txBody>
+          <a:bodyPr spcFirstLastPara="1" wrap="square" lIns="68575" tIns="34275" rIns="68575" bIns="34275" anchor="t" anchorCtr="0">
+            <a:spAutoFit/>
+          </a:bodyPr>
+          <a:lstStyle/>
+          <a:p>
+            <a:pPr marL="0" marR="0" lvl="0" indent="0" algn="r" rtl="0">
+              <a:spcBef>
+                <a:spcPts val="0"/>
+              </a:spcBef>
+              <a:spcAft>
+                <a:spcPts val="0"/>
+              </a:spcAft>
+              <a:buNone/>
+            </a:pPr>
+            <a:r>
+              <a:rPr lang="zh-TW" sz="1100">
+                <a:solidFill>
+                  <a:srgbClr val="A5A5A5"/>
+                </a:solidFill>
+                <a:latin typeface="Consolas"/>
+                <a:ea typeface="Consolas"/>
+                <a:cs typeface="Consolas"/>
+                <a:sym typeface="Consolas"/>
+              </a:rPr>
+              <a:t>NTUST GAMELab</a:t>
+            </a:r>
+            <a:endParaRPr sz="1100">
+              <a:solidFill>
+                <a:srgbClr val="A5A5A5"/>
+              </a:solidFill>
+              <a:latin typeface="Consolas"/>
+              <a:ea typeface="Consolas"/>
+              <a:cs typeface="Consolas"/>
+              <a:sym typeface="Consolas"/>
+            </a:endParaRPr>
+          </a:p>
+        </p:txBody>
+      </p:sp>
+      <p:sp>
+        <p:nvSpPr>
+          <p:cNvPr id="143" name="Google Shape;143;p26"/>
+          <p:cNvSpPr txBox="1">
+            <a:spLocks noGrp="1"/>
+          </p:cNvSpPr>
+          <p:nvPr>
+            <p:ph type="sldNum" idx="12"/>
+          </p:nvPr>
+        </p:nvSpPr>
+        <p:spPr>
+          <a:xfrm>
+            <a:off x="3543300" y="4904660"/>
+            <a:ext cx="2057400" cy="273900"/>
+          </a:xfrm>
+          <a:prstGeom prst="rect">
+            <a:avLst/>
+          </a:prstGeom>
+          <a:noFill/>
+          <a:ln>
+            <a:noFill/>
+          </a:ln>
+        </p:spPr>
+        <p:txBody>
+          <a:bodyPr spcFirstLastPara="1" wrap="square" lIns="68575" tIns="34275" rIns="68575" bIns="34275" anchor="ctr" anchorCtr="0">
+            <a:noAutofit/>
+          </a:bodyPr>
+          <a:lstStyle/>
+          <a:p>
+            <a:pPr marL="0" lvl="0" indent="0" algn="ctr" rtl="0">
+              <a:spcBef>
+                <a:spcPts val="0"/>
+              </a:spcBef>
+              <a:spcAft>
+                <a:spcPts val="0"/>
+              </a:spcAft>
+              <a:buNone/>
+            </a:pPr>
+            <a:fld id="{00000000-1234-1234-1234-123412341234}" type="slidenum">
+              <a:rPr lang="en-US" altLang="zh-TW" sz="1100"/>
+              <a:t>13</a:t>
+            </a:fld>
+            <a:endParaRPr sz="1100"/>
+          </a:p>
+        </p:txBody>
+      </p:sp>
+      <p:sp>
+        <p:nvSpPr>
+          <p:cNvPr id="144" name="Google Shape;144;p26"/>
+          <p:cNvSpPr txBox="1"/>
+          <p:nvPr/>
+        </p:nvSpPr>
+        <p:spPr>
+          <a:xfrm>
+            <a:off x="368600" y="246125"/>
+            <a:ext cx="7941920" cy="392385"/>
+          </a:xfrm>
+          <a:prstGeom prst="rect">
+            <a:avLst/>
+          </a:prstGeom>
+          <a:noFill/>
+          <a:ln>
+            <a:noFill/>
+          </a:ln>
+        </p:spPr>
+        <p:txBody>
+          <a:bodyPr spcFirstLastPara="1" wrap="square" lIns="68575" tIns="34275" rIns="68575" bIns="34275" anchor="t" anchorCtr="0">
+            <a:spAutoFit/>
+          </a:bodyPr>
+          <a:lstStyle/>
+          <a:p>
+            <a:pPr lvl="0"/>
+            <a:r>
+              <a:rPr lang="en-US" sz="2100" b="1" dirty="0">
+                <a:solidFill>
+                  <a:srgbClr val="08244A"/>
+                </a:solidFill>
+                <a:latin typeface="Microsoft JhengHei"/>
+                <a:ea typeface="Microsoft JhengHei"/>
+                <a:cs typeface="Microsoft JhengHei"/>
+                <a:sym typeface="Microsoft JhengHei"/>
+              </a:rPr>
+              <a:t>ImageNet Experiments - decoder</a:t>
+            </a:r>
+          </a:p>
+        </p:txBody>
+      </p:sp>
+      <p:sp>
+        <p:nvSpPr>
+          <p:cNvPr id="145" name="Google Shape;145;p26"/>
+          <p:cNvSpPr txBox="1"/>
+          <p:nvPr/>
+        </p:nvSpPr>
+        <p:spPr>
+          <a:xfrm>
+            <a:off x="471900" y="736201"/>
+            <a:ext cx="7422300" cy="369300"/>
+          </a:xfrm>
+          <a:prstGeom prst="rect">
+            <a:avLst/>
+          </a:prstGeom>
+          <a:noFill/>
+          <a:ln>
+            <a:noFill/>
+          </a:ln>
+        </p:spPr>
+        <p:txBody>
+          <a:bodyPr spcFirstLastPara="1" wrap="square" lIns="91425" tIns="91425" rIns="91425" bIns="91425" anchor="t" anchorCtr="0">
+            <a:spAutoFit/>
+          </a:bodyPr>
+          <a:lstStyle/>
+          <a:p>
+            <a:pPr marL="0" lvl="0" indent="0" algn="l" rtl="0">
+              <a:spcBef>
+                <a:spcPts val="0"/>
+              </a:spcBef>
+              <a:spcAft>
+                <a:spcPts val="0"/>
+              </a:spcAft>
+              <a:buNone/>
+            </a:pPr>
+            <a:endParaRPr sz="1200" b="1">
+              <a:solidFill>
+                <a:schemeClr val="dk1"/>
+              </a:solidFill>
+              <a:latin typeface="Microsoft JhengHei"/>
+              <a:ea typeface="Microsoft JhengHei"/>
+              <a:cs typeface="Microsoft JhengHei"/>
+              <a:sym typeface="Microsoft JhengHei"/>
+            </a:endParaRPr>
+          </a:p>
+        </p:txBody>
+      </p:sp>
+      <p:pic>
+        <p:nvPicPr>
+          <p:cNvPr id="7" name="圖片 6">
+            <a:extLst>
+              <a:ext uri="{FF2B5EF4-FFF2-40B4-BE49-F238E27FC236}">
+                <a16:creationId xmlns:a16="http://schemas.microsoft.com/office/drawing/2014/main" id="{1242591D-772D-A235-530F-ADBC00691A9B}"/>
+              </a:ext>
+            </a:extLst>
+          </p:cNvPr>
+          <p:cNvPicPr>
+            <a:picLocks noChangeAspect="1"/>
+          </p:cNvPicPr>
+          <p:nvPr/>
+        </p:nvPicPr>
+        <p:blipFill>
+          <a:blip r:embed="rId3"/>
+          <a:stretch>
+            <a:fillRect/>
+          </a:stretch>
+        </p:blipFill>
+        <p:spPr>
+          <a:xfrm>
+            <a:off x="1278542" y="1958019"/>
+            <a:ext cx="7804877" cy="2198147"/>
+          </a:xfrm>
+          <a:prstGeom prst="rect">
+            <a:avLst/>
+          </a:prstGeom>
+        </p:spPr>
+      </p:pic>
+      <p:sp>
+        <p:nvSpPr>
+          <p:cNvPr id="18" name="Google Shape;146;p26">
+            <a:extLst>
+              <a:ext uri="{FF2B5EF4-FFF2-40B4-BE49-F238E27FC236}">
+                <a16:creationId xmlns:a16="http://schemas.microsoft.com/office/drawing/2014/main" id="{4536EF42-4D4B-9B38-FEC3-6A12670193BD}"/>
+              </a:ext>
+            </a:extLst>
+          </p:cNvPr>
+          <p:cNvSpPr txBox="1"/>
+          <p:nvPr/>
+        </p:nvSpPr>
+        <p:spPr>
+          <a:xfrm>
+            <a:off x="471900" y="713504"/>
+            <a:ext cx="8252100" cy="1169521"/>
+          </a:xfrm>
+          <a:prstGeom prst="rect">
+            <a:avLst/>
+          </a:prstGeom>
+          <a:noFill/>
+          <a:ln>
+            <a:noFill/>
+          </a:ln>
+        </p:spPr>
+        <p:txBody>
+          <a:bodyPr spcFirstLastPara="1" wrap="square" lIns="91425" tIns="91425" rIns="91425" bIns="91425" anchor="t" anchorCtr="0">
+            <a:spAutoFit/>
+          </a:bodyPr>
+          <a:lstStyle/>
+          <a:p>
+            <a:pPr marL="342900" marR="0" lvl="0" indent="-342900" algn="l" rtl="0">
+              <a:lnSpc>
+                <a:spcPct val="100000"/>
+              </a:lnSpc>
+              <a:spcBef>
+                <a:spcPts val="0"/>
+              </a:spcBef>
+              <a:spcAft>
+                <a:spcPts val="0"/>
+              </a:spcAft>
+              <a:buClr>
+                <a:schemeClr val="dk1"/>
+              </a:buClr>
+              <a:buSzPts val="1200"/>
+              <a:buFont typeface="+mj-lt"/>
+              <a:buAutoNum type="arabicPeriod"/>
+            </a:pPr>
+            <a:r>
+              <a:rPr lang="en-US" altLang="zh-TW" sz="1600" b="0" i="0" dirty="0">
+                <a:effectLst/>
+                <a:latin typeface="Arial" panose="020B0604020202020204" pitchFamily="34" charset="0"/>
+              </a:rPr>
+              <a:t>8% improvement in linear probing.</a:t>
+            </a:r>
+          </a:p>
+          <a:p>
+            <a:pPr marL="342900" marR="0" lvl="0" indent="-342900" algn="l" rtl="0">
+              <a:lnSpc>
+                <a:spcPct val="100000"/>
+              </a:lnSpc>
+              <a:spcBef>
+                <a:spcPts val="0"/>
+              </a:spcBef>
+              <a:spcAft>
+                <a:spcPts val="0"/>
+              </a:spcAft>
+              <a:buClr>
+                <a:schemeClr val="dk1"/>
+              </a:buClr>
+              <a:buSzPts val="1200"/>
+              <a:buFont typeface="+mj-lt"/>
+              <a:buAutoNum type="arabicPeriod"/>
+            </a:pPr>
+            <a:r>
+              <a:rPr lang="en-US" altLang="zh-TW" sz="1600" b="0" i="0" dirty="0">
+                <a:effectLst/>
+                <a:latin typeface="Arial" panose="020B0604020202020204" pitchFamily="34" charset="0"/>
+              </a:rPr>
+              <a:t>Single-block decoder can perform strongly with fine-tuning (84.8%)</a:t>
+            </a:r>
+          </a:p>
+          <a:p>
+            <a:pPr marL="342900" marR="0" lvl="0" indent="-342900" algn="l" rtl="0">
+              <a:lnSpc>
+                <a:spcPct val="100000"/>
+              </a:lnSpc>
+              <a:spcBef>
+                <a:spcPts val="0"/>
+              </a:spcBef>
+              <a:spcAft>
+                <a:spcPts val="0"/>
+              </a:spcAft>
+              <a:buClr>
+                <a:schemeClr val="dk1"/>
+              </a:buClr>
+              <a:buSzPts val="1200"/>
+              <a:buFont typeface="+mj-lt"/>
+              <a:buAutoNum type="arabicPeriod"/>
+            </a:pPr>
+            <a:r>
+              <a:rPr lang="en-US" altLang="zh-TW" sz="1600" b="0" i="0" dirty="0">
+                <a:effectLst/>
+                <a:latin typeface="Arial" panose="020B0604020202020204" pitchFamily="34" charset="0"/>
+              </a:rPr>
+              <a:t>Default MAE decoder</a:t>
+            </a:r>
+            <a:r>
+              <a:rPr lang="zh-TW" altLang="en-US" sz="1600" b="0" i="0" dirty="0">
+                <a:effectLst/>
+                <a:latin typeface="Arial" panose="020B0604020202020204" pitchFamily="34" charset="0"/>
+              </a:rPr>
+              <a:t> </a:t>
+            </a:r>
+            <a:r>
+              <a:rPr lang="en-US" altLang="zh-TW" sz="1600" b="0" i="0" dirty="0">
+                <a:effectLst/>
+                <a:latin typeface="Arial" panose="020B0604020202020204" pitchFamily="34" charset="0"/>
+              </a:rPr>
+              <a:t>with 8 blocks and a width of 512-d, only has 9% FLOPs per token vs. </a:t>
+            </a:r>
+            <a:r>
+              <a:rPr lang="en-US" altLang="zh-TW" sz="1600" b="0" i="0" dirty="0" err="1">
+                <a:effectLst/>
+                <a:latin typeface="Arial" panose="020B0604020202020204" pitchFamily="34" charset="0"/>
+              </a:rPr>
+              <a:t>ViT</a:t>
+            </a:r>
+            <a:r>
+              <a:rPr lang="en-US" altLang="zh-TW" sz="1600" b="0" i="0" dirty="0">
+                <a:effectLst/>
+                <a:latin typeface="Arial" panose="020B0604020202020204" pitchFamily="34" charset="0"/>
+              </a:rPr>
+              <a:t>-L. </a:t>
+            </a:r>
+          </a:p>
+        </p:txBody>
+      </p:sp>
+    </p:spTree>
+    <p:extLst>
+      <p:ext uri="{BB962C8B-B14F-4D97-AF65-F5344CB8AC3E}">
+        <p14:creationId xmlns:p14="http://schemas.microsoft.com/office/powerpoint/2010/main" val="67791790"/>
+      </p:ext>
+    </p:extLst>
+  </p:cSld>
+  <p:clrMapOvr>
+    <a:masterClrMapping/>
+  </p:clrMapOvr>
+  <p:transition spd="slow">
+    <p:push/>
+  </p:transition>
+</p:sld>
+</file>
+
+<file path=ppt/slides/slide14.xml><?xml version="1.0" encoding="utf-8"?>
+<p:sld xmlns:a="http://schemas.openxmlformats.org/drawingml/2006/main" xmlns:r="http://schemas.openxmlformats.org/officeDocument/2006/relationships" xmlns:p="http://schemas.openxmlformats.org/presentationml/2006/main">
+  <p:cSld>
+    <p:spTree>
+      <p:nvGrpSpPr>
+        <p:cNvPr id="1" name="Shape 139"/>
+        <p:cNvGrpSpPr/>
+        <p:nvPr/>
+      </p:nvGrpSpPr>
+      <p:grpSpPr>
+        <a:xfrm>
+          <a:off x="0" y="0"/>
+          <a:ext cx="0" cy="0"/>
+          <a:chOff x="0" y="0"/>
+          <a:chExt cx="0" cy="0"/>
+        </a:xfrm>
+      </p:grpSpPr>
+      <p:cxnSp>
+        <p:nvCxnSpPr>
+          <p:cNvPr id="140" name="Google Shape;140;p26"/>
+          <p:cNvCxnSpPr/>
+          <p:nvPr/>
+        </p:nvCxnSpPr>
+        <p:spPr>
+          <a:xfrm rot="10800000">
+            <a:off x="471906" y="672952"/>
+            <a:ext cx="8200200" cy="0"/>
+          </a:xfrm>
+          <a:prstGeom prst="straightConnector1">
+            <a:avLst/>
+          </a:prstGeom>
+          <a:noFill/>
+          <a:ln w="38100" cap="flat" cmpd="sng">
+            <a:solidFill>
+              <a:srgbClr val="08244A"/>
+            </a:solidFill>
+            <a:prstDash val="solid"/>
+            <a:miter lim="800000"/>
+            <a:headEnd type="none" w="sm" len="sm"/>
+            <a:tailEnd type="none" w="sm" len="sm"/>
+          </a:ln>
+        </p:spPr>
+      </p:cxnSp>
+      <p:sp>
+        <p:nvSpPr>
+          <p:cNvPr id="141" name="Google Shape;141;p26"/>
+          <p:cNvSpPr txBox="1"/>
+          <p:nvPr/>
+        </p:nvSpPr>
+        <p:spPr>
+          <a:xfrm>
+            <a:off x="4312990" y="4919588"/>
+            <a:ext cx="518100" cy="238500"/>
+          </a:xfrm>
+          <a:prstGeom prst="rect">
+            <a:avLst/>
+          </a:prstGeom>
+          <a:solidFill>
+            <a:srgbClr val="08244A"/>
+          </a:solidFill>
+          <a:ln>
+            <a:noFill/>
+          </a:ln>
+        </p:spPr>
+        <p:txBody>
+          <a:bodyPr spcFirstLastPara="1" wrap="square" lIns="68575" tIns="34275" rIns="68575" bIns="34275" anchor="t" anchorCtr="0">
+            <a:spAutoFit/>
+          </a:bodyPr>
+          <a:lstStyle/>
+          <a:p>
+            <a:pPr marL="0" marR="0" lvl="0" indent="0" algn="ctr" rtl="0">
+              <a:spcBef>
+                <a:spcPts val="0"/>
+              </a:spcBef>
+              <a:spcAft>
+                <a:spcPts val="0"/>
+              </a:spcAft>
+              <a:buNone/>
+            </a:pPr>
+            <a:endParaRPr sz="1100">
+              <a:solidFill>
+                <a:schemeClr val="lt1"/>
+              </a:solidFill>
+              <a:latin typeface="Arial"/>
+              <a:ea typeface="Arial"/>
+              <a:cs typeface="Arial"/>
+              <a:sym typeface="Arial"/>
+            </a:endParaRPr>
+          </a:p>
+        </p:txBody>
+      </p:sp>
+      <p:sp>
+        <p:nvSpPr>
+          <p:cNvPr id="142" name="Google Shape;142;p26"/>
+          <p:cNvSpPr txBox="1"/>
+          <p:nvPr/>
+        </p:nvSpPr>
+        <p:spPr>
+          <a:xfrm>
+            <a:off x="7422919" y="4868275"/>
+            <a:ext cx="1660500" cy="238500"/>
+          </a:xfrm>
+          <a:prstGeom prst="rect">
+            <a:avLst/>
+          </a:prstGeom>
+          <a:noFill/>
+          <a:ln>
+            <a:noFill/>
+          </a:ln>
+        </p:spPr>
+        <p:txBody>
+          <a:bodyPr spcFirstLastPara="1" wrap="square" lIns="68575" tIns="34275" rIns="68575" bIns="34275" anchor="t" anchorCtr="0">
+            <a:spAutoFit/>
+          </a:bodyPr>
+          <a:lstStyle/>
+          <a:p>
+            <a:pPr marL="0" marR="0" lvl="0" indent="0" algn="r" rtl="0">
+              <a:spcBef>
+                <a:spcPts val="0"/>
+              </a:spcBef>
+              <a:spcAft>
+                <a:spcPts val="0"/>
+              </a:spcAft>
+              <a:buNone/>
+            </a:pPr>
+            <a:r>
+              <a:rPr lang="zh-TW" sz="1100">
+                <a:solidFill>
+                  <a:srgbClr val="A5A5A5"/>
+                </a:solidFill>
+                <a:latin typeface="Consolas"/>
+                <a:ea typeface="Consolas"/>
+                <a:cs typeface="Consolas"/>
+                <a:sym typeface="Consolas"/>
+              </a:rPr>
+              <a:t>NTUST GAMELab</a:t>
+            </a:r>
+            <a:endParaRPr sz="1100">
+              <a:solidFill>
+                <a:srgbClr val="A5A5A5"/>
+              </a:solidFill>
+              <a:latin typeface="Consolas"/>
+              <a:ea typeface="Consolas"/>
+              <a:cs typeface="Consolas"/>
+              <a:sym typeface="Consolas"/>
+            </a:endParaRPr>
+          </a:p>
+        </p:txBody>
+      </p:sp>
+      <p:sp>
+        <p:nvSpPr>
+          <p:cNvPr id="143" name="Google Shape;143;p26"/>
+          <p:cNvSpPr txBox="1">
+            <a:spLocks noGrp="1"/>
+          </p:cNvSpPr>
+          <p:nvPr>
+            <p:ph type="sldNum" idx="12"/>
+          </p:nvPr>
+        </p:nvSpPr>
+        <p:spPr>
+          <a:xfrm>
+            <a:off x="3543300" y="4904660"/>
+            <a:ext cx="2057400" cy="273900"/>
+          </a:xfrm>
+          <a:prstGeom prst="rect">
+            <a:avLst/>
+          </a:prstGeom>
+          <a:noFill/>
+          <a:ln>
+            <a:noFill/>
+          </a:ln>
+        </p:spPr>
+        <p:txBody>
+          <a:bodyPr spcFirstLastPara="1" wrap="square" lIns="68575" tIns="34275" rIns="68575" bIns="34275" anchor="ctr" anchorCtr="0">
+            <a:noAutofit/>
+          </a:bodyPr>
+          <a:lstStyle/>
+          <a:p>
+            <a:pPr marL="0" lvl="0" indent="0" algn="ctr" rtl="0">
+              <a:spcBef>
+                <a:spcPts val="0"/>
+              </a:spcBef>
+              <a:spcAft>
+                <a:spcPts val="0"/>
+              </a:spcAft>
+              <a:buNone/>
+            </a:pPr>
+            <a:fld id="{00000000-1234-1234-1234-123412341234}" type="slidenum">
+              <a:rPr lang="en-US" altLang="zh-TW" sz="1100"/>
+              <a:t>14</a:t>
+            </a:fld>
+            <a:endParaRPr sz="1100"/>
+          </a:p>
+        </p:txBody>
+      </p:sp>
+      <p:sp>
+        <p:nvSpPr>
+          <p:cNvPr id="144" name="Google Shape;144;p26"/>
+          <p:cNvSpPr txBox="1"/>
+          <p:nvPr/>
+        </p:nvSpPr>
+        <p:spPr>
+          <a:xfrm>
+            <a:off x="368600" y="246125"/>
+            <a:ext cx="7941920" cy="392385"/>
+          </a:xfrm>
+          <a:prstGeom prst="rect">
+            <a:avLst/>
+          </a:prstGeom>
+          <a:noFill/>
+          <a:ln>
+            <a:noFill/>
+          </a:ln>
+        </p:spPr>
+        <p:txBody>
+          <a:bodyPr spcFirstLastPara="1" wrap="square" lIns="68575" tIns="34275" rIns="68575" bIns="34275" anchor="t" anchorCtr="0">
+            <a:spAutoFit/>
+          </a:bodyPr>
+          <a:lstStyle/>
+          <a:p>
+            <a:pPr lvl="0"/>
+            <a:r>
+              <a:rPr lang="en-US" sz="2100" b="1" dirty="0">
+                <a:solidFill>
+                  <a:srgbClr val="08244A"/>
+                </a:solidFill>
+                <a:latin typeface="Microsoft JhengHei"/>
+                <a:ea typeface="Microsoft JhengHei"/>
+                <a:cs typeface="Microsoft JhengHei"/>
+                <a:sym typeface="Microsoft JhengHei"/>
+              </a:rPr>
+              <a:t>ImageNet Experiments - Mask token </a:t>
+            </a:r>
+          </a:p>
+        </p:txBody>
+      </p:sp>
+      <p:sp>
+        <p:nvSpPr>
+          <p:cNvPr id="145" name="Google Shape;145;p26"/>
+          <p:cNvSpPr txBox="1"/>
+          <p:nvPr/>
+        </p:nvSpPr>
+        <p:spPr>
+          <a:xfrm>
+            <a:off x="471900" y="736201"/>
+            <a:ext cx="7422300" cy="369300"/>
+          </a:xfrm>
+          <a:prstGeom prst="rect">
+            <a:avLst/>
+          </a:prstGeom>
+          <a:noFill/>
+          <a:ln>
+            <a:noFill/>
+          </a:ln>
+        </p:spPr>
+        <p:txBody>
+          <a:bodyPr spcFirstLastPara="1" wrap="square" lIns="91425" tIns="91425" rIns="91425" bIns="91425" anchor="t" anchorCtr="0">
+            <a:spAutoFit/>
+          </a:bodyPr>
+          <a:lstStyle/>
+          <a:p>
+            <a:pPr marL="0" lvl="0" indent="0" algn="l" rtl="0">
+              <a:spcBef>
+                <a:spcPts val="0"/>
+              </a:spcBef>
+              <a:spcAft>
+                <a:spcPts val="0"/>
+              </a:spcAft>
+              <a:buNone/>
+            </a:pPr>
+            <a:endParaRPr sz="1200" b="1">
+              <a:solidFill>
+                <a:schemeClr val="dk1"/>
+              </a:solidFill>
+              <a:latin typeface="Microsoft JhengHei"/>
+              <a:ea typeface="Microsoft JhengHei"/>
+              <a:cs typeface="Microsoft JhengHei"/>
+              <a:sym typeface="Microsoft JhengHei"/>
+            </a:endParaRPr>
+          </a:p>
+        </p:txBody>
+      </p:sp>
+      <p:pic>
+        <p:nvPicPr>
+          <p:cNvPr id="3" name="圖片 2">
+            <a:extLst>
+              <a:ext uri="{FF2B5EF4-FFF2-40B4-BE49-F238E27FC236}">
+                <a16:creationId xmlns:a16="http://schemas.microsoft.com/office/drawing/2014/main" id="{4118F8B0-649D-3A98-EB13-1839FF723908}"/>
+              </a:ext>
+            </a:extLst>
+          </p:cNvPr>
+          <p:cNvPicPr>
+            <a:picLocks noChangeAspect="1"/>
+          </p:cNvPicPr>
+          <p:nvPr/>
+        </p:nvPicPr>
+        <p:blipFill>
+          <a:blip r:embed="rId3"/>
+          <a:stretch>
+            <a:fillRect/>
+          </a:stretch>
+        </p:blipFill>
+        <p:spPr>
+          <a:xfrm>
+            <a:off x="221484" y="2493631"/>
+            <a:ext cx="3660131" cy="1977512"/>
+          </a:xfrm>
+          <a:prstGeom prst="rect">
+            <a:avLst/>
+          </a:prstGeom>
+        </p:spPr>
+      </p:pic>
+      <p:pic>
+        <p:nvPicPr>
+          <p:cNvPr id="5" name="圖片 4">
+            <a:extLst>
+              <a:ext uri="{FF2B5EF4-FFF2-40B4-BE49-F238E27FC236}">
+                <a16:creationId xmlns:a16="http://schemas.microsoft.com/office/drawing/2014/main" id="{F5BF454D-7AA6-DE5E-1247-659E3098465E}"/>
+              </a:ext>
+            </a:extLst>
+          </p:cNvPr>
+          <p:cNvPicPr>
+            <a:picLocks noChangeAspect="1"/>
+          </p:cNvPicPr>
+          <p:nvPr/>
+        </p:nvPicPr>
+        <p:blipFill>
+          <a:blip r:embed="rId4"/>
+          <a:stretch>
+            <a:fillRect/>
+          </a:stretch>
+        </p:blipFill>
+        <p:spPr>
+          <a:xfrm>
+            <a:off x="4064026" y="2493631"/>
+            <a:ext cx="5019393" cy="1955867"/>
+          </a:xfrm>
+          <a:prstGeom prst="rect">
+            <a:avLst/>
+          </a:prstGeom>
+        </p:spPr>
+      </p:pic>
+      <p:pic>
+        <p:nvPicPr>
+          <p:cNvPr id="14" name="圖片 13">
+            <a:extLst>
+              <a:ext uri="{FF2B5EF4-FFF2-40B4-BE49-F238E27FC236}">
+                <a16:creationId xmlns:a16="http://schemas.microsoft.com/office/drawing/2014/main" id="{76538FFA-57C8-2A9D-BF41-7CC4ACBFF03A}"/>
+              </a:ext>
+            </a:extLst>
+          </p:cNvPr>
+          <p:cNvPicPr>
+            <a:picLocks noChangeAspect="1"/>
+          </p:cNvPicPr>
+          <p:nvPr/>
+        </p:nvPicPr>
+        <p:blipFill>
+          <a:blip r:embed="rId5"/>
+          <a:stretch>
+            <a:fillRect/>
+          </a:stretch>
+        </p:blipFill>
+        <p:spPr>
+          <a:xfrm>
+            <a:off x="5863726" y="672951"/>
+            <a:ext cx="3058790" cy="1722989"/>
+          </a:xfrm>
+          <a:prstGeom prst="rect">
+            <a:avLst/>
+          </a:prstGeom>
+        </p:spPr>
+      </p:pic>
+    </p:spTree>
+    <p:extLst>
+      <p:ext uri="{BB962C8B-B14F-4D97-AF65-F5344CB8AC3E}">
+        <p14:creationId xmlns:p14="http://schemas.microsoft.com/office/powerpoint/2010/main" val="446963115"/>
+      </p:ext>
+    </p:extLst>
+  </p:cSld>
+  <p:clrMapOvr>
+    <a:masterClrMapping/>
+  </p:clrMapOvr>
+  <p:transition spd="slow">
+    <p:push/>
+  </p:transition>
+</p:sld>
+</file>
+
+<file path=ppt/slides/slide15.xml><?xml version="1.0" encoding="utf-8"?>
+<p:sld xmlns:a="http://schemas.openxmlformats.org/drawingml/2006/main" xmlns:r="http://schemas.openxmlformats.org/officeDocument/2006/relationships" xmlns:p="http://schemas.openxmlformats.org/presentationml/2006/main">
+  <p:cSld>
+    <p:spTree>
+      <p:nvGrpSpPr>
+        <p:cNvPr id="1" name="Shape 139"/>
+        <p:cNvGrpSpPr/>
+        <p:nvPr/>
+      </p:nvGrpSpPr>
+      <p:grpSpPr>
+        <a:xfrm>
+          <a:off x="0" y="0"/>
+          <a:ext cx="0" cy="0"/>
+          <a:chOff x="0" y="0"/>
+          <a:chExt cx="0" cy="0"/>
+        </a:xfrm>
+      </p:grpSpPr>
+      <p:cxnSp>
+        <p:nvCxnSpPr>
+          <p:cNvPr id="140" name="Google Shape;140;p26"/>
+          <p:cNvCxnSpPr/>
+          <p:nvPr/>
+        </p:nvCxnSpPr>
+        <p:spPr>
+          <a:xfrm rot="10800000">
+            <a:off x="471906" y="672952"/>
+            <a:ext cx="8200200" cy="0"/>
+          </a:xfrm>
+          <a:prstGeom prst="straightConnector1">
+            <a:avLst/>
+          </a:prstGeom>
+          <a:noFill/>
+          <a:ln w="38100" cap="flat" cmpd="sng">
+            <a:solidFill>
+              <a:srgbClr val="08244A"/>
+            </a:solidFill>
+            <a:prstDash val="solid"/>
+            <a:miter lim="800000"/>
+            <a:headEnd type="none" w="sm" len="sm"/>
+            <a:tailEnd type="none" w="sm" len="sm"/>
+          </a:ln>
+        </p:spPr>
+      </p:cxnSp>
+      <p:sp>
+        <p:nvSpPr>
+          <p:cNvPr id="141" name="Google Shape;141;p26"/>
+          <p:cNvSpPr txBox="1"/>
+          <p:nvPr/>
+        </p:nvSpPr>
+        <p:spPr>
+          <a:xfrm>
+            <a:off x="4312990" y="4919588"/>
+            <a:ext cx="518100" cy="238500"/>
+          </a:xfrm>
+          <a:prstGeom prst="rect">
+            <a:avLst/>
+          </a:prstGeom>
+          <a:solidFill>
+            <a:srgbClr val="08244A"/>
+          </a:solidFill>
+          <a:ln>
+            <a:noFill/>
+          </a:ln>
+        </p:spPr>
+        <p:txBody>
+          <a:bodyPr spcFirstLastPara="1" wrap="square" lIns="68575" tIns="34275" rIns="68575" bIns="34275" anchor="t" anchorCtr="0">
+            <a:spAutoFit/>
+          </a:bodyPr>
+          <a:lstStyle/>
+          <a:p>
+            <a:pPr marL="0" marR="0" lvl="0" indent="0" algn="ctr" rtl="0">
+              <a:spcBef>
+                <a:spcPts val="0"/>
+              </a:spcBef>
+              <a:spcAft>
+                <a:spcPts val="0"/>
+              </a:spcAft>
+              <a:buNone/>
+            </a:pPr>
+            <a:endParaRPr sz="1100">
+              <a:solidFill>
+                <a:schemeClr val="lt1"/>
+              </a:solidFill>
+              <a:latin typeface="Arial"/>
+              <a:ea typeface="Arial"/>
+              <a:cs typeface="Arial"/>
+              <a:sym typeface="Arial"/>
+            </a:endParaRPr>
+          </a:p>
+        </p:txBody>
+      </p:sp>
+      <p:sp>
+        <p:nvSpPr>
+          <p:cNvPr id="142" name="Google Shape;142;p26"/>
+          <p:cNvSpPr txBox="1"/>
+          <p:nvPr/>
+        </p:nvSpPr>
+        <p:spPr>
+          <a:xfrm>
+            <a:off x="7422919" y="4868275"/>
+            <a:ext cx="1660500" cy="238500"/>
+          </a:xfrm>
+          <a:prstGeom prst="rect">
+            <a:avLst/>
+          </a:prstGeom>
+          <a:noFill/>
+          <a:ln>
+            <a:noFill/>
+          </a:ln>
+        </p:spPr>
+        <p:txBody>
+          <a:bodyPr spcFirstLastPara="1" wrap="square" lIns="68575" tIns="34275" rIns="68575" bIns="34275" anchor="t" anchorCtr="0">
+            <a:spAutoFit/>
+          </a:bodyPr>
+          <a:lstStyle/>
+          <a:p>
+            <a:pPr marL="0" marR="0" lvl="0" indent="0" algn="r" rtl="0">
+              <a:spcBef>
+                <a:spcPts val="0"/>
+              </a:spcBef>
+              <a:spcAft>
+                <a:spcPts val="0"/>
+              </a:spcAft>
+              <a:buNone/>
+            </a:pPr>
+            <a:r>
+              <a:rPr lang="zh-TW" sz="1100">
+                <a:solidFill>
+                  <a:srgbClr val="A5A5A5"/>
+                </a:solidFill>
+                <a:latin typeface="Consolas"/>
+                <a:ea typeface="Consolas"/>
+                <a:cs typeface="Consolas"/>
+                <a:sym typeface="Consolas"/>
+              </a:rPr>
+              <a:t>NTUST GAMELab</a:t>
+            </a:r>
+            <a:endParaRPr sz="1100">
+              <a:solidFill>
+                <a:srgbClr val="A5A5A5"/>
+              </a:solidFill>
+              <a:latin typeface="Consolas"/>
+              <a:ea typeface="Consolas"/>
+              <a:cs typeface="Consolas"/>
+              <a:sym typeface="Consolas"/>
+            </a:endParaRPr>
+          </a:p>
+        </p:txBody>
+      </p:sp>
+      <p:sp>
+        <p:nvSpPr>
+          <p:cNvPr id="143" name="Google Shape;143;p26"/>
+          <p:cNvSpPr txBox="1">
+            <a:spLocks noGrp="1"/>
+          </p:cNvSpPr>
+          <p:nvPr>
+            <p:ph type="sldNum" idx="12"/>
+          </p:nvPr>
+        </p:nvSpPr>
+        <p:spPr>
+          <a:xfrm>
+            <a:off x="3543300" y="4904660"/>
+            <a:ext cx="2057400" cy="273900"/>
+          </a:xfrm>
+          <a:prstGeom prst="rect">
+            <a:avLst/>
+          </a:prstGeom>
+          <a:noFill/>
+          <a:ln>
+            <a:noFill/>
+          </a:ln>
+        </p:spPr>
+        <p:txBody>
+          <a:bodyPr spcFirstLastPara="1" wrap="square" lIns="68575" tIns="34275" rIns="68575" bIns="34275" anchor="ctr" anchorCtr="0">
+            <a:noAutofit/>
+          </a:bodyPr>
+          <a:lstStyle/>
+          <a:p>
+            <a:pPr marL="0" lvl="0" indent="0" algn="ctr" rtl="0">
+              <a:spcBef>
+                <a:spcPts val="0"/>
+              </a:spcBef>
+              <a:spcAft>
+                <a:spcPts val="0"/>
+              </a:spcAft>
+              <a:buNone/>
+            </a:pPr>
+            <a:fld id="{00000000-1234-1234-1234-123412341234}" type="slidenum">
+              <a:rPr lang="en-US" altLang="zh-TW" sz="1100"/>
+              <a:t>15</a:t>
+            </a:fld>
+            <a:endParaRPr sz="1100"/>
+          </a:p>
+        </p:txBody>
+      </p:sp>
+      <p:sp>
+        <p:nvSpPr>
+          <p:cNvPr id="144" name="Google Shape;144;p26"/>
+          <p:cNvSpPr txBox="1"/>
+          <p:nvPr/>
+        </p:nvSpPr>
+        <p:spPr>
+          <a:xfrm>
+            <a:off x="368600" y="246125"/>
+            <a:ext cx="7941920" cy="392385"/>
+          </a:xfrm>
+          <a:prstGeom prst="rect">
+            <a:avLst/>
+          </a:prstGeom>
+          <a:noFill/>
+          <a:ln>
+            <a:noFill/>
+          </a:ln>
+        </p:spPr>
+        <p:txBody>
+          <a:bodyPr spcFirstLastPara="1" wrap="square" lIns="68575" tIns="34275" rIns="68575" bIns="34275" anchor="t" anchorCtr="0">
+            <a:spAutoFit/>
+          </a:bodyPr>
+          <a:lstStyle/>
+          <a:p>
+            <a:pPr lvl="0"/>
+            <a:r>
+              <a:rPr lang="en-US" sz="2100" b="1" dirty="0">
+                <a:solidFill>
+                  <a:srgbClr val="08244A"/>
+                </a:solidFill>
+                <a:latin typeface="Microsoft JhengHei"/>
+                <a:ea typeface="Microsoft JhengHei"/>
+                <a:cs typeface="Microsoft JhengHei"/>
+                <a:sym typeface="Microsoft JhengHei"/>
+              </a:rPr>
+              <a:t>ImageNet Experiments - Reconstruction target</a:t>
+            </a:r>
+          </a:p>
+        </p:txBody>
+      </p:sp>
+      <p:sp>
+        <p:nvSpPr>
+          <p:cNvPr id="145" name="Google Shape;145;p26"/>
+          <p:cNvSpPr txBox="1"/>
+          <p:nvPr/>
+        </p:nvSpPr>
+        <p:spPr>
+          <a:xfrm>
+            <a:off x="471900" y="736201"/>
+            <a:ext cx="7422300" cy="369300"/>
+          </a:xfrm>
+          <a:prstGeom prst="rect">
+            <a:avLst/>
+          </a:prstGeom>
+          <a:noFill/>
+          <a:ln>
+            <a:noFill/>
+          </a:ln>
+        </p:spPr>
+        <p:txBody>
+          <a:bodyPr spcFirstLastPara="1" wrap="square" lIns="91425" tIns="91425" rIns="91425" bIns="91425" anchor="t" anchorCtr="0">
+            <a:spAutoFit/>
+          </a:bodyPr>
+          <a:lstStyle/>
+          <a:p>
+            <a:pPr marL="0" lvl="0" indent="0" algn="l" rtl="0">
+              <a:spcBef>
+                <a:spcPts val="0"/>
+              </a:spcBef>
+              <a:spcAft>
+                <a:spcPts val="0"/>
+              </a:spcAft>
+              <a:buNone/>
+            </a:pPr>
+            <a:endParaRPr sz="1200" b="1">
+              <a:solidFill>
+                <a:schemeClr val="dk1"/>
+              </a:solidFill>
+              <a:latin typeface="Microsoft JhengHei"/>
+              <a:ea typeface="Microsoft JhengHei"/>
+              <a:cs typeface="Microsoft JhengHei"/>
+              <a:sym typeface="Microsoft JhengHei"/>
+            </a:endParaRPr>
+          </a:p>
+        </p:txBody>
+      </p:sp>
+      <p:pic>
+        <p:nvPicPr>
+          <p:cNvPr id="4" name="圖片 3">
+            <a:extLst>
+              <a:ext uri="{FF2B5EF4-FFF2-40B4-BE49-F238E27FC236}">
+                <a16:creationId xmlns:a16="http://schemas.microsoft.com/office/drawing/2014/main" id="{2FA62D13-981A-351D-334D-CE205BDA460B}"/>
+              </a:ext>
+            </a:extLst>
+          </p:cNvPr>
+          <p:cNvPicPr>
+            <a:picLocks noChangeAspect="1"/>
+          </p:cNvPicPr>
+          <p:nvPr/>
+        </p:nvPicPr>
+        <p:blipFill>
+          <a:blip r:embed="rId3"/>
+          <a:stretch>
+            <a:fillRect/>
+          </a:stretch>
+        </p:blipFill>
+        <p:spPr>
+          <a:xfrm>
+            <a:off x="368600" y="1959974"/>
+            <a:ext cx="4416802" cy="2124960"/>
+          </a:xfrm>
+          <a:prstGeom prst="rect">
+            <a:avLst/>
+          </a:prstGeom>
+        </p:spPr>
+      </p:pic>
+      <p:sp>
+        <p:nvSpPr>
+          <p:cNvPr id="6" name="文字方塊 5">
+            <a:extLst>
+              <a:ext uri="{FF2B5EF4-FFF2-40B4-BE49-F238E27FC236}">
+                <a16:creationId xmlns:a16="http://schemas.microsoft.com/office/drawing/2014/main" id="{7C353560-EC6C-8024-CC11-BE4DEA282718}"/>
+              </a:ext>
+            </a:extLst>
+          </p:cNvPr>
+          <p:cNvSpPr txBox="1"/>
+          <p:nvPr/>
+        </p:nvSpPr>
+        <p:spPr>
+          <a:xfrm>
+            <a:off x="471900" y="4470549"/>
+            <a:ext cx="574196" cy="307777"/>
+          </a:xfrm>
+          <a:prstGeom prst="rect">
+            <a:avLst/>
+          </a:prstGeom>
+          <a:noFill/>
+        </p:spPr>
+        <p:txBody>
+          <a:bodyPr wrap="none" rtlCol="0">
+            <a:spAutoFit/>
+          </a:bodyPr>
+          <a:lstStyle/>
+          <a:p>
+            <a:r>
+              <a:rPr lang="en-US" altLang="zh-TW" dirty="0" err="1"/>
+              <a:t>BEiT</a:t>
+            </a:r>
+            <a:endParaRPr lang="zh-TW" altLang="en-US" dirty="0"/>
+          </a:p>
+        </p:txBody>
+      </p:sp>
+      <p:cxnSp>
+        <p:nvCxnSpPr>
+          <p:cNvPr id="8" name="直線單箭頭接點 7">
+            <a:extLst>
+              <a:ext uri="{FF2B5EF4-FFF2-40B4-BE49-F238E27FC236}">
+                <a16:creationId xmlns:a16="http://schemas.microsoft.com/office/drawing/2014/main" id="{4E996F91-9B13-1680-A392-726796DAD78E}"/>
+              </a:ext>
+            </a:extLst>
+          </p:cNvPr>
+          <p:cNvCxnSpPr>
+            <a:stCxn id="6" idx="0"/>
+          </p:cNvCxnSpPr>
+          <p:nvPr/>
+        </p:nvCxnSpPr>
+        <p:spPr>
+          <a:xfrm flipV="1">
+            <a:off x="758998" y="3333919"/>
+            <a:ext cx="479083" cy="1136630"/>
+          </a:xfrm>
+          <a:prstGeom prst="straightConnector1">
+            <a:avLst/>
+          </a:prstGeom>
+          <a:ln>
+            <a:tailEnd type="triangle"/>
+          </a:ln>
+        </p:spPr>
+        <p:style>
+          <a:lnRef idx="1">
+            <a:schemeClr val="accent1"/>
+          </a:lnRef>
+          <a:fillRef idx="0">
+            <a:schemeClr val="accent1"/>
+          </a:fillRef>
+          <a:effectRef idx="0">
+            <a:schemeClr val="accent1"/>
+          </a:effectRef>
+          <a:fontRef idx="minor">
+            <a:schemeClr val="tx1"/>
+          </a:fontRef>
+        </p:style>
+      </p:cxnSp>
+      <p:pic>
+        <p:nvPicPr>
+          <p:cNvPr id="10" name="圖片 9">
+            <a:extLst>
+              <a:ext uri="{FF2B5EF4-FFF2-40B4-BE49-F238E27FC236}">
+                <a16:creationId xmlns:a16="http://schemas.microsoft.com/office/drawing/2014/main" id="{D7D281F8-AF64-11EE-0BE4-21B76AC02BCF}"/>
+              </a:ext>
+            </a:extLst>
+          </p:cNvPr>
+          <p:cNvPicPr>
+            <a:picLocks noChangeAspect="1"/>
+          </p:cNvPicPr>
+          <p:nvPr/>
+        </p:nvPicPr>
+        <p:blipFill>
+          <a:blip r:embed="rId4"/>
+          <a:stretch>
+            <a:fillRect/>
+          </a:stretch>
+        </p:blipFill>
+        <p:spPr>
+          <a:xfrm>
+            <a:off x="4905357" y="2063626"/>
+            <a:ext cx="4178062" cy="2021307"/>
+          </a:xfrm>
+          <a:prstGeom prst="rect">
+            <a:avLst/>
+          </a:prstGeom>
+        </p:spPr>
+      </p:pic>
+    </p:spTree>
+    <p:extLst>
+      <p:ext uri="{BB962C8B-B14F-4D97-AF65-F5344CB8AC3E}">
+        <p14:creationId xmlns:p14="http://schemas.microsoft.com/office/powerpoint/2010/main" val="2845919330"/>
+      </p:ext>
+    </p:extLst>
+  </p:cSld>
+  <p:clrMapOvr>
+    <a:masterClrMapping/>
+  </p:clrMapOvr>
+  <p:transition spd="slow">
+    <p:push/>
+  </p:transition>
+</p:sld>
+</file>
+
+<file path=ppt/slides/slide16.xml><?xml version="1.0" encoding="utf-8"?>
+<p:sld xmlns:a="http://schemas.openxmlformats.org/drawingml/2006/main" xmlns:r="http://schemas.openxmlformats.org/officeDocument/2006/relationships" xmlns:p="http://schemas.openxmlformats.org/presentationml/2006/main">
+  <p:cSld>
+    <p:spTree>
+      <p:nvGrpSpPr>
+        <p:cNvPr id="1" name="Shape 139"/>
+        <p:cNvGrpSpPr/>
+        <p:nvPr/>
+      </p:nvGrpSpPr>
+      <p:grpSpPr>
+        <a:xfrm>
+          <a:off x="0" y="0"/>
+          <a:ext cx="0" cy="0"/>
+          <a:chOff x="0" y="0"/>
+          <a:chExt cx="0" cy="0"/>
+        </a:xfrm>
+      </p:grpSpPr>
+      <p:cxnSp>
+        <p:nvCxnSpPr>
+          <p:cNvPr id="140" name="Google Shape;140;p26"/>
+          <p:cNvCxnSpPr/>
+          <p:nvPr/>
+        </p:nvCxnSpPr>
+        <p:spPr>
+          <a:xfrm rot="10800000">
+            <a:off x="471906" y="672952"/>
+            <a:ext cx="8200200" cy="0"/>
+          </a:xfrm>
+          <a:prstGeom prst="straightConnector1">
+            <a:avLst/>
+          </a:prstGeom>
+          <a:noFill/>
+          <a:ln w="38100" cap="flat" cmpd="sng">
+            <a:solidFill>
+              <a:srgbClr val="08244A"/>
+            </a:solidFill>
+            <a:prstDash val="solid"/>
+            <a:miter lim="800000"/>
+            <a:headEnd type="none" w="sm" len="sm"/>
+            <a:tailEnd type="none" w="sm" len="sm"/>
+          </a:ln>
+        </p:spPr>
+      </p:cxnSp>
+      <p:sp>
+        <p:nvSpPr>
+          <p:cNvPr id="141" name="Google Shape;141;p26"/>
+          <p:cNvSpPr txBox="1"/>
+          <p:nvPr/>
+        </p:nvSpPr>
+        <p:spPr>
+          <a:xfrm>
+            <a:off x="4312990" y="4919588"/>
+            <a:ext cx="518100" cy="238500"/>
+          </a:xfrm>
+          <a:prstGeom prst="rect">
+            <a:avLst/>
+          </a:prstGeom>
+          <a:solidFill>
+            <a:srgbClr val="08244A"/>
+          </a:solidFill>
+          <a:ln>
+            <a:noFill/>
+          </a:ln>
+        </p:spPr>
+        <p:txBody>
+          <a:bodyPr spcFirstLastPara="1" wrap="square" lIns="68575" tIns="34275" rIns="68575" bIns="34275" anchor="t" anchorCtr="0">
+            <a:spAutoFit/>
+          </a:bodyPr>
+          <a:lstStyle/>
+          <a:p>
+            <a:pPr marL="0" marR="0" lvl="0" indent="0" algn="ctr" rtl="0">
+              <a:spcBef>
+                <a:spcPts val="0"/>
+              </a:spcBef>
+              <a:spcAft>
+                <a:spcPts val="0"/>
+              </a:spcAft>
+              <a:buNone/>
+            </a:pPr>
+            <a:endParaRPr sz="1100">
+              <a:solidFill>
+                <a:schemeClr val="lt1"/>
+              </a:solidFill>
+              <a:latin typeface="Arial"/>
+              <a:ea typeface="Arial"/>
+              <a:cs typeface="Arial"/>
+              <a:sym typeface="Arial"/>
+            </a:endParaRPr>
+          </a:p>
+        </p:txBody>
+      </p:sp>
+      <p:sp>
+        <p:nvSpPr>
+          <p:cNvPr id="142" name="Google Shape;142;p26"/>
+          <p:cNvSpPr txBox="1"/>
+          <p:nvPr/>
+        </p:nvSpPr>
+        <p:spPr>
+          <a:xfrm>
+            <a:off x="7422919" y="4868275"/>
+            <a:ext cx="1660500" cy="238500"/>
+          </a:xfrm>
+          <a:prstGeom prst="rect">
+            <a:avLst/>
+          </a:prstGeom>
+          <a:noFill/>
+          <a:ln>
+            <a:noFill/>
+          </a:ln>
+        </p:spPr>
+        <p:txBody>
+          <a:bodyPr spcFirstLastPara="1" wrap="square" lIns="68575" tIns="34275" rIns="68575" bIns="34275" anchor="t" anchorCtr="0">
+            <a:spAutoFit/>
+          </a:bodyPr>
+          <a:lstStyle/>
+          <a:p>
+            <a:pPr marL="0" marR="0" lvl="0" indent="0" algn="r" rtl="0">
+              <a:spcBef>
+                <a:spcPts val="0"/>
+              </a:spcBef>
+              <a:spcAft>
+                <a:spcPts val="0"/>
+              </a:spcAft>
+              <a:buNone/>
+            </a:pPr>
+            <a:r>
+              <a:rPr lang="zh-TW" sz="1100">
+                <a:solidFill>
+                  <a:srgbClr val="A5A5A5"/>
+                </a:solidFill>
+                <a:latin typeface="Consolas"/>
+                <a:ea typeface="Consolas"/>
+                <a:cs typeface="Consolas"/>
+                <a:sym typeface="Consolas"/>
+              </a:rPr>
+              <a:t>NTUST GAMELab</a:t>
+            </a:r>
+            <a:endParaRPr sz="1100">
+              <a:solidFill>
+                <a:srgbClr val="A5A5A5"/>
+              </a:solidFill>
+              <a:latin typeface="Consolas"/>
+              <a:ea typeface="Consolas"/>
+              <a:cs typeface="Consolas"/>
+              <a:sym typeface="Consolas"/>
+            </a:endParaRPr>
+          </a:p>
+        </p:txBody>
+      </p:sp>
+      <p:sp>
+        <p:nvSpPr>
+          <p:cNvPr id="143" name="Google Shape;143;p26"/>
+          <p:cNvSpPr txBox="1">
+            <a:spLocks noGrp="1"/>
+          </p:cNvSpPr>
+          <p:nvPr>
+            <p:ph type="sldNum" idx="12"/>
+          </p:nvPr>
+        </p:nvSpPr>
+        <p:spPr>
+          <a:xfrm>
+            <a:off x="3543300" y="4904660"/>
+            <a:ext cx="2057400" cy="273900"/>
+          </a:xfrm>
+          <a:prstGeom prst="rect">
+            <a:avLst/>
+          </a:prstGeom>
+          <a:noFill/>
+          <a:ln>
+            <a:noFill/>
+          </a:ln>
+        </p:spPr>
+        <p:txBody>
+          <a:bodyPr spcFirstLastPara="1" wrap="square" lIns="68575" tIns="34275" rIns="68575" bIns="34275" anchor="ctr" anchorCtr="0">
+            <a:noAutofit/>
+          </a:bodyPr>
+          <a:lstStyle/>
+          <a:p>
+            <a:pPr marL="0" lvl="0" indent="0" algn="ctr" rtl="0">
+              <a:spcBef>
+                <a:spcPts val="0"/>
+              </a:spcBef>
+              <a:spcAft>
+                <a:spcPts val="0"/>
+              </a:spcAft>
+              <a:buNone/>
+            </a:pPr>
+            <a:fld id="{00000000-1234-1234-1234-123412341234}" type="slidenum">
+              <a:rPr lang="en-US" altLang="zh-TW" sz="1100"/>
+              <a:t>16</a:t>
+            </a:fld>
+            <a:endParaRPr sz="1100"/>
+          </a:p>
+        </p:txBody>
+      </p:sp>
+      <p:sp>
+        <p:nvSpPr>
+          <p:cNvPr id="144" name="Google Shape;144;p26"/>
+          <p:cNvSpPr txBox="1"/>
+          <p:nvPr/>
+        </p:nvSpPr>
+        <p:spPr>
+          <a:xfrm>
+            <a:off x="368600" y="246125"/>
+            <a:ext cx="7941920" cy="392385"/>
+          </a:xfrm>
+          <a:prstGeom prst="rect">
+            <a:avLst/>
+          </a:prstGeom>
+          <a:noFill/>
+          <a:ln>
+            <a:noFill/>
+          </a:ln>
+        </p:spPr>
+        <p:txBody>
+          <a:bodyPr spcFirstLastPara="1" wrap="square" lIns="68575" tIns="34275" rIns="68575" bIns="34275" anchor="t" anchorCtr="0">
+            <a:spAutoFit/>
+          </a:bodyPr>
+          <a:lstStyle/>
+          <a:p>
+            <a:pPr lvl="0"/>
+            <a:r>
+              <a:rPr lang="en-US" sz="2100" b="1" dirty="0">
+                <a:solidFill>
+                  <a:srgbClr val="08244A"/>
+                </a:solidFill>
+                <a:latin typeface="Microsoft JhengHei"/>
+                <a:ea typeface="Microsoft JhengHei"/>
+                <a:cs typeface="Microsoft JhengHei"/>
+                <a:sym typeface="Microsoft JhengHei"/>
+              </a:rPr>
+              <a:t>ImageNet Experiments - Reconstruction target</a:t>
+            </a:r>
+          </a:p>
+        </p:txBody>
+      </p:sp>
+      <p:sp>
+        <p:nvSpPr>
+          <p:cNvPr id="145" name="Google Shape;145;p26"/>
+          <p:cNvSpPr txBox="1"/>
+          <p:nvPr/>
+        </p:nvSpPr>
+        <p:spPr>
+          <a:xfrm>
+            <a:off x="471900" y="736201"/>
+            <a:ext cx="7422300" cy="369300"/>
+          </a:xfrm>
+          <a:prstGeom prst="rect">
+            <a:avLst/>
+          </a:prstGeom>
+          <a:noFill/>
+          <a:ln>
+            <a:noFill/>
+          </a:ln>
+        </p:spPr>
+        <p:txBody>
+          <a:bodyPr spcFirstLastPara="1" wrap="square" lIns="91425" tIns="91425" rIns="91425" bIns="91425" anchor="t" anchorCtr="0">
+            <a:spAutoFit/>
+          </a:bodyPr>
+          <a:lstStyle/>
+          <a:p>
+            <a:pPr marL="0" lvl="0" indent="0" algn="l" rtl="0">
+              <a:spcBef>
+                <a:spcPts val="0"/>
+              </a:spcBef>
+              <a:spcAft>
+                <a:spcPts val="0"/>
+              </a:spcAft>
+              <a:buNone/>
+            </a:pPr>
+            <a:endParaRPr sz="1200" b="1">
+              <a:solidFill>
+                <a:schemeClr val="dk1"/>
+              </a:solidFill>
+              <a:latin typeface="Microsoft JhengHei"/>
+              <a:ea typeface="Microsoft JhengHei"/>
+              <a:cs typeface="Microsoft JhengHei"/>
+              <a:sym typeface="Microsoft JhengHei"/>
+            </a:endParaRPr>
+          </a:p>
+        </p:txBody>
+      </p:sp>
+      <p:pic>
+        <p:nvPicPr>
+          <p:cNvPr id="3" name="圖片 2">
+            <a:extLst>
+              <a:ext uri="{FF2B5EF4-FFF2-40B4-BE49-F238E27FC236}">
+                <a16:creationId xmlns:a16="http://schemas.microsoft.com/office/drawing/2014/main" id="{C65B0402-55F5-14B6-0A42-96D7678574AB}"/>
+              </a:ext>
+            </a:extLst>
+          </p:cNvPr>
+          <p:cNvPicPr>
+            <a:picLocks noChangeAspect="1"/>
+          </p:cNvPicPr>
+          <p:nvPr/>
+        </p:nvPicPr>
+        <p:blipFill>
+          <a:blip r:embed="rId3"/>
+          <a:stretch>
+            <a:fillRect/>
+          </a:stretch>
+        </p:blipFill>
+        <p:spPr>
+          <a:xfrm>
+            <a:off x="5108303" y="1504961"/>
+            <a:ext cx="4035686" cy="1945034"/>
+          </a:xfrm>
+          <a:prstGeom prst="rect">
+            <a:avLst/>
+          </a:prstGeom>
+        </p:spPr>
+      </p:pic>
+      <p:pic>
+        <p:nvPicPr>
+          <p:cNvPr id="7" name="圖片 6">
+            <a:extLst>
+              <a:ext uri="{FF2B5EF4-FFF2-40B4-BE49-F238E27FC236}">
+                <a16:creationId xmlns:a16="http://schemas.microsoft.com/office/drawing/2014/main" id="{9A95E85B-1CC3-EDE2-EB03-F50AEB0D1A65}"/>
+              </a:ext>
+            </a:extLst>
+          </p:cNvPr>
+          <p:cNvPicPr>
+            <a:picLocks noChangeAspect="1"/>
+          </p:cNvPicPr>
+          <p:nvPr/>
+        </p:nvPicPr>
+        <p:blipFill>
+          <a:blip r:embed="rId4"/>
+          <a:stretch>
+            <a:fillRect/>
+          </a:stretch>
+        </p:blipFill>
+        <p:spPr>
+          <a:xfrm>
+            <a:off x="0" y="1425005"/>
+            <a:ext cx="5027383" cy="2035678"/>
+          </a:xfrm>
+          <a:prstGeom prst="rect">
+            <a:avLst/>
+          </a:prstGeom>
+        </p:spPr>
+      </p:pic>
+    </p:spTree>
+    <p:extLst>
+      <p:ext uri="{BB962C8B-B14F-4D97-AF65-F5344CB8AC3E}">
+        <p14:creationId xmlns:p14="http://schemas.microsoft.com/office/powerpoint/2010/main" val="4118008068"/>
+      </p:ext>
+    </p:extLst>
+  </p:cSld>
+  <p:clrMapOvr>
+    <a:masterClrMapping/>
+  </p:clrMapOvr>
+  <p:transition spd="slow">
+    <p:push/>
+  </p:transition>
+</p:sld>
+</file>
+
+<file path=ppt/slides/slide17.xml><?xml version="1.0" encoding="utf-8"?>
+<p:sld xmlns:a="http://schemas.openxmlformats.org/drawingml/2006/main" xmlns:r="http://schemas.openxmlformats.org/officeDocument/2006/relationships" xmlns:p="http://schemas.openxmlformats.org/presentationml/2006/main">
+  <p:cSld>
+    <p:spTree>
+      <p:nvGrpSpPr>
+        <p:cNvPr id="1" name="Shape 139"/>
+        <p:cNvGrpSpPr/>
+        <p:nvPr/>
+      </p:nvGrpSpPr>
+      <p:grpSpPr>
+        <a:xfrm>
+          <a:off x="0" y="0"/>
+          <a:ext cx="0" cy="0"/>
+          <a:chOff x="0" y="0"/>
+          <a:chExt cx="0" cy="0"/>
+        </a:xfrm>
+      </p:grpSpPr>
+      <p:cxnSp>
+        <p:nvCxnSpPr>
+          <p:cNvPr id="140" name="Google Shape;140;p26"/>
+          <p:cNvCxnSpPr/>
+          <p:nvPr/>
+        </p:nvCxnSpPr>
+        <p:spPr>
+          <a:xfrm rot="10800000">
+            <a:off x="471906" y="672952"/>
+            <a:ext cx="8200200" cy="0"/>
+          </a:xfrm>
+          <a:prstGeom prst="straightConnector1">
+            <a:avLst/>
+          </a:prstGeom>
+          <a:noFill/>
+          <a:ln w="38100" cap="flat" cmpd="sng">
+            <a:solidFill>
+              <a:srgbClr val="08244A"/>
+            </a:solidFill>
+            <a:prstDash val="solid"/>
+            <a:miter lim="800000"/>
+            <a:headEnd type="none" w="sm" len="sm"/>
+            <a:tailEnd type="none" w="sm" len="sm"/>
+          </a:ln>
+        </p:spPr>
+      </p:cxnSp>
+      <p:sp>
+        <p:nvSpPr>
+          <p:cNvPr id="141" name="Google Shape;141;p26"/>
+          <p:cNvSpPr txBox="1"/>
+          <p:nvPr/>
+        </p:nvSpPr>
+        <p:spPr>
+          <a:xfrm>
+            <a:off x="4312990" y="4919588"/>
+            <a:ext cx="518100" cy="238500"/>
+          </a:xfrm>
+          <a:prstGeom prst="rect">
+            <a:avLst/>
+          </a:prstGeom>
+          <a:solidFill>
+            <a:srgbClr val="08244A"/>
+          </a:solidFill>
+          <a:ln>
+            <a:noFill/>
+          </a:ln>
+        </p:spPr>
+        <p:txBody>
+          <a:bodyPr spcFirstLastPara="1" wrap="square" lIns="68575" tIns="34275" rIns="68575" bIns="34275" anchor="t" anchorCtr="0">
+            <a:spAutoFit/>
+          </a:bodyPr>
+          <a:lstStyle/>
+          <a:p>
+            <a:pPr marL="0" marR="0" lvl="0" indent="0" algn="ctr" rtl="0">
+              <a:spcBef>
+                <a:spcPts val="0"/>
+              </a:spcBef>
+              <a:spcAft>
+                <a:spcPts val="0"/>
+              </a:spcAft>
+              <a:buNone/>
+            </a:pPr>
+            <a:endParaRPr sz="1100">
+              <a:solidFill>
+                <a:schemeClr val="lt1"/>
+              </a:solidFill>
+              <a:latin typeface="Arial"/>
+              <a:ea typeface="Arial"/>
+              <a:cs typeface="Arial"/>
+              <a:sym typeface="Arial"/>
+            </a:endParaRPr>
+          </a:p>
+        </p:txBody>
+      </p:sp>
+      <p:sp>
+        <p:nvSpPr>
+          <p:cNvPr id="142" name="Google Shape;142;p26"/>
+          <p:cNvSpPr txBox="1"/>
+          <p:nvPr/>
+        </p:nvSpPr>
+        <p:spPr>
+          <a:xfrm>
+            <a:off x="7422919" y="4868275"/>
+            <a:ext cx="1660500" cy="238500"/>
+          </a:xfrm>
+          <a:prstGeom prst="rect">
+            <a:avLst/>
+          </a:prstGeom>
+          <a:noFill/>
+          <a:ln>
+            <a:noFill/>
+          </a:ln>
+        </p:spPr>
+        <p:txBody>
+          <a:bodyPr spcFirstLastPara="1" wrap="square" lIns="68575" tIns="34275" rIns="68575" bIns="34275" anchor="t" anchorCtr="0">
+            <a:spAutoFit/>
+          </a:bodyPr>
+          <a:lstStyle/>
+          <a:p>
+            <a:pPr marL="0" marR="0" lvl="0" indent="0" algn="r" rtl="0">
+              <a:spcBef>
+                <a:spcPts val="0"/>
+              </a:spcBef>
+              <a:spcAft>
+                <a:spcPts val="0"/>
+              </a:spcAft>
+              <a:buNone/>
+            </a:pPr>
+            <a:r>
+              <a:rPr lang="zh-TW" sz="1100">
+                <a:solidFill>
+                  <a:srgbClr val="A5A5A5"/>
+                </a:solidFill>
+                <a:latin typeface="Consolas"/>
+                <a:ea typeface="Consolas"/>
+                <a:cs typeface="Consolas"/>
+                <a:sym typeface="Consolas"/>
+              </a:rPr>
+              <a:t>NTUST GAMELab</a:t>
+            </a:r>
+            <a:endParaRPr sz="1100">
+              <a:solidFill>
+                <a:srgbClr val="A5A5A5"/>
+              </a:solidFill>
+              <a:latin typeface="Consolas"/>
+              <a:ea typeface="Consolas"/>
+              <a:cs typeface="Consolas"/>
+              <a:sym typeface="Consolas"/>
+            </a:endParaRPr>
+          </a:p>
+        </p:txBody>
+      </p:sp>
+      <p:sp>
+        <p:nvSpPr>
+          <p:cNvPr id="143" name="Google Shape;143;p26"/>
+          <p:cNvSpPr txBox="1">
+            <a:spLocks noGrp="1"/>
+          </p:cNvSpPr>
+          <p:nvPr>
+            <p:ph type="sldNum" idx="12"/>
+          </p:nvPr>
+        </p:nvSpPr>
+        <p:spPr>
+          <a:xfrm>
+            <a:off x="3543300" y="4904660"/>
+            <a:ext cx="2057400" cy="273900"/>
+          </a:xfrm>
+          <a:prstGeom prst="rect">
+            <a:avLst/>
+          </a:prstGeom>
+          <a:noFill/>
+          <a:ln>
+            <a:noFill/>
+          </a:ln>
+        </p:spPr>
+        <p:txBody>
+          <a:bodyPr spcFirstLastPara="1" wrap="square" lIns="68575" tIns="34275" rIns="68575" bIns="34275" anchor="ctr" anchorCtr="0">
+            <a:noAutofit/>
+          </a:bodyPr>
+          <a:lstStyle/>
+          <a:p>
+            <a:pPr marL="0" lvl="0" indent="0" algn="ctr" rtl="0">
+              <a:spcBef>
+                <a:spcPts val="0"/>
+              </a:spcBef>
+              <a:spcAft>
+                <a:spcPts val="0"/>
+              </a:spcAft>
+              <a:buNone/>
+            </a:pPr>
+            <a:fld id="{00000000-1234-1234-1234-123412341234}" type="slidenum">
+              <a:rPr lang="en-US" altLang="zh-TW" sz="1100"/>
+              <a:t>17</a:t>
+            </a:fld>
+            <a:endParaRPr sz="1100"/>
+          </a:p>
+        </p:txBody>
+      </p:sp>
+      <p:sp>
+        <p:nvSpPr>
+          <p:cNvPr id="144" name="Google Shape;144;p26"/>
+          <p:cNvSpPr txBox="1"/>
+          <p:nvPr/>
+        </p:nvSpPr>
+        <p:spPr>
+          <a:xfrm>
+            <a:off x="368600" y="246125"/>
+            <a:ext cx="7941920" cy="392385"/>
+          </a:xfrm>
+          <a:prstGeom prst="rect">
+            <a:avLst/>
+          </a:prstGeom>
+          <a:noFill/>
+          <a:ln>
+            <a:noFill/>
+          </a:ln>
+        </p:spPr>
+        <p:txBody>
+          <a:bodyPr spcFirstLastPara="1" wrap="square" lIns="68575" tIns="34275" rIns="68575" bIns="34275" anchor="t" anchorCtr="0">
+            <a:spAutoFit/>
+          </a:bodyPr>
+          <a:lstStyle/>
+          <a:p>
+            <a:pPr lvl="0"/>
+            <a:r>
+              <a:rPr lang="en-US" sz="2100" b="1" dirty="0">
+                <a:solidFill>
+                  <a:srgbClr val="08244A"/>
+                </a:solidFill>
+                <a:latin typeface="Microsoft JhengHei"/>
+                <a:ea typeface="Microsoft JhengHei"/>
+                <a:cs typeface="Microsoft JhengHei"/>
+                <a:sym typeface="Microsoft JhengHei"/>
+              </a:rPr>
+              <a:t>ImageNet Experiments</a:t>
+            </a:r>
+          </a:p>
+        </p:txBody>
+      </p:sp>
+      <p:sp>
+        <p:nvSpPr>
+          <p:cNvPr id="145" name="Google Shape;145;p26"/>
+          <p:cNvSpPr txBox="1"/>
+          <p:nvPr/>
+        </p:nvSpPr>
+        <p:spPr>
+          <a:xfrm>
+            <a:off x="471900" y="736201"/>
+            <a:ext cx="7422300" cy="369300"/>
+          </a:xfrm>
+          <a:prstGeom prst="rect">
+            <a:avLst/>
+          </a:prstGeom>
+          <a:noFill/>
+          <a:ln>
+            <a:noFill/>
+          </a:ln>
+        </p:spPr>
+        <p:txBody>
+          <a:bodyPr spcFirstLastPara="1" wrap="square" lIns="91425" tIns="91425" rIns="91425" bIns="91425" anchor="t" anchorCtr="0">
+            <a:spAutoFit/>
+          </a:bodyPr>
+          <a:lstStyle/>
+          <a:p>
+            <a:pPr marL="0" lvl="0" indent="0" algn="l" rtl="0">
+              <a:spcBef>
+                <a:spcPts val="0"/>
+              </a:spcBef>
+              <a:spcAft>
+                <a:spcPts val="0"/>
+              </a:spcAft>
+              <a:buNone/>
+            </a:pPr>
+            <a:endParaRPr sz="1200" b="1">
+              <a:solidFill>
+                <a:schemeClr val="dk1"/>
+              </a:solidFill>
+              <a:latin typeface="Microsoft JhengHei"/>
+              <a:ea typeface="Microsoft JhengHei"/>
+              <a:cs typeface="Microsoft JhengHei"/>
+              <a:sym typeface="Microsoft JhengHei"/>
+            </a:endParaRPr>
+          </a:p>
+        </p:txBody>
+      </p:sp>
+      <p:pic>
+        <p:nvPicPr>
+          <p:cNvPr id="13" name="圖片 12">
+            <a:extLst>
+              <a:ext uri="{FF2B5EF4-FFF2-40B4-BE49-F238E27FC236}">
+                <a16:creationId xmlns:a16="http://schemas.microsoft.com/office/drawing/2014/main" id="{5ED7E345-6DD2-1C28-25C4-B33EF936AD86}"/>
+              </a:ext>
+            </a:extLst>
+          </p:cNvPr>
+          <p:cNvPicPr>
+            <a:picLocks noChangeAspect="1"/>
+          </p:cNvPicPr>
+          <p:nvPr/>
+        </p:nvPicPr>
+        <p:blipFill>
+          <a:blip r:embed="rId3"/>
+          <a:stretch>
+            <a:fillRect/>
+          </a:stretch>
+        </p:blipFill>
+        <p:spPr>
+          <a:xfrm>
+            <a:off x="395438" y="681877"/>
+            <a:ext cx="5902727" cy="1756521"/>
+          </a:xfrm>
+          <a:prstGeom prst="rect">
+            <a:avLst/>
+          </a:prstGeom>
+        </p:spPr>
+      </p:pic>
+      <p:pic>
+        <p:nvPicPr>
+          <p:cNvPr id="19" name="圖片 18">
+            <a:extLst>
+              <a:ext uri="{FF2B5EF4-FFF2-40B4-BE49-F238E27FC236}">
+                <a16:creationId xmlns:a16="http://schemas.microsoft.com/office/drawing/2014/main" id="{D33F7DB1-9375-8B07-2A8E-1ADFFFD029C1}"/>
+              </a:ext>
+            </a:extLst>
+          </p:cNvPr>
+          <p:cNvPicPr>
+            <a:picLocks noChangeAspect="1"/>
+          </p:cNvPicPr>
+          <p:nvPr/>
+        </p:nvPicPr>
+        <p:blipFill>
+          <a:blip r:embed="rId4"/>
+          <a:stretch>
+            <a:fillRect/>
+          </a:stretch>
+        </p:blipFill>
+        <p:spPr>
+          <a:xfrm>
+            <a:off x="395438" y="2460415"/>
+            <a:ext cx="4548796" cy="2527109"/>
+          </a:xfrm>
+          <a:prstGeom prst="rect">
+            <a:avLst/>
+          </a:prstGeom>
+        </p:spPr>
+      </p:pic>
+    </p:spTree>
+    <p:extLst>
+      <p:ext uri="{BB962C8B-B14F-4D97-AF65-F5344CB8AC3E}">
+        <p14:creationId xmlns:p14="http://schemas.microsoft.com/office/powerpoint/2010/main" val="1626060731"/>
+      </p:ext>
+    </p:extLst>
+  </p:cSld>
+  <p:clrMapOvr>
+    <a:masterClrMapping/>
+  </p:clrMapOvr>
+  <p:transition spd="slow">
+    <p:push/>
+  </p:transition>
+</p:sld>
+</file>
+
+<file path=ppt/slides/slide18.xml><?xml version="1.0" encoding="utf-8"?>
+<p:sld xmlns:a="http://schemas.openxmlformats.org/drawingml/2006/main" xmlns:r="http://schemas.openxmlformats.org/officeDocument/2006/relationships" xmlns:p="http://schemas.openxmlformats.org/presentationml/2006/main">
+  <p:cSld>
+    <p:spTree>
+      <p:nvGrpSpPr>
+        <p:cNvPr id="1" name="Shape 139"/>
+        <p:cNvGrpSpPr/>
+        <p:nvPr/>
+      </p:nvGrpSpPr>
+      <p:grpSpPr>
+        <a:xfrm>
+          <a:off x="0" y="0"/>
+          <a:ext cx="0" cy="0"/>
+          <a:chOff x="0" y="0"/>
+          <a:chExt cx="0" cy="0"/>
+        </a:xfrm>
+      </p:grpSpPr>
+      <p:cxnSp>
+        <p:nvCxnSpPr>
+          <p:cNvPr id="140" name="Google Shape;140;p26"/>
+          <p:cNvCxnSpPr/>
+          <p:nvPr/>
+        </p:nvCxnSpPr>
+        <p:spPr>
+          <a:xfrm rot="10800000">
+            <a:off x="471906" y="672952"/>
+            <a:ext cx="8200200" cy="0"/>
+          </a:xfrm>
+          <a:prstGeom prst="straightConnector1">
+            <a:avLst/>
+          </a:prstGeom>
+          <a:noFill/>
+          <a:ln w="38100" cap="flat" cmpd="sng">
+            <a:solidFill>
+              <a:srgbClr val="08244A"/>
+            </a:solidFill>
+            <a:prstDash val="solid"/>
+            <a:miter lim="800000"/>
+            <a:headEnd type="none" w="sm" len="sm"/>
+            <a:tailEnd type="none" w="sm" len="sm"/>
+          </a:ln>
+        </p:spPr>
+      </p:cxnSp>
+      <p:sp>
+        <p:nvSpPr>
+          <p:cNvPr id="141" name="Google Shape;141;p26"/>
+          <p:cNvSpPr txBox="1"/>
+          <p:nvPr/>
+        </p:nvSpPr>
+        <p:spPr>
+          <a:xfrm>
+            <a:off x="4312990" y="4919588"/>
+            <a:ext cx="518100" cy="238500"/>
+          </a:xfrm>
+          <a:prstGeom prst="rect">
+            <a:avLst/>
+          </a:prstGeom>
+          <a:solidFill>
+            <a:srgbClr val="08244A"/>
+          </a:solidFill>
+          <a:ln>
+            <a:noFill/>
+          </a:ln>
+        </p:spPr>
+        <p:txBody>
+          <a:bodyPr spcFirstLastPara="1" wrap="square" lIns="68575" tIns="34275" rIns="68575" bIns="34275" anchor="t" anchorCtr="0">
+            <a:spAutoFit/>
+          </a:bodyPr>
+          <a:lstStyle/>
+          <a:p>
+            <a:pPr marL="0" marR="0" lvl="0" indent="0" algn="ctr" rtl="0">
+              <a:spcBef>
+                <a:spcPts val="0"/>
+              </a:spcBef>
+              <a:spcAft>
+                <a:spcPts val="0"/>
+              </a:spcAft>
+              <a:buNone/>
+            </a:pPr>
+            <a:endParaRPr sz="1100">
+              <a:solidFill>
+                <a:schemeClr val="lt1"/>
+              </a:solidFill>
+              <a:latin typeface="Arial"/>
+              <a:ea typeface="Arial"/>
+              <a:cs typeface="Arial"/>
+              <a:sym typeface="Arial"/>
+            </a:endParaRPr>
+          </a:p>
+        </p:txBody>
+      </p:sp>
+      <p:sp>
+        <p:nvSpPr>
+          <p:cNvPr id="142" name="Google Shape;142;p26"/>
+          <p:cNvSpPr txBox="1"/>
+          <p:nvPr/>
+        </p:nvSpPr>
+        <p:spPr>
+          <a:xfrm>
+            <a:off x="7422919" y="4868275"/>
+            <a:ext cx="1660500" cy="238500"/>
+          </a:xfrm>
+          <a:prstGeom prst="rect">
+            <a:avLst/>
+          </a:prstGeom>
+          <a:noFill/>
+          <a:ln>
+            <a:noFill/>
+          </a:ln>
+        </p:spPr>
+        <p:txBody>
+          <a:bodyPr spcFirstLastPara="1" wrap="square" lIns="68575" tIns="34275" rIns="68575" bIns="34275" anchor="t" anchorCtr="0">
+            <a:spAutoFit/>
+          </a:bodyPr>
+          <a:lstStyle/>
+          <a:p>
+            <a:pPr marL="0" marR="0" lvl="0" indent="0" algn="r" rtl="0">
+              <a:spcBef>
+                <a:spcPts val="0"/>
+              </a:spcBef>
+              <a:spcAft>
+                <a:spcPts val="0"/>
+              </a:spcAft>
+              <a:buNone/>
+            </a:pPr>
+            <a:r>
+              <a:rPr lang="zh-TW" sz="1100">
+                <a:solidFill>
+                  <a:srgbClr val="A5A5A5"/>
+                </a:solidFill>
+                <a:latin typeface="Consolas"/>
+                <a:ea typeface="Consolas"/>
+                <a:cs typeface="Consolas"/>
+                <a:sym typeface="Consolas"/>
+              </a:rPr>
+              <a:t>NTUST GAMELab</a:t>
+            </a:r>
+            <a:endParaRPr sz="1100">
+              <a:solidFill>
+                <a:srgbClr val="A5A5A5"/>
+              </a:solidFill>
+              <a:latin typeface="Consolas"/>
+              <a:ea typeface="Consolas"/>
+              <a:cs typeface="Consolas"/>
+              <a:sym typeface="Consolas"/>
+            </a:endParaRPr>
+          </a:p>
+        </p:txBody>
+      </p:sp>
+      <p:sp>
+        <p:nvSpPr>
+          <p:cNvPr id="143" name="Google Shape;143;p26"/>
+          <p:cNvSpPr txBox="1">
+            <a:spLocks noGrp="1"/>
+          </p:cNvSpPr>
+          <p:nvPr>
+            <p:ph type="sldNum" idx="12"/>
+          </p:nvPr>
+        </p:nvSpPr>
+        <p:spPr>
+          <a:xfrm>
+            <a:off x="3543300" y="4904660"/>
+            <a:ext cx="2057400" cy="273900"/>
+          </a:xfrm>
+          <a:prstGeom prst="rect">
+            <a:avLst/>
+          </a:prstGeom>
+          <a:noFill/>
+          <a:ln>
+            <a:noFill/>
+          </a:ln>
+        </p:spPr>
+        <p:txBody>
+          <a:bodyPr spcFirstLastPara="1" wrap="square" lIns="68575" tIns="34275" rIns="68575" bIns="34275" anchor="ctr" anchorCtr="0">
+            <a:noAutofit/>
+          </a:bodyPr>
+          <a:lstStyle/>
+          <a:p>
+            <a:pPr marL="0" lvl="0" indent="0" algn="ctr" rtl="0">
+              <a:spcBef>
+                <a:spcPts val="0"/>
+              </a:spcBef>
+              <a:spcAft>
+                <a:spcPts val="0"/>
+              </a:spcAft>
+              <a:buNone/>
+            </a:pPr>
+            <a:fld id="{00000000-1234-1234-1234-123412341234}" type="slidenum">
+              <a:rPr lang="en-US" altLang="zh-TW" sz="1100"/>
+              <a:t>18</a:t>
+            </a:fld>
+            <a:endParaRPr sz="1100"/>
+          </a:p>
+        </p:txBody>
+      </p:sp>
+      <p:sp>
+        <p:nvSpPr>
+          <p:cNvPr id="144" name="Google Shape;144;p26"/>
+          <p:cNvSpPr txBox="1"/>
+          <p:nvPr/>
+        </p:nvSpPr>
+        <p:spPr>
+          <a:xfrm>
+            <a:off x="368600" y="246125"/>
+            <a:ext cx="7941920" cy="392385"/>
+          </a:xfrm>
+          <a:prstGeom prst="rect">
+            <a:avLst/>
+          </a:prstGeom>
+          <a:noFill/>
+          <a:ln>
+            <a:noFill/>
+          </a:ln>
+        </p:spPr>
+        <p:txBody>
+          <a:bodyPr spcFirstLastPara="1" wrap="square" lIns="68575" tIns="34275" rIns="68575" bIns="34275" anchor="t" anchorCtr="0">
+            <a:spAutoFit/>
+          </a:bodyPr>
+          <a:lstStyle/>
+          <a:p>
+            <a:pPr lvl="0"/>
+            <a:r>
+              <a:rPr lang="en-US" sz="2100" b="1" dirty="0">
+                <a:solidFill>
+                  <a:srgbClr val="08244A"/>
+                </a:solidFill>
+                <a:latin typeface="Microsoft JhengHei"/>
+                <a:ea typeface="Microsoft JhengHei"/>
+                <a:cs typeface="Microsoft JhengHei"/>
+                <a:sym typeface="Microsoft JhengHei"/>
+              </a:rPr>
+              <a:t>ImageNet Experiments</a:t>
+            </a:r>
+          </a:p>
+        </p:txBody>
+      </p:sp>
+      <p:sp>
+        <p:nvSpPr>
+          <p:cNvPr id="145" name="Google Shape;145;p26"/>
+          <p:cNvSpPr txBox="1"/>
+          <p:nvPr/>
+        </p:nvSpPr>
+        <p:spPr>
+          <a:xfrm>
+            <a:off x="471900" y="736201"/>
+            <a:ext cx="7422300" cy="369300"/>
+          </a:xfrm>
+          <a:prstGeom prst="rect">
+            <a:avLst/>
+          </a:prstGeom>
+          <a:noFill/>
+          <a:ln>
+            <a:noFill/>
+          </a:ln>
+        </p:spPr>
+        <p:txBody>
+          <a:bodyPr spcFirstLastPara="1" wrap="square" lIns="91425" tIns="91425" rIns="91425" bIns="91425" anchor="t" anchorCtr="0">
+            <a:spAutoFit/>
+          </a:bodyPr>
+          <a:lstStyle/>
+          <a:p>
+            <a:pPr marL="0" lvl="0" indent="0" algn="l" rtl="0">
+              <a:spcBef>
+                <a:spcPts val="0"/>
+              </a:spcBef>
+              <a:spcAft>
+                <a:spcPts val="0"/>
+              </a:spcAft>
+              <a:buNone/>
+            </a:pPr>
+            <a:endParaRPr sz="1200" b="1">
+              <a:solidFill>
+                <a:schemeClr val="dk1"/>
+              </a:solidFill>
+              <a:latin typeface="Microsoft JhengHei"/>
+              <a:ea typeface="Microsoft JhengHei"/>
+              <a:cs typeface="Microsoft JhengHei"/>
+              <a:sym typeface="Microsoft JhengHei"/>
+            </a:endParaRPr>
+          </a:p>
+        </p:txBody>
+      </p:sp>
+      <p:pic>
+        <p:nvPicPr>
+          <p:cNvPr id="15" name="圖片 14">
+            <a:extLst>
+              <a:ext uri="{FF2B5EF4-FFF2-40B4-BE49-F238E27FC236}">
+                <a16:creationId xmlns:a16="http://schemas.microsoft.com/office/drawing/2014/main" id="{91ACCCBA-30E8-45D8-6AFD-4E7422812A22}"/>
+              </a:ext>
+            </a:extLst>
+          </p:cNvPr>
+          <p:cNvPicPr>
+            <a:picLocks noChangeAspect="1"/>
+          </p:cNvPicPr>
+          <p:nvPr/>
+        </p:nvPicPr>
+        <p:blipFill>
+          <a:blip r:embed="rId3"/>
+          <a:stretch>
+            <a:fillRect/>
+          </a:stretch>
+        </p:blipFill>
+        <p:spPr>
+          <a:xfrm>
+            <a:off x="471900" y="1503191"/>
+            <a:ext cx="5690007" cy="2863721"/>
+          </a:xfrm>
+          <a:prstGeom prst="rect">
+            <a:avLst/>
+          </a:prstGeom>
+        </p:spPr>
+      </p:pic>
+    </p:spTree>
+    <p:extLst>
+      <p:ext uri="{BB962C8B-B14F-4D97-AF65-F5344CB8AC3E}">
+        <p14:creationId xmlns:p14="http://schemas.microsoft.com/office/powerpoint/2010/main" val="1008159116"/>
+      </p:ext>
+    </p:extLst>
+  </p:cSld>
+  <p:clrMapOvr>
+    <a:masterClrMapping/>
+  </p:clrMapOvr>
+  <p:transition spd="slow">
+    <p:push/>
+  </p:transition>
+</p:sld>
+</file>
+
+<file path=ppt/slides/slide19.xml><?xml version="1.0" encoding="utf-8"?>
+<p:sld xmlns:a="http://schemas.openxmlformats.org/drawingml/2006/main" xmlns:r="http://schemas.openxmlformats.org/officeDocument/2006/relationships" xmlns:p="http://schemas.openxmlformats.org/presentationml/2006/main">
+  <p:cSld>
+    <p:spTree>
+      <p:nvGrpSpPr>
+        <p:cNvPr id="1" name="Shape 139"/>
+        <p:cNvGrpSpPr/>
+        <p:nvPr/>
+      </p:nvGrpSpPr>
+      <p:grpSpPr>
+        <a:xfrm>
+          <a:off x="0" y="0"/>
+          <a:ext cx="0" cy="0"/>
+          <a:chOff x="0" y="0"/>
+          <a:chExt cx="0" cy="0"/>
+        </a:xfrm>
+      </p:grpSpPr>
+      <p:cxnSp>
+        <p:nvCxnSpPr>
+          <p:cNvPr id="140" name="Google Shape;140;p26"/>
+          <p:cNvCxnSpPr/>
+          <p:nvPr/>
+        </p:nvCxnSpPr>
+        <p:spPr>
+          <a:xfrm rot="10800000">
+            <a:off x="471906" y="672952"/>
+            <a:ext cx="8200200" cy="0"/>
+          </a:xfrm>
+          <a:prstGeom prst="straightConnector1">
+            <a:avLst/>
+          </a:prstGeom>
+          <a:noFill/>
+          <a:ln w="38100" cap="flat" cmpd="sng">
+            <a:solidFill>
+              <a:srgbClr val="08244A"/>
+            </a:solidFill>
+            <a:prstDash val="solid"/>
+            <a:miter lim="800000"/>
+            <a:headEnd type="none" w="sm" len="sm"/>
+            <a:tailEnd type="none" w="sm" len="sm"/>
+          </a:ln>
+        </p:spPr>
+      </p:cxnSp>
+      <p:sp>
+        <p:nvSpPr>
+          <p:cNvPr id="141" name="Google Shape;141;p26"/>
+          <p:cNvSpPr txBox="1"/>
+          <p:nvPr/>
+        </p:nvSpPr>
+        <p:spPr>
+          <a:xfrm>
+            <a:off x="4312990" y="4919588"/>
+            <a:ext cx="518100" cy="238500"/>
+          </a:xfrm>
+          <a:prstGeom prst="rect">
+            <a:avLst/>
+          </a:prstGeom>
+          <a:solidFill>
+            <a:srgbClr val="08244A"/>
+          </a:solidFill>
+          <a:ln>
+            <a:noFill/>
+          </a:ln>
+        </p:spPr>
+        <p:txBody>
+          <a:bodyPr spcFirstLastPara="1" wrap="square" lIns="68575" tIns="34275" rIns="68575" bIns="34275" anchor="t" anchorCtr="0">
+            <a:spAutoFit/>
+          </a:bodyPr>
+          <a:lstStyle/>
+          <a:p>
+            <a:pPr marL="0" marR="0" lvl="0" indent="0" algn="ctr" rtl="0">
+              <a:spcBef>
+                <a:spcPts val="0"/>
+              </a:spcBef>
+              <a:spcAft>
+                <a:spcPts val="0"/>
+              </a:spcAft>
+              <a:buNone/>
+            </a:pPr>
+            <a:endParaRPr sz="1100">
+              <a:solidFill>
+                <a:schemeClr val="lt1"/>
+              </a:solidFill>
+              <a:latin typeface="Arial"/>
+              <a:ea typeface="Arial"/>
+              <a:cs typeface="Arial"/>
+              <a:sym typeface="Arial"/>
+            </a:endParaRPr>
+          </a:p>
+        </p:txBody>
+      </p:sp>
+      <p:sp>
+        <p:nvSpPr>
+          <p:cNvPr id="142" name="Google Shape;142;p26"/>
+          <p:cNvSpPr txBox="1"/>
+          <p:nvPr/>
+        </p:nvSpPr>
+        <p:spPr>
+          <a:xfrm>
+            <a:off x="7422919" y="4868275"/>
+            <a:ext cx="1660500" cy="238500"/>
+          </a:xfrm>
+          <a:prstGeom prst="rect">
+            <a:avLst/>
+          </a:prstGeom>
+          <a:noFill/>
+          <a:ln>
+            <a:noFill/>
+          </a:ln>
+        </p:spPr>
+        <p:txBody>
+          <a:bodyPr spcFirstLastPara="1" wrap="square" lIns="68575" tIns="34275" rIns="68575" bIns="34275" anchor="t" anchorCtr="0">
+            <a:spAutoFit/>
+          </a:bodyPr>
+          <a:lstStyle/>
+          <a:p>
+            <a:pPr marL="0" marR="0" lvl="0" indent="0" algn="r" rtl="0">
+              <a:spcBef>
+                <a:spcPts val="0"/>
+              </a:spcBef>
+              <a:spcAft>
+                <a:spcPts val="0"/>
+              </a:spcAft>
+              <a:buNone/>
+            </a:pPr>
+            <a:r>
+              <a:rPr lang="zh-TW" sz="1100">
+                <a:solidFill>
+                  <a:srgbClr val="A5A5A5"/>
+                </a:solidFill>
+                <a:latin typeface="Consolas"/>
+                <a:ea typeface="Consolas"/>
+                <a:cs typeface="Consolas"/>
+                <a:sym typeface="Consolas"/>
+              </a:rPr>
+              <a:t>NTUST GAMELab</a:t>
+            </a:r>
+            <a:endParaRPr sz="1100">
+              <a:solidFill>
+                <a:srgbClr val="A5A5A5"/>
+              </a:solidFill>
+              <a:latin typeface="Consolas"/>
+              <a:ea typeface="Consolas"/>
+              <a:cs typeface="Consolas"/>
+              <a:sym typeface="Consolas"/>
+            </a:endParaRPr>
+          </a:p>
+        </p:txBody>
+      </p:sp>
+      <p:sp>
+        <p:nvSpPr>
+          <p:cNvPr id="143" name="Google Shape;143;p26"/>
+          <p:cNvSpPr txBox="1">
+            <a:spLocks noGrp="1"/>
+          </p:cNvSpPr>
+          <p:nvPr>
+            <p:ph type="sldNum" idx="12"/>
+          </p:nvPr>
+        </p:nvSpPr>
+        <p:spPr>
+          <a:xfrm>
+            <a:off x="3543300" y="4904660"/>
+            <a:ext cx="2057400" cy="273900"/>
+          </a:xfrm>
+          <a:prstGeom prst="rect">
+            <a:avLst/>
+          </a:prstGeom>
+          <a:noFill/>
+          <a:ln>
+            <a:noFill/>
+          </a:ln>
+        </p:spPr>
+        <p:txBody>
+          <a:bodyPr spcFirstLastPara="1" wrap="square" lIns="68575" tIns="34275" rIns="68575" bIns="34275" anchor="ctr" anchorCtr="0">
+            <a:noAutofit/>
+          </a:bodyPr>
+          <a:lstStyle/>
+          <a:p>
+            <a:pPr marL="0" lvl="0" indent="0" algn="ctr" rtl="0">
+              <a:spcBef>
+                <a:spcPts val="0"/>
+              </a:spcBef>
+              <a:spcAft>
+                <a:spcPts val="0"/>
+              </a:spcAft>
+              <a:buNone/>
+            </a:pPr>
+            <a:fld id="{00000000-1234-1234-1234-123412341234}" type="slidenum">
+              <a:rPr lang="en-US" altLang="zh-TW" sz="1100"/>
+              <a:t>19</a:t>
+            </a:fld>
+            <a:endParaRPr sz="1100"/>
+          </a:p>
+        </p:txBody>
+      </p:sp>
+      <p:sp>
+        <p:nvSpPr>
+          <p:cNvPr id="144" name="Google Shape;144;p26"/>
+          <p:cNvSpPr txBox="1"/>
+          <p:nvPr/>
+        </p:nvSpPr>
+        <p:spPr>
+          <a:xfrm>
+            <a:off x="368600" y="246125"/>
+            <a:ext cx="7941920" cy="392385"/>
+          </a:xfrm>
+          <a:prstGeom prst="rect">
+            <a:avLst/>
+          </a:prstGeom>
+          <a:noFill/>
+          <a:ln>
+            <a:noFill/>
+          </a:ln>
+        </p:spPr>
+        <p:txBody>
+          <a:bodyPr spcFirstLastPara="1" wrap="square" lIns="68575" tIns="34275" rIns="68575" bIns="34275" anchor="t" anchorCtr="0">
+            <a:spAutoFit/>
+          </a:bodyPr>
+          <a:lstStyle/>
+          <a:p>
+            <a:pPr lvl="0"/>
+            <a:r>
+              <a:rPr lang="en-US" sz="2100" b="1" dirty="0">
+                <a:solidFill>
+                  <a:srgbClr val="08244A"/>
+                </a:solidFill>
+                <a:latin typeface="Microsoft JhengHei"/>
+                <a:ea typeface="Microsoft JhengHei"/>
+                <a:cs typeface="Microsoft JhengHei"/>
+                <a:sym typeface="Microsoft JhengHei"/>
+              </a:rPr>
+              <a:t>ImageNet Experiments</a:t>
+            </a:r>
+          </a:p>
+        </p:txBody>
+      </p:sp>
+      <p:sp>
+        <p:nvSpPr>
+          <p:cNvPr id="145" name="Google Shape;145;p26"/>
+          <p:cNvSpPr txBox="1"/>
+          <p:nvPr/>
+        </p:nvSpPr>
+        <p:spPr>
+          <a:xfrm>
+            <a:off x="471900" y="736201"/>
+            <a:ext cx="7422300" cy="369300"/>
+          </a:xfrm>
+          <a:prstGeom prst="rect">
+            <a:avLst/>
+          </a:prstGeom>
+          <a:noFill/>
+          <a:ln>
+            <a:noFill/>
+          </a:ln>
+        </p:spPr>
+        <p:txBody>
+          <a:bodyPr spcFirstLastPara="1" wrap="square" lIns="91425" tIns="91425" rIns="91425" bIns="91425" anchor="t" anchorCtr="0">
+            <a:spAutoFit/>
+          </a:bodyPr>
+          <a:lstStyle/>
+          <a:p>
+            <a:pPr marL="0" lvl="0" indent="0" algn="l" rtl="0">
+              <a:spcBef>
+                <a:spcPts val="0"/>
+              </a:spcBef>
+              <a:spcAft>
+                <a:spcPts val="0"/>
+              </a:spcAft>
+              <a:buNone/>
+            </a:pPr>
+            <a:endParaRPr sz="1200" b="1">
+              <a:solidFill>
+                <a:schemeClr val="dk1"/>
+              </a:solidFill>
+              <a:latin typeface="Microsoft JhengHei"/>
+              <a:ea typeface="Microsoft JhengHei"/>
+              <a:cs typeface="Microsoft JhengHei"/>
+              <a:sym typeface="Microsoft JhengHei"/>
+            </a:endParaRPr>
+          </a:p>
+        </p:txBody>
+      </p:sp>
+      <p:pic>
+        <p:nvPicPr>
+          <p:cNvPr id="17" name="圖片 16">
+            <a:extLst>
+              <a:ext uri="{FF2B5EF4-FFF2-40B4-BE49-F238E27FC236}">
+                <a16:creationId xmlns:a16="http://schemas.microsoft.com/office/drawing/2014/main" id="{C7A980EC-CDD5-F28F-7D09-3DF96E7685F3}"/>
+              </a:ext>
+            </a:extLst>
+          </p:cNvPr>
+          <p:cNvPicPr>
+            <a:picLocks noChangeAspect="1"/>
+          </p:cNvPicPr>
+          <p:nvPr/>
+        </p:nvPicPr>
+        <p:blipFill>
+          <a:blip r:embed="rId3"/>
+          <a:stretch>
+            <a:fillRect/>
+          </a:stretch>
+        </p:blipFill>
+        <p:spPr>
+          <a:xfrm>
+            <a:off x="368600" y="920851"/>
+            <a:ext cx="4688922" cy="2332355"/>
+          </a:xfrm>
+          <a:prstGeom prst="rect">
+            <a:avLst/>
+          </a:prstGeom>
+        </p:spPr>
+      </p:pic>
+    </p:spTree>
+    <p:extLst>
+      <p:ext uri="{BB962C8B-B14F-4D97-AF65-F5344CB8AC3E}">
+        <p14:creationId xmlns:p14="http://schemas.microsoft.com/office/powerpoint/2010/main" val="341648575"/>
+      </p:ext>
+    </p:extLst>
+  </p:cSld>
+  <p:clrMapOvr>
+    <a:masterClrMapping/>
+  </p:clrMapOvr>
+  <p:transition spd="slow">
+    <p:push/>
+  </p:transition>
+</p:sld>
+</file>
+
 <file path=ppt/slides/slide2.xml><?xml version="1.0" encoding="utf-8"?>
 <p:sld xmlns:a="http://schemas.openxmlformats.org/drawingml/2006/main" xmlns:r="http://schemas.openxmlformats.org/officeDocument/2006/relationships" xmlns:p="http://schemas.openxmlformats.org/presentationml/2006/main">
   <p:cSld>
@@ -18388,7 +25367,7 @@
         <p:spPr>
           <a:xfrm>
             <a:off x="471900" y="886850"/>
-            <a:ext cx="8252100" cy="2954625"/>
+            <a:ext cx="8252100" cy="3508623"/>
           </a:xfrm>
           <a:prstGeom prst="rect">
             <a:avLst/>
@@ -18474,15 +25453,11 @@
               <a:buAutoNum type="arabicPeriod"/>
             </a:pPr>
             <a:r>
-              <a:rPr lang="en-US" altLang="zh-TW" sz="2400" b="0" i="0" dirty="0">
-                <a:effectLst/>
+              <a:rPr lang="en-US" altLang="zh-TW" sz="2400" dirty="0">
                 <a:latin typeface="Arial" panose="020B0604020202020204" pitchFamily="34" charset="0"/>
               </a:rPr>
-              <a:t>Method</a:t>
+              <a:t>Approach</a:t>
             </a:r>
-            <a:endParaRPr lang="en-US" altLang="zh-TW" sz="2400" dirty="0">
-              <a:latin typeface="Arial" panose="020B0604020202020204" pitchFamily="34" charset="0"/>
-            </a:endParaRPr>
           </a:p>
           <a:p>
             <a:pPr marL="457200" lvl="0" indent="-317500" algn="l" rtl="0">
@@ -18507,7 +25482,7 @@
                 <a:effectLst/>
                 <a:latin typeface="Arial" panose="020B0604020202020204" pitchFamily="34" charset="0"/>
               </a:rPr>
-              <a:t>Experiments</a:t>
+              <a:t>ImageNet Experiments</a:t>
             </a:r>
           </a:p>
           <a:p>
@@ -18533,15 +25508,36 @@
                 <a:effectLst/>
                 <a:latin typeface="Arial" panose="020B0604020202020204" pitchFamily="34" charset="0"/>
               </a:rPr>
-              <a:t>Conclusion</a:t>
+              <a:t>Transfer Learning Experiments</a:t>
             </a:r>
-            <a:endParaRPr sz="2400" b="1" dirty="0">
-              <a:solidFill>
-                <a:srgbClr val="FF0000"/>
-              </a:solidFill>
-              <a:latin typeface="Microsoft JhengHei"/>
-              <a:ea typeface="Microsoft JhengHei"/>
-              <a:cs typeface="Microsoft JhengHei"/>
+          </a:p>
+          <a:p>
+            <a:pPr marL="457200" lvl="0" indent="-317500" algn="l" rtl="0">
+              <a:lnSpc>
+                <a:spcPct val="150000"/>
+              </a:lnSpc>
+              <a:spcBef>
+                <a:spcPts val="0"/>
+              </a:spcBef>
+              <a:spcAft>
+                <a:spcPts val="0"/>
+              </a:spcAft>
+              <a:buClr>
+                <a:schemeClr val="dk1"/>
+              </a:buClr>
+              <a:buSzPts val="1400"/>
+              <a:buFont typeface="Microsoft JhengHei"/>
+              <a:buAutoNum type="arabicPeriod"/>
+            </a:pPr>
+            <a:r>
+              <a:rPr lang="en-US" sz="2400" dirty="0">
+                <a:latin typeface="Arial" panose="020B0604020202020204" pitchFamily="34" charset="0"/>
+                <a:sym typeface="Microsoft JhengHei"/>
+              </a:rPr>
+              <a:t>Discussion and Conclusion</a:t>
+            </a:r>
+            <a:endParaRPr sz="2400" dirty="0">
+              <a:latin typeface="Arial" panose="020B0604020202020204" pitchFamily="34" charset="0"/>
               <a:sym typeface="Microsoft JhengHei"/>
             </a:endParaRPr>
           </a:p>
@@ -18555,6 +25551,341 @@
   <p:transition spd="slow">
     <p:push/>
   </p:transition>
+</p:sld>
+</file>
+
+<file path=ppt/slides/slide20.xml><?xml version="1.0" encoding="utf-8"?>
+<p:sld xmlns:a="http://schemas.openxmlformats.org/drawingml/2006/main" xmlns:r="http://schemas.openxmlformats.org/officeDocument/2006/relationships" xmlns:p="http://schemas.openxmlformats.org/presentationml/2006/main">
+  <p:cSld>
+    <p:spTree>
+      <p:nvGrpSpPr>
+        <p:cNvPr id="1" name="Shape 674"/>
+        <p:cNvGrpSpPr/>
+        <p:nvPr/>
+      </p:nvGrpSpPr>
+      <p:grpSpPr>
+        <a:xfrm>
+          <a:off x="0" y="0"/>
+          <a:ext cx="0" cy="0"/>
+          <a:chOff x="0" y="0"/>
+          <a:chExt cx="0" cy="0"/>
+        </a:xfrm>
+      </p:grpSpPr>
+      <p:sp>
+        <p:nvSpPr>
+          <p:cNvPr id="675" name="Google Shape;675;p61"/>
+          <p:cNvSpPr txBox="1"/>
+          <p:nvPr/>
+        </p:nvSpPr>
+        <p:spPr>
+          <a:xfrm>
+            <a:off x="4312990" y="4919588"/>
+            <a:ext cx="518100" cy="238500"/>
+          </a:xfrm>
+          <a:prstGeom prst="rect">
+            <a:avLst/>
+          </a:prstGeom>
+          <a:solidFill>
+            <a:srgbClr val="08244A"/>
+          </a:solidFill>
+          <a:ln>
+            <a:noFill/>
+          </a:ln>
+        </p:spPr>
+        <p:txBody>
+          <a:bodyPr spcFirstLastPara="1" wrap="square" lIns="68575" tIns="34275" rIns="68575" bIns="34275" anchor="t" anchorCtr="0">
+            <a:spAutoFit/>
+          </a:bodyPr>
+          <a:lstStyle/>
+          <a:p>
+            <a:pPr marL="0" marR="0" lvl="0" indent="0" algn="ctr" rtl="0">
+              <a:spcBef>
+                <a:spcPts val="0"/>
+              </a:spcBef>
+              <a:spcAft>
+                <a:spcPts val="0"/>
+              </a:spcAft>
+              <a:buNone/>
+            </a:pPr>
+            <a:endParaRPr sz="1100">
+              <a:solidFill>
+                <a:schemeClr val="lt1"/>
+              </a:solidFill>
+              <a:latin typeface="Arial"/>
+              <a:ea typeface="Arial"/>
+              <a:cs typeface="Arial"/>
+              <a:sym typeface="Arial"/>
+            </a:endParaRPr>
+          </a:p>
+        </p:txBody>
+      </p:sp>
+      <p:sp>
+        <p:nvSpPr>
+          <p:cNvPr id="676" name="Google Shape;676;p61"/>
+          <p:cNvSpPr txBox="1"/>
+          <p:nvPr/>
+        </p:nvSpPr>
+        <p:spPr>
+          <a:xfrm>
+            <a:off x="446017" y="295050"/>
+            <a:ext cx="8048100" cy="838800"/>
+          </a:xfrm>
+          <a:prstGeom prst="rect">
+            <a:avLst/>
+          </a:prstGeom>
+          <a:noFill/>
+          <a:ln>
+            <a:noFill/>
+          </a:ln>
+        </p:spPr>
+        <p:txBody>
+          <a:bodyPr spcFirstLastPara="1" wrap="square" lIns="68575" tIns="34275" rIns="68575" bIns="34275" anchor="t" anchorCtr="0">
+            <a:spAutoFit/>
+          </a:bodyPr>
+          <a:lstStyle/>
+          <a:p>
+            <a:pPr marL="0" marR="0" lvl="0" indent="0" algn="l" rtl="0">
+              <a:spcBef>
+                <a:spcPts val="0"/>
+              </a:spcBef>
+              <a:spcAft>
+                <a:spcPts val="0"/>
+              </a:spcAft>
+              <a:buNone/>
+            </a:pPr>
+            <a:r>
+              <a:rPr lang="zh-TW" sz="5000" b="1">
+                <a:solidFill>
+                  <a:srgbClr val="08244A"/>
+                </a:solidFill>
+                <a:latin typeface="Microsoft JhengHei"/>
+                <a:ea typeface="Microsoft JhengHei"/>
+                <a:cs typeface="Microsoft JhengHei"/>
+                <a:sym typeface="Microsoft JhengHei"/>
+              </a:rPr>
+              <a:t>報告完畢 </a:t>
+            </a:r>
+            <a:r>
+              <a:rPr lang="zh-TW" sz="2700" b="1">
+                <a:solidFill>
+                  <a:srgbClr val="08244A"/>
+                </a:solidFill>
+                <a:latin typeface="Microsoft JhengHei"/>
+                <a:ea typeface="Microsoft JhengHei"/>
+                <a:cs typeface="Microsoft JhengHei"/>
+                <a:sym typeface="Microsoft JhengHei"/>
+              </a:rPr>
+              <a:t>THE END</a:t>
+            </a:r>
+            <a:endParaRPr sz="2700" b="1">
+              <a:solidFill>
+                <a:srgbClr val="08244A"/>
+              </a:solidFill>
+              <a:latin typeface="Microsoft JhengHei"/>
+              <a:ea typeface="Microsoft JhengHei"/>
+              <a:cs typeface="Microsoft JhengHei"/>
+              <a:sym typeface="Microsoft JhengHei"/>
+            </a:endParaRPr>
+          </a:p>
+        </p:txBody>
+      </p:sp>
+      <p:cxnSp>
+        <p:nvCxnSpPr>
+          <p:cNvPr id="677" name="Google Shape;677;p61"/>
+          <p:cNvCxnSpPr/>
+          <p:nvPr/>
+        </p:nvCxnSpPr>
+        <p:spPr>
+          <a:xfrm>
+            <a:off x="539036" y="1182847"/>
+            <a:ext cx="4586400" cy="0"/>
+          </a:xfrm>
+          <a:prstGeom prst="straightConnector1">
+            <a:avLst/>
+          </a:prstGeom>
+          <a:noFill/>
+          <a:ln w="38100" cap="flat" cmpd="sng">
+            <a:solidFill>
+              <a:srgbClr val="08244A"/>
+            </a:solidFill>
+            <a:prstDash val="solid"/>
+            <a:miter lim="800000"/>
+            <a:headEnd type="none" w="sm" len="sm"/>
+            <a:tailEnd type="none" w="sm" len="sm"/>
+          </a:ln>
+        </p:spPr>
+      </p:cxnSp>
+      <p:sp>
+        <p:nvSpPr>
+          <p:cNvPr id="678" name="Google Shape;678;p61"/>
+          <p:cNvSpPr txBox="1">
+            <a:spLocks noGrp="1"/>
+          </p:cNvSpPr>
+          <p:nvPr>
+            <p:ph type="sldNum" idx="12"/>
+          </p:nvPr>
+        </p:nvSpPr>
+        <p:spPr>
+          <a:xfrm>
+            <a:off x="3543300" y="4904660"/>
+            <a:ext cx="2057400" cy="273900"/>
+          </a:xfrm>
+          <a:prstGeom prst="rect">
+            <a:avLst/>
+          </a:prstGeom>
+          <a:noFill/>
+          <a:ln>
+            <a:noFill/>
+          </a:ln>
+        </p:spPr>
+        <p:txBody>
+          <a:bodyPr spcFirstLastPara="1" wrap="square" lIns="68575" tIns="34275" rIns="68575" bIns="34275" anchor="ctr" anchorCtr="0">
+            <a:noAutofit/>
+          </a:bodyPr>
+          <a:lstStyle/>
+          <a:p>
+            <a:pPr marL="0" lvl="0" indent="0" algn="ctr" rtl="0">
+              <a:spcBef>
+                <a:spcPts val="0"/>
+              </a:spcBef>
+              <a:spcAft>
+                <a:spcPts val="0"/>
+              </a:spcAft>
+              <a:buClr>
+                <a:srgbClr val="000000"/>
+              </a:buClr>
+              <a:buFont typeface="Arial"/>
+              <a:buNone/>
+            </a:pPr>
+            <a:fld id="{00000000-1234-1234-1234-123412341234}" type="slidenum">
+              <a:rPr lang="en-US" altLang="zh-TW"/>
+              <a:t>20</a:t>
+            </a:fld>
+            <a:endParaRPr/>
+          </a:p>
+        </p:txBody>
+      </p:sp>
+      <p:sp>
+        <p:nvSpPr>
+          <p:cNvPr id="679" name="Google Shape;679;p61"/>
+          <p:cNvSpPr txBox="1"/>
+          <p:nvPr/>
+        </p:nvSpPr>
+        <p:spPr>
+          <a:xfrm>
+            <a:off x="1527902" y="2437175"/>
+            <a:ext cx="6088200" cy="838800"/>
+          </a:xfrm>
+          <a:prstGeom prst="rect">
+            <a:avLst/>
+          </a:prstGeom>
+          <a:noFill/>
+          <a:ln>
+            <a:noFill/>
+          </a:ln>
+        </p:spPr>
+        <p:txBody>
+          <a:bodyPr spcFirstLastPara="1" wrap="square" lIns="68575" tIns="34275" rIns="68575" bIns="34275" anchor="t" anchorCtr="0">
+            <a:spAutoFit/>
+          </a:bodyPr>
+          <a:lstStyle/>
+          <a:p>
+            <a:pPr marL="0" marR="0" lvl="0" indent="0" algn="ctr" rtl="0">
+              <a:spcBef>
+                <a:spcPts val="0"/>
+              </a:spcBef>
+              <a:spcAft>
+                <a:spcPts val="0"/>
+              </a:spcAft>
+              <a:buNone/>
+            </a:pPr>
+            <a:r>
+              <a:rPr lang="zh-TW" sz="5000" b="1">
+                <a:solidFill>
+                  <a:srgbClr val="08244A"/>
+                </a:solidFill>
+                <a:latin typeface="Microsoft JhengHei"/>
+                <a:ea typeface="Microsoft JhengHei"/>
+                <a:cs typeface="Microsoft JhengHei"/>
+                <a:sym typeface="Microsoft JhengHei"/>
+              </a:rPr>
+              <a:t>謝謝 Thank You</a:t>
+            </a:r>
+            <a:endParaRPr sz="2700" b="1">
+              <a:solidFill>
+                <a:srgbClr val="08244A"/>
+              </a:solidFill>
+              <a:latin typeface="Microsoft JhengHei"/>
+              <a:ea typeface="Microsoft JhengHei"/>
+              <a:cs typeface="Microsoft JhengHei"/>
+              <a:sym typeface="Microsoft JhengHei"/>
+            </a:endParaRPr>
+          </a:p>
+        </p:txBody>
+      </p:sp>
+      <p:sp>
+        <p:nvSpPr>
+          <p:cNvPr id="680" name="Google Shape;680;p61"/>
+          <p:cNvSpPr txBox="1"/>
+          <p:nvPr/>
+        </p:nvSpPr>
+        <p:spPr>
+          <a:xfrm>
+            <a:off x="7422919" y="4868275"/>
+            <a:ext cx="1660500" cy="238500"/>
+          </a:xfrm>
+          <a:prstGeom prst="rect">
+            <a:avLst/>
+          </a:prstGeom>
+          <a:noFill/>
+          <a:ln>
+            <a:noFill/>
+          </a:ln>
+        </p:spPr>
+        <p:txBody>
+          <a:bodyPr spcFirstLastPara="1" wrap="square" lIns="68575" tIns="34275" rIns="68575" bIns="34275" anchor="t" anchorCtr="0">
+            <a:spAutoFit/>
+          </a:bodyPr>
+          <a:lstStyle/>
+          <a:p>
+            <a:pPr marL="0" marR="0" lvl="0" indent="0" algn="r" rtl="0">
+              <a:spcBef>
+                <a:spcPts val="0"/>
+              </a:spcBef>
+              <a:spcAft>
+                <a:spcPts val="0"/>
+              </a:spcAft>
+              <a:buNone/>
+            </a:pPr>
+            <a:r>
+              <a:rPr lang="zh-TW" sz="1100">
+                <a:solidFill>
+                  <a:srgbClr val="A5A5A5"/>
+                </a:solidFill>
+                <a:latin typeface="Consolas"/>
+                <a:ea typeface="Consolas"/>
+                <a:cs typeface="Consolas"/>
+                <a:sym typeface="Consolas"/>
+              </a:rPr>
+              <a:t>NTUST GAMELab</a:t>
+            </a:r>
+            <a:endParaRPr sz="1100">
+              <a:solidFill>
+                <a:srgbClr val="A5A5A5"/>
+              </a:solidFill>
+              <a:latin typeface="Consolas"/>
+              <a:ea typeface="Consolas"/>
+              <a:cs typeface="Consolas"/>
+              <a:sym typeface="Consolas"/>
+            </a:endParaRPr>
+          </a:p>
+        </p:txBody>
+      </p:sp>
+    </p:spTree>
+  </p:cSld>
+  <p:clrMapOvr>
+    <a:masterClrMapping/>
+  </p:clrMapOvr>
 </p:sld>
 </file>
 
@@ -21075,7 +28406,7 @@
         <p:spPr>
           <a:xfrm>
             <a:off x="471900" y="886850"/>
-            <a:ext cx="8252100" cy="1154132"/>
+            <a:ext cx="8252100" cy="507801"/>
           </a:xfrm>
           <a:prstGeom prst="rect">
             <a:avLst/>
@@ -21103,29 +28434,63 @@
               <a:buAutoNum type="arabicPeriod"/>
             </a:pPr>
             <a:r>
-              <a:rPr lang="en-US" altLang="zh-TW" dirty="0"/>
-              <a:t>BERT and GPT are highly successful methods for pre-training in NLP. </a:t>
+              <a:rPr lang="en-US" altLang="zh-TW" b="0" i="0" dirty="0">
+                <a:effectLst/>
+                <a:latin typeface="Arial" panose="020B0604020202020204" pitchFamily="34" charset="0"/>
+              </a:rPr>
+              <a:t>Denoising autoencoders</a:t>
             </a:r>
-          </a:p>
-          <a:p>
-            <a:pPr marL="457200" lvl="0" indent="-317500">
-              <a:lnSpc>
-                <a:spcPct val="150000"/>
-              </a:lnSpc>
-              <a:buClr>
-                <a:schemeClr val="dk1"/>
-              </a:buClr>
-              <a:buSzPts val="1400"/>
-              <a:buFont typeface="Microsoft JhengHei"/>
-              <a:buAutoNum type="arabicPeriod"/>
-            </a:pPr>
-            <a:r>
-              <a:rPr lang="en-US" altLang="zh-TW" dirty="0"/>
-              <a:t>These methods hold out a portion of the input sequence and train models to predict the missing content. </a:t>
-            </a:r>
+            <a:endParaRPr lang="en-US" altLang="zh-TW" dirty="0"/>
           </a:p>
         </p:txBody>
       </p:sp>
+      <p:pic>
+        <p:nvPicPr>
+          <p:cNvPr id="1026" name="Picture 2">
+            <a:extLst>
+              <a:ext uri="{FF2B5EF4-FFF2-40B4-BE49-F238E27FC236}">
+                <a16:creationId xmlns:a16="http://schemas.microsoft.com/office/drawing/2014/main" id="{1234360E-760C-A9F2-A562-BA2E5AAD76B5}"/>
+              </a:ext>
+            </a:extLst>
+          </p:cNvPr>
+          <p:cNvPicPr>
+            <a:picLocks noChangeAspect="1" noChangeArrowheads="1"/>
+          </p:cNvPicPr>
+          <p:nvPr/>
+        </p:nvPicPr>
+        <p:blipFill>
+          <a:blip r:embed="rId3">
+            <a:extLst>
+              <a:ext uri="{28A0092B-C50C-407E-A947-70E740481C1C}">
+                <a14:useLocalDpi xmlns:a14="http://schemas.microsoft.com/office/drawing/2010/main" val="0"/>
+              </a:ext>
+            </a:extLst>
+          </a:blip>
+          <a:srcRect/>
+          <a:stretch>
+            <a:fillRect/>
+          </a:stretch>
+        </p:blipFill>
+        <p:spPr bwMode="auto">
+          <a:xfrm>
+            <a:off x="3507305" y="973195"/>
+            <a:ext cx="5324559" cy="2563368"/>
+          </a:xfrm>
+          <a:prstGeom prst="rect">
+            <a:avLst/>
+          </a:prstGeom>
+          <a:noFill/>
+          <a:extLst>
+            <a:ext uri="{909E8E84-426E-40DD-AFC4-6F175D3DCCD1}">
+              <a14:hiddenFill xmlns:a14="http://schemas.microsoft.com/office/drawing/2010/main">
+                <a:solidFill>
+                  <a:srgbClr val="FFFFFF"/>
+                </a:solidFill>
+              </a14:hiddenFill>
+            </a:ext>
+          </a:extLst>
+        </p:spPr>
+      </p:pic>
     </p:spTree>
     <p:extLst>
       <p:ext uri="{BB962C8B-B14F-4D97-AF65-F5344CB8AC3E}">
@@ -21147,7 +28512,7 @@
   <p:cSld>
     <p:spTree>
       <p:nvGrpSpPr>
-        <p:cNvPr id="1" name="Shape 674"/>
+        <p:cNvPr id="1" name="Shape 139"/>
         <p:cNvGrpSpPr/>
         <p:nvPr/>
       </p:nvGrpSpPr>
@@ -21159,134 +28524,16 @@
           <a:chExt cx="0" cy="0"/>
         </a:xfrm>
       </p:grpSpPr>
-      <p:sp>
-        <p:nvSpPr>
-          <p:cNvPr id="675" name="Google Shape;675;p61"/>
-          <p:cNvSpPr txBox="1"/>
-          <p:nvPr/>
-        </p:nvSpPr>
-        <p:spPr>
-          <a:xfrm>
-            <a:off x="4312990" y="4919588"/>
-            <a:ext cx="518100" cy="238500"/>
-          </a:xfrm>
-          <a:prstGeom prst="rect">
-            <a:avLst/>
-          </a:prstGeom>
-          <a:solidFill>
-            <a:srgbClr val="08244A"/>
-          </a:solidFill>
-          <a:ln>
-            <a:noFill/>
-          </a:ln>
-        </p:spPr>
-        <p:txBody>
-          <a:bodyPr spcFirstLastPara="1" wrap="square" lIns="68575" tIns="34275" rIns="68575" bIns="34275" anchor="t" anchorCtr="0">
-            <a:spAutoFit/>
-          </a:bodyPr>
-          <a:lstStyle/>
-          <a:p>
-            <a:pPr marL="0" marR="0" lvl="0" indent="0" algn="ctr" rtl="0">
-              <a:spcBef>
-                <a:spcPts val="0"/>
-              </a:spcBef>
-              <a:spcAft>
-                <a:spcPts val="0"/>
-              </a:spcAft>
-              <a:buNone/>
-            </a:pPr>
-            <a:endParaRPr sz="1100">
-              <a:solidFill>
-                <a:schemeClr val="lt1"/>
-              </a:solidFill>
-              <a:latin typeface="Arial"/>
-              <a:ea typeface="Arial"/>
-              <a:cs typeface="Arial"/>
-              <a:sym typeface="Arial"/>
-            </a:endParaRPr>
-          </a:p>
-        </p:txBody>
-      </p:sp>
-      <p:sp>
-        <p:nvSpPr>
-          <p:cNvPr id="676" name="Google Shape;676;p61"/>
-          <p:cNvSpPr txBox="1"/>
-          <p:nvPr/>
-        </p:nvSpPr>
-        <p:spPr>
-          <a:xfrm>
-            <a:off x="446017" y="295050"/>
-            <a:ext cx="8048100" cy="838800"/>
-          </a:xfrm>
-          <a:prstGeom prst="rect">
-            <a:avLst/>
-          </a:prstGeom>
-          <a:noFill/>
-          <a:ln>
-            <a:noFill/>
-          </a:ln>
-        </p:spPr>
-        <p:txBody>
-          <a:bodyPr spcFirstLastPara="1" wrap="square" lIns="68575" tIns="34275" rIns="68575" bIns="34275" anchor="t" anchorCtr="0">
-            <a:spAutoFit/>
-          </a:bodyPr>
-          <a:lstStyle/>
-          <a:p>
-            <a:pPr marL="0" marR="0" lvl="0" indent="0" algn="l" rtl="0">
-              <a:spcBef>
-                <a:spcPts val="0"/>
-              </a:spcBef>
-              <a:spcAft>
-                <a:spcPts val="0"/>
-              </a:spcAft>
-              <a:buNone/>
-            </a:pPr>
-            <a:r>
-              <a:rPr lang="zh-TW" sz="5000" b="1">
-                <a:solidFill>
-                  <a:srgbClr val="08244A"/>
-                </a:solidFill>
-                <a:latin typeface="Microsoft JhengHei"/>
-                <a:ea typeface="Microsoft JhengHei"/>
-                <a:cs typeface="Microsoft JhengHei"/>
-                <a:sym typeface="Microsoft JhengHei"/>
-              </a:rPr>
-              <a:t>報告完畢 </a:t>
-            </a:r>
-            <a:r>
-              <a:rPr lang="zh-TW" sz="2700" b="1">
-                <a:solidFill>
-                  <a:srgbClr val="08244A"/>
-                </a:solidFill>
-                <a:latin typeface="Microsoft JhengHei"/>
-                <a:ea typeface="Microsoft JhengHei"/>
-                <a:cs typeface="Microsoft JhengHei"/>
-                <a:sym typeface="Microsoft JhengHei"/>
-              </a:rPr>
-              <a:t>THE END</a:t>
-            </a:r>
-            <a:endParaRPr sz="2700" b="1">
-              <a:solidFill>
-                <a:srgbClr val="08244A"/>
-              </a:solidFill>
-              <a:latin typeface="Microsoft JhengHei"/>
-              <a:ea typeface="Microsoft JhengHei"/>
-              <a:cs typeface="Microsoft JhengHei"/>
-              <a:sym typeface="Microsoft JhengHei"/>
-            </a:endParaRPr>
-          </a:p>
-        </p:txBody>
-      </p:sp>
       <p:cxnSp>
         <p:nvCxnSpPr>
-          <p:cNvPr id="677" name="Google Shape;677;p61"/>
+          <p:cNvPr id="140" name="Google Shape;140;p26"/>
           <p:cNvCxnSpPr/>
           <p:nvPr/>
         </p:nvCxnSpPr>
         <p:spPr>
-          <a:xfrm>
-            <a:off x="539036" y="1182847"/>
-            <a:ext cx="4586400" cy="0"/>
+          <a:xfrm rot="10800000">
+            <a:off x="471906" y="672952"/>
+            <a:ext cx="8200200" cy="0"/>
           </a:xfrm>
           <a:prstGeom prst="straightConnector1">
             <a:avLst/>
@@ -21305,69 +28552,21 @@
       </p:cxnSp>
       <p:sp>
         <p:nvSpPr>
-          <p:cNvPr id="678" name="Google Shape;678;p61"/>
-          <p:cNvSpPr txBox="1">
-            <a:spLocks noGrp="1"/>
-          </p:cNvSpPr>
-          <p:nvPr>
-            <p:ph type="sldNum" idx="12"/>
-          </p:nvPr>
-        </p:nvSpPr>
-        <p:spPr>
-          <a:xfrm>
-            <a:off x="3543300" y="4904660"/>
-            <a:ext cx="2057400" cy="273900"/>
-          </a:xfrm>
-          <a:prstGeom prst="rect">
-            <a:avLst/>
-          </a:prstGeom>
-          <a:noFill/>
-          <a:ln>
-            <a:noFill/>
-          </a:ln>
-        </p:spPr>
-        <p:txBody>
-          <a:bodyPr spcFirstLastPara="1" wrap="square" lIns="68575" tIns="34275" rIns="68575" bIns="34275" anchor="ctr" anchorCtr="0">
-            <a:noAutofit/>
-          </a:bodyPr>
-          <a:lstStyle/>
-          <a:p>
-            <a:pPr marL="0" lvl="0" indent="0" algn="ctr" rtl="0">
-              <a:spcBef>
-                <a:spcPts val="0"/>
-              </a:spcBef>
-              <a:spcAft>
-                <a:spcPts val="0"/>
-              </a:spcAft>
-              <a:buClr>
-                <a:srgbClr val="000000"/>
-              </a:buClr>
-              <a:buFont typeface="Arial"/>
-              <a:buNone/>
-            </a:pPr>
-            <a:fld id="{00000000-1234-1234-1234-123412341234}" type="slidenum">
-              <a:rPr lang="en-US" altLang="zh-TW"/>
-              <a:t>9</a:t>
-            </a:fld>
-            <a:endParaRPr/>
-          </a:p>
-        </p:txBody>
-      </p:sp>
-      <p:sp>
-        <p:nvSpPr>
-          <p:cNvPr id="679" name="Google Shape;679;p61"/>
+          <p:cNvPr id="141" name="Google Shape;141;p26"/>
           <p:cNvSpPr txBox="1"/>
           <p:nvPr/>
         </p:nvSpPr>
         <p:spPr>
           <a:xfrm>
-            <a:off x="1527902" y="2437175"/>
-            <a:ext cx="6088200" cy="838800"/>
+            <a:off x="4312990" y="4919588"/>
+            <a:ext cx="518100" cy="238500"/>
           </a:xfrm>
           <a:prstGeom prst="rect">
             <a:avLst/>
           </a:prstGeom>
-          <a:noFill/>
+          <a:solidFill>
+            <a:srgbClr val="08244A"/>
+          </a:solidFill>
           <a:ln>
             <a:noFill/>
           </a:ln>
@@ -21387,33 +28586,21 @@
               </a:spcAft>
               <a:buNone/>
             </a:pPr>
-            <a:r>
-              <a:rPr lang="zh-TW" sz="5000" b="1">
-                <a:solidFill>
-                  <a:srgbClr val="08244A"/>
-                </a:solidFill>
-                <a:latin typeface="Microsoft JhengHei"/>
-                <a:ea typeface="Microsoft JhengHei"/>
-                <a:cs typeface="Microsoft JhengHei"/>
-                <a:sym typeface="Microsoft JhengHei"/>
-              </a:rPr>
-              <a:t>謝謝 Thank You</a:t>
-            </a:r>
-            <a:endParaRPr sz="2700" b="1">
+            <a:endParaRPr sz="1100">
               <a:solidFill>
-                <a:srgbClr val="08244A"/>
+                <a:schemeClr val="lt1"/>
               </a:solidFill>
-              <a:latin typeface="Microsoft JhengHei"/>
-              <a:ea typeface="Microsoft JhengHei"/>
-              <a:cs typeface="Microsoft JhengHei"/>
-              <a:sym typeface="Microsoft JhengHei"/>
+              <a:latin typeface="Arial"/>
+              <a:ea typeface="Arial"/>
+              <a:cs typeface="Arial"/>
+              <a:sym typeface="Arial"/>
             </a:endParaRPr>
           </a:p>
         </p:txBody>
       </p:sp>
       <p:sp>
         <p:nvSpPr>
-          <p:cNvPr id="680" name="Google Shape;680;p61"/>
+          <p:cNvPr id="142" name="Google Shape;142;p26"/>
           <p:cNvSpPr txBox="1"/>
           <p:nvPr/>
         </p:nvSpPr>
@@ -21469,11 +28656,340 @@
           </a:p>
         </p:txBody>
       </p:sp>
+      <p:sp>
+        <p:nvSpPr>
+          <p:cNvPr id="143" name="Google Shape;143;p26"/>
+          <p:cNvSpPr txBox="1">
+            <a:spLocks noGrp="1"/>
+          </p:cNvSpPr>
+          <p:nvPr>
+            <p:ph type="sldNum" idx="12"/>
+          </p:nvPr>
+        </p:nvSpPr>
+        <p:spPr>
+          <a:xfrm>
+            <a:off x="3543300" y="4904660"/>
+            <a:ext cx="2057400" cy="273900"/>
+          </a:xfrm>
+          <a:prstGeom prst="rect">
+            <a:avLst/>
+          </a:prstGeom>
+          <a:noFill/>
+          <a:ln>
+            <a:noFill/>
+          </a:ln>
+        </p:spPr>
+        <p:txBody>
+          <a:bodyPr spcFirstLastPara="1" wrap="square" lIns="68575" tIns="34275" rIns="68575" bIns="34275" anchor="ctr" anchorCtr="0">
+            <a:noAutofit/>
+          </a:bodyPr>
+          <a:lstStyle/>
+          <a:p>
+            <a:pPr marL="0" lvl="0" indent="0" algn="ctr" rtl="0">
+              <a:spcBef>
+                <a:spcPts val="0"/>
+              </a:spcBef>
+              <a:spcAft>
+                <a:spcPts val="0"/>
+              </a:spcAft>
+              <a:buNone/>
+            </a:pPr>
+            <a:fld id="{00000000-1234-1234-1234-123412341234}" type="slidenum">
+              <a:rPr lang="en-US" altLang="zh-TW" sz="1100"/>
+              <a:t>9</a:t>
+            </a:fld>
+            <a:endParaRPr sz="1100"/>
+          </a:p>
+        </p:txBody>
+      </p:sp>
+      <p:sp>
+        <p:nvSpPr>
+          <p:cNvPr id="144" name="Google Shape;144;p26"/>
+          <p:cNvSpPr txBox="1"/>
+          <p:nvPr/>
+        </p:nvSpPr>
+        <p:spPr>
+          <a:xfrm>
+            <a:off x="368600" y="246125"/>
+            <a:ext cx="7941920" cy="392385"/>
+          </a:xfrm>
+          <a:prstGeom prst="rect">
+            <a:avLst/>
+          </a:prstGeom>
+          <a:noFill/>
+          <a:ln>
+            <a:noFill/>
+          </a:ln>
+        </p:spPr>
+        <p:txBody>
+          <a:bodyPr spcFirstLastPara="1" wrap="square" lIns="68575" tIns="34275" rIns="68575" bIns="34275" anchor="t" anchorCtr="0">
+            <a:spAutoFit/>
+          </a:bodyPr>
+          <a:lstStyle/>
+          <a:p>
+            <a:pPr lvl="0"/>
+            <a:r>
+              <a:rPr lang="en-US" sz="2100" b="1" dirty="0">
+                <a:solidFill>
+                  <a:srgbClr val="08244A"/>
+                </a:solidFill>
+                <a:latin typeface="Microsoft JhengHei"/>
+                <a:ea typeface="Microsoft JhengHei"/>
+                <a:cs typeface="Microsoft JhengHei"/>
+                <a:sym typeface="Microsoft JhengHei"/>
+              </a:rPr>
+              <a:t>Related Work - Masked  image  encoding</a:t>
+            </a:r>
+            <a:endParaRPr sz="2100" b="1" dirty="0">
+              <a:solidFill>
+                <a:srgbClr val="08244A"/>
+              </a:solidFill>
+              <a:latin typeface="Microsoft JhengHei"/>
+              <a:ea typeface="Microsoft JhengHei"/>
+              <a:cs typeface="Microsoft JhengHei"/>
+              <a:sym typeface="Microsoft JhengHei"/>
+            </a:endParaRPr>
+          </a:p>
+        </p:txBody>
+      </p:sp>
+      <p:sp>
+        <p:nvSpPr>
+          <p:cNvPr id="145" name="Google Shape;145;p26"/>
+          <p:cNvSpPr txBox="1"/>
+          <p:nvPr/>
+        </p:nvSpPr>
+        <p:spPr>
+          <a:xfrm>
+            <a:off x="471900" y="736201"/>
+            <a:ext cx="7422300" cy="369300"/>
+          </a:xfrm>
+          <a:prstGeom prst="rect">
+            <a:avLst/>
+          </a:prstGeom>
+          <a:noFill/>
+          <a:ln>
+            <a:noFill/>
+          </a:ln>
+        </p:spPr>
+        <p:txBody>
+          <a:bodyPr spcFirstLastPara="1" wrap="square" lIns="91425" tIns="91425" rIns="91425" bIns="91425" anchor="t" anchorCtr="0">
+            <a:spAutoFit/>
+          </a:bodyPr>
+          <a:lstStyle/>
+          <a:p>
+            <a:pPr marL="0" lvl="0" indent="0" algn="l" rtl="0">
+              <a:spcBef>
+                <a:spcPts val="0"/>
+              </a:spcBef>
+              <a:spcAft>
+                <a:spcPts val="0"/>
+              </a:spcAft>
+              <a:buNone/>
+            </a:pPr>
+            <a:endParaRPr sz="1200" b="1">
+              <a:solidFill>
+                <a:schemeClr val="dk1"/>
+              </a:solidFill>
+              <a:latin typeface="Microsoft JhengHei"/>
+              <a:ea typeface="Microsoft JhengHei"/>
+              <a:cs typeface="Microsoft JhengHei"/>
+              <a:sym typeface="Microsoft JhengHei"/>
+            </a:endParaRPr>
+          </a:p>
+        </p:txBody>
+      </p:sp>
+      <p:sp>
+        <p:nvSpPr>
+          <p:cNvPr id="146" name="Google Shape;146;p26"/>
+          <p:cNvSpPr txBox="1"/>
+          <p:nvPr/>
+        </p:nvSpPr>
+        <p:spPr>
+          <a:xfrm>
+            <a:off x="471900" y="886850"/>
+            <a:ext cx="8252100" cy="1154132"/>
+          </a:xfrm>
+          <a:prstGeom prst="rect">
+            <a:avLst/>
+          </a:prstGeom>
+          <a:noFill/>
+          <a:ln>
+            <a:noFill/>
+          </a:ln>
+        </p:spPr>
+        <p:txBody>
+          <a:bodyPr spcFirstLastPara="1" wrap="square" lIns="91425" tIns="91425" rIns="91425" bIns="91425" anchor="t" anchorCtr="0">
+            <a:spAutoFit/>
+          </a:bodyPr>
+          <a:lstStyle/>
+          <a:p>
+            <a:pPr marL="457200" lvl="0" indent="-317500">
+              <a:lnSpc>
+                <a:spcPct val="150000"/>
+              </a:lnSpc>
+              <a:buClr>
+                <a:schemeClr val="dk1"/>
+              </a:buClr>
+              <a:buSzPts val="1400"/>
+              <a:buFont typeface="Microsoft JhengHei"/>
+              <a:buAutoNum type="arabicPeriod"/>
+            </a:pPr>
+            <a:r>
+              <a:rPr lang="en-US" altLang="zh-TW" b="0" i="0" dirty="0" err="1">
+                <a:effectLst/>
+                <a:latin typeface="Arial" panose="020B0604020202020204" pitchFamily="34" charset="0"/>
+              </a:rPr>
+              <a:t>iGPT</a:t>
+            </a:r>
+            <a:r>
+              <a:rPr lang="zh-TW" altLang="en-US" b="0" i="0" dirty="0">
+                <a:effectLst/>
+                <a:latin typeface="Arial" panose="020B0604020202020204" pitchFamily="34" charset="0"/>
+              </a:rPr>
+              <a:t> </a:t>
+            </a:r>
+            <a:r>
+              <a:rPr lang="en-US" altLang="zh-TW" b="0" i="0" dirty="0">
+                <a:effectLst/>
+                <a:latin typeface="Arial" panose="020B0604020202020204" pitchFamily="34" charset="0"/>
+              </a:rPr>
+              <a:t>–</a:t>
+            </a:r>
+            <a:r>
+              <a:rPr lang="zh-TW" altLang="en-US" b="0" i="0" dirty="0">
+                <a:effectLst/>
+                <a:latin typeface="Arial" panose="020B0604020202020204" pitchFamily="34" charset="0"/>
+              </a:rPr>
+              <a:t> </a:t>
+            </a:r>
+            <a:r>
+              <a:rPr lang="en-US" altLang="zh-TW" b="0" i="0" dirty="0">
+                <a:effectLst/>
+                <a:latin typeface="Arial" panose="020B0604020202020204" pitchFamily="34" charset="0"/>
+              </a:rPr>
+              <a:t>Linear Probe</a:t>
+            </a:r>
+          </a:p>
+          <a:p>
+            <a:pPr marL="457200" lvl="0" indent="-317500">
+              <a:lnSpc>
+                <a:spcPct val="150000"/>
+              </a:lnSpc>
+              <a:buClr>
+                <a:schemeClr val="dk1"/>
+              </a:buClr>
+              <a:buSzPts val="1400"/>
+              <a:buFont typeface="Microsoft JhengHei"/>
+              <a:buAutoNum type="arabicPeriod"/>
+            </a:pPr>
+            <a:r>
+              <a:rPr lang="en-US" altLang="zh-TW" b="0" i="0" dirty="0" err="1">
+                <a:effectLst/>
+                <a:latin typeface="Arial" panose="020B0604020202020204" pitchFamily="34" charset="0"/>
+              </a:rPr>
+              <a:t>ViT</a:t>
+            </a:r>
+            <a:r>
+              <a:rPr lang="en-US" altLang="zh-TW" b="0" i="0" dirty="0">
+                <a:effectLst/>
+                <a:latin typeface="Arial" panose="020B0604020202020204" pitchFamily="34" charset="0"/>
+              </a:rPr>
+              <a:t> </a:t>
+            </a:r>
+            <a:endParaRPr lang="en-US" altLang="zh-TW" dirty="0">
+              <a:latin typeface="Arial" panose="020B0604020202020204" pitchFamily="34" charset="0"/>
+            </a:endParaRPr>
+          </a:p>
+          <a:p>
+            <a:pPr marL="457200" lvl="0" indent="-317500">
+              <a:lnSpc>
+                <a:spcPct val="150000"/>
+              </a:lnSpc>
+              <a:buClr>
+                <a:schemeClr val="dk1"/>
+              </a:buClr>
+              <a:buSzPts val="1400"/>
+              <a:buFont typeface="Microsoft JhengHei"/>
+              <a:buAutoNum type="arabicPeriod"/>
+            </a:pPr>
+            <a:r>
+              <a:rPr lang="en-US" altLang="zh-TW" b="0" i="0" dirty="0" err="1">
+                <a:effectLst/>
+                <a:latin typeface="Arial" panose="020B0604020202020204" pitchFamily="34" charset="0"/>
+              </a:rPr>
+              <a:t>BEiT</a:t>
+            </a:r>
+            <a:r>
+              <a:rPr lang="en-US" altLang="zh-TW" b="0" i="0" dirty="0">
+                <a:effectLst/>
+                <a:latin typeface="Arial" panose="020B0604020202020204" pitchFamily="34" charset="0"/>
+              </a:rPr>
+              <a:t>  </a:t>
+            </a:r>
+            <a:endParaRPr lang="en-US" altLang="zh-TW" dirty="0"/>
+          </a:p>
+        </p:txBody>
+      </p:sp>
+      <p:pic>
+        <p:nvPicPr>
+          <p:cNvPr id="2050" name="Picture 2" descr="preview">
+            <a:extLst>
+              <a:ext uri="{FF2B5EF4-FFF2-40B4-BE49-F238E27FC236}">
+                <a16:creationId xmlns:a16="http://schemas.microsoft.com/office/drawing/2014/main" id="{4C470E55-14EB-F99E-1196-000C21305F53}"/>
+              </a:ext>
+            </a:extLst>
+          </p:cNvPr>
+          <p:cNvPicPr>
+            <a:picLocks noChangeAspect="1" noChangeArrowheads="1"/>
+          </p:cNvPicPr>
+          <p:nvPr/>
+        </p:nvPicPr>
+        <p:blipFill>
+          <a:blip r:embed="rId3">
+            <a:extLst>
+              <a:ext uri="{28A0092B-C50C-407E-A947-70E740481C1C}">
+                <a14:useLocalDpi xmlns:a14="http://schemas.microsoft.com/office/drawing/2010/main" val="0"/>
+              </a:ext>
+            </a:extLst>
+          </a:blip>
+          <a:srcRect/>
+          <a:stretch>
+            <a:fillRect/>
+          </a:stretch>
+        </p:blipFill>
+        <p:spPr bwMode="auto">
+          <a:xfrm>
+            <a:off x="2668007" y="980072"/>
+            <a:ext cx="6330336" cy="3490477"/>
+          </a:xfrm>
+          <a:prstGeom prst="rect">
+            <a:avLst/>
+          </a:prstGeom>
+          <a:noFill/>
+          <a:extLst>
+            <a:ext uri="{909E8E84-426E-40DD-AFC4-6F175D3DCCD1}">
+              <a14:hiddenFill xmlns:a14="http://schemas.microsoft.com/office/drawing/2010/main">
+                <a:solidFill>
+                  <a:srgbClr val="FFFFFF"/>
+                </a:solidFill>
+              </a14:hiddenFill>
+            </a:ext>
+          </a:extLst>
+        </p:spPr>
+      </p:pic>
     </p:spTree>
+    <p:extLst>
+      <p:ext uri="{BB962C8B-B14F-4D97-AF65-F5344CB8AC3E}">
+        <p14:creationId xmlns:p14="http://schemas.microsoft.com/office/powerpoint/2010/main" val="2958331473"/>
+      </p:ext>
+    </p:extLst>
   </p:cSld>
   <p:clrMapOvr>
     <a:masterClrMapping/>
   </p:clrMapOvr>
+  <p:transition spd="slow">
+    <p:push/>
+  </p:transition>
 </p:sld>
 </file>
 

--- a/Masked Autoencoders Are Scalable Vision Learners.pptx
+++ b/Masked Autoencoders Are Scalable Vision Learners.pptx
@@ -6,7 +6,7 @@
     <p:sldMasterId id="2147483671" r:id="rId2"/>
   </p:sldMasterIdLst>
   <p:notesMasterIdLst>
-    <p:notesMasterId r:id="rId23"/>
+    <p:notesMasterId r:id="rId27"/>
   </p:notesMasterIdLst>
   <p:sldIdLst>
     <p:sldId id="256" r:id="rId3"/>
@@ -15,20 +15,24 @@
     <p:sldId id="294" r:id="rId6"/>
     <p:sldId id="295" r:id="rId7"/>
     <p:sldId id="296" r:id="rId8"/>
-    <p:sldId id="297" r:id="rId9"/>
-    <p:sldId id="298" r:id="rId10"/>
-    <p:sldId id="299" r:id="rId11"/>
-    <p:sldId id="300" r:id="rId12"/>
-    <p:sldId id="301" r:id="rId13"/>
-    <p:sldId id="303" r:id="rId14"/>
-    <p:sldId id="302" r:id="rId15"/>
-    <p:sldId id="304" r:id="rId16"/>
-    <p:sldId id="305" r:id="rId17"/>
-    <p:sldId id="307" r:id="rId18"/>
-    <p:sldId id="306" r:id="rId19"/>
-    <p:sldId id="308" r:id="rId20"/>
-    <p:sldId id="309" r:id="rId21"/>
-    <p:sldId id="292" r:id="rId22"/>
+    <p:sldId id="311" r:id="rId9"/>
+    <p:sldId id="297" r:id="rId10"/>
+    <p:sldId id="298" r:id="rId11"/>
+    <p:sldId id="299" r:id="rId12"/>
+    <p:sldId id="312" r:id="rId13"/>
+    <p:sldId id="300" r:id="rId14"/>
+    <p:sldId id="301" r:id="rId15"/>
+    <p:sldId id="313" r:id="rId16"/>
+    <p:sldId id="303" r:id="rId17"/>
+    <p:sldId id="302" r:id="rId18"/>
+    <p:sldId id="304" r:id="rId19"/>
+    <p:sldId id="305" r:id="rId20"/>
+    <p:sldId id="307" r:id="rId21"/>
+    <p:sldId id="306" r:id="rId22"/>
+    <p:sldId id="308" r:id="rId23"/>
+    <p:sldId id="310" r:id="rId24"/>
+    <p:sldId id="309" r:id="rId25"/>
+    <p:sldId id="292" r:id="rId26"/>
   </p:sldIdLst>
   <p:sldSz cx="9144000" cy="5143500" type="screen16x9"/>
   <p:notesSz cx="6858000" cy="9144000"/>
@@ -839,7 +843,7 @@
               </a:spcAft>
               <a:buNone/>
             </a:pPr>
-            <a:endParaRPr/>
+            <a:endParaRPr dirty="0"/>
           </a:p>
         </p:txBody>
       </p:sp>
@@ -1012,8 +1016,123 @@
               <a:buNone/>
             </a:pPr>
             <a:r>
-              <a:rPr lang="en-US" altLang="zh-TW" dirty="0"/>
-              <a:t>80%</a:t>
+              <a:rPr lang="en-US" altLang="zh-TW" b="0" i="0" dirty="0" err="1">
+                <a:effectLst/>
+                <a:latin typeface="Arial" panose="020B0604020202020204" pitchFamily="34" charset="0"/>
+              </a:rPr>
+              <a:t>iGPT</a:t>
+            </a:r>
+            <a:r>
+              <a:rPr lang="en-US" altLang="zh-TW" b="0" i="0" dirty="0">
+                <a:effectLst/>
+                <a:latin typeface="Arial" panose="020B0604020202020204" pitchFamily="34" charset="0"/>
+              </a:rPr>
+              <a:t>  Linear Probe</a:t>
+            </a:r>
+          </a:p>
+          <a:p>
+            <a:pPr marL="0" marR="0" lvl="0" indent="0" algn="l" rtl="0">
+              <a:lnSpc>
+                <a:spcPct val="100000"/>
+              </a:lnSpc>
+              <a:spcBef>
+                <a:spcPts val="0"/>
+              </a:spcBef>
+              <a:spcAft>
+                <a:spcPts val="0"/>
+              </a:spcAft>
+              <a:buClr>
+                <a:schemeClr val="dk1"/>
+              </a:buClr>
+              <a:buSzPts val="1200"/>
+              <a:buFont typeface="Calibri"/>
+              <a:buNone/>
+            </a:pPr>
+            <a:r>
+              <a:rPr lang="en-US" altLang="zh-TW" b="0" i="0" dirty="0" err="1">
+                <a:effectLst/>
+                <a:latin typeface="Arial" panose="020B0604020202020204" pitchFamily="34" charset="0"/>
+              </a:rPr>
+              <a:t>ViT</a:t>
+            </a:r>
+            <a:r>
+              <a:rPr lang="en-US" altLang="zh-TW" b="0" i="0" dirty="0">
+                <a:effectLst/>
+                <a:latin typeface="Arial" panose="020B0604020202020204" pitchFamily="34" charset="0"/>
+              </a:rPr>
+              <a:t> </a:t>
+            </a:r>
+            <a:r>
+              <a:rPr lang="zh-TW" altLang="en-US" b="0" i="0" dirty="0">
+                <a:effectLst/>
+                <a:latin typeface="Arial" panose="020B0604020202020204" pitchFamily="34" charset="0"/>
+              </a:rPr>
+              <a:t>嘗試了</a:t>
+            </a:r>
+            <a:r>
+              <a:rPr lang="en-US" altLang="zh-TW" b="0" i="0" dirty="0">
+                <a:effectLst/>
+                <a:latin typeface="Arial" panose="020B0604020202020204" pitchFamily="34" charset="0"/>
+              </a:rPr>
+              <a:t>self attention </a:t>
+            </a:r>
+            <a:r>
+              <a:rPr lang="zh-TW" altLang="en-US" b="0" i="0" dirty="0">
+                <a:effectLst/>
+                <a:latin typeface="Arial" panose="020B0604020202020204" pitchFamily="34" charset="0"/>
+              </a:rPr>
+              <a:t>的方式 但結果不盡人意</a:t>
+            </a:r>
+            <a:endParaRPr lang="en-US" altLang="zh-TW" b="0" i="0" dirty="0">
+              <a:effectLst/>
+              <a:latin typeface="Arial" panose="020B0604020202020204" pitchFamily="34" charset="0"/>
+            </a:endParaRPr>
+          </a:p>
+          <a:p>
+            <a:pPr marL="0" marR="0" lvl="0" indent="0" algn="l" rtl="0">
+              <a:lnSpc>
+                <a:spcPct val="100000"/>
+              </a:lnSpc>
+              <a:spcBef>
+                <a:spcPts val="0"/>
+              </a:spcBef>
+              <a:spcAft>
+                <a:spcPts val="0"/>
+              </a:spcAft>
+              <a:buClr>
+                <a:schemeClr val="dk1"/>
+              </a:buClr>
+              <a:buSzPts val="1200"/>
+              <a:buFont typeface="Calibri"/>
+              <a:buNone/>
+            </a:pPr>
+            <a:r>
+              <a:rPr lang="en-US" altLang="zh-TW" b="0" i="0" dirty="0" err="1">
+                <a:effectLst/>
+                <a:latin typeface="Arial" panose="020B0604020202020204" pitchFamily="34" charset="0"/>
+              </a:rPr>
+              <a:t>BEiT</a:t>
+            </a:r>
+            <a:r>
+              <a:rPr lang="zh-TW" altLang="en-US" b="0" i="0" dirty="0">
+                <a:effectLst/>
+                <a:latin typeface="Arial" panose="020B0604020202020204" pitchFamily="34" charset="0"/>
+              </a:rPr>
+              <a:t>則是提出 </a:t>
+            </a:r>
+            <a:r>
+              <a:rPr lang="en-US" altLang="zh-TW" b="0" i="0" dirty="0">
+                <a:effectLst/>
+                <a:latin typeface="Arial" panose="020B0604020202020204" pitchFamily="34" charset="0"/>
+              </a:rPr>
+              <a:t>predict discrete tokens</a:t>
+            </a:r>
+            <a:r>
+              <a:rPr lang="zh-TW" altLang="en-US" b="0" i="0" dirty="0">
+                <a:effectLst/>
+                <a:latin typeface="Arial" panose="020B0604020202020204" pitchFamily="34" charset="0"/>
+              </a:rPr>
+              <a:t>作為預訓練</a:t>
             </a:r>
             <a:endParaRPr dirty="0"/>
           </a:p>
@@ -1068,7 +1187,7 @@
     </p:spTree>
     <p:extLst>
       <p:ext uri="{BB962C8B-B14F-4D97-AF65-F5344CB8AC3E}">
-        <p14:creationId xmlns:p14="http://schemas.microsoft.com/office/powerpoint/2010/main" val="116696983"/>
+        <p14:creationId xmlns:p14="http://schemas.microsoft.com/office/powerpoint/2010/main" val="380190700"/>
       </p:ext>
     </p:extLst>
   </p:cSld>
@@ -1083,7 +1202,7 @@
   <p:cSld>
     <p:spTree>
       <p:nvGrpSpPr>
-        <p:cNvPr id="1" name="Shape 135"/>
+        <p:cNvPr id="1" name="Shape 171"/>
         <p:cNvGrpSpPr/>
         <p:nvPr/>
       </p:nvGrpSpPr>
@@ -1097,7 +1216,7 @@
       </p:grpSpPr>
       <p:sp>
         <p:nvSpPr>
-          <p:cNvPr id="136" name="Google Shape;136;g1144437607e_2_96:notes"/>
+          <p:cNvPr id="172" name="Google Shape;172;g1144437607e_2_107:notes"/>
           <p:cNvSpPr>
             <a:spLocks noGrp="1" noRot="1" noChangeAspect="1"/>
           </p:cNvSpPr>
@@ -1148,7 +1267,7 @@
       </p:sp>
       <p:sp>
         <p:nvSpPr>
-          <p:cNvPr id="137" name="Google Shape;137;g1144437607e_2_96:notes"/>
+          <p:cNvPr id="173" name="Google Shape;173;g1144437607e_2_107:notes"/>
           <p:cNvSpPr txBox="1">
             <a:spLocks noGrp="1"/>
           </p:cNvSpPr>
@@ -1175,51 +1294,22 @@
           </a:bodyPr>
           <a:lstStyle/>
           <a:p>
-            <a:pPr marL="0" marR="0" lvl="0" indent="0" algn="l" rtl="0">
-              <a:lnSpc>
-                <a:spcPct val="100000"/>
-              </a:lnSpc>
-              <a:spcBef>
-                <a:spcPts val="0"/>
-              </a:spcBef>
-              <a:spcAft>
-                <a:spcPts val="0"/>
-              </a:spcAft>
-              <a:buClr>
-                <a:schemeClr val="dk1"/>
-              </a:buClr>
-              <a:buSzPts val="1200"/>
-              <a:buFont typeface="Calibri"/>
+            <a:pPr marL="0" lvl="0" indent="0" algn="l" rtl="0">
+              <a:spcBef>
+                <a:spcPts val="0"/>
+              </a:spcBef>
+              <a:spcAft>
+                <a:spcPts val="0"/>
+              </a:spcAft>
               <a:buNone/>
             </a:pPr>
-            <a:r>
-              <a:rPr lang="en-US" altLang="zh-TW" b="0" i="0" dirty="0">
-                <a:effectLst/>
-                <a:latin typeface="Arial" panose="020B0604020202020204" pitchFamily="34" charset="0"/>
-              </a:rPr>
-              <a:t>(</a:t>
-            </a:r>
-            <a:r>
-              <a:rPr lang="en-US" altLang="zh-TW" b="0" i="0" dirty="0" err="1">
-                <a:effectLst/>
-                <a:latin typeface="Arial" panose="020B0604020202020204" pitchFamily="34" charset="0"/>
-              </a:rPr>
-              <a:t>i</a:t>
-            </a:r>
-            <a:r>
-              <a:rPr lang="en-US" altLang="zh-TW" b="0" i="0" dirty="0">
-                <a:effectLst/>
-                <a:latin typeface="Arial" panose="020B0604020202020204" pitchFamily="34" charset="0"/>
-              </a:rPr>
-              <a:t>) encoded visible patches, and (ii) mask tokens.</a:t>
-            </a:r>
-            <a:endParaRPr dirty="0"/>
+            <a:endParaRPr/>
           </a:p>
         </p:txBody>
       </p:sp>
       <p:sp>
         <p:nvSpPr>
-          <p:cNvPr id="138" name="Google Shape;138;g1144437607e_2_96:notes"/>
+          <p:cNvPr id="174" name="Google Shape;174;g1144437607e_2_107:notes"/>
           <p:cNvSpPr txBox="1">
             <a:spLocks noGrp="1"/>
           </p:cNvSpPr>
@@ -1266,7 +1356,7 @@
     </p:spTree>
     <p:extLst>
       <p:ext uri="{BB962C8B-B14F-4D97-AF65-F5344CB8AC3E}">
-        <p14:creationId xmlns:p14="http://schemas.microsoft.com/office/powerpoint/2010/main" val="831116393"/>
+        <p14:creationId xmlns:p14="http://schemas.microsoft.com/office/powerpoint/2010/main" val="72546294"/>
       </p:ext>
     </p:extLst>
   </p:cSld>
@@ -1391,37 +1481,8 @@
               <a:buNone/>
             </a:pPr>
             <a:r>
-              <a:rPr lang="en-US" altLang="zh-TW" b="0" i="0" dirty="0">
-                <a:effectLst/>
-                <a:latin typeface="Arial" panose="020B0604020202020204" pitchFamily="34" charset="0"/>
-              </a:rPr>
-              <a:t>big improvement</a:t>
-            </a:r>
-          </a:p>
-          <a:p>
-            <a:pPr marL="0" marR="0" lvl="0" indent="0" algn="l" rtl="0">
-              <a:lnSpc>
-                <a:spcPct val="100000"/>
-              </a:lnSpc>
-              <a:spcBef>
-                <a:spcPts val="0"/>
-              </a:spcBef>
-              <a:spcAft>
-                <a:spcPts val="0"/>
-              </a:spcAft>
-              <a:buClr>
-                <a:schemeClr val="dk1"/>
-              </a:buClr>
-              <a:buSzPts val="1200"/>
-              <a:buFont typeface="Calibri"/>
-              <a:buNone/>
-            </a:pPr>
-            <a:r>
-              <a:rPr lang="en-US" altLang="zh-TW" b="0" i="0" dirty="0">
-                <a:effectLst/>
-                <a:latin typeface="Arial" panose="020B0604020202020204" pitchFamily="34" charset="0"/>
-              </a:rPr>
-              <a:t>75%</a:t>
+              <a:rPr lang="en-US" altLang="zh-TW" dirty="0"/>
+              <a:t>80%</a:t>
             </a:r>
             <a:endParaRPr dirty="0"/>
           </a:p>
@@ -1476,7 +1537,7 @@
     </p:spTree>
     <p:extLst>
       <p:ext uri="{BB962C8B-B14F-4D97-AF65-F5344CB8AC3E}">
-        <p14:creationId xmlns:p14="http://schemas.microsoft.com/office/powerpoint/2010/main" val="855851815"/>
+        <p14:creationId xmlns:p14="http://schemas.microsoft.com/office/powerpoint/2010/main" val="116696983"/>
       </p:ext>
     </p:extLst>
   </p:cSld>
@@ -1605,145 +1666,21 @@
                 <a:effectLst/>
                 <a:latin typeface="Arial" panose="020B0604020202020204" pitchFamily="34" charset="0"/>
               </a:rPr>
-              <a:t>Autoencoder</a:t>
+              <a:t>(</a:t>
             </a:r>
             <a:r>
-              <a:rPr lang="zh-TW" altLang="en-US" b="0" i="0" dirty="0">
+              <a:rPr lang="en-US" altLang="zh-TW" b="0" i="0" dirty="0" err="1">
                 <a:effectLst/>
                 <a:latin typeface="Arial" panose="020B0604020202020204" pitchFamily="34" charset="0"/>
               </a:rPr>
-              <a:t>最後幾層對於重建尤為重要</a:t>
+              <a:t>i</a:t>
             </a:r>
-            <a:endParaRPr lang="en-US" altLang="zh-TW" b="0" i="0" dirty="0">
-              <a:effectLst/>
-              <a:latin typeface="Arial" panose="020B0604020202020204" pitchFamily="34" charset="0"/>
-            </a:endParaRPr>
-          </a:p>
-          <a:p>
-            <a:pPr marL="0" marR="0" lvl="0" indent="0" algn="l" rtl="0">
-              <a:lnSpc>
-                <a:spcPct val="100000"/>
-              </a:lnSpc>
-              <a:spcBef>
-                <a:spcPts val="0"/>
-              </a:spcBef>
-              <a:spcAft>
-                <a:spcPts val="0"/>
-              </a:spcAft>
-              <a:buClr>
-                <a:schemeClr val="dk1"/>
-              </a:buClr>
-              <a:buSzPts val="1200"/>
-              <a:buFont typeface="Calibri"/>
-              <a:buNone/>
-            </a:pPr>
             <a:r>
               <a:rPr lang="en-US" altLang="zh-TW" b="0" i="0" dirty="0">
                 <a:effectLst/>
                 <a:latin typeface="Arial" panose="020B0604020202020204" pitchFamily="34" charset="0"/>
               </a:rPr>
-              <a:t>8% improvement in linear probing</a:t>
-            </a:r>
-          </a:p>
-          <a:p>
-            <a:pPr marL="0" marR="0" lvl="0" indent="0" algn="l" rtl="0">
-              <a:lnSpc>
-                <a:spcPct val="100000"/>
-              </a:lnSpc>
-              <a:spcBef>
-                <a:spcPts val="0"/>
-              </a:spcBef>
-              <a:spcAft>
-                <a:spcPts val="0"/>
-              </a:spcAft>
-              <a:buClr>
-                <a:schemeClr val="dk1"/>
-              </a:buClr>
-              <a:buSzPts val="1200"/>
-              <a:buFont typeface="Calibri"/>
-              <a:buNone/>
-            </a:pPr>
-            <a:r>
-              <a:rPr lang="en-US" altLang="zh-TW" b="0" i="0" dirty="0">
-                <a:effectLst/>
-                <a:latin typeface="Arial" panose="020B0604020202020204" pitchFamily="34" charset="0"/>
-              </a:rPr>
-              <a:t>less influential for improving fine-tuning</a:t>
-            </a:r>
-          </a:p>
-          <a:p>
-            <a:pPr marL="0" marR="0" lvl="0" indent="0" algn="l" rtl="0">
-              <a:lnSpc>
-                <a:spcPct val="100000"/>
-              </a:lnSpc>
-              <a:spcBef>
-                <a:spcPts val="0"/>
-              </a:spcBef>
-              <a:spcAft>
-                <a:spcPts val="0"/>
-              </a:spcAft>
-              <a:buClr>
-                <a:schemeClr val="dk1"/>
-              </a:buClr>
-              <a:buSzPts val="1200"/>
-              <a:buFont typeface="Calibri"/>
-              <a:buNone/>
-            </a:pPr>
-            <a:endParaRPr lang="en-US" b="0" i="0" dirty="0">
-              <a:effectLst/>
-              <a:latin typeface="Arial" panose="020B0604020202020204" pitchFamily="34" charset="0"/>
-            </a:endParaRPr>
-          </a:p>
-          <a:p>
-            <a:pPr marL="0" marR="0" lvl="0" indent="0" algn="l" rtl="0">
-              <a:lnSpc>
-                <a:spcPct val="100000"/>
-              </a:lnSpc>
-              <a:spcBef>
-                <a:spcPts val="0"/>
-              </a:spcBef>
-              <a:spcAft>
-                <a:spcPts val="0"/>
-              </a:spcAft>
-              <a:buClr>
-                <a:schemeClr val="dk1"/>
-              </a:buClr>
-              <a:buSzPts val="1200"/>
-              <a:buFont typeface="Calibri"/>
-              <a:buNone/>
-            </a:pPr>
-            <a:r>
-              <a:rPr lang="en-US" altLang="zh-TW" b="0" i="0" dirty="0">
-                <a:effectLst/>
-                <a:latin typeface="Arial" panose="020B0604020202020204" pitchFamily="34" charset="0"/>
-              </a:rPr>
-              <a:t>Interestingly, our MAE with a single-block decoder can perform strongly with fine-tuning </a:t>
-            </a:r>
-          </a:p>
-          <a:p>
-            <a:pPr marL="0" marR="0" lvl="0" indent="0" algn="l" rtl="0">
-              <a:lnSpc>
-                <a:spcPct val="100000"/>
-              </a:lnSpc>
-              <a:spcBef>
-                <a:spcPts val="0"/>
-              </a:spcBef>
-              <a:spcAft>
-                <a:spcPts val="0"/>
-              </a:spcAft>
-              <a:buClr>
-                <a:schemeClr val="dk1"/>
-              </a:buClr>
-              <a:buSzPts val="1200"/>
-              <a:buFont typeface="Calibri"/>
-              <a:buNone/>
-            </a:pPr>
-            <a:r>
-              <a:rPr lang="en-US" altLang="zh-TW" b="0" i="0" dirty="0">
-                <a:effectLst/>
-                <a:latin typeface="Arial" panose="020B0604020202020204" pitchFamily="34" charset="0"/>
-              </a:rPr>
-              <a:t>a small decoder can further speed up training</a:t>
+              <a:t>) encoded visible patches, and (ii) mask tokens.</a:t>
             </a:r>
             <a:endParaRPr dirty="0"/>
           </a:p>
@@ -1798,7 +1735,7 @@
     </p:spTree>
     <p:extLst>
       <p:ext uri="{BB962C8B-B14F-4D97-AF65-F5344CB8AC3E}">
-        <p14:creationId xmlns:p14="http://schemas.microsoft.com/office/powerpoint/2010/main" val="2568080081"/>
+        <p14:creationId xmlns:p14="http://schemas.microsoft.com/office/powerpoint/2010/main" val="831116393"/>
       </p:ext>
     </p:extLst>
   </p:cSld>
@@ -1813,7 +1750,7 @@
   <p:cSld>
     <p:spTree>
       <p:nvGrpSpPr>
-        <p:cNvPr id="1" name="Shape 135"/>
+        <p:cNvPr id="1" name="Shape 171"/>
         <p:cNvGrpSpPr/>
         <p:nvPr/>
       </p:nvGrpSpPr>
@@ -1827,7 +1764,7 @@
       </p:grpSpPr>
       <p:sp>
         <p:nvSpPr>
-          <p:cNvPr id="136" name="Google Shape;136;g1144437607e_2_96:notes"/>
+          <p:cNvPr id="172" name="Google Shape;172;g1144437607e_2_107:notes"/>
           <p:cNvSpPr>
             <a:spLocks noGrp="1" noRot="1" noChangeAspect="1"/>
           </p:cNvSpPr>
@@ -1878,7 +1815,7 @@
       </p:sp>
       <p:sp>
         <p:nvSpPr>
-          <p:cNvPr id="137" name="Google Shape;137;g1144437607e_2_96:notes"/>
+          <p:cNvPr id="173" name="Google Shape;173;g1144437607e_2_107:notes"/>
           <p:cNvSpPr txBox="1">
             <a:spLocks noGrp="1"/>
           </p:cNvSpPr>
@@ -1905,99 +1842,22 @@
           </a:bodyPr>
           <a:lstStyle/>
           <a:p>
-            <a:pPr marL="0" marR="0" lvl="0" indent="0" algn="l" rtl="0">
-              <a:lnSpc>
-                <a:spcPct val="100000"/>
-              </a:lnSpc>
-              <a:spcBef>
-                <a:spcPts val="0"/>
-              </a:spcBef>
-              <a:spcAft>
-                <a:spcPts val="0"/>
-              </a:spcAft>
-              <a:buClr>
-                <a:schemeClr val="dk1"/>
-              </a:buClr>
-              <a:buSzPts val="1200"/>
-              <a:buFont typeface="Calibri"/>
+            <a:pPr marL="0" lvl="0" indent="0" algn="l" rtl="0">
+              <a:spcBef>
+                <a:spcPts val="0"/>
+              </a:spcBef>
+              <a:spcAft>
+                <a:spcPts val="0"/>
+              </a:spcAft>
               <a:buNone/>
             </a:pPr>
-            <a:r>
-              <a:rPr lang="en-US" altLang="zh-TW" b="0" i="0" dirty="0">
-                <a:effectLst/>
-                <a:latin typeface="Arial" panose="020B0604020202020204" pitchFamily="34" charset="0"/>
-              </a:rPr>
-              <a:t>drops by 14% in linear probing</a:t>
-            </a:r>
-          </a:p>
-          <a:p>
-            <a:pPr marL="0" marR="0" lvl="0" indent="0" algn="l" rtl="0">
-              <a:lnSpc>
-                <a:spcPct val="100000"/>
-              </a:lnSpc>
-              <a:spcBef>
-                <a:spcPts val="0"/>
-              </a:spcBef>
-              <a:spcAft>
-                <a:spcPts val="0"/>
-              </a:spcAft>
-              <a:buClr>
-                <a:schemeClr val="dk1"/>
-              </a:buClr>
-              <a:buSzPts val="1200"/>
-              <a:buFont typeface="Calibri"/>
-              <a:buNone/>
-            </a:pPr>
-            <a:r>
-              <a:rPr lang="en-US" altLang="zh-TW" b="0" i="0" dirty="0">
-                <a:effectLst/>
-                <a:latin typeface="Arial" panose="020B0604020202020204" pitchFamily="34" charset="0"/>
-              </a:rPr>
-              <a:t>FLOPs by 3.3×</a:t>
-            </a:r>
-            <a:br>
-              <a:rPr lang="en-US" altLang="zh-TW" dirty="0"/>
-            </a:br>
-            <a:r>
-              <a:rPr lang="en-US" altLang="zh-TW" b="0" i="0" dirty="0">
-                <a:effectLst/>
-                <a:latin typeface="Arial" panose="020B0604020202020204" pitchFamily="34" charset="0"/>
-              </a:rPr>
-              <a:t>2.8×wall-clock speedup</a:t>
-            </a:r>
-          </a:p>
-          <a:p>
-            <a:pPr marL="0" marR="0" lvl="0" indent="0" algn="l" rtl="0">
-              <a:lnSpc>
-                <a:spcPct val="100000"/>
-              </a:lnSpc>
-              <a:spcBef>
-                <a:spcPts val="0"/>
-              </a:spcBef>
-              <a:spcAft>
-                <a:spcPts val="0"/>
-              </a:spcAft>
-              <a:buClr>
-                <a:schemeClr val="dk1"/>
-              </a:buClr>
-              <a:buSzPts val="1200"/>
-              <a:buFont typeface="Calibri"/>
-              <a:buNone/>
-            </a:pPr>
-            <a:r>
-              <a:rPr lang="en-US" altLang="zh-TW" b="0" i="0" dirty="0">
-                <a:effectLst/>
-                <a:latin typeface="Arial" panose="020B0604020202020204" pitchFamily="34" charset="0"/>
-              </a:rPr>
-              <a:t>bigger (3.5–4.1×), for a smaller decoder (1-block)</a:t>
-            </a:r>
-            <a:endParaRPr dirty="0"/>
+            <a:endParaRPr/>
           </a:p>
         </p:txBody>
       </p:sp>
       <p:sp>
         <p:nvSpPr>
-          <p:cNvPr id="138" name="Google Shape;138;g1144437607e_2_96:notes"/>
+          <p:cNvPr id="174" name="Google Shape;174;g1144437607e_2_107:notes"/>
           <p:cNvSpPr txBox="1">
             <a:spLocks noGrp="1"/>
           </p:cNvSpPr>
@@ -2044,7 +1904,7 @@
     </p:spTree>
     <p:extLst>
       <p:ext uri="{BB962C8B-B14F-4D97-AF65-F5344CB8AC3E}">
-        <p14:creationId xmlns:p14="http://schemas.microsoft.com/office/powerpoint/2010/main" val="2245181661"/>
+        <p14:creationId xmlns:p14="http://schemas.microsoft.com/office/powerpoint/2010/main" val="2807869906"/>
       </p:ext>
     </p:extLst>
   </p:cSld>
@@ -2168,6 +2028,39 @@
               <a:buFont typeface="Calibri"/>
               <a:buNone/>
             </a:pPr>
+            <a:r>
+              <a:rPr lang="en-US" altLang="zh-TW" b="0" i="0" dirty="0">
+                <a:effectLst/>
+                <a:latin typeface="Arial" panose="020B0604020202020204" pitchFamily="34" charset="0"/>
+              </a:rPr>
+              <a:t>big improvement</a:t>
+            </a:r>
+          </a:p>
+          <a:p>
+            <a:pPr marL="0" marR="0" lvl="0" indent="0" algn="l" rtl="0">
+              <a:lnSpc>
+                <a:spcPct val="100000"/>
+              </a:lnSpc>
+              <a:spcBef>
+                <a:spcPts val="0"/>
+              </a:spcBef>
+              <a:spcAft>
+                <a:spcPts val="0"/>
+              </a:spcAft>
+              <a:buClr>
+                <a:schemeClr val="dk1"/>
+              </a:buClr>
+              <a:buSzPts val="1200"/>
+              <a:buFont typeface="Calibri"/>
+              <a:buNone/>
+            </a:pPr>
+            <a:r>
+              <a:rPr lang="en-US" altLang="zh-TW" b="0" i="0" dirty="0">
+                <a:effectLst/>
+                <a:latin typeface="Arial" panose="020B0604020202020204" pitchFamily="34" charset="0"/>
+              </a:rPr>
+              <a:t>75%</a:t>
+            </a:r>
             <a:endParaRPr dirty="0"/>
           </a:p>
         </p:txBody>
@@ -2221,7 +2114,7 @@
     </p:spTree>
     <p:extLst>
       <p:ext uri="{BB962C8B-B14F-4D97-AF65-F5344CB8AC3E}">
-        <p14:creationId xmlns:p14="http://schemas.microsoft.com/office/powerpoint/2010/main" val="3501484120"/>
+        <p14:creationId xmlns:p14="http://schemas.microsoft.com/office/powerpoint/2010/main" val="855851815"/>
       </p:ext>
     </p:extLst>
   </p:cSld>
@@ -2345,6 +2238,151 @@
               <a:buFont typeface="Calibri"/>
               <a:buNone/>
             </a:pPr>
+            <a:r>
+              <a:rPr lang="en-US" altLang="zh-TW" b="0" i="0" dirty="0">
+                <a:effectLst/>
+                <a:latin typeface="Arial" panose="020B0604020202020204" pitchFamily="34" charset="0"/>
+              </a:rPr>
+              <a:t>Autoencoder</a:t>
+            </a:r>
+            <a:r>
+              <a:rPr lang="zh-TW" altLang="en-US" b="0" i="0" dirty="0">
+                <a:effectLst/>
+                <a:latin typeface="Arial" panose="020B0604020202020204" pitchFamily="34" charset="0"/>
+              </a:rPr>
+              <a:t>最後幾層對於重建尤為重要</a:t>
+            </a:r>
+            <a:endParaRPr lang="en-US" altLang="zh-TW" b="0" i="0" dirty="0">
+              <a:effectLst/>
+              <a:latin typeface="Arial" panose="020B0604020202020204" pitchFamily="34" charset="0"/>
+            </a:endParaRPr>
+          </a:p>
+          <a:p>
+            <a:pPr marL="0" marR="0" lvl="0" indent="0" algn="l" rtl="0">
+              <a:lnSpc>
+                <a:spcPct val="100000"/>
+              </a:lnSpc>
+              <a:spcBef>
+                <a:spcPts val="0"/>
+              </a:spcBef>
+              <a:spcAft>
+                <a:spcPts val="0"/>
+              </a:spcAft>
+              <a:buClr>
+                <a:schemeClr val="dk1"/>
+              </a:buClr>
+              <a:buSzPts val="1200"/>
+              <a:buFont typeface="Calibri"/>
+              <a:buNone/>
+            </a:pPr>
+            <a:r>
+              <a:rPr lang="en-US" altLang="zh-TW" b="0" i="0" dirty="0">
+                <a:effectLst/>
+                <a:latin typeface="Arial" panose="020B0604020202020204" pitchFamily="34" charset="0"/>
+              </a:rPr>
+              <a:t>8% improvement in linear probing</a:t>
+            </a:r>
+          </a:p>
+          <a:p>
+            <a:pPr marL="0" marR="0" lvl="0" indent="0" algn="l" rtl="0">
+              <a:lnSpc>
+                <a:spcPct val="100000"/>
+              </a:lnSpc>
+              <a:spcBef>
+                <a:spcPts val="0"/>
+              </a:spcBef>
+              <a:spcAft>
+                <a:spcPts val="0"/>
+              </a:spcAft>
+              <a:buClr>
+                <a:schemeClr val="dk1"/>
+              </a:buClr>
+              <a:buSzPts val="1200"/>
+              <a:buFont typeface="Calibri"/>
+              <a:buNone/>
+            </a:pPr>
+            <a:r>
+              <a:rPr lang="en-US" altLang="zh-TW" b="0" i="0" dirty="0">
+                <a:effectLst/>
+                <a:latin typeface="Arial" panose="020B0604020202020204" pitchFamily="34" charset="0"/>
+              </a:rPr>
+              <a:t>less influential for improving fine-tuning</a:t>
+            </a:r>
+          </a:p>
+          <a:p>
+            <a:pPr marL="0" marR="0" lvl="0" indent="0" algn="l" rtl="0">
+              <a:lnSpc>
+                <a:spcPct val="100000"/>
+              </a:lnSpc>
+              <a:spcBef>
+                <a:spcPts val="0"/>
+              </a:spcBef>
+              <a:spcAft>
+                <a:spcPts val="0"/>
+              </a:spcAft>
+              <a:buClr>
+                <a:schemeClr val="dk1"/>
+              </a:buClr>
+              <a:buSzPts val="1200"/>
+              <a:buFont typeface="Calibri"/>
+              <a:buNone/>
+            </a:pPr>
+            <a:endParaRPr lang="en-US" b="0" i="0" dirty="0">
+              <a:effectLst/>
+              <a:latin typeface="Arial" panose="020B0604020202020204" pitchFamily="34" charset="0"/>
+            </a:endParaRPr>
+          </a:p>
+          <a:p>
+            <a:pPr marL="0" marR="0" lvl="0" indent="0" algn="l" rtl="0">
+              <a:lnSpc>
+                <a:spcPct val="100000"/>
+              </a:lnSpc>
+              <a:spcBef>
+                <a:spcPts val="0"/>
+              </a:spcBef>
+              <a:spcAft>
+                <a:spcPts val="0"/>
+              </a:spcAft>
+              <a:buClr>
+                <a:schemeClr val="dk1"/>
+              </a:buClr>
+              <a:buSzPts val="1200"/>
+              <a:buFont typeface="Calibri"/>
+              <a:buNone/>
+            </a:pPr>
+            <a:r>
+              <a:rPr lang="en-US" altLang="zh-TW" b="0" i="0" dirty="0">
+                <a:effectLst/>
+                <a:latin typeface="Arial" panose="020B0604020202020204" pitchFamily="34" charset="0"/>
+              </a:rPr>
+              <a:t>Interestingly, our MAE with a single-block decoder can perform strongly with fine-tuning </a:t>
+            </a:r>
+          </a:p>
+          <a:p>
+            <a:pPr marL="0" marR="0" lvl="0" indent="0" algn="l" rtl="0">
+              <a:lnSpc>
+                <a:spcPct val="100000"/>
+              </a:lnSpc>
+              <a:spcBef>
+                <a:spcPts val="0"/>
+              </a:spcBef>
+              <a:spcAft>
+                <a:spcPts val="0"/>
+              </a:spcAft>
+              <a:buClr>
+                <a:schemeClr val="dk1"/>
+              </a:buClr>
+              <a:buSzPts val="1200"/>
+              <a:buFont typeface="Calibri"/>
+              <a:buNone/>
+            </a:pPr>
+            <a:r>
+              <a:rPr lang="en-US" altLang="zh-TW" b="0" i="0" dirty="0">
+                <a:effectLst/>
+                <a:latin typeface="Arial" panose="020B0604020202020204" pitchFamily="34" charset="0"/>
+              </a:rPr>
+              <a:t>a small decoder can further speed up training</a:t>
+            </a:r>
             <a:endParaRPr dirty="0"/>
           </a:p>
         </p:txBody>
@@ -2398,7 +2436,7 @@
     </p:spTree>
     <p:extLst>
       <p:ext uri="{BB962C8B-B14F-4D97-AF65-F5344CB8AC3E}">
-        <p14:creationId xmlns:p14="http://schemas.microsoft.com/office/powerpoint/2010/main" val="2988920185"/>
+        <p14:creationId xmlns:p14="http://schemas.microsoft.com/office/powerpoint/2010/main" val="2568080081"/>
       </p:ext>
     </p:extLst>
   </p:cSld>
@@ -2527,51 +2565,44 @@
                 <a:effectLst/>
                 <a:latin typeface="Arial" panose="020B0604020202020204" pitchFamily="34" charset="0"/>
               </a:rPr>
-              <a:t>86.9% </a:t>
+              <a:t>drops by 14% in linear probing</a:t>
             </a:r>
+          </a:p>
+          <a:p>
+            <a:pPr marL="0" marR="0" lvl="0" indent="0" algn="l" rtl="0">
+              <a:lnSpc>
+                <a:spcPct val="100000"/>
+              </a:lnSpc>
+              <a:spcBef>
+                <a:spcPts val="0"/>
+              </a:spcBef>
+              <a:spcAft>
+                <a:spcPts val="0"/>
+              </a:spcAft>
+              <a:buClr>
+                <a:schemeClr val="dk1"/>
+              </a:buClr>
+              <a:buSzPts val="1200"/>
+              <a:buFont typeface="Calibri"/>
+              <a:buNone/>
+            </a:pPr>
             <a:r>
-              <a:rPr lang="en-US" altLang="zh-TW" b="0" i="0" dirty="0" err="1">
+              <a:rPr lang="en-US" altLang="zh-TW" b="0" i="0" dirty="0">
                 <a:effectLst/>
                 <a:latin typeface="Arial" panose="020B0604020202020204" pitchFamily="34" charset="0"/>
               </a:rPr>
-              <a:t>VitH</a:t>
+              <a:t>FLOPs by 3.3×</a:t>
             </a:r>
             <a:br>
-              <a:rPr lang="zh-TW" altLang="en-US" b="0" i="0" dirty="0">
-                <a:effectLst/>
-                <a:latin typeface="Arial" panose="020B0604020202020204" pitchFamily="34" charset="0"/>
-              </a:rPr>
+              <a:rPr lang="en-US" altLang="zh-TW" dirty="0"/>
             </a:br>
             <a:r>
               <a:rPr lang="en-US" altLang="zh-TW" b="0" i="0" dirty="0">
                 <a:effectLst/>
                 <a:latin typeface="Arial" panose="020B0604020202020204" pitchFamily="34" charset="0"/>
               </a:rPr>
-              <a:t>87.8%</a:t>
+              <a:t>2.8×wall-clock speedup</a:t>
             </a:r>
-          </a:p>
-          <a:p>
-            <a:pPr marL="0" marR="0" lvl="0" indent="0" algn="l" rtl="0">
-              <a:lnSpc>
-                <a:spcPct val="100000"/>
-              </a:lnSpc>
-              <a:spcBef>
-                <a:spcPts val="0"/>
-              </a:spcBef>
-              <a:spcAft>
-                <a:spcPts val="0"/>
-              </a:spcAft>
-              <a:buClr>
-                <a:schemeClr val="dk1"/>
-              </a:buClr>
-              <a:buSzPts val="1200"/>
-              <a:buFont typeface="Calibri"/>
-              <a:buNone/>
-            </a:pPr>
-            <a:endParaRPr lang="en-US" b="0" i="0" dirty="0">
-              <a:effectLst/>
-              <a:latin typeface="Arial" panose="020B0604020202020204" pitchFamily="34" charset="0"/>
-            </a:endParaRPr>
           </a:p>
           <a:p>
             <a:pPr marL="0" marR="0" lvl="0" indent="0" algn="l" rtl="0">
@@ -2596,111 +2627,8 @@
                 <a:effectLst/>
                 <a:latin typeface="Arial" panose="020B0604020202020204" pitchFamily="34" charset="0"/>
               </a:rPr>
-              <a:t>Comparing with </a:t>
+              <a:t>bigger (3.5–4.1×), for a smaller decoder (1-block)</a:t>
             </a:r>
-            <a:r>
-              <a:rPr lang="en-US" altLang="zh-TW" b="0" i="0" dirty="0" err="1">
-                <a:effectLst/>
-                <a:latin typeface="Arial" panose="020B0604020202020204" pitchFamily="34" charset="0"/>
-              </a:rPr>
-              <a:t>BEiT</a:t>
-            </a:r>
-            <a:r>
-              <a:rPr lang="en-US" altLang="zh-TW" b="0" i="0" dirty="0">
-                <a:effectLst/>
-                <a:latin typeface="Arial" panose="020B0604020202020204" pitchFamily="34" charset="0"/>
-              </a:rPr>
-              <a:t> MAE is more accurate while being simpler and faster</a:t>
-            </a:r>
-          </a:p>
-          <a:p>
-            <a:pPr marL="0" marR="0" lvl="0" indent="0" algn="l" rtl="0">
-              <a:lnSpc>
-                <a:spcPct val="100000"/>
-              </a:lnSpc>
-              <a:spcBef>
-                <a:spcPts val="0"/>
-              </a:spcBef>
-              <a:spcAft>
-                <a:spcPts val="0"/>
-              </a:spcAft>
-              <a:buClr>
-                <a:schemeClr val="dk1"/>
-              </a:buClr>
-              <a:buSzPts val="1200"/>
-              <a:buFont typeface="Calibri"/>
-              <a:buNone/>
-            </a:pPr>
-            <a:r>
-              <a:rPr lang="en-US" altLang="zh-TW" b="0" i="0" dirty="0">
-                <a:effectLst/>
-                <a:latin typeface="Arial" panose="020B0604020202020204" pitchFamily="34" charset="0"/>
-              </a:rPr>
-              <a:t>MAE’s training time is 31 hours for 1600 epochs and 	</a:t>
-            </a:r>
-          </a:p>
-          <a:p>
-            <a:pPr marL="0" marR="0" lvl="0" indent="0" algn="l" rtl="0">
-              <a:lnSpc>
-                <a:spcPct val="100000"/>
-              </a:lnSpc>
-              <a:spcBef>
-                <a:spcPts val="0"/>
-              </a:spcBef>
-              <a:spcAft>
-                <a:spcPts val="0"/>
-              </a:spcAft>
-              <a:buClr>
-                <a:schemeClr val="dk1"/>
-              </a:buClr>
-              <a:buSzPts val="1200"/>
-              <a:buFont typeface="Calibri"/>
-              <a:buNone/>
-            </a:pPr>
-            <a:r>
-              <a:rPr lang="en-US" altLang="zh-TW" b="0" i="0" dirty="0">
-                <a:effectLst/>
-                <a:latin typeface="Arial" panose="020B0604020202020204" pitchFamily="34" charset="0"/>
-              </a:rPr>
-              <a:t>                 </a:t>
-            </a:r>
-            <a:r>
-              <a:rPr lang="en-US" altLang="zh-TW" b="0" i="0" dirty="0" err="1">
-                <a:effectLst/>
-                <a:latin typeface="Arial" panose="020B0604020202020204" pitchFamily="34" charset="0"/>
-              </a:rPr>
-              <a:t>MoCo</a:t>
-            </a:r>
-            <a:r>
-              <a:rPr lang="en-US" altLang="zh-TW" b="0" i="0" dirty="0">
-                <a:effectLst/>
-                <a:latin typeface="Arial" panose="020B0604020202020204" pitchFamily="34" charset="0"/>
-              </a:rPr>
-              <a:t> v3’s is 36 hours for 300 epoch</a:t>
-            </a:r>
-            <a:endParaRPr lang="en-US" b="0" i="0" dirty="0">
-              <a:effectLst/>
-              <a:latin typeface="Arial" panose="020B0604020202020204" pitchFamily="34" charset="0"/>
-            </a:endParaRPr>
-          </a:p>
-          <a:p>
-            <a:pPr marL="0" marR="0" lvl="0" indent="0" algn="l" rtl="0">
-              <a:lnSpc>
-                <a:spcPct val="100000"/>
-              </a:lnSpc>
-              <a:spcBef>
-                <a:spcPts val="0"/>
-              </a:spcBef>
-              <a:spcAft>
-                <a:spcPts val="0"/>
-              </a:spcAft>
-              <a:buClr>
-                <a:schemeClr val="dk1"/>
-              </a:buClr>
-              <a:buSzPts val="1200"/>
-              <a:buFont typeface="Calibri"/>
-              <a:buNone/>
-            </a:pPr>
             <a:endParaRPr dirty="0"/>
           </a:p>
         </p:txBody>
@@ -2754,7 +2682,7 @@
     </p:spTree>
     <p:extLst>
       <p:ext uri="{BB962C8B-B14F-4D97-AF65-F5344CB8AC3E}">
-        <p14:creationId xmlns:p14="http://schemas.microsoft.com/office/powerpoint/2010/main" val="1578631697"/>
+        <p14:creationId xmlns:p14="http://schemas.microsoft.com/office/powerpoint/2010/main" val="2245181661"/>
       </p:ext>
     </p:extLst>
   </p:cSld>
@@ -2931,7 +2859,7 @@
     </p:spTree>
     <p:extLst>
       <p:ext uri="{BB962C8B-B14F-4D97-AF65-F5344CB8AC3E}">
-        <p14:creationId xmlns:p14="http://schemas.microsoft.com/office/powerpoint/2010/main" val="489152485"/>
+        <p14:creationId xmlns:p14="http://schemas.microsoft.com/office/powerpoint/2010/main" val="3501484120"/>
       </p:ext>
     </p:extLst>
   </p:cSld>
@@ -3055,110 +2983,6 @@
               <a:buFont typeface="Calibri"/>
               <a:buNone/>
             </a:pPr>
-            <a:r>
-              <a:rPr lang="en-US" altLang="zh-TW" b="0" i="0" dirty="0">
-                <a:effectLst/>
-                <a:latin typeface="Arial" panose="020B0604020202020204" pitchFamily="34" charset="0"/>
-              </a:rPr>
-              <a:t>86.9% </a:t>
-            </a:r>
-            <a:r>
-              <a:rPr lang="en-US" altLang="zh-TW" b="0" i="0" dirty="0" err="1">
-                <a:effectLst/>
-                <a:latin typeface="Arial" panose="020B0604020202020204" pitchFamily="34" charset="0"/>
-              </a:rPr>
-              <a:t>VitH</a:t>
-            </a:r>
-            <a:br>
-              <a:rPr lang="zh-TW" altLang="en-US" b="0" i="0" dirty="0">
-                <a:effectLst/>
-                <a:latin typeface="Arial" panose="020B0604020202020204" pitchFamily="34" charset="0"/>
-              </a:rPr>
-            </a:br>
-            <a:r>
-              <a:rPr lang="en-US" altLang="zh-TW" b="0" i="0" dirty="0">
-                <a:effectLst/>
-                <a:latin typeface="Arial" panose="020B0604020202020204" pitchFamily="34" charset="0"/>
-              </a:rPr>
-              <a:t>87.8%</a:t>
-            </a:r>
-          </a:p>
-          <a:p>
-            <a:pPr marL="0" marR="0" lvl="0" indent="0" algn="l" rtl="0">
-              <a:lnSpc>
-                <a:spcPct val="100000"/>
-              </a:lnSpc>
-              <a:spcBef>
-                <a:spcPts val="0"/>
-              </a:spcBef>
-              <a:spcAft>
-                <a:spcPts val="0"/>
-              </a:spcAft>
-              <a:buClr>
-                <a:schemeClr val="dk1"/>
-              </a:buClr>
-              <a:buSzPts val="1200"/>
-              <a:buFont typeface="Calibri"/>
-              <a:buNone/>
-            </a:pPr>
-            <a:endParaRPr lang="en-US" b="0" i="0" dirty="0">
-              <a:effectLst/>
-              <a:latin typeface="Arial" panose="020B0604020202020204" pitchFamily="34" charset="0"/>
-            </a:endParaRPr>
-          </a:p>
-          <a:p>
-            <a:pPr marL="0" marR="0" lvl="0" indent="0" algn="l" rtl="0">
-              <a:lnSpc>
-                <a:spcPct val="100000"/>
-              </a:lnSpc>
-              <a:spcBef>
-                <a:spcPts val="0"/>
-              </a:spcBef>
-              <a:spcAft>
-                <a:spcPts val="0"/>
-              </a:spcAft>
-              <a:buClr>
-                <a:schemeClr val="dk1"/>
-              </a:buClr>
-              <a:buSzPts val="1200"/>
-              <a:buFont typeface="Calibri"/>
-              <a:buNone/>
-            </a:pPr>
-            <a:r>
-              <a:rPr lang="en-US" altLang="zh-TW" b="0" i="0" dirty="0">
-                <a:effectLst/>
-                <a:latin typeface="Arial" panose="020B0604020202020204" pitchFamily="34" charset="0"/>
-              </a:rPr>
-              <a:t>Comparing with </a:t>
-            </a:r>
-            <a:r>
-              <a:rPr lang="en-US" altLang="zh-TW" b="0" i="0" dirty="0" err="1">
-                <a:effectLst/>
-                <a:latin typeface="Arial" panose="020B0604020202020204" pitchFamily="34" charset="0"/>
-              </a:rPr>
-              <a:t>BEiT</a:t>
-            </a:r>
-            <a:r>
-              <a:rPr lang="en-US" altLang="zh-TW" b="0" i="0" dirty="0">
-                <a:effectLst/>
-                <a:latin typeface="Arial" panose="020B0604020202020204" pitchFamily="34" charset="0"/>
-              </a:rPr>
-              <a:t> MAE </a:t>
-            </a:r>
-            <a:r>
-              <a:rPr lang="en-US" altLang="zh-TW" b="0" i="0" dirty="0" err="1">
-                <a:effectLst/>
-                <a:latin typeface="Arial" panose="020B0604020202020204" pitchFamily="34" charset="0"/>
-              </a:rPr>
-              <a:t>ismore</a:t>
-            </a:r>
-            <a:r>
-              <a:rPr lang="en-US" altLang="zh-TW" b="0" i="0" dirty="0">
-                <a:effectLst/>
-                <a:latin typeface="Arial" panose="020B0604020202020204" pitchFamily="34" charset="0"/>
-              </a:rPr>
-              <a:t> accurate while being simpler and faster</a:t>
-            </a:r>
             <a:endParaRPr dirty="0"/>
           </a:p>
         </p:txBody>
@@ -3212,7 +3036,7 @@
     </p:spTree>
     <p:extLst>
       <p:ext uri="{BB962C8B-B14F-4D97-AF65-F5344CB8AC3E}">
-        <p14:creationId xmlns:p14="http://schemas.microsoft.com/office/powerpoint/2010/main" val="3584049124"/>
+        <p14:creationId xmlns:p14="http://schemas.microsoft.com/office/powerpoint/2010/main" val="2988920185"/>
       </p:ext>
     </p:extLst>
   </p:cSld>
@@ -3395,6 +3219,893 @@
 </file>
 
 <file path=ppt/notesSlides/notesSlide20.xml><?xml version="1.0" encoding="utf-8"?>
+<p:notes xmlns:a="http://schemas.openxmlformats.org/drawingml/2006/main" xmlns:r="http://schemas.openxmlformats.org/officeDocument/2006/relationships" xmlns:p="http://schemas.openxmlformats.org/presentationml/2006/main" showMasterSp="0" showMasterPhAnim="0">
+  <p:cSld>
+    <p:spTree>
+      <p:nvGrpSpPr>
+        <p:cNvPr id="1" name="Shape 135"/>
+        <p:cNvGrpSpPr/>
+        <p:nvPr/>
+      </p:nvGrpSpPr>
+      <p:grpSpPr>
+        <a:xfrm>
+          <a:off x="0" y="0"/>
+          <a:ext cx="0" cy="0"/>
+          <a:chOff x="0" y="0"/>
+          <a:chExt cx="0" cy="0"/>
+        </a:xfrm>
+      </p:grpSpPr>
+      <p:sp>
+        <p:nvSpPr>
+          <p:cNvPr id="136" name="Google Shape;136;g1144437607e_2_96:notes"/>
+          <p:cNvSpPr>
+            <a:spLocks noGrp="1" noRot="1" noChangeAspect="1"/>
+          </p:cNvSpPr>
+          <p:nvPr>
+            <p:ph type="sldImg" idx="2"/>
+          </p:nvPr>
+        </p:nvSpPr>
+        <p:spPr>
+          <a:xfrm>
+            <a:off x="685800" y="1143000"/>
+            <a:ext cx="5486400" cy="3086100"/>
+          </a:xfrm>
+          <a:custGeom>
+            <a:avLst/>
+            <a:gdLst/>
+            <a:ahLst/>
+            <a:cxnLst/>
+            <a:rect l="l" t="t" r="r" b="b"/>
+            <a:pathLst>
+              <a:path w="120000" h="120000" extrusionOk="0">
+                <a:moveTo>
+                  <a:pt x="0" y="0"/>
+                </a:moveTo>
+                <a:lnTo>
+                  <a:pt x="120000" y="0"/>
+                </a:lnTo>
+                <a:lnTo>
+                  <a:pt x="120000" y="120000"/>
+                </a:lnTo>
+                <a:lnTo>
+                  <a:pt x="0" y="120000"/>
+                </a:lnTo>
+                <a:close/>
+              </a:path>
+            </a:pathLst>
+          </a:custGeom>
+          <a:noFill/>
+          <a:ln w="12700" cap="flat" cmpd="sng">
+            <a:solidFill>
+              <a:srgbClr val="000000"/>
+            </a:solidFill>
+            <a:prstDash val="solid"/>
+            <a:round/>
+            <a:headEnd type="none" w="sm" len="sm"/>
+            <a:tailEnd type="none" w="sm" len="sm"/>
+          </a:ln>
+        </p:spPr>
+      </p:sp>
+      <p:sp>
+        <p:nvSpPr>
+          <p:cNvPr id="137" name="Google Shape;137;g1144437607e_2_96:notes"/>
+          <p:cNvSpPr txBox="1">
+            <a:spLocks noGrp="1"/>
+          </p:cNvSpPr>
+          <p:nvPr>
+            <p:ph type="body" idx="1"/>
+          </p:nvPr>
+        </p:nvSpPr>
+        <p:spPr>
+          <a:xfrm>
+            <a:off x="685800" y="4400550"/>
+            <a:ext cx="5486400" cy="3600600"/>
+          </a:xfrm>
+          <a:prstGeom prst="rect">
+            <a:avLst/>
+          </a:prstGeom>
+          <a:noFill/>
+          <a:ln>
+            <a:noFill/>
+          </a:ln>
+        </p:spPr>
+        <p:txBody>
+          <a:bodyPr spcFirstLastPara="1" wrap="square" lIns="91425" tIns="45700" rIns="91425" bIns="45700" anchor="t" anchorCtr="0">
+            <a:noAutofit/>
+          </a:bodyPr>
+          <a:lstStyle/>
+          <a:p>
+            <a:pPr marL="0" marR="0" lvl="0" indent="0" algn="l" rtl="0">
+              <a:lnSpc>
+                <a:spcPct val="100000"/>
+              </a:lnSpc>
+              <a:spcBef>
+                <a:spcPts val="0"/>
+              </a:spcBef>
+              <a:spcAft>
+                <a:spcPts val="0"/>
+              </a:spcAft>
+              <a:buClr>
+                <a:schemeClr val="dk1"/>
+              </a:buClr>
+              <a:buSzPts val="1200"/>
+              <a:buFont typeface="Calibri"/>
+              <a:buNone/>
+            </a:pPr>
+            <a:r>
+              <a:rPr lang="en-US" altLang="zh-TW" b="0" i="0" dirty="0">
+                <a:effectLst/>
+                <a:latin typeface="Arial" panose="020B0604020202020204" pitchFamily="34" charset="0"/>
+              </a:rPr>
+              <a:t>86.9% </a:t>
+            </a:r>
+            <a:r>
+              <a:rPr lang="en-US" altLang="zh-TW" b="0" i="0" dirty="0" err="1">
+                <a:effectLst/>
+                <a:latin typeface="Arial" panose="020B0604020202020204" pitchFamily="34" charset="0"/>
+              </a:rPr>
+              <a:t>VitH</a:t>
+            </a:r>
+            <a:br>
+              <a:rPr lang="zh-TW" altLang="en-US" b="0" i="0" dirty="0">
+                <a:effectLst/>
+                <a:latin typeface="Arial" panose="020B0604020202020204" pitchFamily="34" charset="0"/>
+              </a:rPr>
+            </a:br>
+            <a:r>
+              <a:rPr lang="en-US" altLang="zh-TW" b="0" i="0" dirty="0">
+                <a:effectLst/>
+                <a:latin typeface="Arial" panose="020B0604020202020204" pitchFamily="34" charset="0"/>
+              </a:rPr>
+              <a:t>87.8%</a:t>
+            </a:r>
+          </a:p>
+          <a:p>
+            <a:pPr marL="0" marR="0" lvl="0" indent="0" algn="l" rtl="0">
+              <a:lnSpc>
+                <a:spcPct val="100000"/>
+              </a:lnSpc>
+              <a:spcBef>
+                <a:spcPts val="0"/>
+              </a:spcBef>
+              <a:spcAft>
+                <a:spcPts val="0"/>
+              </a:spcAft>
+              <a:buClr>
+                <a:schemeClr val="dk1"/>
+              </a:buClr>
+              <a:buSzPts val="1200"/>
+              <a:buFont typeface="Calibri"/>
+              <a:buNone/>
+            </a:pPr>
+            <a:endParaRPr lang="en-US" b="0" i="0" dirty="0">
+              <a:effectLst/>
+              <a:latin typeface="Arial" panose="020B0604020202020204" pitchFamily="34" charset="0"/>
+            </a:endParaRPr>
+          </a:p>
+          <a:p>
+            <a:pPr marL="0" marR="0" lvl="0" indent="0" algn="l" rtl="0">
+              <a:lnSpc>
+                <a:spcPct val="100000"/>
+              </a:lnSpc>
+              <a:spcBef>
+                <a:spcPts val="0"/>
+              </a:spcBef>
+              <a:spcAft>
+                <a:spcPts val="0"/>
+              </a:spcAft>
+              <a:buClr>
+                <a:schemeClr val="dk1"/>
+              </a:buClr>
+              <a:buSzPts val="1200"/>
+              <a:buFont typeface="Calibri"/>
+              <a:buNone/>
+            </a:pPr>
+            <a:r>
+              <a:rPr lang="en-US" altLang="zh-TW" b="0" i="0" dirty="0">
+                <a:effectLst/>
+                <a:latin typeface="Arial" panose="020B0604020202020204" pitchFamily="34" charset="0"/>
+              </a:rPr>
+              <a:t>Comparing with </a:t>
+            </a:r>
+            <a:r>
+              <a:rPr lang="en-US" altLang="zh-TW" b="0" i="0" dirty="0" err="1">
+                <a:effectLst/>
+                <a:latin typeface="Arial" panose="020B0604020202020204" pitchFamily="34" charset="0"/>
+              </a:rPr>
+              <a:t>BEiT</a:t>
+            </a:r>
+            <a:r>
+              <a:rPr lang="en-US" altLang="zh-TW" b="0" i="0" dirty="0">
+                <a:effectLst/>
+                <a:latin typeface="Arial" panose="020B0604020202020204" pitchFamily="34" charset="0"/>
+              </a:rPr>
+              <a:t> MAE is more accurate while being simpler and faster</a:t>
+            </a:r>
+          </a:p>
+          <a:p>
+            <a:pPr marL="0" marR="0" lvl="0" indent="0" algn="l" rtl="0">
+              <a:lnSpc>
+                <a:spcPct val="100000"/>
+              </a:lnSpc>
+              <a:spcBef>
+                <a:spcPts val="0"/>
+              </a:spcBef>
+              <a:spcAft>
+                <a:spcPts val="0"/>
+              </a:spcAft>
+              <a:buClr>
+                <a:schemeClr val="dk1"/>
+              </a:buClr>
+              <a:buSzPts val="1200"/>
+              <a:buFont typeface="Calibri"/>
+              <a:buNone/>
+            </a:pPr>
+            <a:r>
+              <a:rPr lang="en-US" altLang="zh-TW" b="0" i="0" dirty="0">
+                <a:effectLst/>
+                <a:latin typeface="Arial" panose="020B0604020202020204" pitchFamily="34" charset="0"/>
+              </a:rPr>
+              <a:t>MAE’s training time is 31 hours for 1600 epochs and 	</a:t>
+            </a:r>
+          </a:p>
+          <a:p>
+            <a:pPr marL="0" marR="0" lvl="0" indent="0" algn="l" rtl="0">
+              <a:lnSpc>
+                <a:spcPct val="100000"/>
+              </a:lnSpc>
+              <a:spcBef>
+                <a:spcPts val="0"/>
+              </a:spcBef>
+              <a:spcAft>
+                <a:spcPts val="0"/>
+              </a:spcAft>
+              <a:buClr>
+                <a:schemeClr val="dk1"/>
+              </a:buClr>
+              <a:buSzPts val="1200"/>
+              <a:buFont typeface="Calibri"/>
+              <a:buNone/>
+            </a:pPr>
+            <a:r>
+              <a:rPr lang="en-US" altLang="zh-TW" b="0" i="0" dirty="0">
+                <a:effectLst/>
+                <a:latin typeface="Arial" panose="020B0604020202020204" pitchFamily="34" charset="0"/>
+              </a:rPr>
+              <a:t>                 </a:t>
+            </a:r>
+            <a:r>
+              <a:rPr lang="en-US" altLang="zh-TW" b="0" i="0" dirty="0" err="1">
+                <a:effectLst/>
+                <a:latin typeface="Arial" panose="020B0604020202020204" pitchFamily="34" charset="0"/>
+              </a:rPr>
+              <a:t>MoCo</a:t>
+            </a:r>
+            <a:r>
+              <a:rPr lang="en-US" altLang="zh-TW" b="0" i="0" dirty="0">
+                <a:effectLst/>
+                <a:latin typeface="Arial" panose="020B0604020202020204" pitchFamily="34" charset="0"/>
+              </a:rPr>
+              <a:t> v3’s is 36 hours for 300 epoch</a:t>
+            </a:r>
+            <a:endParaRPr lang="en-US" b="0" i="0" dirty="0">
+              <a:effectLst/>
+              <a:latin typeface="Arial" panose="020B0604020202020204" pitchFamily="34" charset="0"/>
+            </a:endParaRPr>
+          </a:p>
+          <a:p>
+            <a:pPr marL="0" marR="0" lvl="0" indent="0" algn="l" rtl="0">
+              <a:lnSpc>
+                <a:spcPct val="100000"/>
+              </a:lnSpc>
+              <a:spcBef>
+                <a:spcPts val="0"/>
+              </a:spcBef>
+              <a:spcAft>
+                <a:spcPts val="0"/>
+              </a:spcAft>
+              <a:buClr>
+                <a:schemeClr val="dk1"/>
+              </a:buClr>
+              <a:buSzPts val="1200"/>
+              <a:buFont typeface="Calibri"/>
+              <a:buNone/>
+            </a:pPr>
+            <a:endParaRPr dirty="0"/>
+          </a:p>
+        </p:txBody>
+      </p:sp>
+      <p:sp>
+        <p:nvSpPr>
+          <p:cNvPr id="138" name="Google Shape;138;g1144437607e_2_96:notes"/>
+          <p:cNvSpPr txBox="1">
+            <a:spLocks noGrp="1"/>
+          </p:cNvSpPr>
+          <p:nvPr>
+            <p:ph type="sldNum" idx="12"/>
+          </p:nvPr>
+        </p:nvSpPr>
+        <p:spPr>
+          <a:xfrm>
+            <a:off x="3884613" y="8685213"/>
+            <a:ext cx="2971800" cy="458700"/>
+          </a:xfrm>
+          <a:prstGeom prst="rect">
+            <a:avLst/>
+          </a:prstGeom>
+          <a:noFill/>
+          <a:ln>
+            <a:noFill/>
+          </a:ln>
+        </p:spPr>
+        <p:txBody>
+          <a:bodyPr spcFirstLastPara="1" wrap="square" lIns="91425" tIns="45700" rIns="91425" bIns="45700" anchor="b" anchorCtr="0">
+            <a:noAutofit/>
+          </a:bodyPr>
+          <a:lstStyle/>
+          <a:p>
+            <a:pPr marL="0" lvl="0" indent="0" algn="r" rtl="0">
+              <a:spcBef>
+                <a:spcPts val="0"/>
+              </a:spcBef>
+              <a:spcAft>
+                <a:spcPts val="0"/>
+              </a:spcAft>
+              <a:buNone/>
+            </a:pPr>
+            <a:fld id="{00000000-1234-1234-1234-123412341234}" type="slidenum">
+              <a:rPr lang="en-US" altLang="zh-TW"/>
+              <a:t>20</a:t>
+            </a:fld>
+            <a:endParaRPr/>
+          </a:p>
+        </p:txBody>
+      </p:sp>
+    </p:spTree>
+    <p:extLst>
+      <p:ext uri="{BB962C8B-B14F-4D97-AF65-F5344CB8AC3E}">
+        <p14:creationId xmlns:p14="http://schemas.microsoft.com/office/powerpoint/2010/main" val="1578631697"/>
+      </p:ext>
+    </p:extLst>
+  </p:cSld>
+  <p:clrMapOvr>
+    <a:masterClrMapping/>
+  </p:clrMapOvr>
+</p:notes>
+</file>
+
+<file path=ppt/notesSlides/notesSlide21.xml><?xml version="1.0" encoding="utf-8"?>
+<p:notes xmlns:a="http://schemas.openxmlformats.org/drawingml/2006/main" xmlns:r="http://schemas.openxmlformats.org/officeDocument/2006/relationships" xmlns:p="http://schemas.openxmlformats.org/presentationml/2006/main" showMasterSp="0" showMasterPhAnim="0">
+  <p:cSld>
+    <p:spTree>
+      <p:nvGrpSpPr>
+        <p:cNvPr id="1" name="Shape 135"/>
+        <p:cNvGrpSpPr/>
+        <p:nvPr/>
+      </p:nvGrpSpPr>
+      <p:grpSpPr>
+        <a:xfrm>
+          <a:off x="0" y="0"/>
+          <a:ext cx="0" cy="0"/>
+          <a:chOff x="0" y="0"/>
+          <a:chExt cx="0" cy="0"/>
+        </a:xfrm>
+      </p:grpSpPr>
+      <p:sp>
+        <p:nvSpPr>
+          <p:cNvPr id="136" name="Google Shape;136;g1144437607e_2_96:notes"/>
+          <p:cNvSpPr>
+            <a:spLocks noGrp="1" noRot="1" noChangeAspect="1"/>
+          </p:cNvSpPr>
+          <p:nvPr>
+            <p:ph type="sldImg" idx="2"/>
+          </p:nvPr>
+        </p:nvSpPr>
+        <p:spPr>
+          <a:xfrm>
+            <a:off x="685800" y="1143000"/>
+            <a:ext cx="5486400" cy="3086100"/>
+          </a:xfrm>
+          <a:custGeom>
+            <a:avLst/>
+            <a:gdLst/>
+            <a:ahLst/>
+            <a:cxnLst/>
+            <a:rect l="l" t="t" r="r" b="b"/>
+            <a:pathLst>
+              <a:path w="120000" h="120000" extrusionOk="0">
+                <a:moveTo>
+                  <a:pt x="0" y="0"/>
+                </a:moveTo>
+                <a:lnTo>
+                  <a:pt x="120000" y="0"/>
+                </a:lnTo>
+                <a:lnTo>
+                  <a:pt x="120000" y="120000"/>
+                </a:lnTo>
+                <a:lnTo>
+                  <a:pt x="0" y="120000"/>
+                </a:lnTo>
+                <a:close/>
+              </a:path>
+            </a:pathLst>
+          </a:custGeom>
+          <a:noFill/>
+          <a:ln w="12700" cap="flat" cmpd="sng">
+            <a:solidFill>
+              <a:srgbClr val="000000"/>
+            </a:solidFill>
+            <a:prstDash val="solid"/>
+            <a:round/>
+            <a:headEnd type="none" w="sm" len="sm"/>
+            <a:tailEnd type="none" w="sm" len="sm"/>
+          </a:ln>
+        </p:spPr>
+      </p:sp>
+      <p:sp>
+        <p:nvSpPr>
+          <p:cNvPr id="137" name="Google Shape;137;g1144437607e_2_96:notes"/>
+          <p:cNvSpPr txBox="1">
+            <a:spLocks noGrp="1"/>
+          </p:cNvSpPr>
+          <p:nvPr>
+            <p:ph type="body" idx="1"/>
+          </p:nvPr>
+        </p:nvSpPr>
+        <p:spPr>
+          <a:xfrm>
+            <a:off x="685800" y="4400550"/>
+            <a:ext cx="5486400" cy="3600600"/>
+          </a:xfrm>
+          <a:prstGeom prst="rect">
+            <a:avLst/>
+          </a:prstGeom>
+          <a:noFill/>
+          <a:ln>
+            <a:noFill/>
+          </a:ln>
+        </p:spPr>
+        <p:txBody>
+          <a:bodyPr spcFirstLastPara="1" wrap="square" lIns="91425" tIns="45700" rIns="91425" bIns="45700" anchor="t" anchorCtr="0">
+            <a:noAutofit/>
+          </a:bodyPr>
+          <a:lstStyle/>
+          <a:p>
+            <a:pPr marL="0" marR="0" lvl="0" indent="0" algn="l" rtl="0">
+              <a:lnSpc>
+                <a:spcPct val="100000"/>
+              </a:lnSpc>
+              <a:spcBef>
+                <a:spcPts val="0"/>
+              </a:spcBef>
+              <a:spcAft>
+                <a:spcPts val="0"/>
+              </a:spcAft>
+              <a:buClr>
+                <a:schemeClr val="dk1"/>
+              </a:buClr>
+              <a:buSzPts val="1200"/>
+              <a:buFont typeface="Calibri"/>
+              <a:buNone/>
+            </a:pPr>
+            <a:endParaRPr dirty="0"/>
+          </a:p>
+        </p:txBody>
+      </p:sp>
+      <p:sp>
+        <p:nvSpPr>
+          <p:cNvPr id="138" name="Google Shape;138;g1144437607e_2_96:notes"/>
+          <p:cNvSpPr txBox="1">
+            <a:spLocks noGrp="1"/>
+          </p:cNvSpPr>
+          <p:nvPr>
+            <p:ph type="sldNum" idx="12"/>
+          </p:nvPr>
+        </p:nvSpPr>
+        <p:spPr>
+          <a:xfrm>
+            <a:off x="3884613" y="8685213"/>
+            <a:ext cx="2971800" cy="458700"/>
+          </a:xfrm>
+          <a:prstGeom prst="rect">
+            <a:avLst/>
+          </a:prstGeom>
+          <a:noFill/>
+          <a:ln>
+            <a:noFill/>
+          </a:ln>
+        </p:spPr>
+        <p:txBody>
+          <a:bodyPr spcFirstLastPara="1" wrap="square" lIns="91425" tIns="45700" rIns="91425" bIns="45700" anchor="b" anchorCtr="0">
+            <a:noAutofit/>
+          </a:bodyPr>
+          <a:lstStyle/>
+          <a:p>
+            <a:pPr marL="0" lvl="0" indent="0" algn="r" rtl="0">
+              <a:spcBef>
+                <a:spcPts val="0"/>
+              </a:spcBef>
+              <a:spcAft>
+                <a:spcPts val="0"/>
+              </a:spcAft>
+              <a:buNone/>
+            </a:pPr>
+            <a:fld id="{00000000-1234-1234-1234-123412341234}" type="slidenum">
+              <a:rPr lang="en-US" altLang="zh-TW"/>
+              <a:t>21</a:t>
+            </a:fld>
+            <a:endParaRPr/>
+          </a:p>
+        </p:txBody>
+      </p:sp>
+    </p:spTree>
+    <p:extLst>
+      <p:ext uri="{BB962C8B-B14F-4D97-AF65-F5344CB8AC3E}">
+        <p14:creationId xmlns:p14="http://schemas.microsoft.com/office/powerpoint/2010/main" val="489152485"/>
+      </p:ext>
+    </p:extLst>
+  </p:cSld>
+  <p:clrMapOvr>
+    <a:masterClrMapping/>
+  </p:clrMapOvr>
+</p:notes>
+</file>
+
+<file path=ppt/notesSlides/notesSlide22.xml><?xml version="1.0" encoding="utf-8"?>
+<p:notes xmlns:a="http://schemas.openxmlformats.org/drawingml/2006/main" xmlns:r="http://schemas.openxmlformats.org/officeDocument/2006/relationships" xmlns:p="http://schemas.openxmlformats.org/presentationml/2006/main" showMasterSp="0" showMasterPhAnim="0">
+  <p:cSld>
+    <p:spTree>
+      <p:nvGrpSpPr>
+        <p:cNvPr id="1" name="Shape 135"/>
+        <p:cNvGrpSpPr/>
+        <p:nvPr/>
+      </p:nvGrpSpPr>
+      <p:grpSpPr>
+        <a:xfrm>
+          <a:off x="0" y="0"/>
+          <a:ext cx="0" cy="0"/>
+          <a:chOff x="0" y="0"/>
+          <a:chExt cx="0" cy="0"/>
+        </a:xfrm>
+      </p:grpSpPr>
+      <p:sp>
+        <p:nvSpPr>
+          <p:cNvPr id="136" name="Google Shape;136;g1144437607e_2_96:notes"/>
+          <p:cNvSpPr>
+            <a:spLocks noGrp="1" noRot="1" noChangeAspect="1"/>
+          </p:cNvSpPr>
+          <p:nvPr>
+            <p:ph type="sldImg" idx="2"/>
+          </p:nvPr>
+        </p:nvSpPr>
+        <p:spPr>
+          <a:xfrm>
+            <a:off x="685800" y="1143000"/>
+            <a:ext cx="5486400" cy="3086100"/>
+          </a:xfrm>
+          <a:custGeom>
+            <a:avLst/>
+            <a:gdLst/>
+            <a:ahLst/>
+            <a:cxnLst/>
+            <a:rect l="l" t="t" r="r" b="b"/>
+            <a:pathLst>
+              <a:path w="120000" h="120000" extrusionOk="0">
+                <a:moveTo>
+                  <a:pt x="0" y="0"/>
+                </a:moveTo>
+                <a:lnTo>
+                  <a:pt x="120000" y="0"/>
+                </a:lnTo>
+                <a:lnTo>
+                  <a:pt x="120000" y="120000"/>
+                </a:lnTo>
+                <a:lnTo>
+                  <a:pt x="0" y="120000"/>
+                </a:lnTo>
+                <a:close/>
+              </a:path>
+            </a:pathLst>
+          </a:custGeom>
+          <a:noFill/>
+          <a:ln w="12700" cap="flat" cmpd="sng">
+            <a:solidFill>
+              <a:srgbClr val="000000"/>
+            </a:solidFill>
+            <a:prstDash val="solid"/>
+            <a:round/>
+            <a:headEnd type="none" w="sm" len="sm"/>
+            <a:tailEnd type="none" w="sm" len="sm"/>
+          </a:ln>
+        </p:spPr>
+      </p:sp>
+      <p:sp>
+        <p:nvSpPr>
+          <p:cNvPr id="137" name="Google Shape;137;g1144437607e_2_96:notes"/>
+          <p:cNvSpPr txBox="1">
+            <a:spLocks noGrp="1"/>
+          </p:cNvSpPr>
+          <p:nvPr>
+            <p:ph type="body" idx="1"/>
+          </p:nvPr>
+        </p:nvSpPr>
+        <p:spPr>
+          <a:xfrm>
+            <a:off x="685800" y="4400550"/>
+            <a:ext cx="5486400" cy="3600600"/>
+          </a:xfrm>
+          <a:prstGeom prst="rect">
+            <a:avLst/>
+          </a:prstGeom>
+          <a:noFill/>
+          <a:ln>
+            <a:noFill/>
+          </a:ln>
+        </p:spPr>
+        <p:txBody>
+          <a:bodyPr spcFirstLastPara="1" wrap="square" lIns="91425" tIns="45700" rIns="91425" bIns="45700" anchor="t" anchorCtr="0">
+            <a:noAutofit/>
+          </a:bodyPr>
+          <a:lstStyle/>
+          <a:p>
+            <a:pPr marL="0" marR="0" lvl="0" indent="0" algn="l" rtl="0">
+              <a:lnSpc>
+                <a:spcPct val="100000"/>
+              </a:lnSpc>
+              <a:spcBef>
+                <a:spcPts val="0"/>
+              </a:spcBef>
+              <a:spcAft>
+                <a:spcPts val="0"/>
+              </a:spcAft>
+              <a:buClr>
+                <a:schemeClr val="dk1"/>
+              </a:buClr>
+              <a:buSzPts val="1200"/>
+              <a:buFont typeface="Calibri"/>
+              <a:buNone/>
+            </a:pPr>
+            <a:endParaRPr dirty="0"/>
+          </a:p>
+        </p:txBody>
+      </p:sp>
+      <p:sp>
+        <p:nvSpPr>
+          <p:cNvPr id="138" name="Google Shape;138;g1144437607e_2_96:notes"/>
+          <p:cNvSpPr txBox="1">
+            <a:spLocks noGrp="1"/>
+          </p:cNvSpPr>
+          <p:nvPr>
+            <p:ph type="sldNum" idx="12"/>
+          </p:nvPr>
+        </p:nvSpPr>
+        <p:spPr>
+          <a:xfrm>
+            <a:off x="3884613" y="8685213"/>
+            <a:ext cx="2971800" cy="458700"/>
+          </a:xfrm>
+          <a:prstGeom prst="rect">
+            <a:avLst/>
+          </a:prstGeom>
+          <a:noFill/>
+          <a:ln>
+            <a:noFill/>
+          </a:ln>
+        </p:spPr>
+        <p:txBody>
+          <a:bodyPr spcFirstLastPara="1" wrap="square" lIns="91425" tIns="45700" rIns="91425" bIns="45700" anchor="b" anchorCtr="0">
+            <a:noAutofit/>
+          </a:bodyPr>
+          <a:lstStyle/>
+          <a:p>
+            <a:pPr marL="0" lvl="0" indent="0" algn="r" rtl="0">
+              <a:spcBef>
+                <a:spcPts val="0"/>
+              </a:spcBef>
+              <a:spcAft>
+                <a:spcPts val="0"/>
+              </a:spcAft>
+              <a:buNone/>
+            </a:pPr>
+            <a:fld id="{00000000-1234-1234-1234-123412341234}" type="slidenum">
+              <a:rPr lang="en-US" altLang="zh-TW"/>
+              <a:t>22</a:t>
+            </a:fld>
+            <a:endParaRPr/>
+          </a:p>
+        </p:txBody>
+      </p:sp>
+    </p:spTree>
+    <p:extLst>
+      <p:ext uri="{BB962C8B-B14F-4D97-AF65-F5344CB8AC3E}">
+        <p14:creationId xmlns:p14="http://schemas.microsoft.com/office/powerpoint/2010/main" val="1006357127"/>
+      </p:ext>
+    </p:extLst>
+  </p:cSld>
+  <p:clrMapOvr>
+    <a:masterClrMapping/>
+  </p:clrMapOvr>
+</p:notes>
+</file>
+
+<file path=ppt/notesSlides/notesSlide23.xml><?xml version="1.0" encoding="utf-8"?>
+<p:notes xmlns:a="http://schemas.openxmlformats.org/drawingml/2006/main" xmlns:r="http://schemas.openxmlformats.org/officeDocument/2006/relationships" xmlns:p="http://schemas.openxmlformats.org/presentationml/2006/main" showMasterSp="0" showMasterPhAnim="0">
+  <p:cSld>
+    <p:spTree>
+      <p:nvGrpSpPr>
+        <p:cNvPr id="1" name="Shape 135"/>
+        <p:cNvGrpSpPr/>
+        <p:nvPr/>
+      </p:nvGrpSpPr>
+      <p:grpSpPr>
+        <a:xfrm>
+          <a:off x="0" y="0"/>
+          <a:ext cx="0" cy="0"/>
+          <a:chOff x="0" y="0"/>
+          <a:chExt cx="0" cy="0"/>
+        </a:xfrm>
+      </p:grpSpPr>
+      <p:sp>
+        <p:nvSpPr>
+          <p:cNvPr id="136" name="Google Shape;136;g1144437607e_2_96:notes"/>
+          <p:cNvSpPr>
+            <a:spLocks noGrp="1" noRot="1" noChangeAspect="1"/>
+          </p:cNvSpPr>
+          <p:nvPr>
+            <p:ph type="sldImg" idx="2"/>
+          </p:nvPr>
+        </p:nvSpPr>
+        <p:spPr>
+          <a:xfrm>
+            <a:off x="685800" y="1143000"/>
+            <a:ext cx="5486400" cy="3086100"/>
+          </a:xfrm>
+          <a:custGeom>
+            <a:avLst/>
+            <a:gdLst/>
+            <a:ahLst/>
+            <a:cxnLst/>
+            <a:rect l="l" t="t" r="r" b="b"/>
+            <a:pathLst>
+              <a:path w="120000" h="120000" extrusionOk="0">
+                <a:moveTo>
+                  <a:pt x="0" y="0"/>
+                </a:moveTo>
+                <a:lnTo>
+                  <a:pt x="120000" y="0"/>
+                </a:lnTo>
+                <a:lnTo>
+                  <a:pt x="120000" y="120000"/>
+                </a:lnTo>
+                <a:lnTo>
+                  <a:pt x="0" y="120000"/>
+                </a:lnTo>
+                <a:close/>
+              </a:path>
+            </a:pathLst>
+          </a:custGeom>
+          <a:noFill/>
+          <a:ln w="12700" cap="flat" cmpd="sng">
+            <a:solidFill>
+              <a:srgbClr val="000000"/>
+            </a:solidFill>
+            <a:prstDash val="solid"/>
+            <a:round/>
+            <a:headEnd type="none" w="sm" len="sm"/>
+            <a:tailEnd type="none" w="sm" len="sm"/>
+          </a:ln>
+        </p:spPr>
+      </p:sp>
+      <p:sp>
+        <p:nvSpPr>
+          <p:cNvPr id="137" name="Google Shape;137;g1144437607e_2_96:notes"/>
+          <p:cNvSpPr txBox="1">
+            <a:spLocks noGrp="1"/>
+          </p:cNvSpPr>
+          <p:nvPr>
+            <p:ph type="body" idx="1"/>
+          </p:nvPr>
+        </p:nvSpPr>
+        <p:spPr>
+          <a:xfrm>
+            <a:off x="685800" y="4400550"/>
+            <a:ext cx="5486400" cy="3600600"/>
+          </a:xfrm>
+          <a:prstGeom prst="rect">
+            <a:avLst/>
+          </a:prstGeom>
+          <a:noFill/>
+          <a:ln>
+            <a:noFill/>
+          </a:ln>
+        </p:spPr>
+        <p:txBody>
+          <a:bodyPr spcFirstLastPara="1" wrap="square" lIns="91425" tIns="45700" rIns="91425" bIns="45700" anchor="t" anchorCtr="0">
+            <a:noAutofit/>
+          </a:bodyPr>
+          <a:lstStyle/>
+          <a:p>
+            <a:pPr marL="0" marR="0" lvl="0" indent="0" algn="l" rtl="0">
+              <a:lnSpc>
+                <a:spcPct val="100000"/>
+              </a:lnSpc>
+              <a:spcBef>
+                <a:spcPts val="0"/>
+              </a:spcBef>
+              <a:spcAft>
+                <a:spcPts val="0"/>
+              </a:spcAft>
+              <a:buClr>
+                <a:schemeClr val="dk1"/>
+              </a:buClr>
+              <a:buSzPts val="1200"/>
+              <a:buFont typeface="Calibri"/>
+              <a:buNone/>
+            </a:pPr>
+            <a:endParaRPr dirty="0"/>
+          </a:p>
+        </p:txBody>
+      </p:sp>
+      <p:sp>
+        <p:nvSpPr>
+          <p:cNvPr id="138" name="Google Shape;138;g1144437607e_2_96:notes"/>
+          <p:cNvSpPr txBox="1">
+            <a:spLocks noGrp="1"/>
+          </p:cNvSpPr>
+          <p:nvPr>
+            <p:ph type="sldNum" idx="12"/>
+          </p:nvPr>
+        </p:nvSpPr>
+        <p:spPr>
+          <a:xfrm>
+            <a:off x="3884613" y="8685213"/>
+            <a:ext cx="2971800" cy="458700"/>
+          </a:xfrm>
+          <a:prstGeom prst="rect">
+            <a:avLst/>
+          </a:prstGeom>
+          <a:noFill/>
+          <a:ln>
+            <a:noFill/>
+          </a:ln>
+        </p:spPr>
+        <p:txBody>
+          <a:bodyPr spcFirstLastPara="1" wrap="square" lIns="91425" tIns="45700" rIns="91425" bIns="45700" anchor="b" anchorCtr="0">
+            <a:noAutofit/>
+          </a:bodyPr>
+          <a:lstStyle/>
+          <a:p>
+            <a:pPr marL="0" lvl="0" indent="0" algn="r" rtl="0">
+              <a:spcBef>
+                <a:spcPts val="0"/>
+              </a:spcBef>
+              <a:spcAft>
+                <a:spcPts val="0"/>
+              </a:spcAft>
+              <a:buNone/>
+            </a:pPr>
+            <a:fld id="{00000000-1234-1234-1234-123412341234}" type="slidenum">
+              <a:rPr lang="en-US" altLang="zh-TW"/>
+              <a:t>23</a:t>
+            </a:fld>
+            <a:endParaRPr/>
+          </a:p>
+        </p:txBody>
+      </p:sp>
+    </p:spTree>
+    <p:extLst>
+      <p:ext uri="{BB962C8B-B14F-4D97-AF65-F5344CB8AC3E}">
+        <p14:creationId xmlns:p14="http://schemas.microsoft.com/office/powerpoint/2010/main" val="3584049124"/>
+      </p:ext>
+    </p:extLst>
+  </p:cSld>
+  <p:clrMapOvr>
+    <a:masterClrMapping/>
+  </p:clrMapOvr>
+</p:notes>
+</file>
+
+<file path=ppt/notesSlides/notesSlide24.xml><?xml version="1.0" encoding="utf-8"?>
 <p:notes xmlns:a="http://schemas.openxmlformats.org/drawingml/2006/main" xmlns:r="http://schemas.openxmlformats.org/officeDocument/2006/relationships" xmlns:p="http://schemas.openxmlformats.org/presentationml/2006/main" showMasterSp="0" showMasterPhAnim="0">
   <p:cSld>
     <p:spTree>
@@ -4370,28 +5081,130 @@
           </a:bodyPr>
           <a:lstStyle/>
           <a:p>
-            <a:pPr marL="0" marR="0" lvl="0" indent="0" algn="l" rtl="0">
+            <a:pPr marL="368300" lvl="0" indent="-228600">
               <a:lnSpc>
-                <a:spcPct val="100000"/>
+                <a:spcPct val="150000"/>
               </a:lnSpc>
-              <a:spcBef>
-                <a:spcPts val="0"/>
-              </a:spcBef>
-              <a:spcAft>
-                <a:spcPts val="0"/>
-              </a:spcAft>
               <a:buClr>
                 <a:schemeClr val="dk1"/>
               </a:buClr>
-              <a:buSzPts val="1200"/>
-              <a:buFont typeface="Calibri"/>
-              <a:buNone/>
+              <a:buSzPts val="1400"/>
+              <a:buFont typeface="+mj-lt"/>
+              <a:buAutoNum type="arabicPeriod"/>
             </a:pPr>
             <a:r>
+              <a:rPr lang="en-US" altLang="zh-TW" dirty="0"/>
+              <a:t>Masks random patches and reconstructs missing patches.</a:t>
+            </a:r>
+          </a:p>
+          <a:p>
+            <a:pPr marL="368300" lvl="0" indent="-228600">
+              <a:lnSpc>
+                <a:spcPct val="150000"/>
+              </a:lnSpc>
+              <a:buClr>
+                <a:schemeClr val="dk1"/>
+              </a:buClr>
+              <a:buSzPts val="1400"/>
+              <a:buFont typeface="+mj-lt"/>
+              <a:buAutoNum type="arabicPeriod"/>
+            </a:pPr>
+            <a:r>
+              <a:rPr lang="en-US" altLang="zh-TW" dirty="0"/>
+              <a:t>Asymmetric</a:t>
+            </a:r>
+            <a:r>
               <a:rPr lang="zh-TW" altLang="en-US" dirty="0"/>
-              <a:t>轉移</a:t>
+              <a:t> </a:t>
             </a:r>
-            <a:endParaRPr dirty="0"/>
+            <a:r>
+              <a:rPr lang="en-US" altLang="zh-TW" dirty="0"/>
+              <a:t>encoder-decoder design.</a:t>
+            </a:r>
+          </a:p>
+          <a:p>
+            <a:pPr marL="368300" lvl="0" indent="-228600">
+              <a:lnSpc>
+                <a:spcPct val="150000"/>
+              </a:lnSpc>
+              <a:buClr>
+                <a:schemeClr val="dk1"/>
+              </a:buClr>
+              <a:buSzPts val="1400"/>
+              <a:buFont typeface="+mj-lt"/>
+              <a:buAutoNum type="arabicPeriod"/>
+            </a:pPr>
+            <a:r>
+              <a:rPr lang="en-US" altLang="zh-TW" dirty="0"/>
+              <a:t>Encoder on visible</a:t>
+            </a:r>
+            <a:r>
+              <a:rPr lang="zh-TW" altLang="en-US" dirty="0"/>
+              <a:t> </a:t>
+            </a:r>
+            <a:r>
+              <a:rPr lang="en-US" altLang="zh-TW" dirty="0"/>
+              <a:t>patches.</a:t>
+            </a:r>
+          </a:p>
+          <a:p>
+            <a:pPr marL="368300" lvl="0" indent="-228600">
+              <a:lnSpc>
+                <a:spcPct val="150000"/>
+              </a:lnSpc>
+              <a:buClr>
+                <a:schemeClr val="dk1"/>
+              </a:buClr>
+              <a:buSzPts val="1400"/>
+              <a:buFont typeface="+mj-lt"/>
+              <a:buAutoNum type="arabicPeriod"/>
+            </a:pPr>
+            <a:r>
+              <a:rPr lang="en-US" altLang="zh-TW" dirty="0"/>
+              <a:t>Decoder reconstructs latent representation along with mask tokens.</a:t>
+            </a:r>
+          </a:p>
+          <a:p>
+            <a:pPr marL="368300" lvl="0" indent="-228600">
+              <a:lnSpc>
+                <a:spcPct val="150000"/>
+              </a:lnSpc>
+              <a:buClr>
+                <a:schemeClr val="dk1"/>
+              </a:buClr>
+              <a:buSzPts val="1400"/>
+              <a:buFont typeface="+mj-lt"/>
+              <a:buAutoNum type="arabicPeriod"/>
+            </a:pPr>
+            <a:r>
+              <a:rPr lang="en-US" altLang="zh-TW" dirty="0"/>
+              <a:t>With MAE pre-training, </a:t>
+            </a:r>
+            <a:r>
+              <a:rPr lang="en-US" altLang="zh-TW" dirty="0" err="1"/>
+              <a:t>ViT</a:t>
+            </a:r>
+            <a:r>
+              <a:rPr lang="en-US" altLang="zh-TW" dirty="0"/>
+              <a:t>-Large/-Huge achieve 87.8% when finetuned on ImageNet-1K.</a:t>
+            </a:r>
+          </a:p>
+          <a:p>
+            <a:pPr marL="368300" lvl="0" indent="-228600">
+              <a:lnSpc>
+                <a:spcPct val="150000"/>
+              </a:lnSpc>
+              <a:buClr>
+                <a:schemeClr val="dk1"/>
+              </a:buClr>
+              <a:buSzPts val="1400"/>
+              <a:buFont typeface="+mj-lt"/>
+              <a:buAutoNum type="arabicPeriod"/>
+            </a:pPr>
+            <a:r>
+              <a:rPr lang="en-US" altLang="zh-TW" dirty="0"/>
+              <a:t>Transfer learning on object detection, instance segmentation, and semantic segmentation achieves better results than its supervised pretrain.</a:t>
+            </a:r>
           </a:p>
         </p:txBody>
       </p:sp>
@@ -4459,7 +5272,7 @@
   <p:cSld>
     <p:spTree>
       <p:nvGrpSpPr>
-        <p:cNvPr id="1" name="Shape 135"/>
+        <p:cNvPr id="1" name="Shape 171"/>
         <p:cNvGrpSpPr/>
         <p:nvPr/>
       </p:nvGrpSpPr>
@@ -4473,7 +5286,7 @@
       </p:grpSpPr>
       <p:sp>
         <p:nvSpPr>
-          <p:cNvPr id="136" name="Google Shape;136;g1144437607e_2_96:notes"/>
+          <p:cNvPr id="172" name="Google Shape;172;g1144437607e_2_107:notes"/>
           <p:cNvSpPr>
             <a:spLocks noGrp="1" noRot="1" noChangeAspect="1"/>
           </p:cNvSpPr>
@@ -4524,7 +5337,7 @@
       </p:sp>
       <p:sp>
         <p:nvSpPr>
-          <p:cNvPr id="137" name="Google Shape;137;g1144437607e_2_96:notes"/>
+          <p:cNvPr id="173" name="Google Shape;173;g1144437607e_2_107:notes"/>
           <p:cNvSpPr txBox="1">
             <a:spLocks noGrp="1"/>
           </p:cNvSpPr>
@@ -4551,30 +5364,22 @@
           </a:bodyPr>
           <a:lstStyle/>
           <a:p>
-            <a:pPr marL="0" marR="0" lvl="0" indent="0" algn="l" rtl="0">
-              <a:lnSpc>
-                <a:spcPct val="100000"/>
-              </a:lnSpc>
-              <a:spcBef>
-                <a:spcPts val="0"/>
-              </a:spcBef>
-              <a:spcAft>
-                <a:spcPts val="0"/>
-              </a:spcAft>
-              <a:buClr>
-                <a:schemeClr val="dk1"/>
-              </a:buClr>
-              <a:buSzPts val="1200"/>
-              <a:buFont typeface="Calibri"/>
+            <a:pPr marL="0" lvl="0" indent="0" algn="l" rtl="0">
+              <a:spcBef>
+                <a:spcPts val="0"/>
+              </a:spcBef>
+              <a:spcAft>
+                <a:spcPts val="0"/>
+              </a:spcAft>
               <a:buNone/>
             </a:pPr>
-            <a:endParaRPr dirty="0"/>
+            <a:endParaRPr/>
           </a:p>
         </p:txBody>
       </p:sp>
       <p:sp>
         <p:nvSpPr>
-          <p:cNvPr id="138" name="Google Shape;138;g1144437607e_2_96:notes"/>
+          <p:cNvPr id="174" name="Google Shape;174;g1144437607e_2_107:notes"/>
           <p:cNvSpPr txBox="1">
             <a:spLocks noGrp="1"/>
           </p:cNvSpPr>
@@ -4621,7 +5426,7 @@
     </p:spTree>
     <p:extLst>
       <p:ext uri="{BB962C8B-B14F-4D97-AF65-F5344CB8AC3E}">
-        <p14:creationId xmlns:p14="http://schemas.microsoft.com/office/powerpoint/2010/main" val="3936539009"/>
+        <p14:creationId xmlns:p14="http://schemas.microsoft.com/office/powerpoint/2010/main" val="3889565743"/>
       </p:ext>
     </p:extLst>
   </p:cSld>
@@ -4745,13 +5550,6 @@
               <a:buFont typeface="Calibri"/>
               <a:buNone/>
             </a:pPr>
-            <a:r>
-              <a:rPr lang="en-US" altLang="zh-TW" b="0" i="0" dirty="0">
-                <a:effectLst/>
-                <a:latin typeface="Arial" panose="020B0604020202020204" pitchFamily="34" charset="0"/>
-              </a:rPr>
-              <a:t>MAE is a form of denoising autoencoding</a:t>
-            </a:r>
             <a:endParaRPr dirty="0"/>
           </a:p>
         </p:txBody>
@@ -4805,7 +5603,7 @@
     </p:spTree>
     <p:extLst>
       <p:ext uri="{BB962C8B-B14F-4D97-AF65-F5344CB8AC3E}">
-        <p14:creationId xmlns:p14="http://schemas.microsoft.com/office/powerpoint/2010/main" val="3981368824"/>
+        <p14:creationId xmlns:p14="http://schemas.microsoft.com/office/powerpoint/2010/main" val="3936539009"/>
       </p:ext>
     </p:extLst>
   </p:cSld>
@@ -4930,123 +5728,11 @@
               <a:buNone/>
             </a:pPr>
             <a:r>
-              <a:rPr lang="en-US" altLang="zh-TW" b="0" i="0" dirty="0" err="1">
-                <a:effectLst/>
-                <a:latin typeface="Arial" panose="020B0604020202020204" pitchFamily="34" charset="0"/>
-              </a:rPr>
-              <a:t>iGPT</a:t>
-            </a:r>
-            <a:r>
               <a:rPr lang="en-US" altLang="zh-TW" b="0" i="0" dirty="0">
                 <a:effectLst/>
                 <a:latin typeface="Arial" panose="020B0604020202020204" pitchFamily="34" charset="0"/>
               </a:rPr>
-              <a:t>  Linear Probe</a:t>
-            </a:r>
-          </a:p>
-          <a:p>
-            <a:pPr marL="0" marR="0" lvl="0" indent="0" algn="l" rtl="0">
-              <a:lnSpc>
-                <a:spcPct val="100000"/>
-              </a:lnSpc>
-              <a:spcBef>
-                <a:spcPts val="0"/>
-              </a:spcBef>
-              <a:spcAft>
-                <a:spcPts val="0"/>
-              </a:spcAft>
-              <a:buClr>
-                <a:schemeClr val="dk1"/>
-              </a:buClr>
-              <a:buSzPts val="1200"/>
-              <a:buFont typeface="Calibri"/>
-              <a:buNone/>
-            </a:pPr>
-            <a:r>
-              <a:rPr lang="en-US" altLang="zh-TW" b="0" i="0" dirty="0" err="1">
-                <a:effectLst/>
-                <a:latin typeface="Arial" panose="020B0604020202020204" pitchFamily="34" charset="0"/>
-              </a:rPr>
-              <a:t>ViT</a:t>
-            </a:r>
-            <a:r>
-              <a:rPr lang="en-US" altLang="zh-TW" b="0" i="0" dirty="0">
-                <a:effectLst/>
-                <a:latin typeface="Arial" panose="020B0604020202020204" pitchFamily="34" charset="0"/>
-              </a:rPr>
-              <a:t> </a:t>
-            </a:r>
-            <a:r>
-              <a:rPr lang="zh-TW" altLang="en-US" b="0" i="0" dirty="0">
-                <a:effectLst/>
-                <a:latin typeface="Arial" panose="020B0604020202020204" pitchFamily="34" charset="0"/>
-              </a:rPr>
-              <a:t>嘗試了</a:t>
-            </a:r>
-            <a:r>
-              <a:rPr lang="en-US" altLang="zh-TW" b="0" i="0" dirty="0">
-                <a:effectLst/>
-                <a:latin typeface="Arial" panose="020B0604020202020204" pitchFamily="34" charset="0"/>
-              </a:rPr>
-              <a:t>self attention </a:t>
-            </a:r>
-            <a:r>
-              <a:rPr lang="zh-TW" altLang="en-US" b="0" i="0" dirty="0">
-                <a:effectLst/>
-                <a:latin typeface="Arial" panose="020B0604020202020204" pitchFamily="34" charset="0"/>
-              </a:rPr>
-              <a:t>的方式 但結果不盡人意</a:t>
-            </a:r>
-            <a:endParaRPr lang="en-US" altLang="zh-TW" b="0" i="0" dirty="0">
-              <a:effectLst/>
-              <a:latin typeface="Arial" panose="020B0604020202020204" pitchFamily="34" charset="0"/>
-            </a:endParaRPr>
-          </a:p>
-          <a:p>
-            <a:pPr marL="0" marR="0" lvl="0" indent="0" algn="l" rtl="0">
-              <a:lnSpc>
-                <a:spcPct val="100000"/>
-              </a:lnSpc>
-              <a:spcBef>
-                <a:spcPts val="0"/>
-              </a:spcBef>
-              <a:spcAft>
-                <a:spcPts val="0"/>
-              </a:spcAft>
-              <a:buClr>
-                <a:schemeClr val="dk1"/>
-              </a:buClr>
-              <a:buSzPts val="1200"/>
-              <a:buFont typeface="Calibri"/>
-              <a:buNone/>
-            </a:pPr>
-            <a:r>
-              <a:rPr lang="en-US" altLang="zh-TW" b="0" i="0" dirty="0" err="1">
-                <a:effectLst/>
-                <a:latin typeface="Arial" panose="020B0604020202020204" pitchFamily="34" charset="0"/>
-              </a:rPr>
-              <a:t>BEiT</a:t>
-            </a:r>
-            <a:r>
-              <a:rPr lang="zh-TW" altLang="en-US" b="0" i="0" dirty="0">
-                <a:effectLst/>
-                <a:latin typeface="Arial" panose="020B0604020202020204" pitchFamily="34" charset="0"/>
-              </a:rPr>
-              <a:t>則是提出 </a:t>
-            </a:r>
-            <a:r>
-              <a:rPr lang="en-US" altLang="zh-TW" b="0" i="0" dirty="0">
-                <a:effectLst/>
-                <a:latin typeface="Arial" panose="020B0604020202020204" pitchFamily="34" charset="0"/>
-              </a:rPr>
-              <a:t>predict discrete tokens</a:t>
-            </a:r>
-            <a:r>
-              <a:rPr lang="zh-TW" altLang="en-US" b="0" i="0" dirty="0">
-                <a:effectLst/>
-                <a:latin typeface="Arial" panose="020B0604020202020204" pitchFamily="34" charset="0"/>
-              </a:rPr>
-              <a:t>作為預訓練</a:t>
+              <a:t>MAE is a form of denoising autoencoding</a:t>
             </a:r>
             <a:endParaRPr dirty="0"/>
           </a:p>
@@ -5101,7 +5787,7 @@
     </p:spTree>
     <p:extLst>
       <p:ext uri="{BB962C8B-B14F-4D97-AF65-F5344CB8AC3E}">
-        <p14:creationId xmlns:p14="http://schemas.microsoft.com/office/powerpoint/2010/main" val="380190700"/>
+        <p14:creationId xmlns:p14="http://schemas.microsoft.com/office/powerpoint/2010/main" val="3981368824"/>
       </p:ext>
     </p:extLst>
   </p:cSld>
@@ -20941,6 +21627,730 @@
           <a:p>
             <a:pPr lvl="0"/>
             <a:r>
+              <a:rPr lang="en-US" sz="2100" b="1" dirty="0">
+                <a:solidFill>
+                  <a:srgbClr val="08244A"/>
+                </a:solidFill>
+                <a:latin typeface="Microsoft JhengHei"/>
+                <a:ea typeface="Microsoft JhengHei"/>
+                <a:cs typeface="Microsoft JhengHei"/>
+                <a:sym typeface="Microsoft JhengHei"/>
+              </a:rPr>
+              <a:t>Related Work - Masked  image  encoding</a:t>
+            </a:r>
+            <a:endParaRPr sz="2100" b="1" dirty="0">
+              <a:solidFill>
+                <a:srgbClr val="08244A"/>
+              </a:solidFill>
+              <a:latin typeface="Microsoft JhengHei"/>
+              <a:ea typeface="Microsoft JhengHei"/>
+              <a:cs typeface="Microsoft JhengHei"/>
+              <a:sym typeface="Microsoft JhengHei"/>
+            </a:endParaRPr>
+          </a:p>
+        </p:txBody>
+      </p:sp>
+      <p:sp>
+        <p:nvSpPr>
+          <p:cNvPr id="145" name="Google Shape;145;p26"/>
+          <p:cNvSpPr txBox="1"/>
+          <p:nvPr/>
+        </p:nvSpPr>
+        <p:spPr>
+          <a:xfrm>
+            <a:off x="471900" y="736201"/>
+            <a:ext cx="7422300" cy="369300"/>
+          </a:xfrm>
+          <a:prstGeom prst="rect">
+            <a:avLst/>
+          </a:prstGeom>
+          <a:noFill/>
+          <a:ln>
+            <a:noFill/>
+          </a:ln>
+        </p:spPr>
+        <p:txBody>
+          <a:bodyPr spcFirstLastPara="1" wrap="square" lIns="91425" tIns="91425" rIns="91425" bIns="91425" anchor="t" anchorCtr="0">
+            <a:spAutoFit/>
+          </a:bodyPr>
+          <a:lstStyle/>
+          <a:p>
+            <a:pPr marL="0" lvl="0" indent="0" algn="l" rtl="0">
+              <a:spcBef>
+                <a:spcPts val="0"/>
+              </a:spcBef>
+              <a:spcAft>
+                <a:spcPts val="0"/>
+              </a:spcAft>
+              <a:buNone/>
+            </a:pPr>
+            <a:endParaRPr sz="1200" b="1">
+              <a:solidFill>
+                <a:schemeClr val="dk1"/>
+              </a:solidFill>
+              <a:latin typeface="Microsoft JhengHei"/>
+              <a:ea typeface="Microsoft JhengHei"/>
+              <a:cs typeface="Microsoft JhengHei"/>
+              <a:sym typeface="Microsoft JhengHei"/>
+            </a:endParaRPr>
+          </a:p>
+        </p:txBody>
+      </p:sp>
+      <p:sp>
+        <p:nvSpPr>
+          <p:cNvPr id="146" name="Google Shape;146;p26"/>
+          <p:cNvSpPr txBox="1"/>
+          <p:nvPr/>
+        </p:nvSpPr>
+        <p:spPr>
+          <a:xfrm>
+            <a:off x="471900" y="886850"/>
+            <a:ext cx="8252100" cy="1154132"/>
+          </a:xfrm>
+          <a:prstGeom prst="rect">
+            <a:avLst/>
+          </a:prstGeom>
+          <a:noFill/>
+          <a:ln>
+            <a:noFill/>
+          </a:ln>
+        </p:spPr>
+        <p:txBody>
+          <a:bodyPr spcFirstLastPara="1" wrap="square" lIns="91425" tIns="91425" rIns="91425" bIns="91425" anchor="t" anchorCtr="0">
+            <a:spAutoFit/>
+          </a:bodyPr>
+          <a:lstStyle/>
+          <a:p>
+            <a:pPr marL="457200" lvl="0" indent="-317500">
+              <a:lnSpc>
+                <a:spcPct val="150000"/>
+              </a:lnSpc>
+              <a:buClr>
+                <a:schemeClr val="dk1"/>
+              </a:buClr>
+              <a:buSzPts val="1400"/>
+              <a:buFont typeface="Microsoft JhengHei"/>
+              <a:buAutoNum type="arabicPeriod"/>
+            </a:pPr>
+            <a:r>
+              <a:rPr lang="en-US" altLang="zh-TW" b="0" i="0" dirty="0" err="1">
+                <a:effectLst/>
+                <a:latin typeface="Arial" panose="020B0604020202020204" pitchFamily="34" charset="0"/>
+              </a:rPr>
+              <a:t>iGPT</a:t>
+            </a:r>
+            <a:r>
+              <a:rPr lang="zh-TW" altLang="en-US" b="0" i="0" dirty="0">
+                <a:effectLst/>
+                <a:latin typeface="Arial" panose="020B0604020202020204" pitchFamily="34" charset="0"/>
+              </a:rPr>
+              <a:t> </a:t>
+            </a:r>
+            <a:r>
+              <a:rPr lang="en-US" altLang="zh-TW" b="0" i="0" dirty="0">
+                <a:effectLst/>
+                <a:latin typeface="Arial" panose="020B0604020202020204" pitchFamily="34" charset="0"/>
+              </a:rPr>
+              <a:t>–</a:t>
+            </a:r>
+            <a:r>
+              <a:rPr lang="zh-TW" altLang="en-US" b="0" i="0" dirty="0">
+                <a:effectLst/>
+                <a:latin typeface="Arial" panose="020B0604020202020204" pitchFamily="34" charset="0"/>
+              </a:rPr>
+              <a:t> </a:t>
+            </a:r>
+            <a:r>
+              <a:rPr lang="en-US" altLang="zh-TW" b="0" i="0" dirty="0">
+                <a:effectLst/>
+                <a:latin typeface="Arial" panose="020B0604020202020204" pitchFamily="34" charset="0"/>
+              </a:rPr>
+              <a:t>Linear Probe</a:t>
+            </a:r>
+          </a:p>
+          <a:p>
+            <a:pPr marL="457200" lvl="0" indent="-317500">
+              <a:lnSpc>
+                <a:spcPct val="150000"/>
+              </a:lnSpc>
+              <a:buClr>
+                <a:schemeClr val="dk1"/>
+              </a:buClr>
+              <a:buSzPts val="1400"/>
+              <a:buFont typeface="Microsoft JhengHei"/>
+              <a:buAutoNum type="arabicPeriod"/>
+            </a:pPr>
+            <a:r>
+              <a:rPr lang="en-US" altLang="zh-TW" b="0" i="0" dirty="0" err="1">
+                <a:effectLst/>
+                <a:latin typeface="Arial" panose="020B0604020202020204" pitchFamily="34" charset="0"/>
+              </a:rPr>
+              <a:t>ViT</a:t>
+            </a:r>
+            <a:r>
+              <a:rPr lang="en-US" altLang="zh-TW" b="0" i="0" dirty="0">
+                <a:effectLst/>
+                <a:latin typeface="Arial" panose="020B0604020202020204" pitchFamily="34" charset="0"/>
+              </a:rPr>
+              <a:t> </a:t>
+            </a:r>
+            <a:endParaRPr lang="en-US" altLang="zh-TW" dirty="0">
+              <a:latin typeface="Arial" panose="020B0604020202020204" pitchFamily="34" charset="0"/>
+            </a:endParaRPr>
+          </a:p>
+          <a:p>
+            <a:pPr marL="457200" lvl="0" indent="-317500">
+              <a:lnSpc>
+                <a:spcPct val="150000"/>
+              </a:lnSpc>
+              <a:buClr>
+                <a:schemeClr val="dk1"/>
+              </a:buClr>
+              <a:buSzPts val="1400"/>
+              <a:buFont typeface="Microsoft JhengHei"/>
+              <a:buAutoNum type="arabicPeriod"/>
+            </a:pPr>
+            <a:r>
+              <a:rPr lang="en-US" altLang="zh-TW" b="0" i="0" dirty="0" err="1">
+                <a:effectLst/>
+                <a:latin typeface="Arial" panose="020B0604020202020204" pitchFamily="34" charset="0"/>
+              </a:rPr>
+              <a:t>BEiT</a:t>
+            </a:r>
+            <a:r>
+              <a:rPr lang="en-US" altLang="zh-TW" b="0" i="0" dirty="0">
+                <a:effectLst/>
+                <a:latin typeface="Arial" panose="020B0604020202020204" pitchFamily="34" charset="0"/>
+              </a:rPr>
+              <a:t>  </a:t>
+            </a:r>
+            <a:endParaRPr lang="en-US" altLang="zh-TW" dirty="0"/>
+          </a:p>
+        </p:txBody>
+      </p:sp>
+      <p:pic>
+        <p:nvPicPr>
+          <p:cNvPr id="2050" name="Picture 2" descr="preview">
+            <a:extLst>
+              <a:ext uri="{FF2B5EF4-FFF2-40B4-BE49-F238E27FC236}">
+                <a16:creationId xmlns:a16="http://schemas.microsoft.com/office/drawing/2014/main" id="{4C470E55-14EB-F99E-1196-000C21305F53}"/>
+              </a:ext>
+            </a:extLst>
+          </p:cNvPr>
+          <p:cNvPicPr>
+            <a:picLocks noChangeAspect="1" noChangeArrowheads="1"/>
+          </p:cNvPicPr>
+          <p:nvPr/>
+        </p:nvPicPr>
+        <p:blipFill>
+          <a:blip r:embed="rId3">
+            <a:extLst>
+              <a:ext uri="{28A0092B-C50C-407E-A947-70E740481C1C}">
+                <a14:useLocalDpi xmlns:a14="http://schemas.microsoft.com/office/drawing/2010/main" val="0"/>
+              </a:ext>
+            </a:extLst>
+          </a:blip>
+          <a:srcRect/>
+          <a:stretch>
+            <a:fillRect/>
+          </a:stretch>
+        </p:blipFill>
+        <p:spPr bwMode="auto">
+          <a:xfrm>
+            <a:off x="2668007" y="980072"/>
+            <a:ext cx="6330336" cy="3490477"/>
+          </a:xfrm>
+          <a:prstGeom prst="rect">
+            <a:avLst/>
+          </a:prstGeom>
+          <a:noFill/>
+          <a:extLst>
+            <a:ext uri="{909E8E84-426E-40DD-AFC4-6F175D3DCCD1}">
+              <a14:hiddenFill xmlns:a14="http://schemas.microsoft.com/office/drawing/2010/main">
+                <a:solidFill>
+                  <a:srgbClr val="FFFFFF"/>
+                </a:solidFill>
+              </a14:hiddenFill>
+            </a:ext>
+          </a:extLst>
+        </p:spPr>
+      </p:pic>
+    </p:spTree>
+    <p:extLst>
+      <p:ext uri="{BB962C8B-B14F-4D97-AF65-F5344CB8AC3E}">
+        <p14:creationId xmlns:p14="http://schemas.microsoft.com/office/powerpoint/2010/main" val="2958331473"/>
+      </p:ext>
+    </p:extLst>
+  </p:cSld>
+  <p:clrMapOvr>
+    <a:masterClrMapping/>
+  </p:clrMapOvr>
+  <p:transition spd="slow">
+    <p:push/>
+  </p:transition>
+</p:sld>
+</file>
+
+<file path=ppt/slides/slide11.xml><?xml version="1.0" encoding="utf-8"?>
+<p:sld xmlns:a="http://schemas.openxmlformats.org/drawingml/2006/main" xmlns:r="http://schemas.openxmlformats.org/officeDocument/2006/relationships" xmlns:p="http://schemas.openxmlformats.org/presentationml/2006/main">
+  <p:cSld>
+    <p:spTree>
+      <p:nvGrpSpPr>
+        <p:cNvPr id="1" name="Shape 175"/>
+        <p:cNvGrpSpPr/>
+        <p:nvPr/>
+      </p:nvGrpSpPr>
+      <p:grpSpPr>
+        <a:xfrm>
+          <a:off x="0" y="0"/>
+          <a:ext cx="0" cy="0"/>
+          <a:chOff x="0" y="0"/>
+          <a:chExt cx="0" cy="0"/>
+        </a:xfrm>
+      </p:grpSpPr>
+      <p:sp>
+        <p:nvSpPr>
+          <p:cNvPr id="176" name="Google Shape;176;p29"/>
+          <p:cNvSpPr/>
+          <p:nvPr/>
+        </p:nvSpPr>
+        <p:spPr>
+          <a:xfrm>
+            <a:off x="0" y="1681046"/>
+            <a:ext cx="9144000" cy="1781400"/>
+          </a:xfrm>
+          <a:prstGeom prst="rect">
+            <a:avLst/>
+          </a:prstGeom>
+          <a:solidFill>
+            <a:srgbClr val="08244A"/>
+          </a:solidFill>
+          <a:ln>
+            <a:noFill/>
+          </a:ln>
+        </p:spPr>
+        <p:txBody>
+          <a:bodyPr spcFirstLastPara="1" wrap="square" lIns="68575" tIns="34275" rIns="68575" bIns="34275" anchor="ctr" anchorCtr="0">
+            <a:noAutofit/>
+          </a:bodyPr>
+          <a:lstStyle/>
+          <a:p>
+            <a:pPr marL="0" marR="0" lvl="0" indent="0" algn="ctr" rtl="0">
+              <a:spcBef>
+                <a:spcPts val="0"/>
+              </a:spcBef>
+              <a:spcAft>
+                <a:spcPts val="0"/>
+              </a:spcAft>
+              <a:buNone/>
+            </a:pPr>
+            <a:endParaRPr sz="1400" b="0" i="0" u="none" strike="noStrike" cap="none">
+              <a:solidFill>
+                <a:schemeClr val="lt1"/>
+              </a:solidFill>
+              <a:latin typeface="Arial"/>
+              <a:ea typeface="Arial"/>
+              <a:cs typeface="Arial"/>
+              <a:sym typeface="Arial"/>
+            </a:endParaRPr>
+          </a:p>
+        </p:txBody>
+      </p:sp>
+      <p:sp>
+        <p:nvSpPr>
+          <p:cNvPr id="177" name="Google Shape;177;p29"/>
+          <p:cNvSpPr txBox="1"/>
+          <p:nvPr/>
+        </p:nvSpPr>
+        <p:spPr>
+          <a:xfrm>
+            <a:off x="2154300" y="2197432"/>
+            <a:ext cx="4835400" cy="423300"/>
+          </a:xfrm>
+          <a:prstGeom prst="rect">
+            <a:avLst/>
+          </a:prstGeom>
+          <a:noFill/>
+          <a:ln>
+            <a:noFill/>
+          </a:ln>
+        </p:spPr>
+        <p:txBody>
+          <a:bodyPr spcFirstLastPara="1" wrap="square" lIns="68575" tIns="34275" rIns="68575" bIns="34275" anchor="t" anchorCtr="0">
+            <a:spAutoFit/>
+          </a:bodyPr>
+          <a:lstStyle/>
+          <a:p>
+            <a:pPr lvl="0" algn="ctr"/>
+            <a:r>
+              <a:rPr lang="en-US" altLang="zh-TW" sz="2300" b="1" dirty="0">
+                <a:solidFill>
+                  <a:schemeClr val="lt1"/>
+                </a:solidFill>
+                <a:latin typeface="Microsoft JhengHei"/>
+                <a:ea typeface="Microsoft JhengHei"/>
+                <a:cs typeface="Microsoft JhengHei"/>
+                <a:sym typeface="Microsoft JhengHei"/>
+              </a:rPr>
+              <a:t>Approach</a:t>
+            </a:r>
+            <a:endParaRPr lang="zh-TW" altLang="en-US" sz="1700" b="1" dirty="0">
+              <a:solidFill>
+                <a:schemeClr val="lt1"/>
+              </a:solidFill>
+              <a:latin typeface="Microsoft JhengHei"/>
+              <a:ea typeface="Microsoft JhengHei"/>
+              <a:cs typeface="Microsoft JhengHei"/>
+              <a:sym typeface="Microsoft JhengHei"/>
+            </a:endParaRPr>
+          </a:p>
+        </p:txBody>
+      </p:sp>
+      <p:cxnSp>
+        <p:nvCxnSpPr>
+          <p:cNvPr id="178" name="Google Shape;178;p29"/>
+          <p:cNvCxnSpPr/>
+          <p:nvPr/>
+        </p:nvCxnSpPr>
+        <p:spPr>
+          <a:xfrm>
+            <a:off x="0" y="2326072"/>
+            <a:ext cx="1225800" cy="0"/>
+          </a:xfrm>
+          <a:prstGeom prst="straightConnector1">
+            <a:avLst/>
+          </a:prstGeom>
+          <a:noFill/>
+          <a:ln w="12700" cap="flat" cmpd="sng">
+            <a:solidFill>
+              <a:schemeClr val="lt1"/>
+            </a:solidFill>
+            <a:prstDash val="solid"/>
+            <a:miter lim="800000"/>
+            <a:headEnd type="none" w="sm" len="sm"/>
+            <a:tailEnd type="none" w="sm" len="sm"/>
+          </a:ln>
+        </p:spPr>
+      </p:cxnSp>
+      <p:cxnSp>
+        <p:nvCxnSpPr>
+          <p:cNvPr id="179" name="Google Shape;179;p29"/>
+          <p:cNvCxnSpPr/>
+          <p:nvPr/>
+        </p:nvCxnSpPr>
+        <p:spPr>
+          <a:xfrm>
+            <a:off x="7918133" y="2326072"/>
+            <a:ext cx="1225800" cy="0"/>
+          </a:xfrm>
+          <a:prstGeom prst="straightConnector1">
+            <a:avLst/>
+          </a:prstGeom>
+          <a:noFill/>
+          <a:ln w="12700" cap="flat" cmpd="sng">
+            <a:solidFill>
+              <a:schemeClr val="lt1"/>
+            </a:solidFill>
+            <a:prstDash val="solid"/>
+            <a:miter lim="800000"/>
+            <a:headEnd type="none" w="sm" len="sm"/>
+            <a:tailEnd type="none" w="sm" len="sm"/>
+          </a:ln>
+        </p:spPr>
+      </p:cxnSp>
+      <p:sp>
+        <p:nvSpPr>
+          <p:cNvPr id="180" name="Google Shape;180;p29"/>
+          <p:cNvSpPr txBox="1"/>
+          <p:nvPr/>
+        </p:nvSpPr>
+        <p:spPr>
+          <a:xfrm>
+            <a:off x="7422919" y="4868275"/>
+            <a:ext cx="1660500" cy="238500"/>
+          </a:xfrm>
+          <a:prstGeom prst="rect">
+            <a:avLst/>
+          </a:prstGeom>
+          <a:noFill/>
+          <a:ln>
+            <a:noFill/>
+          </a:ln>
+        </p:spPr>
+        <p:txBody>
+          <a:bodyPr spcFirstLastPara="1" wrap="square" lIns="68575" tIns="34275" rIns="68575" bIns="34275" anchor="t" anchorCtr="0">
+            <a:spAutoFit/>
+          </a:bodyPr>
+          <a:lstStyle/>
+          <a:p>
+            <a:pPr marL="0" marR="0" lvl="0" indent="0" algn="r" rtl="0">
+              <a:spcBef>
+                <a:spcPts val="0"/>
+              </a:spcBef>
+              <a:spcAft>
+                <a:spcPts val="0"/>
+              </a:spcAft>
+              <a:buNone/>
+            </a:pPr>
+            <a:r>
+              <a:rPr lang="zh-TW" sz="1100">
+                <a:solidFill>
+                  <a:srgbClr val="A5A5A5"/>
+                </a:solidFill>
+                <a:latin typeface="Consolas"/>
+                <a:ea typeface="Consolas"/>
+                <a:cs typeface="Consolas"/>
+                <a:sym typeface="Consolas"/>
+              </a:rPr>
+              <a:t>NTUST GAMELab</a:t>
+            </a:r>
+            <a:endParaRPr sz="1100">
+              <a:solidFill>
+                <a:srgbClr val="A5A5A5"/>
+              </a:solidFill>
+              <a:latin typeface="Consolas"/>
+              <a:ea typeface="Consolas"/>
+              <a:cs typeface="Consolas"/>
+              <a:sym typeface="Consolas"/>
+            </a:endParaRPr>
+          </a:p>
+        </p:txBody>
+      </p:sp>
+    </p:spTree>
+    <p:extLst>
+      <p:ext uri="{BB962C8B-B14F-4D97-AF65-F5344CB8AC3E}">
+        <p14:creationId xmlns:p14="http://schemas.microsoft.com/office/powerpoint/2010/main" val="238873560"/>
+      </p:ext>
+    </p:extLst>
+  </p:cSld>
+  <p:clrMapOvr>
+    <a:masterClrMapping/>
+  </p:clrMapOvr>
+</p:sld>
+</file>
+
+<file path=ppt/slides/slide12.xml><?xml version="1.0" encoding="utf-8"?>
+<p:sld xmlns:a="http://schemas.openxmlformats.org/drawingml/2006/main" xmlns:r="http://schemas.openxmlformats.org/officeDocument/2006/relationships" xmlns:p="http://schemas.openxmlformats.org/presentationml/2006/main">
+  <p:cSld>
+    <p:spTree>
+      <p:nvGrpSpPr>
+        <p:cNvPr id="1" name="Shape 139"/>
+        <p:cNvGrpSpPr/>
+        <p:nvPr/>
+      </p:nvGrpSpPr>
+      <p:grpSpPr>
+        <a:xfrm>
+          <a:off x="0" y="0"/>
+          <a:ext cx="0" cy="0"/>
+          <a:chOff x="0" y="0"/>
+          <a:chExt cx="0" cy="0"/>
+        </a:xfrm>
+      </p:grpSpPr>
+      <p:cxnSp>
+        <p:nvCxnSpPr>
+          <p:cNvPr id="140" name="Google Shape;140;p26"/>
+          <p:cNvCxnSpPr/>
+          <p:nvPr/>
+        </p:nvCxnSpPr>
+        <p:spPr>
+          <a:xfrm rot="10800000">
+            <a:off x="471906" y="672952"/>
+            <a:ext cx="8200200" cy="0"/>
+          </a:xfrm>
+          <a:prstGeom prst="straightConnector1">
+            <a:avLst/>
+          </a:prstGeom>
+          <a:noFill/>
+          <a:ln w="38100" cap="flat" cmpd="sng">
+            <a:solidFill>
+              <a:srgbClr val="08244A"/>
+            </a:solidFill>
+            <a:prstDash val="solid"/>
+            <a:miter lim="800000"/>
+            <a:headEnd type="none" w="sm" len="sm"/>
+            <a:tailEnd type="none" w="sm" len="sm"/>
+          </a:ln>
+        </p:spPr>
+      </p:cxnSp>
+      <p:sp>
+        <p:nvSpPr>
+          <p:cNvPr id="141" name="Google Shape;141;p26"/>
+          <p:cNvSpPr txBox="1"/>
+          <p:nvPr/>
+        </p:nvSpPr>
+        <p:spPr>
+          <a:xfrm>
+            <a:off x="4312990" y="4919588"/>
+            <a:ext cx="518100" cy="238500"/>
+          </a:xfrm>
+          <a:prstGeom prst="rect">
+            <a:avLst/>
+          </a:prstGeom>
+          <a:solidFill>
+            <a:srgbClr val="08244A"/>
+          </a:solidFill>
+          <a:ln>
+            <a:noFill/>
+          </a:ln>
+        </p:spPr>
+        <p:txBody>
+          <a:bodyPr spcFirstLastPara="1" wrap="square" lIns="68575" tIns="34275" rIns="68575" bIns="34275" anchor="t" anchorCtr="0">
+            <a:spAutoFit/>
+          </a:bodyPr>
+          <a:lstStyle/>
+          <a:p>
+            <a:pPr marL="0" marR="0" lvl="0" indent="0" algn="ctr" rtl="0">
+              <a:spcBef>
+                <a:spcPts val="0"/>
+              </a:spcBef>
+              <a:spcAft>
+                <a:spcPts val="0"/>
+              </a:spcAft>
+              <a:buNone/>
+            </a:pPr>
+            <a:endParaRPr sz="1100">
+              <a:solidFill>
+                <a:schemeClr val="lt1"/>
+              </a:solidFill>
+              <a:latin typeface="Arial"/>
+              <a:ea typeface="Arial"/>
+              <a:cs typeface="Arial"/>
+              <a:sym typeface="Arial"/>
+            </a:endParaRPr>
+          </a:p>
+        </p:txBody>
+      </p:sp>
+      <p:sp>
+        <p:nvSpPr>
+          <p:cNvPr id="142" name="Google Shape;142;p26"/>
+          <p:cNvSpPr txBox="1"/>
+          <p:nvPr/>
+        </p:nvSpPr>
+        <p:spPr>
+          <a:xfrm>
+            <a:off x="7422919" y="4868275"/>
+            <a:ext cx="1660500" cy="238500"/>
+          </a:xfrm>
+          <a:prstGeom prst="rect">
+            <a:avLst/>
+          </a:prstGeom>
+          <a:noFill/>
+          <a:ln>
+            <a:noFill/>
+          </a:ln>
+        </p:spPr>
+        <p:txBody>
+          <a:bodyPr spcFirstLastPara="1" wrap="square" lIns="68575" tIns="34275" rIns="68575" bIns="34275" anchor="t" anchorCtr="0">
+            <a:spAutoFit/>
+          </a:bodyPr>
+          <a:lstStyle/>
+          <a:p>
+            <a:pPr marL="0" marR="0" lvl="0" indent="0" algn="r" rtl="0">
+              <a:spcBef>
+                <a:spcPts val="0"/>
+              </a:spcBef>
+              <a:spcAft>
+                <a:spcPts val="0"/>
+              </a:spcAft>
+              <a:buNone/>
+            </a:pPr>
+            <a:r>
+              <a:rPr lang="zh-TW" sz="1100">
+                <a:solidFill>
+                  <a:srgbClr val="A5A5A5"/>
+                </a:solidFill>
+                <a:latin typeface="Consolas"/>
+                <a:ea typeface="Consolas"/>
+                <a:cs typeface="Consolas"/>
+                <a:sym typeface="Consolas"/>
+              </a:rPr>
+              <a:t>NTUST GAMELab</a:t>
+            </a:r>
+            <a:endParaRPr sz="1100">
+              <a:solidFill>
+                <a:srgbClr val="A5A5A5"/>
+              </a:solidFill>
+              <a:latin typeface="Consolas"/>
+              <a:ea typeface="Consolas"/>
+              <a:cs typeface="Consolas"/>
+              <a:sym typeface="Consolas"/>
+            </a:endParaRPr>
+          </a:p>
+        </p:txBody>
+      </p:sp>
+      <p:sp>
+        <p:nvSpPr>
+          <p:cNvPr id="143" name="Google Shape;143;p26"/>
+          <p:cNvSpPr txBox="1">
+            <a:spLocks noGrp="1"/>
+          </p:cNvSpPr>
+          <p:nvPr>
+            <p:ph type="sldNum" idx="12"/>
+          </p:nvPr>
+        </p:nvSpPr>
+        <p:spPr>
+          <a:xfrm>
+            <a:off x="3543300" y="4904660"/>
+            <a:ext cx="2057400" cy="273900"/>
+          </a:xfrm>
+          <a:prstGeom prst="rect">
+            <a:avLst/>
+          </a:prstGeom>
+          <a:noFill/>
+          <a:ln>
+            <a:noFill/>
+          </a:ln>
+        </p:spPr>
+        <p:txBody>
+          <a:bodyPr spcFirstLastPara="1" wrap="square" lIns="68575" tIns="34275" rIns="68575" bIns="34275" anchor="ctr" anchorCtr="0">
+            <a:noAutofit/>
+          </a:bodyPr>
+          <a:lstStyle/>
+          <a:p>
+            <a:pPr marL="0" lvl="0" indent="0" algn="ctr" rtl="0">
+              <a:spcBef>
+                <a:spcPts val="0"/>
+              </a:spcBef>
+              <a:spcAft>
+                <a:spcPts val="0"/>
+              </a:spcAft>
+              <a:buNone/>
+            </a:pPr>
+            <a:fld id="{00000000-1234-1234-1234-123412341234}" type="slidenum">
+              <a:rPr lang="en-US" altLang="zh-TW" sz="1100"/>
+              <a:t>12</a:t>
+            </a:fld>
+            <a:endParaRPr sz="1100"/>
+          </a:p>
+        </p:txBody>
+      </p:sp>
+      <p:sp>
+        <p:nvSpPr>
+          <p:cNvPr id="144" name="Google Shape;144;p26"/>
+          <p:cNvSpPr txBox="1"/>
+          <p:nvPr/>
+        </p:nvSpPr>
+        <p:spPr>
+          <a:xfrm>
+            <a:off x="368600" y="246125"/>
+            <a:ext cx="7941920" cy="392385"/>
+          </a:xfrm>
+          <a:prstGeom prst="rect">
+            <a:avLst/>
+          </a:prstGeom>
+          <a:noFill/>
+          <a:ln>
+            <a:noFill/>
+          </a:ln>
+        </p:spPr>
+        <p:txBody>
+          <a:bodyPr spcFirstLastPara="1" wrap="square" lIns="68575" tIns="34275" rIns="68575" bIns="34275" anchor="t" anchorCtr="0">
+            <a:spAutoFit/>
+          </a:bodyPr>
+          <a:lstStyle/>
+          <a:p>
+            <a:pPr lvl="0"/>
+            <a:r>
               <a:rPr lang="en-US" altLang="zh-TW" sz="2100" b="1" dirty="0">
                 <a:solidFill>
                   <a:srgbClr val="08244A"/>
@@ -21207,7 +22617,7 @@
 </p:sld>
 </file>
 
-<file path=ppt/slides/slide11.xml><?xml version="1.0" encoding="utf-8"?>
+<file path=ppt/slides/slide13.xml><?xml version="1.0" encoding="utf-8"?>
 <p:sld xmlns:a="http://schemas.openxmlformats.org/drawingml/2006/main" xmlns:r="http://schemas.openxmlformats.org/officeDocument/2006/relationships" xmlns:p="http://schemas.openxmlformats.org/presentationml/2006/main">
   <p:cSld>
     <p:spTree>
@@ -21396,7 +22806,7 @@
             </a:pPr>
             <a:fld id="{00000000-1234-1234-1234-123412341234}" type="slidenum">
               <a:rPr lang="en-US" altLang="zh-TW" sz="1100"/>
-              <a:t>11</a:t>
+              <a:t>13</a:t>
             </a:fld>
             <a:endParaRPr sz="1100"/>
           </a:p>
@@ -21837,7 +23247,245 @@
 </p:sld>
 </file>
 
-<file path=ppt/slides/slide12.xml><?xml version="1.0" encoding="utf-8"?>
+<file path=ppt/slides/slide14.xml><?xml version="1.0" encoding="utf-8"?>
+<p:sld xmlns:a="http://schemas.openxmlformats.org/drawingml/2006/main" xmlns:r="http://schemas.openxmlformats.org/officeDocument/2006/relationships" xmlns:p="http://schemas.openxmlformats.org/presentationml/2006/main">
+  <p:cSld>
+    <p:spTree>
+      <p:nvGrpSpPr>
+        <p:cNvPr id="1" name="Shape 175"/>
+        <p:cNvGrpSpPr/>
+        <p:nvPr/>
+      </p:nvGrpSpPr>
+      <p:grpSpPr>
+        <a:xfrm>
+          <a:off x="0" y="0"/>
+          <a:ext cx="0" cy="0"/>
+          <a:chOff x="0" y="0"/>
+          <a:chExt cx="0" cy="0"/>
+        </a:xfrm>
+      </p:grpSpPr>
+      <p:sp>
+        <p:nvSpPr>
+          <p:cNvPr id="176" name="Google Shape;176;p29"/>
+          <p:cNvSpPr/>
+          <p:nvPr/>
+        </p:nvSpPr>
+        <p:spPr>
+          <a:xfrm>
+            <a:off x="0" y="1681046"/>
+            <a:ext cx="9144000" cy="1781400"/>
+          </a:xfrm>
+          <a:prstGeom prst="rect">
+            <a:avLst/>
+          </a:prstGeom>
+          <a:solidFill>
+            <a:srgbClr val="08244A"/>
+          </a:solidFill>
+          <a:ln>
+            <a:noFill/>
+          </a:ln>
+        </p:spPr>
+        <p:txBody>
+          <a:bodyPr spcFirstLastPara="1" wrap="square" lIns="68575" tIns="34275" rIns="68575" bIns="34275" anchor="ctr" anchorCtr="0">
+            <a:noAutofit/>
+          </a:bodyPr>
+          <a:lstStyle/>
+          <a:p>
+            <a:pPr marL="0" marR="0" lvl="0" indent="0" algn="ctr" rtl="0">
+              <a:spcBef>
+                <a:spcPts val="0"/>
+              </a:spcBef>
+              <a:spcAft>
+                <a:spcPts val="0"/>
+              </a:spcAft>
+              <a:buNone/>
+            </a:pPr>
+            <a:endParaRPr sz="1400" b="0" i="0" u="none" strike="noStrike" cap="none">
+              <a:solidFill>
+                <a:schemeClr val="lt1"/>
+              </a:solidFill>
+              <a:latin typeface="Arial"/>
+              <a:ea typeface="Arial"/>
+              <a:cs typeface="Arial"/>
+              <a:sym typeface="Arial"/>
+            </a:endParaRPr>
+          </a:p>
+        </p:txBody>
+      </p:sp>
+      <p:sp>
+        <p:nvSpPr>
+          <p:cNvPr id="177" name="Google Shape;177;p29"/>
+          <p:cNvSpPr txBox="1"/>
+          <p:nvPr/>
+        </p:nvSpPr>
+        <p:spPr>
+          <a:xfrm>
+            <a:off x="2154300" y="2197432"/>
+            <a:ext cx="4835400" cy="330830"/>
+          </a:xfrm>
+          <a:prstGeom prst="rect">
+            <a:avLst/>
+          </a:prstGeom>
+          <a:noFill/>
+          <a:ln>
+            <a:noFill/>
+          </a:ln>
+        </p:spPr>
+        <p:txBody>
+          <a:bodyPr spcFirstLastPara="1" wrap="square" lIns="68575" tIns="34275" rIns="68575" bIns="34275" anchor="t" anchorCtr="0">
+            <a:spAutoFit/>
+          </a:bodyPr>
+          <a:lstStyle/>
+          <a:p>
+            <a:pPr lvl="0" algn="ctr"/>
+            <a:r>
+              <a:rPr lang="en-US" altLang="zh-TW" sz="1700" b="1" dirty="0">
+                <a:solidFill>
+                  <a:schemeClr val="lt1"/>
+                </a:solidFill>
+                <a:latin typeface="Microsoft JhengHei"/>
+                <a:ea typeface="Microsoft JhengHei"/>
+                <a:cs typeface="Microsoft JhengHei"/>
+                <a:sym typeface="Microsoft JhengHei"/>
+              </a:rPr>
+              <a:t>Experiments</a:t>
+            </a:r>
+            <a:endParaRPr lang="zh-TW" altLang="en-US" sz="1700" b="1" dirty="0">
+              <a:solidFill>
+                <a:schemeClr val="lt1"/>
+              </a:solidFill>
+              <a:latin typeface="Microsoft JhengHei"/>
+              <a:ea typeface="Microsoft JhengHei"/>
+              <a:cs typeface="Microsoft JhengHei"/>
+              <a:sym typeface="Microsoft JhengHei"/>
+            </a:endParaRPr>
+          </a:p>
+        </p:txBody>
+      </p:sp>
+      <p:cxnSp>
+        <p:nvCxnSpPr>
+          <p:cNvPr id="178" name="Google Shape;178;p29"/>
+          <p:cNvCxnSpPr/>
+          <p:nvPr/>
+        </p:nvCxnSpPr>
+        <p:spPr>
+          <a:xfrm>
+            <a:off x="0" y="2326072"/>
+            <a:ext cx="1225800" cy="0"/>
+          </a:xfrm>
+          <a:prstGeom prst="straightConnector1">
+            <a:avLst/>
+          </a:prstGeom>
+          <a:noFill/>
+          <a:ln w="12700" cap="flat" cmpd="sng">
+            <a:solidFill>
+              <a:schemeClr val="lt1"/>
+            </a:solidFill>
+            <a:prstDash val="solid"/>
+            <a:miter lim="800000"/>
+            <a:headEnd type="none" w="sm" len="sm"/>
+            <a:tailEnd type="none" w="sm" len="sm"/>
+          </a:ln>
+        </p:spPr>
+      </p:cxnSp>
+      <p:cxnSp>
+        <p:nvCxnSpPr>
+          <p:cNvPr id="179" name="Google Shape;179;p29"/>
+          <p:cNvCxnSpPr/>
+          <p:nvPr/>
+        </p:nvCxnSpPr>
+        <p:spPr>
+          <a:xfrm>
+            <a:off x="7918133" y="2326072"/>
+            <a:ext cx="1225800" cy="0"/>
+          </a:xfrm>
+          <a:prstGeom prst="straightConnector1">
+            <a:avLst/>
+          </a:prstGeom>
+          <a:noFill/>
+          <a:ln w="12700" cap="flat" cmpd="sng">
+            <a:solidFill>
+              <a:schemeClr val="lt1"/>
+            </a:solidFill>
+            <a:prstDash val="solid"/>
+            <a:miter lim="800000"/>
+            <a:headEnd type="none" w="sm" len="sm"/>
+            <a:tailEnd type="none" w="sm" len="sm"/>
+          </a:ln>
+        </p:spPr>
+      </p:cxnSp>
+      <p:sp>
+        <p:nvSpPr>
+          <p:cNvPr id="180" name="Google Shape;180;p29"/>
+          <p:cNvSpPr txBox="1"/>
+          <p:nvPr/>
+        </p:nvSpPr>
+        <p:spPr>
+          <a:xfrm>
+            <a:off x="7422919" y="4868275"/>
+            <a:ext cx="1660500" cy="238500"/>
+          </a:xfrm>
+          <a:prstGeom prst="rect">
+            <a:avLst/>
+          </a:prstGeom>
+          <a:noFill/>
+          <a:ln>
+            <a:noFill/>
+          </a:ln>
+        </p:spPr>
+        <p:txBody>
+          <a:bodyPr spcFirstLastPara="1" wrap="square" lIns="68575" tIns="34275" rIns="68575" bIns="34275" anchor="t" anchorCtr="0">
+            <a:spAutoFit/>
+          </a:bodyPr>
+          <a:lstStyle/>
+          <a:p>
+            <a:pPr marL="0" marR="0" lvl="0" indent="0" algn="r" rtl="0">
+              <a:spcBef>
+                <a:spcPts val="0"/>
+              </a:spcBef>
+              <a:spcAft>
+                <a:spcPts val="0"/>
+              </a:spcAft>
+              <a:buNone/>
+            </a:pPr>
+            <a:r>
+              <a:rPr lang="zh-TW" sz="1100">
+                <a:solidFill>
+                  <a:srgbClr val="A5A5A5"/>
+                </a:solidFill>
+                <a:latin typeface="Consolas"/>
+                <a:ea typeface="Consolas"/>
+                <a:cs typeface="Consolas"/>
+                <a:sym typeface="Consolas"/>
+              </a:rPr>
+              <a:t>NTUST GAMELab</a:t>
+            </a:r>
+            <a:endParaRPr sz="1100">
+              <a:solidFill>
+                <a:srgbClr val="A5A5A5"/>
+              </a:solidFill>
+              <a:latin typeface="Consolas"/>
+              <a:ea typeface="Consolas"/>
+              <a:cs typeface="Consolas"/>
+              <a:sym typeface="Consolas"/>
+            </a:endParaRPr>
+          </a:p>
+        </p:txBody>
+      </p:sp>
+    </p:spTree>
+    <p:extLst>
+      <p:ext uri="{BB962C8B-B14F-4D97-AF65-F5344CB8AC3E}">
+        <p14:creationId xmlns:p14="http://schemas.microsoft.com/office/powerpoint/2010/main" val="3749991764"/>
+      </p:ext>
+    </p:extLst>
+  </p:cSld>
+  <p:clrMapOvr>
+    <a:masterClrMapping/>
+  </p:clrMapOvr>
+</p:sld>
+</file>
+
+<file path=ppt/slides/slide15.xml><?xml version="1.0" encoding="utf-8"?>
 <p:sld xmlns:a="http://schemas.openxmlformats.org/drawingml/2006/main" xmlns:r="http://schemas.openxmlformats.org/officeDocument/2006/relationships" xmlns:p="http://schemas.openxmlformats.org/presentationml/2006/main">
   <p:cSld>
     <p:spTree>
@@ -22026,7 +23674,7 @@
             </a:pPr>
             <a:fld id="{00000000-1234-1234-1234-123412341234}" type="slidenum">
               <a:rPr lang="en-US" altLang="zh-TW" sz="1100"/>
-              <a:t>12</a:t>
+              <a:t>15</a:t>
             </a:fld>
             <a:endParaRPr sz="1100"/>
           </a:p>
@@ -22059,7 +23707,7 @@
           <a:p>
             <a:pPr lvl="0"/>
             <a:r>
-              <a:rPr lang="en-US" sz="2100" b="1">
+              <a:rPr lang="en-US" sz="2100" b="1" dirty="0">
                 <a:solidFill>
                   <a:srgbClr val="08244A"/>
                 </a:solidFill>
@@ -22070,15 +23718,6 @@
               </a:rPr>
               <a:t>ImageNet Experiments</a:t>
             </a:r>
-            <a:endParaRPr lang="en-US" sz="2100" b="1" dirty="0">
-              <a:solidFill>
-                <a:srgbClr val="08244A"/>
-              </a:solidFill>
-              <a:latin typeface="Microsoft JhengHei"/>
-              <a:ea typeface="Microsoft JhengHei"/>
-              <a:cs typeface="Microsoft JhengHei"/>
-              <a:sym typeface="Microsoft JhengHei"/>
-            </a:endParaRPr>
           </a:p>
         </p:txBody>
       </p:sp>
@@ -22250,7 +23889,7 @@
         </p:blipFill>
         <p:spPr>
           <a:xfrm>
-            <a:off x="659978" y="1782554"/>
+            <a:off x="132756" y="1816997"/>
             <a:ext cx="5959308" cy="751723"/>
           </a:xfrm>
           <a:prstGeom prst="rect">
@@ -22374,7 +24013,7 @@
         </p:blipFill>
         <p:spPr>
           <a:xfrm>
-            <a:off x="4765119" y="2644652"/>
+            <a:off x="4774794" y="2641331"/>
             <a:ext cx="3906987" cy="2211752"/>
           </a:xfrm>
           <a:prstGeom prst="rect">
@@ -22398,7 +24037,7 @@
 </p:sld>
 </file>
 
-<file path=ppt/slides/slide13.xml><?xml version="1.0" encoding="utf-8"?>
+<file path=ppt/slides/slide16.xml><?xml version="1.0" encoding="utf-8"?>
 <p:sld xmlns:a="http://schemas.openxmlformats.org/drawingml/2006/main" xmlns:r="http://schemas.openxmlformats.org/officeDocument/2006/relationships" xmlns:p="http://schemas.openxmlformats.org/presentationml/2006/main">
   <p:cSld>
     <p:spTree>
@@ -22587,7 +24226,7 @@
             </a:pPr>
             <a:fld id="{00000000-1234-1234-1234-123412341234}" type="slidenum">
               <a:rPr lang="en-US" altLang="zh-TW" sz="1100"/>
-              <a:t>13</a:t>
+              <a:t>16</a:t>
             </a:fld>
             <a:endParaRPr sz="1100"/>
           </a:p>
@@ -22864,7 +24503,7 @@
 </p:sld>
 </file>
 
-<file path=ppt/slides/slide14.xml><?xml version="1.0" encoding="utf-8"?>
+<file path=ppt/slides/slide17.xml><?xml version="1.0" encoding="utf-8"?>
 <p:sld xmlns:a="http://schemas.openxmlformats.org/drawingml/2006/main" xmlns:r="http://schemas.openxmlformats.org/officeDocument/2006/relationships" xmlns:p="http://schemas.openxmlformats.org/presentationml/2006/main">
   <p:cSld>
     <p:spTree>
@@ -23053,7 +24692,7 @@
             </a:pPr>
             <a:fld id="{00000000-1234-1234-1234-123412341234}" type="slidenum">
               <a:rPr lang="en-US" altLang="zh-TW" sz="1100"/>
-              <a:t>14</a:t>
+              <a:t>17</a:t>
             </a:fld>
             <a:endParaRPr sz="1100"/>
           </a:p>
@@ -23252,7 +24891,7 @@
 </p:sld>
 </file>
 
-<file path=ppt/slides/slide15.xml><?xml version="1.0" encoding="utf-8"?>
+<file path=ppt/slides/slide18.xml><?xml version="1.0" encoding="utf-8"?>
 <p:sld xmlns:a="http://schemas.openxmlformats.org/drawingml/2006/main" xmlns:r="http://schemas.openxmlformats.org/officeDocument/2006/relationships" xmlns:p="http://schemas.openxmlformats.org/presentationml/2006/main">
   <p:cSld>
     <p:spTree>
@@ -23441,7 +25080,7 @@
             </a:pPr>
             <a:fld id="{00000000-1234-1234-1234-123412341234}" type="slidenum">
               <a:rPr lang="en-US" altLang="zh-TW" sz="1100"/>
-              <a:t>15</a:t>
+              <a:t>18</a:t>
             </a:fld>
             <a:endParaRPr sz="1100"/>
           </a:p>
@@ -23483,7 +25122,7 @@
                 <a:cs typeface="Microsoft JhengHei"/>
                 <a:sym typeface="Microsoft JhengHei"/>
               </a:rPr>
-              <a:t>ImageNet Experiments - Reconstruction target</a:t>
+              <a:t>ImageNet Experiment</a:t>
             </a:r>
           </a:p>
         </p:txBody>
@@ -23687,1050 +25326,6 @@
 </p:sld>
 </file>
 
-<file path=ppt/slides/slide16.xml><?xml version="1.0" encoding="utf-8"?>
-<p:sld xmlns:a="http://schemas.openxmlformats.org/drawingml/2006/main" xmlns:r="http://schemas.openxmlformats.org/officeDocument/2006/relationships" xmlns:p="http://schemas.openxmlformats.org/presentationml/2006/main">
-  <p:cSld>
-    <p:spTree>
-      <p:nvGrpSpPr>
-        <p:cNvPr id="1" name="Shape 139"/>
-        <p:cNvGrpSpPr/>
-        <p:nvPr/>
-      </p:nvGrpSpPr>
-      <p:grpSpPr>
-        <a:xfrm>
-          <a:off x="0" y="0"/>
-          <a:ext cx="0" cy="0"/>
-          <a:chOff x="0" y="0"/>
-          <a:chExt cx="0" cy="0"/>
-        </a:xfrm>
-      </p:grpSpPr>
-      <p:cxnSp>
-        <p:nvCxnSpPr>
-          <p:cNvPr id="140" name="Google Shape;140;p26"/>
-          <p:cNvCxnSpPr/>
-          <p:nvPr/>
-        </p:nvCxnSpPr>
-        <p:spPr>
-          <a:xfrm rot="10800000">
-            <a:off x="471906" y="672952"/>
-            <a:ext cx="8200200" cy="0"/>
-          </a:xfrm>
-          <a:prstGeom prst="straightConnector1">
-            <a:avLst/>
-          </a:prstGeom>
-          <a:noFill/>
-          <a:ln w="38100" cap="flat" cmpd="sng">
-            <a:solidFill>
-              <a:srgbClr val="08244A"/>
-            </a:solidFill>
-            <a:prstDash val="solid"/>
-            <a:miter lim="800000"/>
-            <a:headEnd type="none" w="sm" len="sm"/>
-            <a:tailEnd type="none" w="sm" len="sm"/>
-          </a:ln>
-        </p:spPr>
-      </p:cxnSp>
-      <p:sp>
-        <p:nvSpPr>
-          <p:cNvPr id="141" name="Google Shape;141;p26"/>
-          <p:cNvSpPr txBox="1"/>
-          <p:nvPr/>
-        </p:nvSpPr>
-        <p:spPr>
-          <a:xfrm>
-            <a:off x="4312990" y="4919588"/>
-            <a:ext cx="518100" cy="238500"/>
-          </a:xfrm>
-          <a:prstGeom prst="rect">
-            <a:avLst/>
-          </a:prstGeom>
-          <a:solidFill>
-            <a:srgbClr val="08244A"/>
-          </a:solidFill>
-          <a:ln>
-            <a:noFill/>
-          </a:ln>
-        </p:spPr>
-        <p:txBody>
-          <a:bodyPr spcFirstLastPara="1" wrap="square" lIns="68575" tIns="34275" rIns="68575" bIns="34275" anchor="t" anchorCtr="0">
-            <a:spAutoFit/>
-          </a:bodyPr>
-          <a:lstStyle/>
-          <a:p>
-            <a:pPr marL="0" marR="0" lvl="0" indent="0" algn="ctr" rtl="0">
-              <a:spcBef>
-                <a:spcPts val="0"/>
-              </a:spcBef>
-              <a:spcAft>
-                <a:spcPts val="0"/>
-              </a:spcAft>
-              <a:buNone/>
-            </a:pPr>
-            <a:endParaRPr sz="1100">
-              <a:solidFill>
-                <a:schemeClr val="lt1"/>
-              </a:solidFill>
-              <a:latin typeface="Arial"/>
-              <a:ea typeface="Arial"/>
-              <a:cs typeface="Arial"/>
-              <a:sym typeface="Arial"/>
-            </a:endParaRPr>
-          </a:p>
-        </p:txBody>
-      </p:sp>
-      <p:sp>
-        <p:nvSpPr>
-          <p:cNvPr id="142" name="Google Shape;142;p26"/>
-          <p:cNvSpPr txBox="1"/>
-          <p:nvPr/>
-        </p:nvSpPr>
-        <p:spPr>
-          <a:xfrm>
-            <a:off x="7422919" y="4868275"/>
-            <a:ext cx="1660500" cy="238500"/>
-          </a:xfrm>
-          <a:prstGeom prst="rect">
-            <a:avLst/>
-          </a:prstGeom>
-          <a:noFill/>
-          <a:ln>
-            <a:noFill/>
-          </a:ln>
-        </p:spPr>
-        <p:txBody>
-          <a:bodyPr spcFirstLastPara="1" wrap="square" lIns="68575" tIns="34275" rIns="68575" bIns="34275" anchor="t" anchorCtr="0">
-            <a:spAutoFit/>
-          </a:bodyPr>
-          <a:lstStyle/>
-          <a:p>
-            <a:pPr marL="0" marR="0" lvl="0" indent="0" algn="r" rtl="0">
-              <a:spcBef>
-                <a:spcPts val="0"/>
-              </a:spcBef>
-              <a:spcAft>
-                <a:spcPts val="0"/>
-              </a:spcAft>
-              <a:buNone/>
-            </a:pPr>
-            <a:r>
-              <a:rPr lang="zh-TW" sz="1100">
-                <a:solidFill>
-                  <a:srgbClr val="A5A5A5"/>
-                </a:solidFill>
-                <a:latin typeface="Consolas"/>
-                <a:ea typeface="Consolas"/>
-                <a:cs typeface="Consolas"/>
-                <a:sym typeface="Consolas"/>
-              </a:rPr>
-              <a:t>NTUST GAMELab</a:t>
-            </a:r>
-            <a:endParaRPr sz="1100">
-              <a:solidFill>
-                <a:srgbClr val="A5A5A5"/>
-              </a:solidFill>
-              <a:latin typeface="Consolas"/>
-              <a:ea typeface="Consolas"/>
-              <a:cs typeface="Consolas"/>
-              <a:sym typeface="Consolas"/>
-            </a:endParaRPr>
-          </a:p>
-        </p:txBody>
-      </p:sp>
-      <p:sp>
-        <p:nvSpPr>
-          <p:cNvPr id="143" name="Google Shape;143;p26"/>
-          <p:cNvSpPr txBox="1">
-            <a:spLocks noGrp="1"/>
-          </p:cNvSpPr>
-          <p:nvPr>
-            <p:ph type="sldNum" idx="12"/>
-          </p:nvPr>
-        </p:nvSpPr>
-        <p:spPr>
-          <a:xfrm>
-            <a:off x="3543300" y="4904660"/>
-            <a:ext cx="2057400" cy="273900"/>
-          </a:xfrm>
-          <a:prstGeom prst="rect">
-            <a:avLst/>
-          </a:prstGeom>
-          <a:noFill/>
-          <a:ln>
-            <a:noFill/>
-          </a:ln>
-        </p:spPr>
-        <p:txBody>
-          <a:bodyPr spcFirstLastPara="1" wrap="square" lIns="68575" tIns="34275" rIns="68575" bIns="34275" anchor="ctr" anchorCtr="0">
-            <a:noAutofit/>
-          </a:bodyPr>
-          <a:lstStyle/>
-          <a:p>
-            <a:pPr marL="0" lvl="0" indent="0" algn="ctr" rtl="0">
-              <a:spcBef>
-                <a:spcPts val="0"/>
-              </a:spcBef>
-              <a:spcAft>
-                <a:spcPts val="0"/>
-              </a:spcAft>
-              <a:buNone/>
-            </a:pPr>
-            <a:fld id="{00000000-1234-1234-1234-123412341234}" type="slidenum">
-              <a:rPr lang="en-US" altLang="zh-TW" sz="1100"/>
-              <a:t>16</a:t>
-            </a:fld>
-            <a:endParaRPr sz="1100"/>
-          </a:p>
-        </p:txBody>
-      </p:sp>
-      <p:sp>
-        <p:nvSpPr>
-          <p:cNvPr id="144" name="Google Shape;144;p26"/>
-          <p:cNvSpPr txBox="1"/>
-          <p:nvPr/>
-        </p:nvSpPr>
-        <p:spPr>
-          <a:xfrm>
-            <a:off x="368600" y="246125"/>
-            <a:ext cx="7941920" cy="392385"/>
-          </a:xfrm>
-          <a:prstGeom prst="rect">
-            <a:avLst/>
-          </a:prstGeom>
-          <a:noFill/>
-          <a:ln>
-            <a:noFill/>
-          </a:ln>
-        </p:spPr>
-        <p:txBody>
-          <a:bodyPr spcFirstLastPara="1" wrap="square" lIns="68575" tIns="34275" rIns="68575" bIns="34275" anchor="t" anchorCtr="0">
-            <a:spAutoFit/>
-          </a:bodyPr>
-          <a:lstStyle/>
-          <a:p>
-            <a:pPr lvl="0"/>
-            <a:r>
-              <a:rPr lang="en-US" sz="2100" b="1" dirty="0">
-                <a:solidFill>
-                  <a:srgbClr val="08244A"/>
-                </a:solidFill>
-                <a:latin typeface="Microsoft JhengHei"/>
-                <a:ea typeface="Microsoft JhengHei"/>
-                <a:cs typeface="Microsoft JhengHei"/>
-                <a:sym typeface="Microsoft JhengHei"/>
-              </a:rPr>
-              <a:t>ImageNet Experiments - Reconstruction target</a:t>
-            </a:r>
-          </a:p>
-        </p:txBody>
-      </p:sp>
-      <p:sp>
-        <p:nvSpPr>
-          <p:cNvPr id="145" name="Google Shape;145;p26"/>
-          <p:cNvSpPr txBox="1"/>
-          <p:nvPr/>
-        </p:nvSpPr>
-        <p:spPr>
-          <a:xfrm>
-            <a:off x="471900" y="736201"/>
-            <a:ext cx="7422300" cy="369300"/>
-          </a:xfrm>
-          <a:prstGeom prst="rect">
-            <a:avLst/>
-          </a:prstGeom>
-          <a:noFill/>
-          <a:ln>
-            <a:noFill/>
-          </a:ln>
-        </p:spPr>
-        <p:txBody>
-          <a:bodyPr spcFirstLastPara="1" wrap="square" lIns="91425" tIns="91425" rIns="91425" bIns="91425" anchor="t" anchorCtr="0">
-            <a:spAutoFit/>
-          </a:bodyPr>
-          <a:lstStyle/>
-          <a:p>
-            <a:pPr marL="0" lvl="0" indent="0" algn="l" rtl="0">
-              <a:spcBef>
-                <a:spcPts val="0"/>
-              </a:spcBef>
-              <a:spcAft>
-                <a:spcPts val="0"/>
-              </a:spcAft>
-              <a:buNone/>
-            </a:pPr>
-            <a:endParaRPr sz="1200" b="1">
-              <a:solidFill>
-                <a:schemeClr val="dk1"/>
-              </a:solidFill>
-              <a:latin typeface="Microsoft JhengHei"/>
-              <a:ea typeface="Microsoft JhengHei"/>
-              <a:cs typeface="Microsoft JhengHei"/>
-              <a:sym typeface="Microsoft JhengHei"/>
-            </a:endParaRPr>
-          </a:p>
-        </p:txBody>
-      </p:sp>
-      <p:pic>
-        <p:nvPicPr>
-          <p:cNvPr id="3" name="圖片 2">
-            <a:extLst>
-              <a:ext uri="{FF2B5EF4-FFF2-40B4-BE49-F238E27FC236}">
-                <a16:creationId xmlns:a16="http://schemas.microsoft.com/office/drawing/2014/main" id="{C65B0402-55F5-14B6-0A42-96D7678574AB}"/>
-              </a:ext>
-            </a:extLst>
-          </p:cNvPr>
-          <p:cNvPicPr>
-            <a:picLocks noChangeAspect="1"/>
-          </p:cNvPicPr>
-          <p:nvPr/>
-        </p:nvPicPr>
-        <p:blipFill>
-          <a:blip r:embed="rId3"/>
-          <a:stretch>
-            <a:fillRect/>
-          </a:stretch>
-        </p:blipFill>
-        <p:spPr>
-          <a:xfrm>
-            <a:off x="5108303" y="1504961"/>
-            <a:ext cx="4035686" cy="1945034"/>
-          </a:xfrm>
-          <a:prstGeom prst="rect">
-            <a:avLst/>
-          </a:prstGeom>
-        </p:spPr>
-      </p:pic>
-      <p:pic>
-        <p:nvPicPr>
-          <p:cNvPr id="7" name="圖片 6">
-            <a:extLst>
-              <a:ext uri="{FF2B5EF4-FFF2-40B4-BE49-F238E27FC236}">
-                <a16:creationId xmlns:a16="http://schemas.microsoft.com/office/drawing/2014/main" id="{9A95E85B-1CC3-EDE2-EB03-F50AEB0D1A65}"/>
-              </a:ext>
-            </a:extLst>
-          </p:cNvPr>
-          <p:cNvPicPr>
-            <a:picLocks noChangeAspect="1"/>
-          </p:cNvPicPr>
-          <p:nvPr/>
-        </p:nvPicPr>
-        <p:blipFill>
-          <a:blip r:embed="rId4"/>
-          <a:stretch>
-            <a:fillRect/>
-          </a:stretch>
-        </p:blipFill>
-        <p:spPr>
-          <a:xfrm>
-            <a:off x="0" y="1425005"/>
-            <a:ext cx="5027383" cy="2035678"/>
-          </a:xfrm>
-          <a:prstGeom prst="rect">
-            <a:avLst/>
-          </a:prstGeom>
-        </p:spPr>
-      </p:pic>
-    </p:spTree>
-    <p:extLst>
-      <p:ext uri="{BB962C8B-B14F-4D97-AF65-F5344CB8AC3E}">
-        <p14:creationId xmlns:p14="http://schemas.microsoft.com/office/powerpoint/2010/main" val="4118008068"/>
-      </p:ext>
-    </p:extLst>
-  </p:cSld>
-  <p:clrMapOvr>
-    <a:masterClrMapping/>
-  </p:clrMapOvr>
-  <p:transition spd="slow">
-    <p:push/>
-  </p:transition>
-</p:sld>
-</file>
-
-<file path=ppt/slides/slide17.xml><?xml version="1.0" encoding="utf-8"?>
-<p:sld xmlns:a="http://schemas.openxmlformats.org/drawingml/2006/main" xmlns:r="http://schemas.openxmlformats.org/officeDocument/2006/relationships" xmlns:p="http://schemas.openxmlformats.org/presentationml/2006/main">
-  <p:cSld>
-    <p:spTree>
-      <p:nvGrpSpPr>
-        <p:cNvPr id="1" name="Shape 139"/>
-        <p:cNvGrpSpPr/>
-        <p:nvPr/>
-      </p:nvGrpSpPr>
-      <p:grpSpPr>
-        <a:xfrm>
-          <a:off x="0" y="0"/>
-          <a:ext cx="0" cy="0"/>
-          <a:chOff x="0" y="0"/>
-          <a:chExt cx="0" cy="0"/>
-        </a:xfrm>
-      </p:grpSpPr>
-      <p:cxnSp>
-        <p:nvCxnSpPr>
-          <p:cNvPr id="140" name="Google Shape;140;p26"/>
-          <p:cNvCxnSpPr/>
-          <p:nvPr/>
-        </p:nvCxnSpPr>
-        <p:spPr>
-          <a:xfrm rot="10800000">
-            <a:off x="471906" y="672952"/>
-            <a:ext cx="8200200" cy="0"/>
-          </a:xfrm>
-          <a:prstGeom prst="straightConnector1">
-            <a:avLst/>
-          </a:prstGeom>
-          <a:noFill/>
-          <a:ln w="38100" cap="flat" cmpd="sng">
-            <a:solidFill>
-              <a:srgbClr val="08244A"/>
-            </a:solidFill>
-            <a:prstDash val="solid"/>
-            <a:miter lim="800000"/>
-            <a:headEnd type="none" w="sm" len="sm"/>
-            <a:tailEnd type="none" w="sm" len="sm"/>
-          </a:ln>
-        </p:spPr>
-      </p:cxnSp>
-      <p:sp>
-        <p:nvSpPr>
-          <p:cNvPr id="141" name="Google Shape;141;p26"/>
-          <p:cNvSpPr txBox="1"/>
-          <p:nvPr/>
-        </p:nvSpPr>
-        <p:spPr>
-          <a:xfrm>
-            <a:off x="4312990" y="4919588"/>
-            <a:ext cx="518100" cy="238500"/>
-          </a:xfrm>
-          <a:prstGeom prst="rect">
-            <a:avLst/>
-          </a:prstGeom>
-          <a:solidFill>
-            <a:srgbClr val="08244A"/>
-          </a:solidFill>
-          <a:ln>
-            <a:noFill/>
-          </a:ln>
-        </p:spPr>
-        <p:txBody>
-          <a:bodyPr spcFirstLastPara="1" wrap="square" lIns="68575" tIns="34275" rIns="68575" bIns="34275" anchor="t" anchorCtr="0">
-            <a:spAutoFit/>
-          </a:bodyPr>
-          <a:lstStyle/>
-          <a:p>
-            <a:pPr marL="0" marR="0" lvl="0" indent="0" algn="ctr" rtl="0">
-              <a:spcBef>
-                <a:spcPts val="0"/>
-              </a:spcBef>
-              <a:spcAft>
-                <a:spcPts val="0"/>
-              </a:spcAft>
-              <a:buNone/>
-            </a:pPr>
-            <a:endParaRPr sz="1100">
-              <a:solidFill>
-                <a:schemeClr val="lt1"/>
-              </a:solidFill>
-              <a:latin typeface="Arial"/>
-              <a:ea typeface="Arial"/>
-              <a:cs typeface="Arial"/>
-              <a:sym typeface="Arial"/>
-            </a:endParaRPr>
-          </a:p>
-        </p:txBody>
-      </p:sp>
-      <p:sp>
-        <p:nvSpPr>
-          <p:cNvPr id="142" name="Google Shape;142;p26"/>
-          <p:cNvSpPr txBox="1"/>
-          <p:nvPr/>
-        </p:nvSpPr>
-        <p:spPr>
-          <a:xfrm>
-            <a:off x="7422919" y="4868275"/>
-            <a:ext cx="1660500" cy="238500"/>
-          </a:xfrm>
-          <a:prstGeom prst="rect">
-            <a:avLst/>
-          </a:prstGeom>
-          <a:noFill/>
-          <a:ln>
-            <a:noFill/>
-          </a:ln>
-        </p:spPr>
-        <p:txBody>
-          <a:bodyPr spcFirstLastPara="1" wrap="square" lIns="68575" tIns="34275" rIns="68575" bIns="34275" anchor="t" anchorCtr="0">
-            <a:spAutoFit/>
-          </a:bodyPr>
-          <a:lstStyle/>
-          <a:p>
-            <a:pPr marL="0" marR="0" lvl="0" indent="0" algn="r" rtl="0">
-              <a:spcBef>
-                <a:spcPts val="0"/>
-              </a:spcBef>
-              <a:spcAft>
-                <a:spcPts val="0"/>
-              </a:spcAft>
-              <a:buNone/>
-            </a:pPr>
-            <a:r>
-              <a:rPr lang="zh-TW" sz="1100">
-                <a:solidFill>
-                  <a:srgbClr val="A5A5A5"/>
-                </a:solidFill>
-                <a:latin typeface="Consolas"/>
-                <a:ea typeface="Consolas"/>
-                <a:cs typeface="Consolas"/>
-                <a:sym typeface="Consolas"/>
-              </a:rPr>
-              <a:t>NTUST GAMELab</a:t>
-            </a:r>
-            <a:endParaRPr sz="1100">
-              <a:solidFill>
-                <a:srgbClr val="A5A5A5"/>
-              </a:solidFill>
-              <a:latin typeface="Consolas"/>
-              <a:ea typeface="Consolas"/>
-              <a:cs typeface="Consolas"/>
-              <a:sym typeface="Consolas"/>
-            </a:endParaRPr>
-          </a:p>
-        </p:txBody>
-      </p:sp>
-      <p:sp>
-        <p:nvSpPr>
-          <p:cNvPr id="143" name="Google Shape;143;p26"/>
-          <p:cNvSpPr txBox="1">
-            <a:spLocks noGrp="1"/>
-          </p:cNvSpPr>
-          <p:nvPr>
-            <p:ph type="sldNum" idx="12"/>
-          </p:nvPr>
-        </p:nvSpPr>
-        <p:spPr>
-          <a:xfrm>
-            <a:off x="3543300" y="4904660"/>
-            <a:ext cx="2057400" cy="273900"/>
-          </a:xfrm>
-          <a:prstGeom prst="rect">
-            <a:avLst/>
-          </a:prstGeom>
-          <a:noFill/>
-          <a:ln>
-            <a:noFill/>
-          </a:ln>
-        </p:spPr>
-        <p:txBody>
-          <a:bodyPr spcFirstLastPara="1" wrap="square" lIns="68575" tIns="34275" rIns="68575" bIns="34275" anchor="ctr" anchorCtr="0">
-            <a:noAutofit/>
-          </a:bodyPr>
-          <a:lstStyle/>
-          <a:p>
-            <a:pPr marL="0" lvl="0" indent="0" algn="ctr" rtl="0">
-              <a:spcBef>
-                <a:spcPts val="0"/>
-              </a:spcBef>
-              <a:spcAft>
-                <a:spcPts val="0"/>
-              </a:spcAft>
-              <a:buNone/>
-            </a:pPr>
-            <a:fld id="{00000000-1234-1234-1234-123412341234}" type="slidenum">
-              <a:rPr lang="en-US" altLang="zh-TW" sz="1100"/>
-              <a:t>17</a:t>
-            </a:fld>
-            <a:endParaRPr sz="1100"/>
-          </a:p>
-        </p:txBody>
-      </p:sp>
-      <p:sp>
-        <p:nvSpPr>
-          <p:cNvPr id="144" name="Google Shape;144;p26"/>
-          <p:cNvSpPr txBox="1"/>
-          <p:nvPr/>
-        </p:nvSpPr>
-        <p:spPr>
-          <a:xfrm>
-            <a:off x="368600" y="246125"/>
-            <a:ext cx="7941920" cy="392385"/>
-          </a:xfrm>
-          <a:prstGeom prst="rect">
-            <a:avLst/>
-          </a:prstGeom>
-          <a:noFill/>
-          <a:ln>
-            <a:noFill/>
-          </a:ln>
-        </p:spPr>
-        <p:txBody>
-          <a:bodyPr spcFirstLastPara="1" wrap="square" lIns="68575" tIns="34275" rIns="68575" bIns="34275" anchor="t" anchorCtr="0">
-            <a:spAutoFit/>
-          </a:bodyPr>
-          <a:lstStyle/>
-          <a:p>
-            <a:pPr lvl="0"/>
-            <a:r>
-              <a:rPr lang="en-US" sz="2100" b="1" dirty="0">
-                <a:solidFill>
-                  <a:srgbClr val="08244A"/>
-                </a:solidFill>
-                <a:latin typeface="Microsoft JhengHei"/>
-                <a:ea typeface="Microsoft JhengHei"/>
-                <a:cs typeface="Microsoft JhengHei"/>
-                <a:sym typeface="Microsoft JhengHei"/>
-              </a:rPr>
-              <a:t>ImageNet Experiments</a:t>
-            </a:r>
-          </a:p>
-        </p:txBody>
-      </p:sp>
-      <p:sp>
-        <p:nvSpPr>
-          <p:cNvPr id="145" name="Google Shape;145;p26"/>
-          <p:cNvSpPr txBox="1"/>
-          <p:nvPr/>
-        </p:nvSpPr>
-        <p:spPr>
-          <a:xfrm>
-            <a:off x="471900" y="736201"/>
-            <a:ext cx="7422300" cy="369300"/>
-          </a:xfrm>
-          <a:prstGeom prst="rect">
-            <a:avLst/>
-          </a:prstGeom>
-          <a:noFill/>
-          <a:ln>
-            <a:noFill/>
-          </a:ln>
-        </p:spPr>
-        <p:txBody>
-          <a:bodyPr spcFirstLastPara="1" wrap="square" lIns="91425" tIns="91425" rIns="91425" bIns="91425" anchor="t" anchorCtr="0">
-            <a:spAutoFit/>
-          </a:bodyPr>
-          <a:lstStyle/>
-          <a:p>
-            <a:pPr marL="0" lvl="0" indent="0" algn="l" rtl="0">
-              <a:spcBef>
-                <a:spcPts val="0"/>
-              </a:spcBef>
-              <a:spcAft>
-                <a:spcPts val="0"/>
-              </a:spcAft>
-              <a:buNone/>
-            </a:pPr>
-            <a:endParaRPr sz="1200" b="1">
-              <a:solidFill>
-                <a:schemeClr val="dk1"/>
-              </a:solidFill>
-              <a:latin typeface="Microsoft JhengHei"/>
-              <a:ea typeface="Microsoft JhengHei"/>
-              <a:cs typeface="Microsoft JhengHei"/>
-              <a:sym typeface="Microsoft JhengHei"/>
-            </a:endParaRPr>
-          </a:p>
-        </p:txBody>
-      </p:sp>
-      <p:pic>
-        <p:nvPicPr>
-          <p:cNvPr id="13" name="圖片 12">
-            <a:extLst>
-              <a:ext uri="{FF2B5EF4-FFF2-40B4-BE49-F238E27FC236}">
-                <a16:creationId xmlns:a16="http://schemas.microsoft.com/office/drawing/2014/main" id="{5ED7E345-6DD2-1C28-25C4-B33EF936AD86}"/>
-              </a:ext>
-            </a:extLst>
-          </p:cNvPr>
-          <p:cNvPicPr>
-            <a:picLocks noChangeAspect="1"/>
-          </p:cNvPicPr>
-          <p:nvPr/>
-        </p:nvPicPr>
-        <p:blipFill>
-          <a:blip r:embed="rId3"/>
-          <a:stretch>
-            <a:fillRect/>
-          </a:stretch>
-        </p:blipFill>
-        <p:spPr>
-          <a:xfrm>
-            <a:off x="395438" y="681877"/>
-            <a:ext cx="5902727" cy="1756521"/>
-          </a:xfrm>
-          <a:prstGeom prst="rect">
-            <a:avLst/>
-          </a:prstGeom>
-        </p:spPr>
-      </p:pic>
-      <p:pic>
-        <p:nvPicPr>
-          <p:cNvPr id="19" name="圖片 18">
-            <a:extLst>
-              <a:ext uri="{FF2B5EF4-FFF2-40B4-BE49-F238E27FC236}">
-                <a16:creationId xmlns:a16="http://schemas.microsoft.com/office/drawing/2014/main" id="{D33F7DB1-9375-8B07-2A8E-1ADFFFD029C1}"/>
-              </a:ext>
-            </a:extLst>
-          </p:cNvPr>
-          <p:cNvPicPr>
-            <a:picLocks noChangeAspect="1"/>
-          </p:cNvPicPr>
-          <p:nvPr/>
-        </p:nvPicPr>
-        <p:blipFill>
-          <a:blip r:embed="rId4"/>
-          <a:stretch>
-            <a:fillRect/>
-          </a:stretch>
-        </p:blipFill>
-        <p:spPr>
-          <a:xfrm>
-            <a:off x="395438" y="2460415"/>
-            <a:ext cx="4548796" cy="2527109"/>
-          </a:xfrm>
-          <a:prstGeom prst="rect">
-            <a:avLst/>
-          </a:prstGeom>
-        </p:spPr>
-      </p:pic>
-    </p:spTree>
-    <p:extLst>
-      <p:ext uri="{BB962C8B-B14F-4D97-AF65-F5344CB8AC3E}">
-        <p14:creationId xmlns:p14="http://schemas.microsoft.com/office/powerpoint/2010/main" val="1626060731"/>
-      </p:ext>
-    </p:extLst>
-  </p:cSld>
-  <p:clrMapOvr>
-    <a:masterClrMapping/>
-  </p:clrMapOvr>
-  <p:transition spd="slow">
-    <p:push/>
-  </p:transition>
-</p:sld>
-</file>
-
-<file path=ppt/slides/slide18.xml><?xml version="1.0" encoding="utf-8"?>
-<p:sld xmlns:a="http://schemas.openxmlformats.org/drawingml/2006/main" xmlns:r="http://schemas.openxmlformats.org/officeDocument/2006/relationships" xmlns:p="http://schemas.openxmlformats.org/presentationml/2006/main">
-  <p:cSld>
-    <p:spTree>
-      <p:nvGrpSpPr>
-        <p:cNvPr id="1" name="Shape 139"/>
-        <p:cNvGrpSpPr/>
-        <p:nvPr/>
-      </p:nvGrpSpPr>
-      <p:grpSpPr>
-        <a:xfrm>
-          <a:off x="0" y="0"/>
-          <a:ext cx="0" cy="0"/>
-          <a:chOff x="0" y="0"/>
-          <a:chExt cx="0" cy="0"/>
-        </a:xfrm>
-      </p:grpSpPr>
-      <p:cxnSp>
-        <p:nvCxnSpPr>
-          <p:cNvPr id="140" name="Google Shape;140;p26"/>
-          <p:cNvCxnSpPr/>
-          <p:nvPr/>
-        </p:nvCxnSpPr>
-        <p:spPr>
-          <a:xfrm rot="10800000">
-            <a:off x="471906" y="672952"/>
-            <a:ext cx="8200200" cy="0"/>
-          </a:xfrm>
-          <a:prstGeom prst="straightConnector1">
-            <a:avLst/>
-          </a:prstGeom>
-          <a:noFill/>
-          <a:ln w="38100" cap="flat" cmpd="sng">
-            <a:solidFill>
-              <a:srgbClr val="08244A"/>
-            </a:solidFill>
-            <a:prstDash val="solid"/>
-            <a:miter lim="800000"/>
-            <a:headEnd type="none" w="sm" len="sm"/>
-            <a:tailEnd type="none" w="sm" len="sm"/>
-          </a:ln>
-        </p:spPr>
-      </p:cxnSp>
-      <p:sp>
-        <p:nvSpPr>
-          <p:cNvPr id="141" name="Google Shape;141;p26"/>
-          <p:cNvSpPr txBox="1"/>
-          <p:nvPr/>
-        </p:nvSpPr>
-        <p:spPr>
-          <a:xfrm>
-            <a:off x="4312990" y="4919588"/>
-            <a:ext cx="518100" cy="238500"/>
-          </a:xfrm>
-          <a:prstGeom prst="rect">
-            <a:avLst/>
-          </a:prstGeom>
-          <a:solidFill>
-            <a:srgbClr val="08244A"/>
-          </a:solidFill>
-          <a:ln>
-            <a:noFill/>
-          </a:ln>
-        </p:spPr>
-        <p:txBody>
-          <a:bodyPr spcFirstLastPara="1" wrap="square" lIns="68575" tIns="34275" rIns="68575" bIns="34275" anchor="t" anchorCtr="0">
-            <a:spAutoFit/>
-          </a:bodyPr>
-          <a:lstStyle/>
-          <a:p>
-            <a:pPr marL="0" marR="0" lvl="0" indent="0" algn="ctr" rtl="0">
-              <a:spcBef>
-                <a:spcPts val="0"/>
-              </a:spcBef>
-              <a:spcAft>
-                <a:spcPts val="0"/>
-              </a:spcAft>
-              <a:buNone/>
-            </a:pPr>
-            <a:endParaRPr sz="1100">
-              <a:solidFill>
-                <a:schemeClr val="lt1"/>
-              </a:solidFill>
-              <a:latin typeface="Arial"/>
-              <a:ea typeface="Arial"/>
-              <a:cs typeface="Arial"/>
-              <a:sym typeface="Arial"/>
-            </a:endParaRPr>
-          </a:p>
-        </p:txBody>
-      </p:sp>
-      <p:sp>
-        <p:nvSpPr>
-          <p:cNvPr id="142" name="Google Shape;142;p26"/>
-          <p:cNvSpPr txBox="1"/>
-          <p:nvPr/>
-        </p:nvSpPr>
-        <p:spPr>
-          <a:xfrm>
-            <a:off x="7422919" y="4868275"/>
-            <a:ext cx="1660500" cy="238500"/>
-          </a:xfrm>
-          <a:prstGeom prst="rect">
-            <a:avLst/>
-          </a:prstGeom>
-          <a:noFill/>
-          <a:ln>
-            <a:noFill/>
-          </a:ln>
-        </p:spPr>
-        <p:txBody>
-          <a:bodyPr spcFirstLastPara="1" wrap="square" lIns="68575" tIns="34275" rIns="68575" bIns="34275" anchor="t" anchorCtr="0">
-            <a:spAutoFit/>
-          </a:bodyPr>
-          <a:lstStyle/>
-          <a:p>
-            <a:pPr marL="0" marR="0" lvl="0" indent="0" algn="r" rtl="0">
-              <a:spcBef>
-                <a:spcPts val="0"/>
-              </a:spcBef>
-              <a:spcAft>
-                <a:spcPts val="0"/>
-              </a:spcAft>
-              <a:buNone/>
-            </a:pPr>
-            <a:r>
-              <a:rPr lang="zh-TW" sz="1100">
-                <a:solidFill>
-                  <a:srgbClr val="A5A5A5"/>
-                </a:solidFill>
-                <a:latin typeface="Consolas"/>
-                <a:ea typeface="Consolas"/>
-                <a:cs typeface="Consolas"/>
-                <a:sym typeface="Consolas"/>
-              </a:rPr>
-              <a:t>NTUST GAMELab</a:t>
-            </a:r>
-            <a:endParaRPr sz="1100">
-              <a:solidFill>
-                <a:srgbClr val="A5A5A5"/>
-              </a:solidFill>
-              <a:latin typeface="Consolas"/>
-              <a:ea typeface="Consolas"/>
-              <a:cs typeface="Consolas"/>
-              <a:sym typeface="Consolas"/>
-            </a:endParaRPr>
-          </a:p>
-        </p:txBody>
-      </p:sp>
-      <p:sp>
-        <p:nvSpPr>
-          <p:cNvPr id="143" name="Google Shape;143;p26"/>
-          <p:cNvSpPr txBox="1">
-            <a:spLocks noGrp="1"/>
-          </p:cNvSpPr>
-          <p:nvPr>
-            <p:ph type="sldNum" idx="12"/>
-          </p:nvPr>
-        </p:nvSpPr>
-        <p:spPr>
-          <a:xfrm>
-            <a:off x="3543300" y="4904660"/>
-            <a:ext cx="2057400" cy="273900"/>
-          </a:xfrm>
-          <a:prstGeom prst="rect">
-            <a:avLst/>
-          </a:prstGeom>
-          <a:noFill/>
-          <a:ln>
-            <a:noFill/>
-          </a:ln>
-        </p:spPr>
-        <p:txBody>
-          <a:bodyPr spcFirstLastPara="1" wrap="square" lIns="68575" tIns="34275" rIns="68575" bIns="34275" anchor="ctr" anchorCtr="0">
-            <a:noAutofit/>
-          </a:bodyPr>
-          <a:lstStyle/>
-          <a:p>
-            <a:pPr marL="0" lvl="0" indent="0" algn="ctr" rtl="0">
-              <a:spcBef>
-                <a:spcPts val="0"/>
-              </a:spcBef>
-              <a:spcAft>
-                <a:spcPts val="0"/>
-              </a:spcAft>
-              <a:buNone/>
-            </a:pPr>
-            <a:fld id="{00000000-1234-1234-1234-123412341234}" type="slidenum">
-              <a:rPr lang="en-US" altLang="zh-TW" sz="1100"/>
-              <a:t>18</a:t>
-            </a:fld>
-            <a:endParaRPr sz="1100"/>
-          </a:p>
-        </p:txBody>
-      </p:sp>
-      <p:sp>
-        <p:nvSpPr>
-          <p:cNvPr id="144" name="Google Shape;144;p26"/>
-          <p:cNvSpPr txBox="1"/>
-          <p:nvPr/>
-        </p:nvSpPr>
-        <p:spPr>
-          <a:xfrm>
-            <a:off x="368600" y="246125"/>
-            <a:ext cx="7941920" cy="392385"/>
-          </a:xfrm>
-          <a:prstGeom prst="rect">
-            <a:avLst/>
-          </a:prstGeom>
-          <a:noFill/>
-          <a:ln>
-            <a:noFill/>
-          </a:ln>
-        </p:spPr>
-        <p:txBody>
-          <a:bodyPr spcFirstLastPara="1" wrap="square" lIns="68575" tIns="34275" rIns="68575" bIns="34275" anchor="t" anchorCtr="0">
-            <a:spAutoFit/>
-          </a:bodyPr>
-          <a:lstStyle/>
-          <a:p>
-            <a:pPr lvl="0"/>
-            <a:r>
-              <a:rPr lang="en-US" sz="2100" b="1" dirty="0">
-                <a:solidFill>
-                  <a:srgbClr val="08244A"/>
-                </a:solidFill>
-                <a:latin typeface="Microsoft JhengHei"/>
-                <a:ea typeface="Microsoft JhengHei"/>
-                <a:cs typeface="Microsoft JhengHei"/>
-                <a:sym typeface="Microsoft JhengHei"/>
-              </a:rPr>
-              <a:t>ImageNet Experiments</a:t>
-            </a:r>
-          </a:p>
-        </p:txBody>
-      </p:sp>
-      <p:sp>
-        <p:nvSpPr>
-          <p:cNvPr id="145" name="Google Shape;145;p26"/>
-          <p:cNvSpPr txBox="1"/>
-          <p:nvPr/>
-        </p:nvSpPr>
-        <p:spPr>
-          <a:xfrm>
-            <a:off x="471900" y="736201"/>
-            <a:ext cx="7422300" cy="369300"/>
-          </a:xfrm>
-          <a:prstGeom prst="rect">
-            <a:avLst/>
-          </a:prstGeom>
-          <a:noFill/>
-          <a:ln>
-            <a:noFill/>
-          </a:ln>
-        </p:spPr>
-        <p:txBody>
-          <a:bodyPr spcFirstLastPara="1" wrap="square" lIns="91425" tIns="91425" rIns="91425" bIns="91425" anchor="t" anchorCtr="0">
-            <a:spAutoFit/>
-          </a:bodyPr>
-          <a:lstStyle/>
-          <a:p>
-            <a:pPr marL="0" lvl="0" indent="0" algn="l" rtl="0">
-              <a:spcBef>
-                <a:spcPts val="0"/>
-              </a:spcBef>
-              <a:spcAft>
-                <a:spcPts val="0"/>
-              </a:spcAft>
-              <a:buNone/>
-            </a:pPr>
-            <a:endParaRPr sz="1200" b="1">
-              <a:solidFill>
-                <a:schemeClr val="dk1"/>
-              </a:solidFill>
-              <a:latin typeface="Microsoft JhengHei"/>
-              <a:ea typeface="Microsoft JhengHei"/>
-              <a:cs typeface="Microsoft JhengHei"/>
-              <a:sym typeface="Microsoft JhengHei"/>
-            </a:endParaRPr>
-          </a:p>
-        </p:txBody>
-      </p:sp>
-      <p:pic>
-        <p:nvPicPr>
-          <p:cNvPr id="15" name="圖片 14">
-            <a:extLst>
-              <a:ext uri="{FF2B5EF4-FFF2-40B4-BE49-F238E27FC236}">
-                <a16:creationId xmlns:a16="http://schemas.microsoft.com/office/drawing/2014/main" id="{91ACCCBA-30E8-45D8-6AFD-4E7422812A22}"/>
-              </a:ext>
-            </a:extLst>
-          </p:cNvPr>
-          <p:cNvPicPr>
-            <a:picLocks noChangeAspect="1"/>
-          </p:cNvPicPr>
-          <p:nvPr/>
-        </p:nvPicPr>
-        <p:blipFill>
-          <a:blip r:embed="rId3"/>
-          <a:stretch>
-            <a:fillRect/>
-          </a:stretch>
-        </p:blipFill>
-        <p:spPr>
-          <a:xfrm>
-            <a:off x="471900" y="1503191"/>
-            <a:ext cx="5690007" cy="2863721"/>
-          </a:xfrm>
-          <a:prstGeom prst="rect">
-            <a:avLst/>
-          </a:prstGeom>
-        </p:spPr>
-      </p:pic>
-    </p:spTree>
-    <p:extLst>
-      <p:ext uri="{BB962C8B-B14F-4D97-AF65-F5344CB8AC3E}">
-        <p14:creationId xmlns:p14="http://schemas.microsoft.com/office/powerpoint/2010/main" val="1008159116"/>
-      </p:ext>
-    </p:extLst>
-  </p:cSld>
-  <p:clrMapOvr>
-    <a:masterClrMapping/>
-  </p:clrMapOvr>
-  <p:transition spd="slow">
-    <p:push/>
-  </p:transition>
-</p:sld>
-</file>
-
 <file path=ppt/slides/slide19.xml><?xml version="1.0" encoding="utf-8"?>
 <p:sld xmlns:a="http://schemas.openxmlformats.org/drawingml/2006/main" xmlns:r="http://schemas.openxmlformats.org/officeDocument/2006/relationships" xmlns:p="http://schemas.openxmlformats.org/presentationml/2006/main">
   <p:cSld>
@@ -25015,10 +25610,10 @@
       </p:sp>
       <p:pic>
         <p:nvPicPr>
-          <p:cNvPr id="17" name="圖片 16">
+          <p:cNvPr id="3" name="圖片 2">
             <a:extLst>
               <a:ext uri="{FF2B5EF4-FFF2-40B4-BE49-F238E27FC236}">
-                <a16:creationId xmlns:a16="http://schemas.microsoft.com/office/drawing/2014/main" id="{C7A980EC-CDD5-F28F-7D09-3DF96E7685F3}"/>
+                <a16:creationId xmlns:a16="http://schemas.microsoft.com/office/drawing/2014/main" id="{C65B0402-55F5-14B6-0A42-96D7678574AB}"/>
               </a:ext>
             </a:extLst>
           </p:cNvPr>
@@ -25035,8 +25630,38 @@
         </p:blipFill>
         <p:spPr>
           <a:xfrm>
-            <a:off x="368600" y="920851"/>
-            <a:ext cx="4688922" cy="2332355"/>
+            <a:off x="5108303" y="1504961"/>
+            <a:ext cx="4035686" cy="1945034"/>
+          </a:xfrm>
+          <a:prstGeom prst="rect">
+            <a:avLst/>
+          </a:prstGeom>
+        </p:spPr>
+      </p:pic>
+      <p:pic>
+        <p:nvPicPr>
+          <p:cNvPr id="7" name="圖片 6">
+            <a:extLst>
+              <a:ext uri="{FF2B5EF4-FFF2-40B4-BE49-F238E27FC236}">
+                <a16:creationId xmlns:a16="http://schemas.microsoft.com/office/drawing/2014/main" id="{9A95E85B-1CC3-EDE2-EB03-F50AEB0D1A65}"/>
+              </a:ext>
+            </a:extLst>
+          </p:cNvPr>
+          <p:cNvPicPr>
+            <a:picLocks noChangeAspect="1"/>
+          </p:cNvPicPr>
+          <p:nvPr/>
+        </p:nvPicPr>
+        <p:blipFill>
+          <a:blip r:embed="rId4"/>
+          <a:stretch>
+            <a:fillRect/>
+          </a:stretch>
+        </p:blipFill>
+        <p:spPr>
+          <a:xfrm>
+            <a:off x="0" y="1425005"/>
+            <a:ext cx="5027383" cy="2035678"/>
           </a:xfrm>
           <a:prstGeom prst="rect">
             <a:avLst/>
@@ -25046,7 +25671,7 @@
     </p:spTree>
     <p:extLst>
       <p:ext uri="{BB962C8B-B14F-4D97-AF65-F5344CB8AC3E}">
-        <p14:creationId xmlns:p14="http://schemas.microsoft.com/office/powerpoint/2010/main" val="341648575"/>
+        <p14:creationId xmlns:p14="http://schemas.microsoft.com/office/powerpoint/2010/main" val="4118008068"/>
       </p:ext>
     </p:extLst>
   </p:cSld>
@@ -25559,6 +26184,1491 @@
   <p:cSld>
     <p:spTree>
       <p:nvGrpSpPr>
+        <p:cNvPr id="1" name="Shape 139"/>
+        <p:cNvGrpSpPr/>
+        <p:nvPr/>
+      </p:nvGrpSpPr>
+      <p:grpSpPr>
+        <a:xfrm>
+          <a:off x="0" y="0"/>
+          <a:ext cx="0" cy="0"/>
+          <a:chOff x="0" y="0"/>
+          <a:chExt cx="0" cy="0"/>
+        </a:xfrm>
+      </p:grpSpPr>
+      <p:cxnSp>
+        <p:nvCxnSpPr>
+          <p:cNvPr id="140" name="Google Shape;140;p26"/>
+          <p:cNvCxnSpPr/>
+          <p:nvPr/>
+        </p:nvCxnSpPr>
+        <p:spPr>
+          <a:xfrm rot="10800000">
+            <a:off x="471906" y="672952"/>
+            <a:ext cx="8200200" cy="0"/>
+          </a:xfrm>
+          <a:prstGeom prst="straightConnector1">
+            <a:avLst/>
+          </a:prstGeom>
+          <a:noFill/>
+          <a:ln w="38100" cap="flat" cmpd="sng">
+            <a:solidFill>
+              <a:srgbClr val="08244A"/>
+            </a:solidFill>
+            <a:prstDash val="solid"/>
+            <a:miter lim="800000"/>
+            <a:headEnd type="none" w="sm" len="sm"/>
+            <a:tailEnd type="none" w="sm" len="sm"/>
+          </a:ln>
+        </p:spPr>
+      </p:cxnSp>
+      <p:sp>
+        <p:nvSpPr>
+          <p:cNvPr id="141" name="Google Shape;141;p26"/>
+          <p:cNvSpPr txBox="1"/>
+          <p:nvPr/>
+        </p:nvSpPr>
+        <p:spPr>
+          <a:xfrm>
+            <a:off x="4312990" y="4919588"/>
+            <a:ext cx="518100" cy="238500"/>
+          </a:xfrm>
+          <a:prstGeom prst="rect">
+            <a:avLst/>
+          </a:prstGeom>
+          <a:solidFill>
+            <a:srgbClr val="08244A"/>
+          </a:solidFill>
+          <a:ln>
+            <a:noFill/>
+          </a:ln>
+        </p:spPr>
+        <p:txBody>
+          <a:bodyPr spcFirstLastPara="1" wrap="square" lIns="68575" tIns="34275" rIns="68575" bIns="34275" anchor="t" anchorCtr="0">
+            <a:spAutoFit/>
+          </a:bodyPr>
+          <a:lstStyle/>
+          <a:p>
+            <a:pPr marL="0" marR="0" lvl="0" indent="0" algn="ctr" rtl="0">
+              <a:spcBef>
+                <a:spcPts val="0"/>
+              </a:spcBef>
+              <a:spcAft>
+                <a:spcPts val="0"/>
+              </a:spcAft>
+              <a:buNone/>
+            </a:pPr>
+            <a:endParaRPr sz="1100">
+              <a:solidFill>
+                <a:schemeClr val="lt1"/>
+              </a:solidFill>
+              <a:latin typeface="Arial"/>
+              <a:ea typeface="Arial"/>
+              <a:cs typeface="Arial"/>
+              <a:sym typeface="Arial"/>
+            </a:endParaRPr>
+          </a:p>
+        </p:txBody>
+      </p:sp>
+      <p:sp>
+        <p:nvSpPr>
+          <p:cNvPr id="142" name="Google Shape;142;p26"/>
+          <p:cNvSpPr txBox="1"/>
+          <p:nvPr/>
+        </p:nvSpPr>
+        <p:spPr>
+          <a:xfrm>
+            <a:off x="7422919" y="4868275"/>
+            <a:ext cx="1660500" cy="238500"/>
+          </a:xfrm>
+          <a:prstGeom prst="rect">
+            <a:avLst/>
+          </a:prstGeom>
+          <a:noFill/>
+          <a:ln>
+            <a:noFill/>
+          </a:ln>
+        </p:spPr>
+        <p:txBody>
+          <a:bodyPr spcFirstLastPara="1" wrap="square" lIns="68575" tIns="34275" rIns="68575" bIns="34275" anchor="t" anchorCtr="0">
+            <a:spAutoFit/>
+          </a:bodyPr>
+          <a:lstStyle/>
+          <a:p>
+            <a:pPr marL="0" marR="0" lvl="0" indent="0" algn="r" rtl="0">
+              <a:spcBef>
+                <a:spcPts val="0"/>
+              </a:spcBef>
+              <a:spcAft>
+                <a:spcPts val="0"/>
+              </a:spcAft>
+              <a:buNone/>
+            </a:pPr>
+            <a:r>
+              <a:rPr lang="zh-TW" sz="1100">
+                <a:solidFill>
+                  <a:srgbClr val="A5A5A5"/>
+                </a:solidFill>
+                <a:latin typeface="Consolas"/>
+                <a:ea typeface="Consolas"/>
+                <a:cs typeface="Consolas"/>
+                <a:sym typeface="Consolas"/>
+              </a:rPr>
+              <a:t>NTUST GAMELab</a:t>
+            </a:r>
+            <a:endParaRPr sz="1100">
+              <a:solidFill>
+                <a:srgbClr val="A5A5A5"/>
+              </a:solidFill>
+              <a:latin typeface="Consolas"/>
+              <a:ea typeface="Consolas"/>
+              <a:cs typeface="Consolas"/>
+              <a:sym typeface="Consolas"/>
+            </a:endParaRPr>
+          </a:p>
+        </p:txBody>
+      </p:sp>
+      <p:sp>
+        <p:nvSpPr>
+          <p:cNvPr id="143" name="Google Shape;143;p26"/>
+          <p:cNvSpPr txBox="1">
+            <a:spLocks noGrp="1"/>
+          </p:cNvSpPr>
+          <p:nvPr>
+            <p:ph type="sldNum" idx="12"/>
+          </p:nvPr>
+        </p:nvSpPr>
+        <p:spPr>
+          <a:xfrm>
+            <a:off x="3543300" y="4904660"/>
+            <a:ext cx="2057400" cy="273900"/>
+          </a:xfrm>
+          <a:prstGeom prst="rect">
+            <a:avLst/>
+          </a:prstGeom>
+          <a:noFill/>
+          <a:ln>
+            <a:noFill/>
+          </a:ln>
+        </p:spPr>
+        <p:txBody>
+          <a:bodyPr spcFirstLastPara="1" wrap="square" lIns="68575" tIns="34275" rIns="68575" bIns="34275" anchor="ctr" anchorCtr="0">
+            <a:noAutofit/>
+          </a:bodyPr>
+          <a:lstStyle/>
+          <a:p>
+            <a:pPr marL="0" lvl="0" indent="0" algn="ctr" rtl="0">
+              <a:spcBef>
+                <a:spcPts val="0"/>
+              </a:spcBef>
+              <a:spcAft>
+                <a:spcPts val="0"/>
+              </a:spcAft>
+              <a:buNone/>
+            </a:pPr>
+            <a:fld id="{00000000-1234-1234-1234-123412341234}" type="slidenum">
+              <a:rPr lang="en-US" altLang="zh-TW" sz="1100"/>
+              <a:t>20</a:t>
+            </a:fld>
+            <a:endParaRPr sz="1100"/>
+          </a:p>
+        </p:txBody>
+      </p:sp>
+      <p:sp>
+        <p:nvSpPr>
+          <p:cNvPr id="144" name="Google Shape;144;p26"/>
+          <p:cNvSpPr txBox="1"/>
+          <p:nvPr/>
+        </p:nvSpPr>
+        <p:spPr>
+          <a:xfrm>
+            <a:off x="368600" y="246125"/>
+            <a:ext cx="7941920" cy="392385"/>
+          </a:xfrm>
+          <a:prstGeom prst="rect">
+            <a:avLst/>
+          </a:prstGeom>
+          <a:noFill/>
+          <a:ln>
+            <a:noFill/>
+          </a:ln>
+        </p:spPr>
+        <p:txBody>
+          <a:bodyPr spcFirstLastPara="1" wrap="square" lIns="68575" tIns="34275" rIns="68575" bIns="34275" anchor="t" anchorCtr="0">
+            <a:spAutoFit/>
+          </a:bodyPr>
+          <a:lstStyle/>
+          <a:p>
+            <a:pPr lvl="0"/>
+            <a:r>
+              <a:rPr lang="en-US" sz="2100" b="1" dirty="0">
+                <a:solidFill>
+                  <a:srgbClr val="08244A"/>
+                </a:solidFill>
+                <a:latin typeface="Microsoft JhengHei"/>
+                <a:ea typeface="Microsoft JhengHei"/>
+                <a:cs typeface="Microsoft JhengHei"/>
+                <a:sym typeface="Microsoft JhengHei"/>
+              </a:rPr>
+              <a:t>ImageNet Experiments</a:t>
+            </a:r>
+          </a:p>
+        </p:txBody>
+      </p:sp>
+      <p:sp>
+        <p:nvSpPr>
+          <p:cNvPr id="145" name="Google Shape;145;p26"/>
+          <p:cNvSpPr txBox="1"/>
+          <p:nvPr/>
+        </p:nvSpPr>
+        <p:spPr>
+          <a:xfrm>
+            <a:off x="471900" y="736201"/>
+            <a:ext cx="7422300" cy="369300"/>
+          </a:xfrm>
+          <a:prstGeom prst="rect">
+            <a:avLst/>
+          </a:prstGeom>
+          <a:noFill/>
+          <a:ln>
+            <a:noFill/>
+          </a:ln>
+        </p:spPr>
+        <p:txBody>
+          <a:bodyPr spcFirstLastPara="1" wrap="square" lIns="91425" tIns="91425" rIns="91425" bIns="91425" anchor="t" anchorCtr="0">
+            <a:spAutoFit/>
+          </a:bodyPr>
+          <a:lstStyle/>
+          <a:p>
+            <a:pPr marL="0" lvl="0" indent="0" algn="l" rtl="0">
+              <a:spcBef>
+                <a:spcPts val="0"/>
+              </a:spcBef>
+              <a:spcAft>
+                <a:spcPts val="0"/>
+              </a:spcAft>
+              <a:buNone/>
+            </a:pPr>
+            <a:endParaRPr sz="1200" b="1">
+              <a:solidFill>
+                <a:schemeClr val="dk1"/>
+              </a:solidFill>
+              <a:latin typeface="Microsoft JhengHei"/>
+              <a:ea typeface="Microsoft JhengHei"/>
+              <a:cs typeface="Microsoft JhengHei"/>
+              <a:sym typeface="Microsoft JhengHei"/>
+            </a:endParaRPr>
+          </a:p>
+        </p:txBody>
+      </p:sp>
+      <p:pic>
+        <p:nvPicPr>
+          <p:cNvPr id="13" name="圖片 12">
+            <a:extLst>
+              <a:ext uri="{FF2B5EF4-FFF2-40B4-BE49-F238E27FC236}">
+                <a16:creationId xmlns:a16="http://schemas.microsoft.com/office/drawing/2014/main" id="{5ED7E345-6DD2-1C28-25C4-B33EF936AD86}"/>
+              </a:ext>
+            </a:extLst>
+          </p:cNvPr>
+          <p:cNvPicPr>
+            <a:picLocks noChangeAspect="1"/>
+          </p:cNvPicPr>
+          <p:nvPr/>
+        </p:nvPicPr>
+        <p:blipFill>
+          <a:blip r:embed="rId3"/>
+          <a:stretch>
+            <a:fillRect/>
+          </a:stretch>
+        </p:blipFill>
+        <p:spPr>
+          <a:xfrm>
+            <a:off x="395438" y="681877"/>
+            <a:ext cx="5902727" cy="1756521"/>
+          </a:xfrm>
+          <a:prstGeom prst="rect">
+            <a:avLst/>
+          </a:prstGeom>
+        </p:spPr>
+      </p:pic>
+      <p:pic>
+        <p:nvPicPr>
+          <p:cNvPr id="19" name="圖片 18">
+            <a:extLst>
+              <a:ext uri="{FF2B5EF4-FFF2-40B4-BE49-F238E27FC236}">
+                <a16:creationId xmlns:a16="http://schemas.microsoft.com/office/drawing/2014/main" id="{D33F7DB1-9375-8B07-2A8E-1ADFFFD029C1}"/>
+              </a:ext>
+            </a:extLst>
+          </p:cNvPr>
+          <p:cNvPicPr>
+            <a:picLocks noChangeAspect="1"/>
+          </p:cNvPicPr>
+          <p:nvPr/>
+        </p:nvPicPr>
+        <p:blipFill>
+          <a:blip r:embed="rId4"/>
+          <a:stretch>
+            <a:fillRect/>
+          </a:stretch>
+        </p:blipFill>
+        <p:spPr>
+          <a:xfrm>
+            <a:off x="395438" y="2460415"/>
+            <a:ext cx="4548796" cy="2527109"/>
+          </a:xfrm>
+          <a:prstGeom prst="rect">
+            <a:avLst/>
+          </a:prstGeom>
+        </p:spPr>
+      </p:pic>
+    </p:spTree>
+    <p:extLst>
+      <p:ext uri="{BB962C8B-B14F-4D97-AF65-F5344CB8AC3E}">
+        <p14:creationId xmlns:p14="http://schemas.microsoft.com/office/powerpoint/2010/main" val="1626060731"/>
+      </p:ext>
+    </p:extLst>
+  </p:cSld>
+  <p:clrMapOvr>
+    <a:masterClrMapping/>
+  </p:clrMapOvr>
+  <p:transition spd="slow">
+    <p:push/>
+  </p:transition>
+</p:sld>
+</file>
+
+<file path=ppt/slides/slide21.xml><?xml version="1.0" encoding="utf-8"?>
+<p:sld xmlns:a="http://schemas.openxmlformats.org/drawingml/2006/main" xmlns:r="http://schemas.openxmlformats.org/officeDocument/2006/relationships" xmlns:p="http://schemas.openxmlformats.org/presentationml/2006/main">
+  <p:cSld>
+    <p:spTree>
+      <p:nvGrpSpPr>
+        <p:cNvPr id="1" name="Shape 139"/>
+        <p:cNvGrpSpPr/>
+        <p:nvPr/>
+      </p:nvGrpSpPr>
+      <p:grpSpPr>
+        <a:xfrm>
+          <a:off x="0" y="0"/>
+          <a:ext cx="0" cy="0"/>
+          <a:chOff x="0" y="0"/>
+          <a:chExt cx="0" cy="0"/>
+        </a:xfrm>
+      </p:grpSpPr>
+      <p:cxnSp>
+        <p:nvCxnSpPr>
+          <p:cNvPr id="140" name="Google Shape;140;p26"/>
+          <p:cNvCxnSpPr/>
+          <p:nvPr/>
+        </p:nvCxnSpPr>
+        <p:spPr>
+          <a:xfrm rot="10800000">
+            <a:off x="471906" y="672952"/>
+            <a:ext cx="8200200" cy="0"/>
+          </a:xfrm>
+          <a:prstGeom prst="straightConnector1">
+            <a:avLst/>
+          </a:prstGeom>
+          <a:noFill/>
+          <a:ln w="38100" cap="flat" cmpd="sng">
+            <a:solidFill>
+              <a:srgbClr val="08244A"/>
+            </a:solidFill>
+            <a:prstDash val="solid"/>
+            <a:miter lim="800000"/>
+            <a:headEnd type="none" w="sm" len="sm"/>
+            <a:tailEnd type="none" w="sm" len="sm"/>
+          </a:ln>
+        </p:spPr>
+      </p:cxnSp>
+      <p:sp>
+        <p:nvSpPr>
+          <p:cNvPr id="141" name="Google Shape;141;p26"/>
+          <p:cNvSpPr txBox="1"/>
+          <p:nvPr/>
+        </p:nvSpPr>
+        <p:spPr>
+          <a:xfrm>
+            <a:off x="4312990" y="4919588"/>
+            <a:ext cx="518100" cy="238500"/>
+          </a:xfrm>
+          <a:prstGeom prst="rect">
+            <a:avLst/>
+          </a:prstGeom>
+          <a:solidFill>
+            <a:srgbClr val="08244A"/>
+          </a:solidFill>
+          <a:ln>
+            <a:noFill/>
+          </a:ln>
+        </p:spPr>
+        <p:txBody>
+          <a:bodyPr spcFirstLastPara="1" wrap="square" lIns="68575" tIns="34275" rIns="68575" bIns="34275" anchor="t" anchorCtr="0">
+            <a:spAutoFit/>
+          </a:bodyPr>
+          <a:lstStyle/>
+          <a:p>
+            <a:pPr marL="0" marR="0" lvl="0" indent="0" algn="ctr" rtl="0">
+              <a:spcBef>
+                <a:spcPts val="0"/>
+              </a:spcBef>
+              <a:spcAft>
+                <a:spcPts val="0"/>
+              </a:spcAft>
+              <a:buNone/>
+            </a:pPr>
+            <a:endParaRPr sz="1100">
+              <a:solidFill>
+                <a:schemeClr val="lt1"/>
+              </a:solidFill>
+              <a:latin typeface="Arial"/>
+              <a:ea typeface="Arial"/>
+              <a:cs typeface="Arial"/>
+              <a:sym typeface="Arial"/>
+            </a:endParaRPr>
+          </a:p>
+        </p:txBody>
+      </p:sp>
+      <p:sp>
+        <p:nvSpPr>
+          <p:cNvPr id="142" name="Google Shape;142;p26"/>
+          <p:cNvSpPr txBox="1"/>
+          <p:nvPr/>
+        </p:nvSpPr>
+        <p:spPr>
+          <a:xfrm>
+            <a:off x="7422919" y="4868275"/>
+            <a:ext cx="1660500" cy="238500"/>
+          </a:xfrm>
+          <a:prstGeom prst="rect">
+            <a:avLst/>
+          </a:prstGeom>
+          <a:noFill/>
+          <a:ln>
+            <a:noFill/>
+          </a:ln>
+        </p:spPr>
+        <p:txBody>
+          <a:bodyPr spcFirstLastPara="1" wrap="square" lIns="68575" tIns="34275" rIns="68575" bIns="34275" anchor="t" anchorCtr="0">
+            <a:spAutoFit/>
+          </a:bodyPr>
+          <a:lstStyle/>
+          <a:p>
+            <a:pPr marL="0" marR="0" lvl="0" indent="0" algn="r" rtl="0">
+              <a:spcBef>
+                <a:spcPts val="0"/>
+              </a:spcBef>
+              <a:spcAft>
+                <a:spcPts val="0"/>
+              </a:spcAft>
+              <a:buNone/>
+            </a:pPr>
+            <a:r>
+              <a:rPr lang="zh-TW" sz="1100">
+                <a:solidFill>
+                  <a:srgbClr val="A5A5A5"/>
+                </a:solidFill>
+                <a:latin typeface="Consolas"/>
+                <a:ea typeface="Consolas"/>
+                <a:cs typeface="Consolas"/>
+                <a:sym typeface="Consolas"/>
+              </a:rPr>
+              <a:t>NTUST GAMELab</a:t>
+            </a:r>
+            <a:endParaRPr sz="1100">
+              <a:solidFill>
+                <a:srgbClr val="A5A5A5"/>
+              </a:solidFill>
+              <a:latin typeface="Consolas"/>
+              <a:ea typeface="Consolas"/>
+              <a:cs typeface="Consolas"/>
+              <a:sym typeface="Consolas"/>
+            </a:endParaRPr>
+          </a:p>
+        </p:txBody>
+      </p:sp>
+      <p:sp>
+        <p:nvSpPr>
+          <p:cNvPr id="143" name="Google Shape;143;p26"/>
+          <p:cNvSpPr txBox="1">
+            <a:spLocks noGrp="1"/>
+          </p:cNvSpPr>
+          <p:nvPr>
+            <p:ph type="sldNum" idx="12"/>
+          </p:nvPr>
+        </p:nvSpPr>
+        <p:spPr>
+          <a:xfrm>
+            <a:off x="3543300" y="4904660"/>
+            <a:ext cx="2057400" cy="273900"/>
+          </a:xfrm>
+          <a:prstGeom prst="rect">
+            <a:avLst/>
+          </a:prstGeom>
+          <a:noFill/>
+          <a:ln>
+            <a:noFill/>
+          </a:ln>
+        </p:spPr>
+        <p:txBody>
+          <a:bodyPr spcFirstLastPara="1" wrap="square" lIns="68575" tIns="34275" rIns="68575" bIns="34275" anchor="ctr" anchorCtr="0">
+            <a:noAutofit/>
+          </a:bodyPr>
+          <a:lstStyle/>
+          <a:p>
+            <a:pPr marL="0" lvl="0" indent="0" algn="ctr" rtl="0">
+              <a:spcBef>
+                <a:spcPts val="0"/>
+              </a:spcBef>
+              <a:spcAft>
+                <a:spcPts val="0"/>
+              </a:spcAft>
+              <a:buNone/>
+            </a:pPr>
+            <a:fld id="{00000000-1234-1234-1234-123412341234}" type="slidenum">
+              <a:rPr lang="en-US" altLang="zh-TW" sz="1100"/>
+              <a:t>21</a:t>
+            </a:fld>
+            <a:endParaRPr sz="1100"/>
+          </a:p>
+        </p:txBody>
+      </p:sp>
+      <p:sp>
+        <p:nvSpPr>
+          <p:cNvPr id="144" name="Google Shape;144;p26"/>
+          <p:cNvSpPr txBox="1"/>
+          <p:nvPr/>
+        </p:nvSpPr>
+        <p:spPr>
+          <a:xfrm>
+            <a:off x="368600" y="246125"/>
+            <a:ext cx="7941920" cy="392385"/>
+          </a:xfrm>
+          <a:prstGeom prst="rect">
+            <a:avLst/>
+          </a:prstGeom>
+          <a:noFill/>
+          <a:ln>
+            <a:noFill/>
+          </a:ln>
+        </p:spPr>
+        <p:txBody>
+          <a:bodyPr spcFirstLastPara="1" wrap="square" lIns="68575" tIns="34275" rIns="68575" bIns="34275" anchor="t" anchorCtr="0">
+            <a:spAutoFit/>
+          </a:bodyPr>
+          <a:lstStyle/>
+          <a:p>
+            <a:pPr lvl="0"/>
+            <a:r>
+              <a:rPr lang="en-US" sz="2100" b="1" dirty="0">
+                <a:solidFill>
+                  <a:srgbClr val="08244A"/>
+                </a:solidFill>
+                <a:latin typeface="Microsoft JhengHei"/>
+                <a:ea typeface="Microsoft JhengHei"/>
+                <a:cs typeface="Microsoft JhengHei"/>
+                <a:sym typeface="Microsoft JhengHei"/>
+              </a:rPr>
+              <a:t>ImageNet Experiments</a:t>
+            </a:r>
+          </a:p>
+        </p:txBody>
+      </p:sp>
+      <p:sp>
+        <p:nvSpPr>
+          <p:cNvPr id="145" name="Google Shape;145;p26"/>
+          <p:cNvSpPr txBox="1"/>
+          <p:nvPr/>
+        </p:nvSpPr>
+        <p:spPr>
+          <a:xfrm>
+            <a:off x="471900" y="736201"/>
+            <a:ext cx="7422300" cy="369300"/>
+          </a:xfrm>
+          <a:prstGeom prst="rect">
+            <a:avLst/>
+          </a:prstGeom>
+          <a:noFill/>
+          <a:ln>
+            <a:noFill/>
+          </a:ln>
+        </p:spPr>
+        <p:txBody>
+          <a:bodyPr spcFirstLastPara="1" wrap="square" lIns="91425" tIns="91425" rIns="91425" bIns="91425" anchor="t" anchorCtr="0">
+            <a:spAutoFit/>
+          </a:bodyPr>
+          <a:lstStyle/>
+          <a:p>
+            <a:pPr marL="0" lvl="0" indent="0" algn="l" rtl="0">
+              <a:spcBef>
+                <a:spcPts val="0"/>
+              </a:spcBef>
+              <a:spcAft>
+                <a:spcPts val="0"/>
+              </a:spcAft>
+              <a:buNone/>
+            </a:pPr>
+            <a:endParaRPr sz="1200" b="1">
+              <a:solidFill>
+                <a:schemeClr val="dk1"/>
+              </a:solidFill>
+              <a:latin typeface="Microsoft JhengHei"/>
+              <a:ea typeface="Microsoft JhengHei"/>
+              <a:cs typeface="Microsoft JhengHei"/>
+              <a:sym typeface="Microsoft JhengHei"/>
+            </a:endParaRPr>
+          </a:p>
+        </p:txBody>
+      </p:sp>
+      <p:pic>
+        <p:nvPicPr>
+          <p:cNvPr id="15" name="圖片 14">
+            <a:extLst>
+              <a:ext uri="{FF2B5EF4-FFF2-40B4-BE49-F238E27FC236}">
+                <a16:creationId xmlns:a16="http://schemas.microsoft.com/office/drawing/2014/main" id="{91ACCCBA-30E8-45D8-6AFD-4E7422812A22}"/>
+              </a:ext>
+            </a:extLst>
+          </p:cNvPr>
+          <p:cNvPicPr>
+            <a:picLocks noChangeAspect="1"/>
+          </p:cNvPicPr>
+          <p:nvPr/>
+        </p:nvPicPr>
+        <p:blipFill>
+          <a:blip r:embed="rId3"/>
+          <a:stretch>
+            <a:fillRect/>
+          </a:stretch>
+        </p:blipFill>
+        <p:spPr>
+          <a:xfrm>
+            <a:off x="1" y="1297093"/>
+            <a:ext cx="4312990" cy="2170683"/>
+          </a:xfrm>
+          <a:prstGeom prst="rect">
+            <a:avLst/>
+          </a:prstGeom>
+        </p:spPr>
+      </p:pic>
+      <p:pic>
+        <p:nvPicPr>
+          <p:cNvPr id="9" name="圖片 8">
+            <a:extLst>
+              <a:ext uri="{FF2B5EF4-FFF2-40B4-BE49-F238E27FC236}">
+                <a16:creationId xmlns:a16="http://schemas.microsoft.com/office/drawing/2014/main" id="{BD413CB4-7BD2-4FE1-A7BD-7C95329629DF}"/>
+              </a:ext>
+            </a:extLst>
+          </p:cNvPr>
+          <p:cNvPicPr>
+            <a:picLocks noChangeAspect="1"/>
+          </p:cNvPicPr>
+          <p:nvPr/>
+        </p:nvPicPr>
+        <p:blipFill>
+          <a:blip r:embed="rId4"/>
+          <a:stretch>
+            <a:fillRect/>
+          </a:stretch>
+        </p:blipFill>
+        <p:spPr>
+          <a:xfrm>
+            <a:off x="4617603" y="1216256"/>
+            <a:ext cx="4526395" cy="2251511"/>
+          </a:xfrm>
+          <a:prstGeom prst="rect">
+            <a:avLst/>
+          </a:prstGeom>
+        </p:spPr>
+      </p:pic>
+    </p:spTree>
+    <p:extLst>
+      <p:ext uri="{BB962C8B-B14F-4D97-AF65-F5344CB8AC3E}">
+        <p14:creationId xmlns:p14="http://schemas.microsoft.com/office/powerpoint/2010/main" val="1008159116"/>
+      </p:ext>
+    </p:extLst>
+  </p:cSld>
+  <p:clrMapOvr>
+    <a:masterClrMapping/>
+  </p:clrMapOvr>
+  <p:transition spd="slow">
+    <p:push/>
+  </p:transition>
+</p:sld>
+</file>
+
+<file path=ppt/slides/slide22.xml><?xml version="1.0" encoding="utf-8"?>
+<p:sld xmlns:a="http://schemas.openxmlformats.org/drawingml/2006/main" xmlns:r="http://schemas.openxmlformats.org/officeDocument/2006/relationships" xmlns:p="http://schemas.openxmlformats.org/presentationml/2006/main">
+  <p:cSld>
+    <p:spTree>
+      <p:nvGrpSpPr>
+        <p:cNvPr id="1" name="Shape 139"/>
+        <p:cNvGrpSpPr/>
+        <p:nvPr/>
+      </p:nvGrpSpPr>
+      <p:grpSpPr>
+        <a:xfrm>
+          <a:off x="0" y="0"/>
+          <a:ext cx="0" cy="0"/>
+          <a:chOff x="0" y="0"/>
+          <a:chExt cx="0" cy="0"/>
+        </a:xfrm>
+      </p:grpSpPr>
+      <p:cxnSp>
+        <p:nvCxnSpPr>
+          <p:cNvPr id="140" name="Google Shape;140;p26"/>
+          <p:cNvCxnSpPr/>
+          <p:nvPr/>
+        </p:nvCxnSpPr>
+        <p:spPr>
+          <a:xfrm rot="10800000">
+            <a:off x="471906" y="672952"/>
+            <a:ext cx="8200200" cy="0"/>
+          </a:xfrm>
+          <a:prstGeom prst="straightConnector1">
+            <a:avLst/>
+          </a:prstGeom>
+          <a:noFill/>
+          <a:ln w="38100" cap="flat" cmpd="sng">
+            <a:solidFill>
+              <a:srgbClr val="08244A"/>
+            </a:solidFill>
+            <a:prstDash val="solid"/>
+            <a:miter lim="800000"/>
+            <a:headEnd type="none" w="sm" len="sm"/>
+            <a:tailEnd type="none" w="sm" len="sm"/>
+          </a:ln>
+        </p:spPr>
+      </p:cxnSp>
+      <p:sp>
+        <p:nvSpPr>
+          <p:cNvPr id="141" name="Google Shape;141;p26"/>
+          <p:cNvSpPr txBox="1"/>
+          <p:nvPr/>
+        </p:nvSpPr>
+        <p:spPr>
+          <a:xfrm>
+            <a:off x="4312990" y="4919588"/>
+            <a:ext cx="518100" cy="238500"/>
+          </a:xfrm>
+          <a:prstGeom prst="rect">
+            <a:avLst/>
+          </a:prstGeom>
+          <a:solidFill>
+            <a:srgbClr val="08244A"/>
+          </a:solidFill>
+          <a:ln>
+            <a:noFill/>
+          </a:ln>
+        </p:spPr>
+        <p:txBody>
+          <a:bodyPr spcFirstLastPara="1" wrap="square" lIns="68575" tIns="34275" rIns="68575" bIns="34275" anchor="t" anchorCtr="0">
+            <a:spAutoFit/>
+          </a:bodyPr>
+          <a:lstStyle/>
+          <a:p>
+            <a:pPr marL="0" marR="0" lvl="0" indent="0" algn="ctr" rtl="0">
+              <a:spcBef>
+                <a:spcPts val="0"/>
+              </a:spcBef>
+              <a:spcAft>
+                <a:spcPts val="0"/>
+              </a:spcAft>
+              <a:buNone/>
+            </a:pPr>
+            <a:endParaRPr sz="1100">
+              <a:solidFill>
+                <a:schemeClr val="lt1"/>
+              </a:solidFill>
+              <a:latin typeface="Arial"/>
+              <a:ea typeface="Arial"/>
+              <a:cs typeface="Arial"/>
+              <a:sym typeface="Arial"/>
+            </a:endParaRPr>
+          </a:p>
+        </p:txBody>
+      </p:sp>
+      <p:sp>
+        <p:nvSpPr>
+          <p:cNvPr id="142" name="Google Shape;142;p26"/>
+          <p:cNvSpPr txBox="1"/>
+          <p:nvPr/>
+        </p:nvSpPr>
+        <p:spPr>
+          <a:xfrm>
+            <a:off x="7422919" y="4868275"/>
+            <a:ext cx="1660500" cy="238500"/>
+          </a:xfrm>
+          <a:prstGeom prst="rect">
+            <a:avLst/>
+          </a:prstGeom>
+          <a:noFill/>
+          <a:ln>
+            <a:noFill/>
+          </a:ln>
+        </p:spPr>
+        <p:txBody>
+          <a:bodyPr spcFirstLastPara="1" wrap="square" lIns="68575" tIns="34275" rIns="68575" bIns="34275" anchor="t" anchorCtr="0">
+            <a:spAutoFit/>
+          </a:bodyPr>
+          <a:lstStyle/>
+          <a:p>
+            <a:pPr marL="0" marR="0" lvl="0" indent="0" algn="r" rtl="0">
+              <a:spcBef>
+                <a:spcPts val="0"/>
+              </a:spcBef>
+              <a:spcAft>
+                <a:spcPts val="0"/>
+              </a:spcAft>
+              <a:buNone/>
+            </a:pPr>
+            <a:r>
+              <a:rPr lang="zh-TW" sz="1100">
+                <a:solidFill>
+                  <a:srgbClr val="A5A5A5"/>
+                </a:solidFill>
+                <a:latin typeface="Consolas"/>
+                <a:ea typeface="Consolas"/>
+                <a:cs typeface="Consolas"/>
+                <a:sym typeface="Consolas"/>
+              </a:rPr>
+              <a:t>NTUST GAMELab</a:t>
+            </a:r>
+            <a:endParaRPr sz="1100">
+              <a:solidFill>
+                <a:srgbClr val="A5A5A5"/>
+              </a:solidFill>
+              <a:latin typeface="Consolas"/>
+              <a:ea typeface="Consolas"/>
+              <a:cs typeface="Consolas"/>
+              <a:sym typeface="Consolas"/>
+            </a:endParaRPr>
+          </a:p>
+        </p:txBody>
+      </p:sp>
+      <p:sp>
+        <p:nvSpPr>
+          <p:cNvPr id="143" name="Google Shape;143;p26"/>
+          <p:cNvSpPr txBox="1">
+            <a:spLocks noGrp="1"/>
+          </p:cNvSpPr>
+          <p:nvPr>
+            <p:ph type="sldNum" idx="12"/>
+          </p:nvPr>
+        </p:nvSpPr>
+        <p:spPr>
+          <a:xfrm>
+            <a:off x="3543300" y="4904660"/>
+            <a:ext cx="2057400" cy="273900"/>
+          </a:xfrm>
+          <a:prstGeom prst="rect">
+            <a:avLst/>
+          </a:prstGeom>
+          <a:noFill/>
+          <a:ln>
+            <a:noFill/>
+          </a:ln>
+        </p:spPr>
+        <p:txBody>
+          <a:bodyPr spcFirstLastPara="1" wrap="square" lIns="68575" tIns="34275" rIns="68575" bIns="34275" anchor="ctr" anchorCtr="0">
+            <a:noAutofit/>
+          </a:bodyPr>
+          <a:lstStyle/>
+          <a:p>
+            <a:pPr marL="0" lvl="0" indent="0" algn="ctr" rtl="0">
+              <a:spcBef>
+                <a:spcPts val="0"/>
+              </a:spcBef>
+              <a:spcAft>
+                <a:spcPts val="0"/>
+              </a:spcAft>
+              <a:buNone/>
+            </a:pPr>
+            <a:fld id="{00000000-1234-1234-1234-123412341234}" type="slidenum">
+              <a:rPr lang="en-US" altLang="zh-TW" sz="1100"/>
+              <a:t>22</a:t>
+            </a:fld>
+            <a:endParaRPr sz="1100"/>
+          </a:p>
+        </p:txBody>
+      </p:sp>
+      <p:sp>
+        <p:nvSpPr>
+          <p:cNvPr id="144" name="Google Shape;144;p26"/>
+          <p:cNvSpPr txBox="1"/>
+          <p:nvPr/>
+        </p:nvSpPr>
+        <p:spPr>
+          <a:xfrm>
+            <a:off x="368600" y="246125"/>
+            <a:ext cx="7941920" cy="392385"/>
+          </a:xfrm>
+          <a:prstGeom prst="rect">
+            <a:avLst/>
+          </a:prstGeom>
+          <a:noFill/>
+          <a:ln>
+            <a:noFill/>
+          </a:ln>
+        </p:spPr>
+        <p:txBody>
+          <a:bodyPr spcFirstLastPara="1" wrap="square" lIns="68575" tIns="34275" rIns="68575" bIns="34275" anchor="t" anchorCtr="0">
+            <a:spAutoFit/>
+          </a:bodyPr>
+          <a:lstStyle/>
+          <a:p>
+            <a:pPr lvl="0"/>
+            <a:r>
+              <a:rPr lang="en-US" sz="2100" b="1">
+                <a:solidFill>
+                  <a:srgbClr val="08244A"/>
+                </a:solidFill>
+                <a:latin typeface="Microsoft JhengHei"/>
+                <a:ea typeface="Microsoft JhengHei"/>
+                <a:cs typeface="Microsoft JhengHei"/>
+                <a:sym typeface="Microsoft JhengHei"/>
+              </a:rPr>
+              <a:t>Transfer Learning Experiments</a:t>
+            </a:r>
+            <a:endParaRPr lang="en-US" sz="2100" b="1" dirty="0">
+              <a:solidFill>
+                <a:srgbClr val="08244A"/>
+              </a:solidFill>
+              <a:latin typeface="Microsoft JhengHei"/>
+              <a:ea typeface="Microsoft JhengHei"/>
+              <a:cs typeface="Microsoft JhengHei"/>
+              <a:sym typeface="Microsoft JhengHei"/>
+            </a:endParaRPr>
+          </a:p>
+        </p:txBody>
+      </p:sp>
+      <p:sp>
+        <p:nvSpPr>
+          <p:cNvPr id="145" name="Google Shape;145;p26"/>
+          <p:cNvSpPr txBox="1"/>
+          <p:nvPr/>
+        </p:nvSpPr>
+        <p:spPr>
+          <a:xfrm>
+            <a:off x="471900" y="736201"/>
+            <a:ext cx="7422300" cy="369300"/>
+          </a:xfrm>
+          <a:prstGeom prst="rect">
+            <a:avLst/>
+          </a:prstGeom>
+          <a:noFill/>
+          <a:ln>
+            <a:noFill/>
+          </a:ln>
+        </p:spPr>
+        <p:txBody>
+          <a:bodyPr spcFirstLastPara="1" wrap="square" lIns="91425" tIns="91425" rIns="91425" bIns="91425" anchor="t" anchorCtr="0">
+            <a:spAutoFit/>
+          </a:bodyPr>
+          <a:lstStyle/>
+          <a:p>
+            <a:pPr marL="0" lvl="0" indent="0" algn="l" rtl="0">
+              <a:spcBef>
+                <a:spcPts val="0"/>
+              </a:spcBef>
+              <a:spcAft>
+                <a:spcPts val="0"/>
+              </a:spcAft>
+              <a:buNone/>
+            </a:pPr>
+            <a:endParaRPr sz="1200" b="1">
+              <a:solidFill>
+                <a:schemeClr val="dk1"/>
+              </a:solidFill>
+              <a:latin typeface="Microsoft JhengHei"/>
+              <a:ea typeface="Microsoft JhengHei"/>
+              <a:cs typeface="Microsoft JhengHei"/>
+              <a:sym typeface="Microsoft JhengHei"/>
+            </a:endParaRPr>
+          </a:p>
+        </p:txBody>
+      </p:sp>
+      <p:pic>
+        <p:nvPicPr>
+          <p:cNvPr id="2" name="圖片 1">
+            <a:extLst>
+              <a:ext uri="{FF2B5EF4-FFF2-40B4-BE49-F238E27FC236}">
+                <a16:creationId xmlns:a16="http://schemas.microsoft.com/office/drawing/2014/main" id="{8A69A4B9-D7B8-4639-865A-8DB62FF8DFA8}"/>
+              </a:ext>
+            </a:extLst>
+          </p:cNvPr>
+          <p:cNvPicPr>
+            <a:picLocks noChangeAspect="1"/>
+          </p:cNvPicPr>
+          <p:nvPr/>
+        </p:nvPicPr>
+        <p:blipFill>
+          <a:blip r:embed="rId3"/>
+          <a:stretch>
+            <a:fillRect/>
+          </a:stretch>
+        </p:blipFill>
+        <p:spPr>
+          <a:xfrm>
+            <a:off x="0" y="736201"/>
+            <a:ext cx="4572000" cy="2067034"/>
+          </a:xfrm>
+          <a:prstGeom prst="rect">
+            <a:avLst/>
+          </a:prstGeom>
+        </p:spPr>
+      </p:pic>
+      <p:pic>
+        <p:nvPicPr>
+          <p:cNvPr id="3" name="圖片 2">
+            <a:extLst>
+              <a:ext uri="{FF2B5EF4-FFF2-40B4-BE49-F238E27FC236}">
+                <a16:creationId xmlns:a16="http://schemas.microsoft.com/office/drawing/2014/main" id="{4ACCBD0F-0942-455A-B70C-D669D776A78C}"/>
+              </a:ext>
+            </a:extLst>
+          </p:cNvPr>
+          <p:cNvPicPr>
+            <a:picLocks noChangeAspect="1"/>
+          </p:cNvPicPr>
+          <p:nvPr/>
+        </p:nvPicPr>
+        <p:blipFill>
+          <a:blip r:embed="rId4"/>
+          <a:stretch>
+            <a:fillRect/>
+          </a:stretch>
+        </p:blipFill>
+        <p:spPr>
+          <a:xfrm>
+            <a:off x="4572000" y="687881"/>
+            <a:ext cx="4532176" cy="2109652"/>
+          </a:xfrm>
+          <a:prstGeom prst="rect">
+            <a:avLst/>
+          </a:prstGeom>
+        </p:spPr>
+      </p:pic>
+      <p:pic>
+        <p:nvPicPr>
+          <p:cNvPr id="4" name="圖片 3">
+            <a:extLst>
+              <a:ext uri="{FF2B5EF4-FFF2-40B4-BE49-F238E27FC236}">
+                <a16:creationId xmlns:a16="http://schemas.microsoft.com/office/drawing/2014/main" id="{B447BA96-975F-4981-B74D-E8AB8BA1610E}"/>
+              </a:ext>
+            </a:extLst>
+          </p:cNvPr>
+          <p:cNvPicPr>
+            <a:picLocks noChangeAspect="1"/>
+          </p:cNvPicPr>
+          <p:nvPr/>
+        </p:nvPicPr>
+        <p:blipFill>
+          <a:blip r:embed="rId5"/>
+          <a:stretch>
+            <a:fillRect/>
+          </a:stretch>
+        </p:blipFill>
+        <p:spPr>
+          <a:xfrm>
+            <a:off x="1" y="2733821"/>
+            <a:ext cx="4572000" cy="2205872"/>
+          </a:xfrm>
+          <a:prstGeom prst="rect">
+            <a:avLst/>
+          </a:prstGeom>
+        </p:spPr>
+      </p:pic>
+    </p:spTree>
+    <p:extLst>
+      <p:ext uri="{BB962C8B-B14F-4D97-AF65-F5344CB8AC3E}">
+        <p14:creationId xmlns:p14="http://schemas.microsoft.com/office/powerpoint/2010/main" val="1319940763"/>
+      </p:ext>
+    </p:extLst>
+  </p:cSld>
+  <p:clrMapOvr>
+    <a:masterClrMapping/>
+  </p:clrMapOvr>
+  <p:transition spd="slow">
+    <p:push/>
+  </p:transition>
+</p:sld>
+</file>
+
+<file path=ppt/slides/slide23.xml><?xml version="1.0" encoding="utf-8"?>
+<p:sld xmlns:a="http://schemas.openxmlformats.org/drawingml/2006/main" xmlns:r="http://schemas.openxmlformats.org/officeDocument/2006/relationships" xmlns:p="http://schemas.openxmlformats.org/presentationml/2006/main">
+  <p:cSld>
+    <p:spTree>
+      <p:nvGrpSpPr>
+        <p:cNvPr id="1" name="Shape 139"/>
+        <p:cNvGrpSpPr/>
+        <p:nvPr/>
+      </p:nvGrpSpPr>
+      <p:grpSpPr>
+        <a:xfrm>
+          <a:off x="0" y="0"/>
+          <a:ext cx="0" cy="0"/>
+          <a:chOff x="0" y="0"/>
+          <a:chExt cx="0" cy="0"/>
+        </a:xfrm>
+      </p:grpSpPr>
+      <p:cxnSp>
+        <p:nvCxnSpPr>
+          <p:cNvPr id="140" name="Google Shape;140;p26"/>
+          <p:cNvCxnSpPr/>
+          <p:nvPr/>
+        </p:nvCxnSpPr>
+        <p:spPr>
+          <a:xfrm rot="10800000">
+            <a:off x="471906" y="672952"/>
+            <a:ext cx="8200200" cy="0"/>
+          </a:xfrm>
+          <a:prstGeom prst="straightConnector1">
+            <a:avLst/>
+          </a:prstGeom>
+          <a:noFill/>
+          <a:ln w="38100" cap="flat" cmpd="sng">
+            <a:solidFill>
+              <a:srgbClr val="08244A"/>
+            </a:solidFill>
+            <a:prstDash val="solid"/>
+            <a:miter lim="800000"/>
+            <a:headEnd type="none" w="sm" len="sm"/>
+            <a:tailEnd type="none" w="sm" len="sm"/>
+          </a:ln>
+        </p:spPr>
+      </p:cxnSp>
+      <p:sp>
+        <p:nvSpPr>
+          <p:cNvPr id="141" name="Google Shape;141;p26"/>
+          <p:cNvSpPr txBox="1"/>
+          <p:nvPr/>
+        </p:nvSpPr>
+        <p:spPr>
+          <a:xfrm>
+            <a:off x="4312990" y="4919588"/>
+            <a:ext cx="518100" cy="238500"/>
+          </a:xfrm>
+          <a:prstGeom prst="rect">
+            <a:avLst/>
+          </a:prstGeom>
+          <a:solidFill>
+            <a:srgbClr val="08244A"/>
+          </a:solidFill>
+          <a:ln>
+            <a:noFill/>
+          </a:ln>
+        </p:spPr>
+        <p:txBody>
+          <a:bodyPr spcFirstLastPara="1" wrap="square" lIns="68575" tIns="34275" rIns="68575" bIns="34275" anchor="t" anchorCtr="0">
+            <a:spAutoFit/>
+          </a:bodyPr>
+          <a:lstStyle/>
+          <a:p>
+            <a:pPr marL="0" marR="0" lvl="0" indent="0" algn="ctr" rtl="0">
+              <a:spcBef>
+                <a:spcPts val="0"/>
+              </a:spcBef>
+              <a:spcAft>
+                <a:spcPts val="0"/>
+              </a:spcAft>
+              <a:buNone/>
+            </a:pPr>
+            <a:endParaRPr sz="1100">
+              <a:solidFill>
+                <a:schemeClr val="lt1"/>
+              </a:solidFill>
+              <a:latin typeface="Arial"/>
+              <a:ea typeface="Arial"/>
+              <a:cs typeface="Arial"/>
+              <a:sym typeface="Arial"/>
+            </a:endParaRPr>
+          </a:p>
+        </p:txBody>
+      </p:sp>
+      <p:sp>
+        <p:nvSpPr>
+          <p:cNvPr id="142" name="Google Shape;142;p26"/>
+          <p:cNvSpPr txBox="1"/>
+          <p:nvPr/>
+        </p:nvSpPr>
+        <p:spPr>
+          <a:xfrm>
+            <a:off x="7422919" y="4868275"/>
+            <a:ext cx="1660500" cy="238500"/>
+          </a:xfrm>
+          <a:prstGeom prst="rect">
+            <a:avLst/>
+          </a:prstGeom>
+          <a:noFill/>
+          <a:ln>
+            <a:noFill/>
+          </a:ln>
+        </p:spPr>
+        <p:txBody>
+          <a:bodyPr spcFirstLastPara="1" wrap="square" lIns="68575" tIns="34275" rIns="68575" bIns="34275" anchor="t" anchorCtr="0">
+            <a:spAutoFit/>
+          </a:bodyPr>
+          <a:lstStyle/>
+          <a:p>
+            <a:pPr marL="0" marR="0" lvl="0" indent="0" algn="r" rtl="0">
+              <a:spcBef>
+                <a:spcPts val="0"/>
+              </a:spcBef>
+              <a:spcAft>
+                <a:spcPts val="0"/>
+              </a:spcAft>
+              <a:buNone/>
+            </a:pPr>
+            <a:r>
+              <a:rPr lang="zh-TW" sz="1100">
+                <a:solidFill>
+                  <a:srgbClr val="A5A5A5"/>
+                </a:solidFill>
+                <a:latin typeface="Consolas"/>
+                <a:ea typeface="Consolas"/>
+                <a:cs typeface="Consolas"/>
+                <a:sym typeface="Consolas"/>
+              </a:rPr>
+              <a:t>NTUST GAMELab</a:t>
+            </a:r>
+            <a:endParaRPr sz="1100">
+              <a:solidFill>
+                <a:srgbClr val="A5A5A5"/>
+              </a:solidFill>
+              <a:latin typeface="Consolas"/>
+              <a:ea typeface="Consolas"/>
+              <a:cs typeface="Consolas"/>
+              <a:sym typeface="Consolas"/>
+            </a:endParaRPr>
+          </a:p>
+        </p:txBody>
+      </p:sp>
+      <p:sp>
+        <p:nvSpPr>
+          <p:cNvPr id="143" name="Google Shape;143;p26"/>
+          <p:cNvSpPr txBox="1">
+            <a:spLocks noGrp="1"/>
+          </p:cNvSpPr>
+          <p:nvPr>
+            <p:ph type="sldNum" idx="12"/>
+          </p:nvPr>
+        </p:nvSpPr>
+        <p:spPr>
+          <a:xfrm>
+            <a:off x="3543300" y="4904660"/>
+            <a:ext cx="2057400" cy="273900"/>
+          </a:xfrm>
+          <a:prstGeom prst="rect">
+            <a:avLst/>
+          </a:prstGeom>
+          <a:noFill/>
+          <a:ln>
+            <a:noFill/>
+          </a:ln>
+        </p:spPr>
+        <p:txBody>
+          <a:bodyPr spcFirstLastPara="1" wrap="square" lIns="68575" tIns="34275" rIns="68575" bIns="34275" anchor="ctr" anchorCtr="0">
+            <a:noAutofit/>
+          </a:bodyPr>
+          <a:lstStyle/>
+          <a:p>
+            <a:pPr marL="0" lvl="0" indent="0" algn="ctr" rtl="0">
+              <a:spcBef>
+                <a:spcPts val="0"/>
+              </a:spcBef>
+              <a:spcAft>
+                <a:spcPts val="0"/>
+              </a:spcAft>
+              <a:buNone/>
+            </a:pPr>
+            <a:fld id="{00000000-1234-1234-1234-123412341234}" type="slidenum">
+              <a:rPr lang="en-US" altLang="zh-TW" sz="1100"/>
+              <a:t>23</a:t>
+            </a:fld>
+            <a:endParaRPr sz="1100"/>
+          </a:p>
+        </p:txBody>
+      </p:sp>
+      <p:sp>
+        <p:nvSpPr>
+          <p:cNvPr id="144" name="Google Shape;144;p26"/>
+          <p:cNvSpPr txBox="1"/>
+          <p:nvPr/>
+        </p:nvSpPr>
+        <p:spPr>
+          <a:xfrm>
+            <a:off x="368600" y="246125"/>
+            <a:ext cx="7941920" cy="392385"/>
+          </a:xfrm>
+          <a:prstGeom prst="rect">
+            <a:avLst/>
+          </a:prstGeom>
+          <a:noFill/>
+          <a:ln>
+            <a:noFill/>
+          </a:ln>
+        </p:spPr>
+        <p:txBody>
+          <a:bodyPr spcFirstLastPara="1" wrap="square" lIns="68575" tIns="34275" rIns="68575" bIns="34275" anchor="t" anchorCtr="0">
+            <a:spAutoFit/>
+          </a:bodyPr>
+          <a:lstStyle/>
+          <a:p>
+            <a:pPr lvl="0"/>
+            <a:r>
+              <a:rPr lang="en-US" sz="2100" b="1" dirty="0">
+                <a:solidFill>
+                  <a:srgbClr val="08244A"/>
+                </a:solidFill>
+                <a:latin typeface="Microsoft JhengHei"/>
+                <a:ea typeface="Microsoft JhengHei"/>
+                <a:cs typeface="Microsoft JhengHei"/>
+                <a:sym typeface="Microsoft JhengHei"/>
+              </a:rPr>
+              <a:t>Discussion and Conclusion</a:t>
+            </a:r>
+          </a:p>
+        </p:txBody>
+      </p:sp>
+      <p:sp>
+        <p:nvSpPr>
+          <p:cNvPr id="145" name="Google Shape;145;p26"/>
+          <p:cNvSpPr txBox="1"/>
+          <p:nvPr/>
+        </p:nvSpPr>
+        <p:spPr>
+          <a:xfrm>
+            <a:off x="471900" y="736201"/>
+            <a:ext cx="7422300" cy="369300"/>
+          </a:xfrm>
+          <a:prstGeom prst="rect">
+            <a:avLst/>
+          </a:prstGeom>
+          <a:noFill/>
+          <a:ln>
+            <a:noFill/>
+          </a:ln>
+        </p:spPr>
+        <p:txBody>
+          <a:bodyPr spcFirstLastPara="1" wrap="square" lIns="91425" tIns="91425" rIns="91425" bIns="91425" anchor="t" anchorCtr="0">
+            <a:spAutoFit/>
+          </a:bodyPr>
+          <a:lstStyle/>
+          <a:p>
+            <a:pPr marL="0" lvl="0" indent="0" algn="l" rtl="0">
+              <a:spcBef>
+                <a:spcPts val="0"/>
+              </a:spcBef>
+              <a:spcAft>
+                <a:spcPts val="0"/>
+              </a:spcAft>
+              <a:buNone/>
+            </a:pPr>
+            <a:endParaRPr sz="1200" b="1">
+              <a:solidFill>
+                <a:schemeClr val="dk1"/>
+              </a:solidFill>
+              <a:latin typeface="Microsoft JhengHei"/>
+              <a:ea typeface="Microsoft JhengHei"/>
+              <a:cs typeface="Microsoft JhengHei"/>
+              <a:sym typeface="Microsoft JhengHei"/>
+            </a:endParaRPr>
+          </a:p>
+        </p:txBody>
+      </p:sp>
+      <p:sp>
+        <p:nvSpPr>
+          <p:cNvPr id="13" name="Google Shape;146;p26">
+            <a:extLst>
+              <a:ext uri="{FF2B5EF4-FFF2-40B4-BE49-F238E27FC236}">
+                <a16:creationId xmlns:a16="http://schemas.microsoft.com/office/drawing/2014/main" id="{6566787C-E5FE-4057-9DD3-D8F9499426E6}"/>
+              </a:ext>
+            </a:extLst>
+          </p:cNvPr>
+          <p:cNvSpPr txBox="1"/>
+          <p:nvPr/>
+        </p:nvSpPr>
+        <p:spPr>
+          <a:xfrm>
+            <a:off x="471900" y="713504"/>
+            <a:ext cx="8252100" cy="1569630"/>
+          </a:xfrm>
+          <a:prstGeom prst="rect">
+            <a:avLst/>
+          </a:prstGeom>
+          <a:noFill/>
+          <a:ln>
+            <a:noFill/>
+          </a:ln>
+        </p:spPr>
+        <p:txBody>
+          <a:bodyPr spcFirstLastPara="1" wrap="square" lIns="91425" tIns="91425" rIns="91425" bIns="91425" anchor="t" anchorCtr="0">
+            <a:spAutoFit/>
+          </a:bodyPr>
+          <a:lstStyle/>
+          <a:p>
+            <a:pPr marL="482600" lvl="0" indent="-342900">
+              <a:lnSpc>
+                <a:spcPct val="150000"/>
+              </a:lnSpc>
+              <a:buClr>
+                <a:schemeClr val="dk1"/>
+              </a:buClr>
+              <a:buSzPts val="1400"/>
+              <a:buFont typeface="+mj-lt"/>
+              <a:buAutoNum type="arabicPeriod"/>
+            </a:pPr>
+            <a:r>
+              <a:rPr lang="en-US" altLang="zh-TW" sz="2000" dirty="0">
+                <a:latin typeface="Arial" panose="020B0604020202020204" pitchFamily="34" charset="0"/>
+              </a:rPr>
+              <a:t>Simple algorithms that scale well are the core of deep learning.</a:t>
+            </a:r>
+          </a:p>
+          <a:p>
+            <a:pPr marL="482600" lvl="0" indent="-342900">
+              <a:lnSpc>
+                <a:spcPct val="150000"/>
+              </a:lnSpc>
+              <a:buClr>
+                <a:schemeClr val="dk1"/>
+              </a:buClr>
+              <a:buSzPts val="1400"/>
+              <a:buFont typeface="+mj-lt"/>
+              <a:buAutoNum type="arabicPeriod"/>
+            </a:pPr>
+            <a:r>
+              <a:rPr lang="en-US" altLang="zh-TW" sz="2000" dirty="0"/>
+              <a:t>Images and languages are signals of a different nature and this difference must be addressed carefully</a:t>
+            </a:r>
+            <a:r>
+              <a:rPr lang="en-US" altLang="zh-TW" sz="2000" dirty="0">
+                <a:latin typeface="Arial" panose="020B0604020202020204" pitchFamily="34" charset="0"/>
+              </a:rPr>
+              <a:t>.</a:t>
+            </a:r>
+          </a:p>
+        </p:txBody>
+      </p:sp>
+    </p:spTree>
+    <p:extLst>
+      <p:ext uri="{BB962C8B-B14F-4D97-AF65-F5344CB8AC3E}">
+        <p14:creationId xmlns:p14="http://schemas.microsoft.com/office/powerpoint/2010/main" val="341648575"/>
+      </p:ext>
+    </p:extLst>
+  </p:cSld>
+  <p:clrMapOvr>
+    <a:masterClrMapping/>
+  </p:clrMapOvr>
+  <p:transition spd="slow">
+    <p:push/>
+  </p:transition>
+</p:sld>
+</file>
+
+<file path=ppt/slides/slide24.xml><?xml version="1.0" encoding="utf-8"?>
+<p:sld xmlns:a="http://schemas.openxmlformats.org/drawingml/2006/main" xmlns:r="http://schemas.openxmlformats.org/officeDocument/2006/relationships" xmlns:p="http://schemas.openxmlformats.org/presentationml/2006/main">
+  <p:cSld>
+    <p:spTree>
+      <p:nvGrpSpPr>
         <p:cNvPr id="1" name="Shape 674"/>
         <p:cNvGrpSpPr/>
         <p:nvPr/>
@@ -25759,7 +27869,7 @@
             </a:pPr>
             <a:fld id="{00000000-1234-1234-1234-123412341234}" type="slidenum">
               <a:rPr lang="en-US" altLang="zh-TW"/>
-              <a:t>20</a:t>
+              <a:t>24</a:t>
             </a:fld>
             <a:endParaRPr/>
           </a:p>
@@ -27549,8 +29659,8 @@
         </p:nvSpPr>
         <p:spPr>
           <a:xfrm>
-            <a:off x="-134923" y="757186"/>
-            <a:ext cx="5403566" cy="3416290"/>
+            <a:off x="0" y="733172"/>
+            <a:ext cx="3674076" cy="4247286"/>
           </a:xfrm>
           <a:prstGeom prst="rect">
             <a:avLst/>
@@ -27578,8 +29688,8 @@
               <a:buAutoNum type="arabicPeriod"/>
             </a:pPr>
             <a:r>
-              <a:rPr lang="en-US" altLang="zh-TW" dirty="0"/>
-              <a:t>Masks random patches and reconstructs missing patches.</a:t>
+              <a:rPr lang="en-US" altLang="zh-TW" sz="1600" dirty="0"/>
+              <a:t>Decoder reconstructs latent representation along with mask tokens.</a:t>
             </a:r>
           </a:p>
           <a:p>
@@ -27595,16 +29705,16 @@
               <a:buAutoNum type="arabicPeriod"/>
             </a:pPr>
             <a:r>
-              <a:rPr lang="en-US" altLang="zh-TW" dirty="0"/>
-              <a:t>Asymmetric</a:t>
+              <a:rPr lang="en-US" altLang="zh-TW" sz="1600" dirty="0"/>
+              <a:t>With MAE pre-training, </a:t>
             </a:r>
             <a:r>
-              <a:rPr lang="zh-TW" altLang="en-US" dirty="0"/>
-              <a:t> </a:t>
+              <a:rPr lang="en-US" altLang="zh-TW" sz="1600" dirty="0" err="1"/>
+              <a:t>ViT</a:t>
             </a:r>
             <a:r>
-              <a:rPr lang="en-US" altLang="zh-TW" dirty="0"/>
-              <a:t>encoder-decoder design.</a:t>
+              <a:rPr lang="en-US" altLang="zh-TW" sz="1600" dirty="0"/>
+              <a:t>-H achieve 87.8% when finetuned on ImageNet-1K.</a:t>
             </a:r>
           </a:p>
           <a:p>
@@ -27620,74 +29730,7 @@
               <a:buAutoNum type="arabicPeriod"/>
             </a:pPr>
             <a:r>
-              <a:rPr lang="en-US" altLang="zh-TW" dirty="0"/>
-              <a:t>Encoder on visible</a:t>
-            </a:r>
-            <a:r>
-              <a:rPr lang="zh-TW" altLang="en-US" dirty="0"/>
-              <a:t> </a:t>
-            </a:r>
-            <a:r>
-              <a:rPr lang="en-US" altLang="zh-TW" dirty="0"/>
-              <a:t>patches.</a:t>
-            </a:r>
-          </a:p>
-          <a:p>
-            <a:pPr marL="368300" lvl="0" indent="-228600">
-              <a:lnSpc>
-                <a:spcPct val="150000"/>
-              </a:lnSpc>
-              <a:buClr>
-                <a:schemeClr val="dk1"/>
-              </a:buClr>
-              <a:buSzPts val="1400"/>
-              <a:buFont typeface="+mj-lt"/>
-              <a:buAutoNum type="arabicPeriod"/>
-            </a:pPr>
-            <a:r>
-              <a:rPr lang="en-US" altLang="zh-TW" dirty="0"/>
-              <a:t>Decoder reconstructs latent representation along with mask tokens.</a:t>
-            </a:r>
-          </a:p>
-          <a:p>
-            <a:pPr marL="368300" lvl="0" indent="-228600">
-              <a:lnSpc>
-                <a:spcPct val="150000"/>
-              </a:lnSpc>
-              <a:buClr>
-                <a:schemeClr val="dk1"/>
-              </a:buClr>
-              <a:buSzPts val="1400"/>
-              <a:buFont typeface="+mj-lt"/>
-              <a:buAutoNum type="arabicPeriod"/>
-            </a:pPr>
-            <a:r>
-              <a:rPr lang="en-US" altLang="zh-TW" dirty="0"/>
-              <a:t>With MAE pre-training, </a:t>
-            </a:r>
-            <a:r>
-              <a:rPr lang="en-US" altLang="zh-TW" dirty="0" err="1"/>
-              <a:t>ViT</a:t>
-            </a:r>
-            <a:r>
-              <a:rPr lang="en-US" altLang="zh-TW" dirty="0"/>
-              <a:t>-Large/-Huge achieve 87.8% when finetuned on ImageNet-1K.</a:t>
-            </a:r>
-          </a:p>
-          <a:p>
-            <a:pPr marL="368300" lvl="0" indent="-228600">
-              <a:lnSpc>
-                <a:spcPct val="150000"/>
-              </a:lnSpc>
-              <a:buClr>
-                <a:schemeClr val="dk1"/>
-              </a:buClr>
-              <a:buSzPts val="1400"/>
-              <a:buFont typeface="+mj-lt"/>
-              <a:buAutoNum type="arabicPeriod"/>
-            </a:pPr>
-            <a:r>
-              <a:rPr lang="en-US" altLang="zh-TW" dirty="0"/>
+              <a:rPr lang="en-US" altLang="zh-TW" sz="1600" dirty="0"/>
               <a:t>Transfer learning on object detection, instance segmentation, and semantic segmentation achieves better results than its supervised pretrain.</a:t>
             </a:r>
           </a:p>
@@ -27715,8 +29758,8 @@
         </p:blipFill>
         <p:spPr>
           <a:xfrm>
-            <a:off x="5268643" y="612732"/>
-            <a:ext cx="3814776" cy="2148829"/>
+            <a:off x="3674076" y="767600"/>
+            <a:ext cx="5483147" cy="3088607"/>
           </a:xfrm>
           <a:prstGeom prst="rect">
             <a:avLst/>
@@ -27744,7 +29787,7 @@
   <p:cSld>
     <p:spTree>
       <p:nvGrpSpPr>
-        <p:cNvPr id="1" name="Shape 139"/>
+        <p:cNvPr id="1" name="Shape 175"/>
         <p:cNvGrpSpPr/>
         <p:nvPr/>
       </p:nvGrpSpPr>
@@ -27756,42 +29799,16 @@
           <a:chExt cx="0" cy="0"/>
         </a:xfrm>
       </p:grpSpPr>
-      <p:cxnSp>
-        <p:nvCxnSpPr>
-          <p:cNvPr id="140" name="Google Shape;140;p26"/>
-          <p:cNvCxnSpPr/>
-          <p:nvPr/>
-        </p:nvCxnSpPr>
-        <p:spPr>
-          <a:xfrm rot="10800000">
-            <a:off x="471906" y="672952"/>
-            <a:ext cx="8200200" cy="0"/>
-          </a:xfrm>
-          <a:prstGeom prst="straightConnector1">
-            <a:avLst/>
-          </a:prstGeom>
-          <a:noFill/>
-          <a:ln w="38100" cap="flat" cmpd="sng">
-            <a:solidFill>
-              <a:srgbClr val="08244A"/>
-            </a:solidFill>
-            <a:prstDash val="solid"/>
-            <a:miter lim="800000"/>
-            <a:headEnd type="none" w="sm" len="sm"/>
-            <a:tailEnd type="none" w="sm" len="sm"/>
-          </a:ln>
-        </p:spPr>
-      </p:cxnSp>
       <p:sp>
         <p:nvSpPr>
-          <p:cNvPr id="141" name="Google Shape;141;p26"/>
-          <p:cNvSpPr txBox="1"/>
+          <p:cNvPr id="176" name="Google Shape;176;p29"/>
+          <p:cNvSpPr/>
           <p:nvPr/>
         </p:nvSpPr>
         <p:spPr>
           <a:xfrm>
-            <a:off x="4312990" y="4919588"/>
-            <a:ext cx="518100" cy="238500"/>
+            <a:off x="0" y="1681046"/>
+            <a:ext cx="9144000" cy="1781400"/>
           </a:xfrm>
           <a:prstGeom prst="rect">
             <a:avLst/>
@@ -27804,8 +29821,8 @@
           </a:ln>
         </p:spPr>
         <p:txBody>
-          <a:bodyPr spcFirstLastPara="1" wrap="square" lIns="68575" tIns="34275" rIns="68575" bIns="34275" anchor="t" anchorCtr="0">
-            <a:spAutoFit/>
+          <a:bodyPr spcFirstLastPara="1" wrap="square" lIns="68575" tIns="34275" rIns="68575" bIns="34275" anchor="ctr" anchorCtr="0">
+            <a:noAutofit/>
           </a:bodyPr>
           <a:lstStyle/>
           <a:p>
@@ -27818,7 +29835,7 @@
               </a:spcAft>
               <a:buNone/>
             </a:pPr>
-            <a:endParaRPr sz="1100">
+            <a:endParaRPr sz="1400" b="0" i="0" u="none" strike="noStrike" cap="none">
               <a:solidFill>
                 <a:schemeClr val="lt1"/>
               </a:solidFill>
@@ -27832,7 +29849,109 @@
       </p:sp>
       <p:sp>
         <p:nvSpPr>
-          <p:cNvPr id="142" name="Google Shape;142;p26"/>
+          <p:cNvPr id="177" name="Google Shape;177;p29"/>
+          <p:cNvSpPr txBox="1"/>
+          <p:nvPr/>
+        </p:nvSpPr>
+        <p:spPr>
+          <a:xfrm>
+            <a:off x="2154300" y="2197432"/>
+            <a:ext cx="4835400" cy="423300"/>
+          </a:xfrm>
+          <a:prstGeom prst="rect">
+            <a:avLst/>
+          </a:prstGeom>
+          <a:noFill/>
+          <a:ln>
+            <a:noFill/>
+          </a:ln>
+        </p:spPr>
+        <p:txBody>
+          <a:bodyPr spcFirstLastPara="1" wrap="square" lIns="68575" tIns="34275" rIns="68575" bIns="34275" anchor="t" anchorCtr="0">
+            <a:spAutoFit/>
+          </a:bodyPr>
+          <a:lstStyle/>
+          <a:p>
+            <a:pPr lvl="0" algn="ctr"/>
+            <a:r>
+              <a:rPr lang="en-US" altLang="zh-TW" sz="2300" b="1" dirty="0">
+                <a:solidFill>
+                  <a:schemeClr val="lt1"/>
+                </a:solidFill>
+                <a:latin typeface="Microsoft JhengHei"/>
+                <a:ea typeface="Microsoft JhengHei"/>
+                <a:cs typeface="Microsoft JhengHei"/>
+                <a:sym typeface="Microsoft JhengHei"/>
+              </a:rPr>
+              <a:t>Related Work </a:t>
+            </a:r>
+            <a:endParaRPr lang="zh-TW" altLang="en-US" sz="1700" b="1" dirty="0">
+              <a:solidFill>
+                <a:schemeClr val="lt1"/>
+              </a:solidFill>
+              <a:latin typeface="Microsoft JhengHei"/>
+              <a:ea typeface="Microsoft JhengHei"/>
+              <a:cs typeface="Microsoft JhengHei"/>
+              <a:sym typeface="Microsoft JhengHei"/>
+            </a:endParaRPr>
+          </a:p>
+        </p:txBody>
+      </p:sp>
+      <p:cxnSp>
+        <p:nvCxnSpPr>
+          <p:cNvPr id="178" name="Google Shape;178;p29"/>
+          <p:cNvCxnSpPr/>
+          <p:nvPr/>
+        </p:nvCxnSpPr>
+        <p:spPr>
+          <a:xfrm>
+            <a:off x="0" y="2326072"/>
+            <a:ext cx="1225800" cy="0"/>
+          </a:xfrm>
+          <a:prstGeom prst="straightConnector1">
+            <a:avLst/>
+          </a:prstGeom>
+          <a:noFill/>
+          <a:ln w="12700" cap="flat" cmpd="sng">
+            <a:solidFill>
+              <a:schemeClr val="lt1"/>
+            </a:solidFill>
+            <a:prstDash val="solid"/>
+            <a:miter lim="800000"/>
+            <a:headEnd type="none" w="sm" len="sm"/>
+            <a:tailEnd type="none" w="sm" len="sm"/>
+          </a:ln>
+        </p:spPr>
+      </p:cxnSp>
+      <p:cxnSp>
+        <p:nvCxnSpPr>
+          <p:cNvPr id="179" name="Google Shape;179;p29"/>
+          <p:cNvCxnSpPr/>
+          <p:nvPr/>
+        </p:nvCxnSpPr>
+        <p:spPr>
+          <a:xfrm>
+            <a:off x="7918133" y="2326072"/>
+            <a:ext cx="1225800" cy="0"/>
+          </a:xfrm>
+          <a:prstGeom prst="straightConnector1">
+            <a:avLst/>
+          </a:prstGeom>
+          <a:noFill/>
+          <a:ln w="12700" cap="flat" cmpd="sng">
+            <a:solidFill>
+              <a:schemeClr val="lt1"/>
+            </a:solidFill>
+            <a:prstDash val="solid"/>
+            <a:miter lim="800000"/>
+            <a:headEnd type="none" w="sm" len="sm"/>
+            <a:tailEnd type="none" w="sm" len="sm"/>
+          </a:ln>
+        </p:spPr>
+      </p:cxnSp>
+      <p:sp>
+        <p:nvSpPr>
+          <p:cNvPr id="180" name="Google Shape;180;p29"/>
           <p:cNvSpPr txBox="1"/>
           <p:nvPr/>
         </p:nvSpPr>
@@ -27888,221 +30007,16 @@
           </a:p>
         </p:txBody>
       </p:sp>
-      <p:sp>
-        <p:nvSpPr>
-          <p:cNvPr id="143" name="Google Shape;143;p26"/>
-          <p:cNvSpPr txBox="1">
-            <a:spLocks noGrp="1"/>
-          </p:cNvSpPr>
-          <p:nvPr>
-            <p:ph type="sldNum" idx="12"/>
-          </p:nvPr>
-        </p:nvSpPr>
-        <p:spPr>
-          <a:xfrm>
-            <a:off x="3543300" y="4904660"/>
-            <a:ext cx="2057400" cy="273900"/>
-          </a:xfrm>
-          <a:prstGeom prst="rect">
-            <a:avLst/>
-          </a:prstGeom>
-          <a:noFill/>
-          <a:ln>
-            <a:noFill/>
-          </a:ln>
-        </p:spPr>
-        <p:txBody>
-          <a:bodyPr spcFirstLastPara="1" wrap="square" lIns="68575" tIns="34275" rIns="68575" bIns="34275" anchor="ctr" anchorCtr="0">
-            <a:noAutofit/>
-          </a:bodyPr>
-          <a:lstStyle/>
-          <a:p>
-            <a:pPr marL="0" lvl="0" indent="0" algn="ctr" rtl="0">
-              <a:spcBef>
-                <a:spcPts val="0"/>
-              </a:spcBef>
-              <a:spcAft>
-                <a:spcPts val="0"/>
-              </a:spcAft>
-              <a:buNone/>
-            </a:pPr>
-            <a:fld id="{00000000-1234-1234-1234-123412341234}" type="slidenum">
-              <a:rPr lang="en-US" altLang="zh-TW" sz="1100"/>
-              <a:t>7</a:t>
-            </a:fld>
-            <a:endParaRPr sz="1100"/>
-          </a:p>
-        </p:txBody>
-      </p:sp>
-      <p:sp>
-        <p:nvSpPr>
-          <p:cNvPr id="144" name="Google Shape;144;p26"/>
-          <p:cNvSpPr txBox="1"/>
-          <p:nvPr/>
-        </p:nvSpPr>
-        <p:spPr>
-          <a:xfrm>
-            <a:off x="368600" y="246125"/>
-            <a:ext cx="7941920" cy="392385"/>
-          </a:xfrm>
-          <a:prstGeom prst="rect">
-            <a:avLst/>
-          </a:prstGeom>
-          <a:noFill/>
-          <a:ln>
-            <a:noFill/>
-          </a:ln>
-        </p:spPr>
-        <p:txBody>
-          <a:bodyPr spcFirstLastPara="1" wrap="square" lIns="68575" tIns="34275" rIns="68575" bIns="34275" anchor="t" anchorCtr="0">
-            <a:spAutoFit/>
-          </a:bodyPr>
-          <a:lstStyle/>
-          <a:p>
-            <a:pPr lvl="0"/>
-            <a:r>
-              <a:rPr lang="en-US" sz="2100" b="1" dirty="0">
-                <a:solidFill>
-                  <a:srgbClr val="08244A"/>
-                </a:solidFill>
-                <a:latin typeface="Microsoft JhengHei"/>
-                <a:ea typeface="Microsoft JhengHei"/>
-                <a:cs typeface="Microsoft JhengHei"/>
-                <a:sym typeface="Microsoft JhengHei"/>
-              </a:rPr>
-              <a:t>Related Work - Masked language modeling  </a:t>
-            </a:r>
-            <a:endParaRPr sz="2100" b="1" dirty="0">
-              <a:solidFill>
-                <a:srgbClr val="08244A"/>
-              </a:solidFill>
-              <a:latin typeface="Microsoft JhengHei"/>
-              <a:ea typeface="Microsoft JhengHei"/>
-              <a:cs typeface="Microsoft JhengHei"/>
-              <a:sym typeface="Microsoft JhengHei"/>
-            </a:endParaRPr>
-          </a:p>
-        </p:txBody>
-      </p:sp>
-      <p:sp>
-        <p:nvSpPr>
-          <p:cNvPr id="145" name="Google Shape;145;p26"/>
-          <p:cNvSpPr txBox="1"/>
-          <p:nvPr/>
-        </p:nvSpPr>
-        <p:spPr>
-          <a:xfrm>
-            <a:off x="471900" y="736201"/>
-            <a:ext cx="7422300" cy="369300"/>
-          </a:xfrm>
-          <a:prstGeom prst="rect">
-            <a:avLst/>
-          </a:prstGeom>
-          <a:noFill/>
-          <a:ln>
-            <a:noFill/>
-          </a:ln>
-        </p:spPr>
-        <p:txBody>
-          <a:bodyPr spcFirstLastPara="1" wrap="square" lIns="91425" tIns="91425" rIns="91425" bIns="91425" anchor="t" anchorCtr="0">
-            <a:spAutoFit/>
-          </a:bodyPr>
-          <a:lstStyle/>
-          <a:p>
-            <a:pPr marL="0" lvl="0" indent="0" algn="l" rtl="0">
-              <a:spcBef>
-                <a:spcPts val="0"/>
-              </a:spcBef>
-              <a:spcAft>
-                <a:spcPts val="0"/>
-              </a:spcAft>
-              <a:buNone/>
-            </a:pPr>
-            <a:endParaRPr sz="1200" b="1">
-              <a:solidFill>
-                <a:schemeClr val="dk1"/>
-              </a:solidFill>
-              <a:latin typeface="Microsoft JhengHei"/>
-              <a:ea typeface="Microsoft JhengHei"/>
-              <a:cs typeface="Microsoft JhengHei"/>
-              <a:sym typeface="Microsoft JhengHei"/>
-            </a:endParaRPr>
-          </a:p>
-        </p:txBody>
-      </p:sp>
-      <p:sp>
-        <p:nvSpPr>
-          <p:cNvPr id="146" name="Google Shape;146;p26"/>
-          <p:cNvSpPr txBox="1"/>
-          <p:nvPr/>
-        </p:nvSpPr>
-        <p:spPr>
-          <a:xfrm>
-            <a:off x="471900" y="886850"/>
-            <a:ext cx="8252100" cy="1154132"/>
-          </a:xfrm>
-          <a:prstGeom prst="rect">
-            <a:avLst/>
-          </a:prstGeom>
-          <a:noFill/>
-          <a:ln>
-            <a:noFill/>
-          </a:ln>
-        </p:spPr>
-        <p:txBody>
-          <a:bodyPr spcFirstLastPara="1" wrap="square" lIns="91425" tIns="91425" rIns="91425" bIns="91425" anchor="t" anchorCtr="0">
-            <a:spAutoFit/>
-          </a:bodyPr>
-          <a:lstStyle/>
-          <a:p>
-            <a:pPr marL="457200" lvl="0" indent="-317500">
-              <a:lnSpc>
-                <a:spcPct val="150000"/>
-              </a:lnSpc>
-              <a:buClr>
-                <a:schemeClr val="dk1"/>
-              </a:buClr>
-              <a:buSzPts val="1400"/>
-              <a:buFont typeface="Microsoft JhengHei"/>
-              <a:buAutoNum type="arabicPeriod"/>
-            </a:pPr>
-            <a:r>
-              <a:rPr lang="en-US" altLang="zh-TW" dirty="0"/>
-              <a:t>BERT and GPT are highly successful methods for pre-training in NLP. </a:t>
-            </a:r>
-          </a:p>
-          <a:p>
-            <a:pPr marL="457200" lvl="0" indent="-317500">
-              <a:lnSpc>
-                <a:spcPct val="150000"/>
-              </a:lnSpc>
-              <a:buClr>
-                <a:schemeClr val="dk1"/>
-              </a:buClr>
-              <a:buSzPts val="1400"/>
-              <a:buFont typeface="Microsoft JhengHei"/>
-              <a:buAutoNum type="arabicPeriod"/>
-            </a:pPr>
-            <a:r>
-              <a:rPr lang="en-US" altLang="zh-TW" dirty="0"/>
-              <a:t>These methods hold out a portion of the input sequence and train models to predict the missing content. </a:t>
-            </a:r>
-          </a:p>
-        </p:txBody>
-      </p:sp>
     </p:spTree>
     <p:extLst>
       <p:ext uri="{BB962C8B-B14F-4D97-AF65-F5344CB8AC3E}">
-        <p14:creationId xmlns:p14="http://schemas.microsoft.com/office/powerpoint/2010/main" val="1986401551"/>
+        <p14:creationId xmlns:p14="http://schemas.microsoft.com/office/powerpoint/2010/main" val="4033877421"/>
       </p:ext>
     </p:extLst>
   </p:cSld>
   <p:clrMapOvr>
     <a:masterClrMapping/>
   </p:clrMapOvr>
-  <p:transition spd="slow">
-    <p:push/>
-  </p:transition>
 </p:sld>
 </file>
 
@@ -28337,7 +30251,7 @@
                 <a:cs typeface="Microsoft JhengHei"/>
                 <a:sym typeface="Microsoft JhengHei"/>
               </a:rPr>
-              <a:t>Related Work - Autoencoding</a:t>
+              <a:t>Related Work - Masked language modeling  </a:t>
             </a:r>
             <a:endParaRPr sz="2100" b="1" dirty="0">
               <a:solidFill>
@@ -28406,7 +30320,7 @@
         <p:spPr>
           <a:xfrm>
             <a:off x="471900" y="886850"/>
-            <a:ext cx="8252100" cy="507801"/>
+            <a:ext cx="8252100" cy="1154132"/>
           </a:xfrm>
           <a:prstGeom prst="rect">
             <a:avLst/>
@@ -28434,67 +30348,33 @@
               <a:buAutoNum type="arabicPeriod"/>
             </a:pPr>
             <a:r>
-              <a:rPr lang="en-US" altLang="zh-TW" b="0" i="0" dirty="0">
-                <a:effectLst/>
-                <a:latin typeface="Arial" panose="020B0604020202020204" pitchFamily="34" charset="0"/>
-              </a:rPr>
-              <a:t>Denoising autoencoders</a:t>
+              <a:rPr lang="en-US" altLang="zh-TW" dirty="0"/>
+              <a:t>BERT and GPT are highly successful methods for pre-training in NLP. </a:t>
             </a:r>
-            <a:endParaRPr lang="en-US" altLang="zh-TW" dirty="0"/>
+          </a:p>
+          <a:p>
+            <a:pPr marL="457200" lvl="0" indent="-317500">
+              <a:lnSpc>
+                <a:spcPct val="150000"/>
+              </a:lnSpc>
+              <a:buClr>
+                <a:schemeClr val="dk1"/>
+              </a:buClr>
+              <a:buSzPts val="1400"/>
+              <a:buFont typeface="Microsoft JhengHei"/>
+              <a:buAutoNum type="arabicPeriod"/>
+            </a:pPr>
+            <a:r>
+              <a:rPr lang="en-US" altLang="zh-TW" dirty="0"/>
+              <a:t>These methods hold out a portion of the input sequence and train models to predict the missing content. </a:t>
+            </a:r>
           </a:p>
         </p:txBody>
       </p:sp>
-      <p:pic>
-        <p:nvPicPr>
-          <p:cNvPr id="1026" name="Picture 2">
-            <a:extLst>
-              <a:ext uri="{FF2B5EF4-FFF2-40B4-BE49-F238E27FC236}">
-                <a16:creationId xmlns:a16="http://schemas.microsoft.com/office/drawing/2014/main" id="{1234360E-760C-A9F2-A562-BA2E5AAD76B5}"/>
-              </a:ext>
-            </a:extLst>
-          </p:cNvPr>
-          <p:cNvPicPr>
-            <a:picLocks noChangeAspect="1" noChangeArrowheads="1"/>
-          </p:cNvPicPr>
-          <p:nvPr/>
-        </p:nvPicPr>
-        <p:blipFill>
-          <a:blip r:embed="rId3">
-            <a:extLst>
-              <a:ext uri="{28A0092B-C50C-407E-A947-70E740481C1C}">
-                <a14:useLocalDpi xmlns:a14="http://schemas.microsoft.com/office/drawing/2010/main" val="0"/>
-              </a:ext>
-            </a:extLst>
-          </a:blip>
-          <a:srcRect/>
-          <a:stretch>
-            <a:fillRect/>
-          </a:stretch>
-        </p:blipFill>
-        <p:spPr bwMode="auto">
-          <a:xfrm>
-            <a:off x="3507305" y="973195"/>
-            <a:ext cx="5324559" cy="2563368"/>
-          </a:xfrm>
-          <a:prstGeom prst="rect">
-            <a:avLst/>
-          </a:prstGeom>
-          <a:noFill/>
-          <a:extLst>
-            <a:ext uri="{909E8E84-426E-40DD-AFC4-6F175D3DCCD1}">
-              <a14:hiddenFill xmlns:a14="http://schemas.microsoft.com/office/drawing/2010/main">
-                <a:solidFill>
-                  <a:srgbClr val="FFFFFF"/>
-                </a:solidFill>
-              </a14:hiddenFill>
-            </a:ext>
-          </a:extLst>
-        </p:spPr>
-      </p:pic>
     </p:spTree>
     <p:extLst>
       <p:ext uri="{BB962C8B-B14F-4D97-AF65-F5344CB8AC3E}">
-        <p14:creationId xmlns:p14="http://schemas.microsoft.com/office/powerpoint/2010/main" val="257205780"/>
+        <p14:creationId xmlns:p14="http://schemas.microsoft.com/office/powerpoint/2010/main" val="1986401551"/>
       </p:ext>
     </p:extLst>
   </p:cSld>
@@ -28738,7 +30618,7 @@
                 <a:cs typeface="Microsoft JhengHei"/>
                 <a:sym typeface="Microsoft JhengHei"/>
               </a:rPr>
-              <a:t>Related Work - Masked  image  encoding</a:t>
+              <a:t>Related Work - Autoencoding</a:t>
             </a:r>
             <a:endParaRPr sz="2100" b="1" dirty="0">
               <a:solidFill>
@@ -28807,7 +30687,7 @@
         <p:spPr>
           <a:xfrm>
             <a:off x="471900" y="886850"/>
-            <a:ext cx="8252100" cy="1154132"/>
+            <a:ext cx="8252100" cy="507801"/>
           </a:xfrm>
           <a:prstGeom prst="rect">
             <a:avLst/>
@@ -28835,96 +30715,11 @@
               <a:buAutoNum type="arabicPeriod"/>
             </a:pPr>
             <a:r>
-              <a:rPr lang="en-US" altLang="zh-TW" b="0" i="0" dirty="0" err="1">
-                <a:effectLst/>
-                <a:latin typeface="Arial" panose="020B0604020202020204" pitchFamily="34" charset="0"/>
-              </a:rPr>
-              <a:t>iGPT</a:t>
-            </a:r>
-            <a:r>
-              <a:rPr lang="zh-TW" altLang="en-US" b="0" i="0" dirty="0">
-                <a:effectLst/>
-                <a:latin typeface="Arial" panose="020B0604020202020204" pitchFamily="34" charset="0"/>
-              </a:rPr>
-              <a:t> </a:t>
-            </a:r>
-            <a:r>
               <a:rPr lang="en-US" altLang="zh-TW" b="0" i="0" dirty="0">
                 <a:effectLst/>
                 <a:latin typeface="Arial" panose="020B0604020202020204" pitchFamily="34" charset="0"/>
               </a:rPr>
-              <a:t>–</a:t>
-            </a:r>
-            <a:r>
-              <a:rPr lang="zh-TW" altLang="en-US" b="0" i="0" dirty="0">
-                <a:effectLst/>
-                <a:latin typeface="Arial" panose="020B0604020202020204" pitchFamily="34" charset="0"/>
-              </a:rPr>
-              <a:t> </a:t>
-            </a:r>
-            <a:r>
-              <a:rPr lang="en-US" altLang="zh-TW" b="0" i="0" dirty="0">
-                <a:effectLst/>
-                <a:latin typeface="Arial" panose="020B0604020202020204" pitchFamily="34" charset="0"/>
-              </a:rPr>
-              <a:t>Linear Probe</a:t>
-            </a:r>
-          </a:p>
-          <a:p>
-            <a:pPr marL="457200" lvl="0" indent="-317500">
-              <a:lnSpc>
-                <a:spcPct val="150000"/>
-              </a:lnSpc>
-              <a:buClr>
-                <a:schemeClr val="dk1"/>
-              </a:buClr>
-              <a:buSzPts val="1400"/>
-              <a:buFont typeface="Microsoft JhengHei"/>
-              <a:buAutoNum type="arabicPeriod"/>
-            </a:pPr>
-            <a:r>
-              <a:rPr lang="en-US" altLang="zh-TW" b="0" i="0" dirty="0" err="1">
-                <a:effectLst/>
-                <a:latin typeface="Arial" panose="020B0604020202020204" pitchFamily="34" charset="0"/>
-              </a:rPr>
-              <a:t>ViT</a:t>
-            </a:r>
-            <a:r>
-              <a:rPr lang="en-US" altLang="zh-TW" b="0" i="0" dirty="0">
-                <a:effectLst/>
-                <a:latin typeface="Arial" panose="020B0604020202020204" pitchFamily="34" charset="0"/>
-              </a:rPr>
-              <a:t> </a:t>
-            </a:r>
-            <a:endParaRPr lang="en-US" altLang="zh-TW" dirty="0">
-              <a:latin typeface="Arial" panose="020B0604020202020204" pitchFamily="34" charset="0"/>
-            </a:endParaRPr>
-          </a:p>
-          <a:p>
-            <a:pPr marL="457200" lvl="0" indent="-317500">
-              <a:lnSpc>
-                <a:spcPct val="150000"/>
-              </a:lnSpc>
-              <a:buClr>
-                <a:schemeClr val="dk1"/>
-              </a:buClr>
-              <a:buSzPts val="1400"/>
-              <a:buFont typeface="Microsoft JhengHei"/>
-              <a:buAutoNum type="arabicPeriod"/>
-            </a:pPr>
-            <a:r>
-              <a:rPr lang="en-US" altLang="zh-TW" b="0" i="0" dirty="0" err="1">
-                <a:effectLst/>
-                <a:latin typeface="Arial" panose="020B0604020202020204" pitchFamily="34" charset="0"/>
-              </a:rPr>
-              <a:t>BEiT</a:t>
-            </a:r>
-            <a:r>
-              <a:rPr lang="en-US" altLang="zh-TW" b="0" i="0" dirty="0">
-                <a:effectLst/>
-                <a:latin typeface="Arial" panose="020B0604020202020204" pitchFamily="34" charset="0"/>
-              </a:rPr>
-              <a:t>  </a:t>
+              <a:t>Denoising autoencoders</a:t>
             </a:r>
             <a:endParaRPr lang="en-US" altLang="zh-TW" dirty="0"/>
           </a:p>
@@ -28932,10 +30727,10 @@
       </p:sp>
       <p:pic>
         <p:nvPicPr>
-          <p:cNvPr id="2050" name="Picture 2" descr="preview">
+          <p:cNvPr id="1026" name="Picture 2">
             <a:extLst>
               <a:ext uri="{FF2B5EF4-FFF2-40B4-BE49-F238E27FC236}">
-                <a16:creationId xmlns:a16="http://schemas.microsoft.com/office/drawing/2014/main" id="{4C470E55-14EB-F99E-1196-000C21305F53}"/>
+                <a16:creationId xmlns:a16="http://schemas.microsoft.com/office/drawing/2014/main" id="{1234360E-760C-A9F2-A562-BA2E5AAD76B5}"/>
               </a:ext>
             </a:extLst>
           </p:cNvPr>
@@ -28959,8 +30754,8 @@
         </p:blipFill>
         <p:spPr bwMode="auto">
           <a:xfrm>
-            <a:off x="2668007" y="980072"/>
-            <a:ext cx="6330336" cy="3490477"/>
+            <a:off x="3507305" y="973195"/>
+            <a:ext cx="5324559" cy="2563368"/>
           </a:xfrm>
           <a:prstGeom prst="rect">
             <a:avLst/>
@@ -28980,7 +30775,7 @@
     </p:spTree>
     <p:extLst>
       <p:ext uri="{BB962C8B-B14F-4D97-AF65-F5344CB8AC3E}">
-        <p14:creationId xmlns:p14="http://schemas.microsoft.com/office/powerpoint/2010/main" val="2958331473"/>
+        <p14:creationId xmlns:p14="http://schemas.microsoft.com/office/powerpoint/2010/main" val="257205780"/>
       </p:ext>
     </p:extLst>
   </p:cSld>

--- a/Masked Autoencoders Are Scalable Vision Learners.pptx
+++ b/Masked Autoencoders Are Scalable Vision Learners.pptx
@@ -6,7 +6,7 @@
     <p:sldMasterId id="2147483671" r:id="rId2"/>
   </p:sldMasterIdLst>
   <p:notesMasterIdLst>
-    <p:notesMasterId r:id="rId27"/>
+    <p:notesMasterId r:id="rId29"/>
   </p:notesMasterIdLst>
   <p:sldIdLst>
     <p:sldId id="256" r:id="rId3"/>
@@ -33,6 +33,8 @@
     <p:sldId id="310" r:id="rId24"/>
     <p:sldId id="309" r:id="rId25"/>
     <p:sldId id="292" r:id="rId26"/>
+    <p:sldId id="314" r:id="rId27"/>
+    <p:sldId id="315" r:id="rId28"/>
   </p:sldIdLst>
   <p:sldSz cx="9144000" cy="5143500" type="screen16x9"/>
   <p:notesSz cx="6858000" cy="9144000"/>
@@ -843,6 +845,38 @@
               </a:spcAft>
               <a:buNone/>
             </a:pPr>
+            <a:r>
+              <a:rPr lang="en-US" altLang="zh-TW" dirty="0"/>
+              <a:t>Masked</a:t>
+            </a:r>
+            <a:r>
+              <a:rPr lang="zh-TW" altLang="en-US" dirty="0"/>
+              <a:t> </a:t>
+            </a:r>
+            <a:r>
+              <a:rPr lang="en-US" altLang="zh-TW" sz="1100" b="1" dirty="0">
+                <a:solidFill>
+                  <a:schemeClr val="lt1"/>
+                </a:solidFill>
+                <a:latin typeface="Microsoft JhengHei"/>
+                <a:ea typeface="Microsoft JhengHei"/>
+                <a:cs typeface="Microsoft JhengHei"/>
+                <a:sym typeface="Microsoft JhengHei"/>
+              </a:rPr>
+              <a:t>Autoencoders</a:t>
+            </a:r>
+            <a:r>
+              <a:rPr lang="zh-TW" altLang="en-US" sz="1100" b="1" dirty="0">
+                <a:solidFill>
+                  <a:schemeClr val="lt1"/>
+                </a:solidFill>
+                <a:latin typeface="Microsoft JhengHei"/>
+                <a:ea typeface="Microsoft JhengHei"/>
+                <a:cs typeface="Microsoft JhengHei"/>
+                <a:sym typeface="Microsoft JhengHei"/>
+              </a:rPr>
+              <a:t> 是一個可拓展的視覺學習技術</a:t>
+            </a:r>
             <a:endParaRPr dirty="0"/>
           </a:p>
         </p:txBody>
@@ -1023,12 +1057,16 @@
               <a:t>iGPT</a:t>
             </a:r>
             <a:r>
-              <a:rPr lang="en-US" altLang="zh-TW" b="0" i="0" dirty="0">
+              <a:rPr lang="zh-TW" altLang="en-US" b="0" i="0" dirty="0">
                 <a:effectLst/>
                 <a:latin typeface="Arial" panose="020B0604020202020204" pitchFamily="34" charset="0"/>
               </a:rPr>
-              <a:t>  Linear Probe</a:t>
+              <a:t> 線性探測的方式</a:t>
             </a:r>
+            <a:endParaRPr lang="en-US" altLang="zh-TW" b="0" i="0" dirty="0">
+              <a:effectLst/>
+              <a:latin typeface="Arial" panose="020B0604020202020204" pitchFamily="34" charset="0"/>
+            </a:endParaRPr>
           </a:p>
           <a:p>
             <a:pPr marL="0" marR="0" lvl="0" indent="0" algn="l" rtl="0">
@@ -1067,21 +1105,7 @@
                 <a:effectLst/>
                 <a:latin typeface="Arial" panose="020B0604020202020204" pitchFamily="34" charset="0"/>
               </a:rPr>
-              <a:t>嘗試了</a:t>
-            </a:r>
-            <a:r>
-              <a:rPr lang="en-US" altLang="zh-TW" b="0" i="0" dirty="0">
-                <a:effectLst/>
-                <a:latin typeface="Arial" panose="020B0604020202020204" pitchFamily="34" charset="0"/>
-              </a:rPr>
-              <a:t>self attention </a:t>
-            </a:r>
-            <a:r>
-              <a:rPr lang="zh-TW" altLang="en-US" b="0" i="0" dirty="0">
-                <a:effectLst/>
-                <a:latin typeface="Arial" panose="020B0604020202020204" pitchFamily="34" charset="0"/>
-              </a:rPr>
-              <a:t>的方式 但結果不盡人意</a:t>
+              <a:t>嘗試了自監督學習的方式 但結果不盡人意</a:t>
             </a:r>
             <a:endParaRPr lang="en-US" altLang="zh-TW" b="0" i="0" dirty="0">
               <a:effectLst/>
@@ -2806,6 +2830,22 @@
               <a:buFont typeface="Calibri"/>
               <a:buNone/>
             </a:pPr>
+            <a:r>
+              <a:rPr lang="en-US" dirty="0"/>
+              <a:t>E</a:t>
+            </a:r>
+            <a:r>
+              <a:rPr lang="zh-TW" altLang="en-US" dirty="0"/>
+              <a:t> </a:t>
+            </a:r>
+            <a:r>
+              <a:rPr lang="en-US" altLang="zh-TW" dirty="0"/>
+              <a:t>MAE</a:t>
+            </a:r>
+            <a:r>
+              <a:rPr lang="zh-TW" altLang="en-US" dirty="0"/>
+              <a:t>對於數據增強不會太敏感</a:t>
+            </a:r>
             <a:endParaRPr dirty="0"/>
           </a:p>
         </p:txBody>
@@ -2983,6 +3023,10 @@
               <a:buFont typeface="Calibri"/>
               <a:buNone/>
             </a:pPr>
+            <a:r>
+              <a:rPr lang="zh-TW" altLang="en-US" dirty="0"/>
+              <a:t>最簡單的效果是最好的</a:t>
+            </a:r>
             <a:endParaRPr dirty="0"/>
           </a:p>
         </p:txBody>
@@ -3688,6 +3732,42 @@
               <a:buFont typeface="Calibri"/>
               <a:buNone/>
             </a:pPr>
+            <a:r>
+              <a:rPr lang="en-US" altLang="zh-TW" dirty="0"/>
+              <a:t>1.</a:t>
+            </a:r>
+            <a:r>
+              <a:rPr lang="zh-TW" altLang="en-US" dirty="0"/>
+              <a:t>自己模型比較</a:t>
+            </a:r>
+            <a:endParaRPr lang="en-US" altLang="zh-TW" dirty="0"/>
+          </a:p>
+          <a:p>
+            <a:pPr marL="0" marR="0" lvl="0" indent="0" algn="l" rtl="0">
+              <a:lnSpc>
+                <a:spcPct val="100000"/>
+              </a:lnSpc>
+              <a:spcBef>
+                <a:spcPts val="0"/>
+              </a:spcBef>
+              <a:spcAft>
+                <a:spcPts val="0"/>
+              </a:spcAft>
+              <a:buClr>
+                <a:schemeClr val="dk1"/>
+              </a:buClr>
+              <a:buSzPts val="1200"/>
+              <a:buFont typeface="Calibri"/>
+              <a:buNone/>
+            </a:pPr>
+            <a:r>
+              <a:rPr lang="en-US" altLang="zh-TW" dirty="0"/>
+              <a:t>2.</a:t>
+            </a:r>
+            <a:r>
+              <a:rPr lang="zh-TW" altLang="en-US" dirty="0"/>
+              <a:t>微調幾層網路</a:t>
+            </a:r>
             <a:endParaRPr dirty="0"/>
           </a:p>
         </p:txBody>
@@ -4042,6 +4122,42 @@
               <a:buFont typeface="Calibri"/>
               <a:buNone/>
             </a:pPr>
+            <a:r>
+              <a:rPr lang="en-US" altLang="zh-TW" dirty="0"/>
+              <a:t>1.</a:t>
+            </a:r>
+            <a:r>
+              <a:rPr lang="zh-TW" altLang="en-US" dirty="0"/>
+              <a:t>簡單可拓展的算法可做為深度學習的核心</a:t>
+            </a:r>
+            <a:endParaRPr lang="en-US" altLang="zh-TW" dirty="0"/>
+          </a:p>
+          <a:p>
+            <a:pPr marL="0" marR="0" lvl="0" indent="0" algn="l" rtl="0">
+              <a:lnSpc>
+                <a:spcPct val="100000"/>
+              </a:lnSpc>
+              <a:spcBef>
+                <a:spcPts val="0"/>
+              </a:spcBef>
+              <a:spcAft>
+                <a:spcPts val="0"/>
+              </a:spcAft>
+              <a:buClr>
+                <a:schemeClr val="dk1"/>
+              </a:buClr>
+              <a:buSzPts val="1200"/>
+              <a:buFont typeface="Calibri"/>
+              <a:buNone/>
+            </a:pPr>
+            <a:r>
+              <a:rPr lang="en-US" altLang="zh-TW" dirty="0"/>
+              <a:t>2.</a:t>
+            </a:r>
+            <a:r>
+              <a:rPr lang="zh-TW" altLang="en-US" dirty="0"/>
+              <a:t>須注意圖像與語言的區別</a:t>
+            </a:r>
             <a:endParaRPr dirty="0"/>
           </a:p>
         </p:txBody>
@@ -4209,6 +4325,401 @@
 </p:notes>
 </file>
 
+<file path=ppt/notesSlides/notesSlide25.xml><?xml version="1.0" encoding="utf-8"?>
+<p:notes xmlns:a="http://schemas.openxmlformats.org/drawingml/2006/main" xmlns:r="http://schemas.openxmlformats.org/officeDocument/2006/relationships" xmlns:p="http://schemas.openxmlformats.org/presentationml/2006/main" showMasterSp="0" showMasterPhAnim="0">
+  <p:cSld>
+    <p:spTree>
+      <p:nvGrpSpPr>
+        <p:cNvPr id="1" name="Shape 135"/>
+        <p:cNvGrpSpPr/>
+        <p:nvPr/>
+      </p:nvGrpSpPr>
+      <p:grpSpPr>
+        <a:xfrm>
+          <a:off x="0" y="0"/>
+          <a:ext cx="0" cy="0"/>
+          <a:chOff x="0" y="0"/>
+          <a:chExt cx="0" cy="0"/>
+        </a:xfrm>
+      </p:grpSpPr>
+      <p:sp>
+        <p:nvSpPr>
+          <p:cNvPr id="136" name="Google Shape;136;g1144437607e_2_96:notes"/>
+          <p:cNvSpPr>
+            <a:spLocks noGrp="1" noRot="1" noChangeAspect="1"/>
+          </p:cNvSpPr>
+          <p:nvPr>
+            <p:ph type="sldImg" idx="2"/>
+          </p:nvPr>
+        </p:nvSpPr>
+        <p:spPr>
+          <a:xfrm>
+            <a:off x="685800" y="1143000"/>
+            <a:ext cx="5486400" cy="3086100"/>
+          </a:xfrm>
+          <a:custGeom>
+            <a:avLst/>
+            <a:gdLst/>
+            <a:ahLst/>
+            <a:cxnLst/>
+            <a:rect l="l" t="t" r="r" b="b"/>
+            <a:pathLst>
+              <a:path w="120000" h="120000" extrusionOk="0">
+                <a:moveTo>
+                  <a:pt x="0" y="0"/>
+                </a:moveTo>
+                <a:lnTo>
+                  <a:pt x="120000" y="0"/>
+                </a:lnTo>
+                <a:lnTo>
+                  <a:pt x="120000" y="120000"/>
+                </a:lnTo>
+                <a:lnTo>
+                  <a:pt x="0" y="120000"/>
+                </a:lnTo>
+                <a:close/>
+              </a:path>
+            </a:pathLst>
+          </a:custGeom>
+          <a:noFill/>
+          <a:ln w="12700" cap="flat" cmpd="sng">
+            <a:solidFill>
+              <a:srgbClr val="000000"/>
+            </a:solidFill>
+            <a:prstDash val="solid"/>
+            <a:round/>
+            <a:headEnd type="none" w="sm" len="sm"/>
+            <a:tailEnd type="none" w="sm" len="sm"/>
+          </a:ln>
+        </p:spPr>
+      </p:sp>
+      <p:sp>
+        <p:nvSpPr>
+          <p:cNvPr id="137" name="Google Shape;137;g1144437607e_2_96:notes"/>
+          <p:cNvSpPr txBox="1">
+            <a:spLocks noGrp="1"/>
+          </p:cNvSpPr>
+          <p:nvPr>
+            <p:ph type="body" idx="1"/>
+          </p:nvPr>
+        </p:nvSpPr>
+        <p:spPr>
+          <a:xfrm>
+            <a:off x="685800" y="4400550"/>
+            <a:ext cx="5486400" cy="3600600"/>
+          </a:xfrm>
+          <a:prstGeom prst="rect">
+            <a:avLst/>
+          </a:prstGeom>
+          <a:noFill/>
+          <a:ln>
+            <a:noFill/>
+          </a:ln>
+        </p:spPr>
+        <p:txBody>
+          <a:bodyPr spcFirstLastPara="1" wrap="square" lIns="91425" tIns="45700" rIns="91425" bIns="45700" anchor="t" anchorCtr="0">
+            <a:noAutofit/>
+          </a:bodyPr>
+          <a:lstStyle/>
+          <a:p>
+            <a:pPr marL="0" marR="0" lvl="0" indent="0" algn="l" rtl="0">
+              <a:lnSpc>
+                <a:spcPct val="100000"/>
+              </a:lnSpc>
+              <a:spcBef>
+                <a:spcPts val="0"/>
+              </a:spcBef>
+              <a:spcAft>
+                <a:spcPts val="0"/>
+              </a:spcAft>
+              <a:buClr>
+                <a:schemeClr val="dk1"/>
+              </a:buClr>
+              <a:buSzPts val="1200"/>
+              <a:buFont typeface="Calibri"/>
+              <a:buNone/>
+            </a:pPr>
+            <a:endParaRPr/>
+          </a:p>
+        </p:txBody>
+      </p:sp>
+      <p:sp>
+        <p:nvSpPr>
+          <p:cNvPr id="138" name="Google Shape;138;g1144437607e_2_96:notes"/>
+          <p:cNvSpPr txBox="1">
+            <a:spLocks noGrp="1"/>
+          </p:cNvSpPr>
+          <p:nvPr>
+            <p:ph type="sldNum" idx="12"/>
+          </p:nvPr>
+        </p:nvSpPr>
+        <p:spPr>
+          <a:xfrm>
+            <a:off x="3884613" y="8685213"/>
+            <a:ext cx="2971800" cy="458700"/>
+          </a:xfrm>
+          <a:prstGeom prst="rect">
+            <a:avLst/>
+          </a:prstGeom>
+          <a:noFill/>
+          <a:ln>
+            <a:noFill/>
+          </a:ln>
+        </p:spPr>
+        <p:txBody>
+          <a:bodyPr spcFirstLastPara="1" wrap="square" lIns="91425" tIns="45700" rIns="91425" bIns="45700" anchor="b" anchorCtr="0">
+            <a:noAutofit/>
+          </a:bodyPr>
+          <a:lstStyle/>
+          <a:p>
+            <a:pPr marL="0" lvl="0" indent="0" algn="r" rtl="0">
+              <a:spcBef>
+                <a:spcPts val="0"/>
+              </a:spcBef>
+              <a:spcAft>
+                <a:spcPts val="0"/>
+              </a:spcAft>
+              <a:buNone/>
+            </a:pPr>
+            <a:fld id="{00000000-1234-1234-1234-123412341234}" type="slidenum">
+              <a:rPr lang="en-US" altLang="zh-TW"/>
+              <a:t>25</a:t>
+            </a:fld>
+            <a:endParaRPr/>
+          </a:p>
+        </p:txBody>
+      </p:sp>
+    </p:spTree>
+    <p:extLst>
+      <p:ext uri="{BB962C8B-B14F-4D97-AF65-F5344CB8AC3E}">
+        <p14:creationId xmlns:p14="http://schemas.microsoft.com/office/powerpoint/2010/main" val="344631055"/>
+      </p:ext>
+    </p:extLst>
+  </p:cSld>
+  <p:clrMapOvr>
+    <a:masterClrMapping/>
+  </p:clrMapOvr>
+</p:notes>
+</file>
+
+<file path=ppt/notesSlides/notesSlide26.xml><?xml version="1.0" encoding="utf-8"?>
+<p:notes xmlns:a="http://schemas.openxmlformats.org/drawingml/2006/main" xmlns:r="http://schemas.openxmlformats.org/officeDocument/2006/relationships" xmlns:p="http://schemas.openxmlformats.org/presentationml/2006/main" showMasterSp="0" showMasterPhAnim="0">
+  <p:cSld>
+    <p:spTree>
+      <p:nvGrpSpPr>
+        <p:cNvPr id="1" name="Shape 159"/>
+        <p:cNvGrpSpPr/>
+        <p:nvPr/>
+      </p:nvGrpSpPr>
+      <p:grpSpPr>
+        <a:xfrm>
+          <a:off x="0" y="0"/>
+          <a:ext cx="0" cy="0"/>
+          <a:chOff x="0" y="0"/>
+          <a:chExt cx="0" cy="0"/>
+        </a:xfrm>
+      </p:grpSpPr>
+      <p:sp>
+        <p:nvSpPr>
+          <p:cNvPr id="160" name="Google Shape;160;g11584829504_1_93:notes"/>
+          <p:cNvSpPr>
+            <a:spLocks noGrp="1" noRot="1" noChangeAspect="1"/>
+          </p:cNvSpPr>
+          <p:nvPr>
+            <p:ph type="sldImg" idx="2"/>
+          </p:nvPr>
+        </p:nvSpPr>
+        <p:spPr>
+          <a:xfrm>
+            <a:off x="685800" y="1143000"/>
+            <a:ext cx="5486400" cy="3086100"/>
+          </a:xfrm>
+          <a:custGeom>
+            <a:avLst/>
+            <a:gdLst/>
+            <a:ahLst/>
+            <a:cxnLst/>
+            <a:rect l="l" t="t" r="r" b="b"/>
+            <a:pathLst>
+              <a:path w="120000" h="120000" extrusionOk="0">
+                <a:moveTo>
+                  <a:pt x="0" y="0"/>
+                </a:moveTo>
+                <a:lnTo>
+                  <a:pt x="120000" y="0"/>
+                </a:lnTo>
+                <a:lnTo>
+                  <a:pt x="120000" y="120000"/>
+                </a:lnTo>
+                <a:lnTo>
+                  <a:pt x="0" y="120000"/>
+                </a:lnTo>
+                <a:close/>
+              </a:path>
+            </a:pathLst>
+          </a:custGeom>
+          <a:noFill/>
+          <a:ln w="12700" cap="flat" cmpd="sng">
+            <a:solidFill>
+              <a:srgbClr val="000000"/>
+            </a:solidFill>
+            <a:prstDash val="solid"/>
+            <a:round/>
+            <a:headEnd type="none" w="sm" len="sm"/>
+            <a:tailEnd type="none" w="sm" len="sm"/>
+          </a:ln>
+        </p:spPr>
+      </p:sp>
+      <p:sp>
+        <p:nvSpPr>
+          <p:cNvPr id="161" name="Google Shape;161;g11584829504_1_93:notes"/>
+          <p:cNvSpPr txBox="1">
+            <a:spLocks noGrp="1"/>
+          </p:cNvSpPr>
+          <p:nvPr>
+            <p:ph type="body" idx="1"/>
+          </p:nvPr>
+        </p:nvSpPr>
+        <p:spPr>
+          <a:xfrm>
+            <a:off x="685800" y="4400550"/>
+            <a:ext cx="5486400" cy="3600600"/>
+          </a:xfrm>
+          <a:prstGeom prst="rect">
+            <a:avLst/>
+          </a:prstGeom>
+          <a:noFill/>
+          <a:ln>
+            <a:noFill/>
+          </a:ln>
+        </p:spPr>
+        <p:txBody>
+          <a:bodyPr spcFirstLastPara="1" wrap="square" lIns="91425" tIns="45700" rIns="91425" bIns="45700" anchor="t" anchorCtr="0">
+            <a:noAutofit/>
+          </a:bodyPr>
+          <a:lstStyle/>
+          <a:p>
+            <a:pPr marL="158750" indent="0" algn="l">
+              <a:buNone/>
+            </a:pPr>
+            <a:r>
+              <a:rPr lang="en-US" altLang="zh-TW" b="0" i="0" dirty="0">
+                <a:effectLst/>
+                <a:latin typeface="Arial" panose="020B0604020202020204" pitchFamily="34" charset="0"/>
+              </a:rPr>
+              <a:t>non-hierarchical</a:t>
+            </a:r>
+          </a:p>
+          <a:p>
+            <a:pPr marL="158750" marR="0" lvl="0" indent="0" algn="l" defTabSz="914400" rtl="0" eaLnBrk="1" fontAlgn="auto" latinLnBrk="0" hangingPunct="1">
+              <a:lnSpc>
+                <a:spcPct val="100000"/>
+              </a:lnSpc>
+              <a:spcBef>
+                <a:spcPts val="0"/>
+              </a:spcBef>
+              <a:spcAft>
+                <a:spcPts val="0"/>
+              </a:spcAft>
+              <a:buClr>
+                <a:srgbClr val="000000"/>
+              </a:buClr>
+              <a:buSzPts val="1100"/>
+              <a:buFont typeface="Arial"/>
+              <a:buNone/>
+              <a:tabLst/>
+              <a:defRPr/>
+            </a:pPr>
+            <a:r>
+              <a:rPr lang="zh-TW" altLang="en-US" b="0" i="0" dirty="0">
+                <a:effectLst/>
+                <a:latin typeface="Arial" panose="020B0604020202020204" pitchFamily="34" charset="0"/>
+              </a:rPr>
+              <a:t>如何將</a:t>
+            </a:r>
+            <a:r>
+              <a:rPr lang="en-US" altLang="zh-TW" b="0" i="0" dirty="0">
+                <a:effectLst/>
+                <a:latin typeface="Arial" panose="020B0604020202020204" pitchFamily="34" charset="0"/>
+              </a:rPr>
+              <a:t>Vit</a:t>
+            </a:r>
+            <a:r>
+              <a:rPr lang="zh-TW" altLang="en-US" b="0" i="0" dirty="0">
+                <a:effectLst/>
+                <a:latin typeface="Arial" panose="020B0604020202020204" pitchFamily="34" charset="0"/>
+              </a:rPr>
+              <a:t>結合</a:t>
+            </a:r>
+            <a:r>
+              <a:rPr lang="en-US" altLang="zh-TW" b="0" i="0" dirty="0">
+                <a:effectLst/>
+                <a:latin typeface="Arial" panose="020B0604020202020204" pitchFamily="34" charset="0"/>
+              </a:rPr>
+              <a:t>FPN</a:t>
+            </a:r>
+          </a:p>
+        </p:txBody>
+      </p:sp>
+      <p:sp>
+        <p:nvSpPr>
+          <p:cNvPr id="162" name="Google Shape;162;g11584829504_1_93:notes"/>
+          <p:cNvSpPr txBox="1">
+            <a:spLocks noGrp="1"/>
+          </p:cNvSpPr>
+          <p:nvPr>
+            <p:ph type="sldNum" idx="12"/>
+          </p:nvPr>
+        </p:nvSpPr>
+        <p:spPr>
+          <a:xfrm>
+            <a:off x="3884613" y="8685213"/>
+            <a:ext cx="2971800" cy="458700"/>
+          </a:xfrm>
+          <a:prstGeom prst="rect">
+            <a:avLst/>
+          </a:prstGeom>
+          <a:noFill/>
+          <a:ln>
+            <a:noFill/>
+          </a:ln>
+        </p:spPr>
+        <p:txBody>
+          <a:bodyPr spcFirstLastPara="1" wrap="square" lIns="91425" tIns="45700" rIns="91425" bIns="45700" anchor="b" anchorCtr="0">
+            <a:noAutofit/>
+          </a:bodyPr>
+          <a:lstStyle/>
+          <a:p>
+            <a:pPr marL="0" lvl="0" indent="0" algn="r" rtl="0">
+              <a:spcBef>
+                <a:spcPts val="0"/>
+              </a:spcBef>
+              <a:spcAft>
+                <a:spcPts val="0"/>
+              </a:spcAft>
+              <a:buNone/>
+            </a:pPr>
+            <a:fld id="{00000000-1234-1234-1234-123412341234}" type="slidenum">
+              <a:rPr lang="en-US" altLang="zh-TW"/>
+              <a:t>26</a:t>
+            </a:fld>
+            <a:endParaRPr/>
+          </a:p>
+        </p:txBody>
+      </p:sp>
+    </p:spTree>
+    <p:extLst>
+      <p:ext uri="{BB962C8B-B14F-4D97-AF65-F5344CB8AC3E}">
+        <p14:creationId xmlns:p14="http://schemas.microsoft.com/office/powerpoint/2010/main" val="2941209967"/>
+      </p:ext>
+    </p:extLst>
+  </p:cSld>
+  <p:clrMapOvr>
+    <a:masterClrMapping/>
+  </p:clrMapOvr>
+</p:notes>
+</file>
+
 <file path=ppt/notesSlides/notesSlide3.xml><?xml version="1.0" encoding="utf-8"?>
 <p:notes xmlns:a="http://schemas.openxmlformats.org/drawingml/2006/main" xmlns:r="http://schemas.openxmlformats.org/officeDocument/2006/relationships" xmlns:p="http://schemas.openxmlformats.org/presentationml/2006/main" showMasterSp="0" showMasterPhAnim="0">
   <p:cSld>
@@ -4734,9 +5245,86 @@
               <a:buNone/>
             </a:pPr>
             <a:r>
+              <a:rPr lang="zh-TW" altLang="en-US" dirty="0"/>
+              <a:t>但是</a:t>
+            </a:r>
+            <a:r>
               <a:rPr lang="en-US" altLang="zh-TW" dirty="0"/>
-              <a:t>1.VIT</a:t>
+              <a:t>BERT</a:t>
             </a:r>
+            <a:r>
+              <a:rPr lang="zh-TW" altLang="en-US" dirty="0"/>
+              <a:t>在拓展是視覺上卻是落後的</a:t>
+            </a:r>
+            <a:endParaRPr lang="en-US" altLang="zh-TW" dirty="0"/>
+          </a:p>
+          <a:p>
+            <a:pPr marL="0" marR="0" lvl="0" indent="0" algn="l" rtl="0">
+              <a:lnSpc>
+                <a:spcPct val="100000"/>
+              </a:lnSpc>
+              <a:spcBef>
+                <a:spcPts val="0"/>
+              </a:spcBef>
+              <a:spcAft>
+                <a:spcPts val="0"/>
+              </a:spcAft>
+              <a:buClr>
+                <a:schemeClr val="dk1"/>
+              </a:buClr>
+              <a:buSzPts val="1200"/>
+              <a:buFont typeface="Calibri"/>
+              <a:buNone/>
+            </a:pPr>
+            <a:r>
+              <a:rPr lang="en-US" altLang="zh-TW" dirty="0"/>
+              <a:t>1.</a:t>
+            </a:r>
+            <a:r>
+              <a:rPr lang="zh-TW" altLang="en-US" dirty="0"/>
+              <a:t>卷機就是一個常規的網格運算 這很難放</a:t>
+            </a:r>
+            <a:r>
+              <a:rPr lang="en-US" altLang="zh-TW" dirty="0">
+                <a:solidFill>
+                  <a:schemeClr val="tx1"/>
+                </a:solidFill>
+                <a:latin typeface="Microsoft JhengHei"/>
+                <a:ea typeface="Microsoft JhengHei"/>
+              </a:rPr>
+              <a:t>mask tokens</a:t>
+            </a:r>
+            <a:r>
+              <a:rPr lang="zh-TW" altLang="en-US" dirty="0">
+                <a:solidFill>
+                  <a:schemeClr val="tx1"/>
+                </a:solidFill>
+                <a:latin typeface="Microsoft JhengHei"/>
+                <a:ea typeface="Microsoft JhengHei"/>
+              </a:rPr>
+              <a:t> 或 位置編碼進去 </a:t>
+            </a:r>
+            <a:r>
+              <a:rPr lang="en-US" altLang="zh-TW" dirty="0">
+                <a:solidFill>
+                  <a:schemeClr val="tx1"/>
+                </a:solidFill>
+                <a:latin typeface="Microsoft JhengHei"/>
+                <a:ea typeface="Microsoft JhengHei"/>
+              </a:rPr>
+              <a:t>-&gt;Vit</a:t>
+            </a:r>
+            <a:r>
+              <a:rPr lang="zh-TW" altLang="en-US" dirty="0">
+                <a:solidFill>
+                  <a:schemeClr val="tx1"/>
+                </a:solidFill>
+                <a:latin typeface="Microsoft JhengHei"/>
+                <a:ea typeface="Microsoft JhengHei"/>
+              </a:rPr>
+              <a:t>解決了這個問題</a:t>
+            </a:r>
+            <a:endParaRPr lang="en-US" altLang="zh-TW" dirty="0"/>
           </a:p>
           <a:p>
             <a:pPr marL="0" marR="0" lvl="0" indent="0" algn="l" rtl="0">
@@ -4761,37 +5349,25 @@
               <a:t>2.</a:t>
             </a:r>
             <a:r>
+              <a:rPr lang="zh-TW" altLang="en-US" b="0" i="0" dirty="0">
+                <a:effectLst/>
+                <a:latin typeface="Arial" panose="020B0604020202020204" pitchFamily="34" charset="0"/>
+              </a:rPr>
+              <a:t>去除幾個單詞即會造成理解上的困難 </a:t>
+            </a:r>
+            <a:r>
               <a:rPr lang="en-US" altLang="zh-TW" b="0" i="0" dirty="0">
                 <a:effectLst/>
                 <a:latin typeface="Arial" panose="020B0604020202020204" pitchFamily="34" charset="0"/>
               </a:rPr>
-              <a:t> </a:t>
+              <a:t>-&gt;</a:t>
             </a:r>
-          </a:p>
-          <a:p>
-            <a:pPr marL="0" marR="0" lvl="0" indent="0" algn="l" rtl="0">
-              <a:lnSpc>
-                <a:spcPct val="100000"/>
-              </a:lnSpc>
-              <a:spcBef>
-                <a:spcPts val="0"/>
-              </a:spcBef>
-              <a:spcAft>
-                <a:spcPts val="0"/>
-              </a:spcAft>
-              <a:buClr>
-                <a:schemeClr val="dk1"/>
-              </a:buClr>
-              <a:buSzPts val="1200"/>
-              <a:buFont typeface="Calibri"/>
-              <a:buNone/>
-            </a:pPr>
             <a:r>
               <a:rPr lang="zh-TW" altLang="en-US" b="0" i="0" dirty="0">
                 <a:effectLst/>
                 <a:latin typeface="Arial" panose="020B0604020202020204" pitchFamily="34" charset="0"/>
               </a:rPr>
-              <a:t>去除幾個單詞即會造成理解上的困難</a:t>
+              <a:t> 去除高比例的圖像區塊 強制模型學習較遠距離塊間的關係</a:t>
             </a:r>
             <a:endParaRPr lang="en-US" altLang="zh-TW" b="0" i="0" dirty="0">
               <a:effectLst/>
@@ -4821,105 +5397,14 @@
                 <a:effectLst/>
                 <a:latin typeface="Arial" panose="020B0604020202020204" pitchFamily="34" charset="0"/>
               </a:rPr>
-              <a:t>a missing patch can be recovered from neighboring </a:t>
+              <a:t>3.</a:t>
             </a:r>
             <a:r>
-              <a:rPr lang="en-US" altLang="zh-TW" b="0" i="0" dirty="0" err="1">
+              <a:rPr lang="en-US" altLang="zh-TW" i="0" dirty="0">
                 <a:effectLst/>
                 <a:latin typeface="Arial" panose="020B0604020202020204" pitchFamily="34" charset="0"/>
               </a:rPr>
-              <a:t>patche</a:t>
-            </a:r>
-            <a:endParaRPr lang="en-US" altLang="zh-TW" b="0" i="0" dirty="0">
-              <a:effectLst/>
-              <a:latin typeface="Arial" panose="020B0604020202020204" pitchFamily="34" charset="0"/>
-            </a:endParaRPr>
-          </a:p>
-          <a:p>
-            <a:pPr marL="0" marR="0" lvl="0" indent="0" algn="l" rtl="0">
-              <a:lnSpc>
-                <a:spcPct val="100000"/>
-              </a:lnSpc>
-              <a:spcBef>
-                <a:spcPts val="0"/>
-              </a:spcBef>
-              <a:spcAft>
-                <a:spcPts val="0"/>
-              </a:spcAft>
-              <a:buClr>
-                <a:schemeClr val="dk1"/>
-              </a:buClr>
-              <a:buSzPts val="1200"/>
-              <a:buFont typeface="Calibri"/>
-              <a:buNone/>
-            </a:pPr>
-            <a:r>
-              <a:rPr lang="zh-TW" altLang="en-US" b="0" i="0" dirty="0">
-                <a:effectLst/>
-                <a:latin typeface="Arial" panose="020B0604020202020204" pitchFamily="34" charset="0"/>
-              </a:rPr>
-              <a:t>為了學到更好的特偵 </a:t>
-            </a:r>
-            <a:r>
-              <a:rPr lang="en-US" altLang="zh-TW" b="0" i="0" dirty="0">
-                <a:effectLst/>
-                <a:latin typeface="Arial" panose="020B0604020202020204" pitchFamily="34" charset="0"/>
-              </a:rPr>
-              <a:t>masking </a:t>
-            </a:r>
-            <a:r>
-              <a:rPr lang="en-US" altLang="zh-TW" b="0" i="0" dirty="0" err="1">
-                <a:effectLst/>
-                <a:latin typeface="Arial" panose="020B0604020202020204" pitchFamily="34" charset="0"/>
-              </a:rPr>
-              <a:t>avery</a:t>
-            </a:r>
-            <a:r>
-              <a:rPr lang="en-US" altLang="zh-TW" b="0" i="0" dirty="0">
-                <a:effectLst/>
-                <a:latin typeface="Arial" panose="020B0604020202020204" pitchFamily="34" charset="0"/>
-              </a:rPr>
-              <a:t> </a:t>
-            </a:r>
-            <a:r>
-              <a:rPr lang="en-US" altLang="zh-TW" b="0" i="0" dirty="0" err="1">
-                <a:effectLst/>
-                <a:latin typeface="Arial" panose="020B0604020202020204" pitchFamily="34" charset="0"/>
-              </a:rPr>
-              <a:t>highportion</a:t>
-            </a:r>
-            <a:r>
-              <a:rPr lang="en-US" altLang="zh-TW" b="0" i="0" dirty="0">
-                <a:effectLst/>
-                <a:latin typeface="Arial" panose="020B0604020202020204" pitchFamily="34" charset="0"/>
-              </a:rPr>
-              <a:t> of random patches.</a:t>
-            </a:r>
-          </a:p>
-          <a:p>
-            <a:pPr marL="0" marR="0" lvl="0" indent="0" algn="l" rtl="0">
-              <a:lnSpc>
-                <a:spcPct val="100000"/>
-              </a:lnSpc>
-              <a:spcBef>
-                <a:spcPts val="0"/>
-              </a:spcBef>
-              <a:spcAft>
-                <a:spcPts val="0"/>
-              </a:spcAft>
-              <a:buClr>
-                <a:schemeClr val="dk1"/>
-              </a:buClr>
-              <a:buSzPts val="1200"/>
-              <a:buFont typeface="Calibri"/>
-              <a:buNone/>
-            </a:pPr>
-            <a:r>
-              <a:rPr lang="zh-TW" altLang="en-US" b="0" i="0" dirty="0">
-                <a:effectLst/>
-                <a:latin typeface="Arial" panose="020B0604020202020204" pitchFamily="34" charset="0"/>
-              </a:rPr>
-              <a:t>這個策略需要還原刪除部分 也因此創造具有挑戰性的自監督任務 強迫模型必須理解高維特偵</a:t>
+              <a:t> vision-&gt;conv inverse language-&gt;MLP</a:t>
             </a:r>
             <a:endParaRPr dirty="0"/>
           </a:p>
@@ -5092,119 +5577,7 @@
               <a:buFont typeface="+mj-lt"/>
               <a:buAutoNum type="arabicPeriod"/>
             </a:pPr>
-            <a:r>
-              <a:rPr lang="en-US" altLang="zh-TW" dirty="0"/>
-              <a:t>Masks random patches and reconstructs missing patches.</a:t>
-            </a:r>
-          </a:p>
-          <a:p>
-            <a:pPr marL="368300" lvl="0" indent="-228600">
-              <a:lnSpc>
-                <a:spcPct val="150000"/>
-              </a:lnSpc>
-              <a:buClr>
-                <a:schemeClr val="dk1"/>
-              </a:buClr>
-              <a:buSzPts val="1400"/>
-              <a:buFont typeface="+mj-lt"/>
-              <a:buAutoNum type="arabicPeriod"/>
-            </a:pPr>
-            <a:r>
-              <a:rPr lang="en-US" altLang="zh-TW" dirty="0"/>
-              <a:t>Asymmetric</a:t>
-            </a:r>
-            <a:r>
-              <a:rPr lang="zh-TW" altLang="en-US" dirty="0"/>
-              <a:t> </a:t>
-            </a:r>
-            <a:r>
-              <a:rPr lang="en-US" altLang="zh-TW" dirty="0"/>
-              <a:t>encoder-decoder design.</a:t>
-            </a:r>
-          </a:p>
-          <a:p>
-            <a:pPr marL="368300" lvl="0" indent="-228600">
-              <a:lnSpc>
-                <a:spcPct val="150000"/>
-              </a:lnSpc>
-              <a:buClr>
-                <a:schemeClr val="dk1"/>
-              </a:buClr>
-              <a:buSzPts val="1400"/>
-              <a:buFont typeface="+mj-lt"/>
-              <a:buAutoNum type="arabicPeriod"/>
-            </a:pPr>
-            <a:r>
-              <a:rPr lang="en-US" altLang="zh-TW" dirty="0"/>
-              <a:t>Encoder on visible</a:t>
-            </a:r>
-            <a:r>
-              <a:rPr lang="zh-TW" altLang="en-US" dirty="0"/>
-              <a:t> </a:t>
-            </a:r>
-            <a:r>
-              <a:rPr lang="en-US" altLang="zh-TW" dirty="0"/>
-              <a:t>patches.</a:t>
-            </a:r>
-          </a:p>
-          <a:p>
-            <a:pPr marL="368300" lvl="0" indent="-228600">
-              <a:lnSpc>
-                <a:spcPct val="150000"/>
-              </a:lnSpc>
-              <a:buClr>
-                <a:schemeClr val="dk1"/>
-              </a:buClr>
-              <a:buSzPts val="1400"/>
-              <a:buFont typeface="+mj-lt"/>
-              <a:buAutoNum type="arabicPeriod"/>
-            </a:pPr>
-            <a:r>
-              <a:rPr lang="en-US" altLang="zh-TW" dirty="0"/>
-              <a:t>Decoder reconstructs latent representation along with mask tokens.</a:t>
-            </a:r>
-          </a:p>
-          <a:p>
-            <a:pPr marL="368300" lvl="0" indent="-228600">
-              <a:lnSpc>
-                <a:spcPct val="150000"/>
-              </a:lnSpc>
-              <a:buClr>
-                <a:schemeClr val="dk1"/>
-              </a:buClr>
-              <a:buSzPts val="1400"/>
-              <a:buFont typeface="+mj-lt"/>
-              <a:buAutoNum type="arabicPeriod"/>
-            </a:pPr>
-            <a:r>
-              <a:rPr lang="en-US" altLang="zh-TW" dirty="0"/>
-              <a:t>With MAE pre-training, </a:t>
-            </a:r>
-            <a:r>
-              <a:rPr lang="en-US" altLang="zh-TW" dirty="0" err="1"/>
-              <a:t>ViT</a:t>
-            </a:r>
-            <a:r>
-              <a:rPr lang="en-US" altLang="zh-TW" dirty="0"/>
-              <a:t>-Large/-Huge achieve 87.8% when finetuned on ImageNet-1K.</a:t>
-            </a:r>
-          </a:p>
-          <a:p>
-            <a:pPr marL="368300" lvl="0" indent="-228600">
-              <a:lnSpc>
-                <a:spcPct val="150000"/>
-              </a:lnSpc>
-              <a:buClr>
-                <a:schemeClr val="dk1"/>
-              </a:buClr>
-              <a:buSzPts val="1400"/>
-              <a:buFont typeface="+mj-lt"/>
-              <a:buAutoNum type="arabicPeriod"/>
-            </a:pPr>
-            <a:r>
-              <a:rPr lang="en-US" altLang="zh-TW" dirty="0"/>
-              <a:t>Transfer learning on object detection, instance segmentation, and semantic segmentation achieves better results than its supervised pretrain.</a:t>
-            </a:r>
+            <a:endParaRPr lang="en-US" altLang="zh-TW" dirty="0"/>
           </a:p>
         </p:txBody>
       </p:sp>
@@ -5550,6 +5923,14 @@
               <a:buFont typeface="Calibri"/>
               <a:buNone/>
             </a:pPr>
+            <a:r>
+              <a:rPr lang="en-US" dirty="0"/>
+              <a:t>2.</a:t>
+            </a:r>
+            <a:r>
+              <a:rPr lang="zh-TW" altLang="en-US" dirty="0"/>
+              <a:t>如圖</a:t>
+            </a:r>
             <a:endParaRPr dirty="0"/>
           </a:p>
         </p:txBody>
@@ -21739,34 +22120,10 @@
               </a:rPr>
               <a:t>iGPT</a:t>
             </a:r>
-            <a:r>
-              <a:rPr lang="zh-TW" altLang="en-US" b="0" i="0" dirty="0">
-                <a:effectLst/>
-                <a:latin typeface="Arial" panose="020B0604020202020204" pitchFamily="34" charset="0"/>
-              </a:rPr>
-              <a:t> </a:t>
-            </a:r>
-            <a:r>
-              <a:rPr lang="en-US" altLang="zh-TW" b="0" i="0" dirty="0">
-                <a:effectLst/>
-                <a:latin typeface="Arial" panose="020B0604020202020204" pitchFamily="34" charset="0"/>
-              </a:rPr>
-              <a:t>–</a:t>
-            </a:r>
-            <a:r>
-              <a:rPr lang="zh-TW" altLang="en-US" b="0" i="0" dirty="0">
-                <a:effectLst/>
-                <a:latin typeface="Arial" panose="020B0604020202020204" pitchFamily="34" charset="0"/>
-              </a:rPr>
-              <a:t> </a:t>
-            </a:r>
-            <a:r>
-              <a:rPr lang="en-US" altLang="zh-TW" b="0" i="0" dirty="0">
-                <a:effectLst/>
-                <a:latin typeface="Arial" panose="020B0604020202020204" pitchFamily="34" charset="0"/>
-              </a:rPr>
-              <a:t>Linear Probe</a:t>
-            </a:r>
+            <a:endParaRPr lang="en-US" altLang="zh-TW" b="0" i="0" dirty="0">
+              <a:effectLst/>
+              <a:latin typeface="Arial" panose="020B0604020202020204" pitchFamily="34" charset="0"/>
+            </a:endParaRPr>
           </a:p>
           <a:p>
             <a:pPr marL="457200" lvl="0" indent="-317500">
@@ -23782,7 +24139,7 @@
         <p:spPr>
           <a:xfrm>
             <a:off x="471900" y="713504"/>
-            <a:ext cx="8252100" cy="1154132"/>
+            <a:ext cx="8252100" cy="1800463"/>
           </a:xfrm>
           <a:prstGeom prst="rect">
             <a:avLst/>
@@ -23858,12 +24215,44 @@
                 <a:effectLst/>
                 <a:latin typeface="Arial" panose="020B0604020202020204" pitchFamily="34" charset="0"/>
               </a:rPr>
-              <a:t>224×224 crop</a:t>
+              <a:t>224×224</a:t>
             </a:r>
-            <a:endParaRPr lang="en-US" altLang="zh-TW" dirty="0">
-              <a:latin typeface="Arial" panose="020B0604020202020204" pitchFamily="34" charset="0"/>
-              <a:sym typeface="Microsoft JhengHei"/>
-            </a:endParaRPr>
+          </a:p>
+          <a:p>
+            <a:pPr marL="139700" lvl="0">
+              <a:lnSpc>
+                <a:spcPct val="150000"/>
+              </a:lnSpc>
+              <a:buClr>
+                <a:schemeClr val="dk1"/>
+              </a:buClr>
+              <a:buSzPts val="1400"/>
+            </a:pPr>
+            <a:r>
+              <a:rPr lang="en-US" altLang="zh-TW" dirty="0">
+                <a:latin typeface="Arial" panose="020B0604020202020204" pitchFamily="34" charset="0"/>
+                <a:sym typeface="Microsoft JhengHei"/>
+              </a:rPr>
+              <a:t>1.End-to-end</a:t>
+            </a:r>
+          </a:p>
+          <a:p>
+            <a:pPr marL="139700" lvl="0">
+              <a:lnSpc>
+                <a:spcPct val="150000"/>
+              </a:lnSpc>
+              <a:buClr>
+                <a:schemeClr val="dk1"/>
+              </a:buClr>
+              <a:buSzPts val="1400"/>
+            </a:pPr>
+            <a:r>
+              <a:rPr lang="en-US" altLang="zh-TW" dirty="0">
+                <a:latin typeface="Arial" panose="020B0604020202020204" pitchFamily="34" charset="0"/>
+                <a:sym typeface="Microsoft JhengHei"/>
+              </a:rPr>
+              <a:t>2.Linear Probe</a:t>
+            </a:r>
           </a:p>
         </p:txBody>
       </p:sp>
@@ -23889,7 +24278,7 @@
         </p:blipFill>
         <p:spPr>
           <a:xfrm>
-            <a:off x="132756" y="1816997"/>
+            <a:off x="2000302" y="981579"/>
             <a:ext cx="5959308" cy="751723"/>
           </a:xfrm>
           <a:prstGeom prst="rect">
@@ -23911,7 +24300,7 @@
         </p:nvSpPr>
         <p:spPr>
           <a:xfrm>
-            <a:off x="57000" y="2534277"/>
+            <a:off x="132756" y="3123239"/>
             <a:ext cx="8252100" cy="1154132"/>
           </a:xfrm>
           <a:prstGeom prst="rect">
@@ -24341,7 +24730,7 @@
         </p:blipFill>
         <p:spPr>
           <a:xfrm>
-            <a:off x="1278542" y="1958019"/>
+            <a:off x="1123559" y="2066507"/>
             <a:ext cx="7804877" cy="2198147"/>
           </a:xfrm>
           <a:prstGeom prst="rect">
@@ -26513,7 +26902,7 @@
         </p:blipFill>
         <p:spPr>
           <a:xfrm>
-            <a:off x="395438" y="2460415"/>
+            <a:off x="4086502" y="2357079"/>
             <a:ext cx="4548796" cy="2527109"/>
           </a:xfrm>
           <a:prstGeom prst="rect">
@@ -27589,7 +27978,7 @@
         <p:spPr>
           <a:xfrm>
             <a:off x="471900" y="713504"/>
-            <a:ext cx="8252100" cy="1569630"/>
+            <a:ext cx="8252100" cy="1107965"/>
           </a:xfrm>
           <a:prstGeom prst="rect">
             <a:avLst/>
@@ -27637,14 +28026,11 @@
             </a:pPr>
             <a:r>
               <a:rPr lang="en-US" altLang="zh-TW" sz="2000" dirty="0"/>
-              <a:t>Images and languages are signals of a different nature and this difference must be addressed carefully</a:t>
+              <a:t>Images and languages are signals of a different nature.</a:t>
             </a:r>
-            <a:r>
-              <a:rPr lang="en-US" altLang="zh-TW" sz="2000" dirty="0">
-                <a:latin typeface="Arial" panose="020B0604020202020204" pitchFamily="34" charset="0"/>
-              </a:rPr>
-              <a:t>.</a:t>
-            </a:r>
+            <a:endParaRPr lang="en-US" altLang="zh-TW" sz="2000" dirty="0">
+              <a:latin typeface="Arial" panose="020B0604020202020204" pitchFamily="34" charset="0"/>
+            </a:endParaRPr>
           </a:p>
         </p:txBody>
       </p:sp>
@@ -27999,6 +28385,1566 @@
 </p:sld>
 </file>
 
+<file path=ppt/slides/slide25.xml><?xml version="1.0" encoding="utf-8"?>
+<p:sld xmlns:a="http://schemas.openxmlformats.org/drawingml/2006/main" xmlns:r="http://schemas.openxmlformats.org/officeDocument/2006/relationships" xmlns:p="http://schemas.openxmlformats.org/presentationml/2006/main">
+  <p:cSld>
+    <p:spTree>
+      <p:nvGrpSpPr>
+        <p:cNvPr id="1" name="Shape 139"/>
+        <p:cNvGrpSpPr/>
+        <p:nvPr/>
+      </p:nvGrpSpPr>
+      <p:grpSpPr>
+        <a:xfrm>
+          <a:off x="0" y="0"/>
+          <a:ext cx="0" cy="0"/>
+          <a:chOff x="0" y="0"/>
+          <a:chExt cx="0" cy="0"/>
+        </a:xfrm>
+      </p:grpSpPr>
+      <p:cxnSp>
+        <p:nvCxnSpPr>
+          <p:cNvPr id="140" name="Google Shape;140;p26"/>
+          <p:cNvCxnSpPr/>
+          <p:nvPr/>
+        </p:nvCxnSpPr>
+        <p:spPr>
+          <a:xfrm rot="10800000">
+            <a:off x="471906" y="672952"/>
+            <a:ext cx="8200200" cy="0"/>
+          </a:xfrm>
+          <a:prstGeom prst="straightConnector1">
+            <a:avLst/>
+          </a:prstGeom>
+          <a:noFill/>
+          <a:ln w="38100" cap="flat" cmpd="sng">
+            <a:solidFill>
+              <a:srgbClr val="08244A"/>
+            </a:solidFill>
+            <a:prstDash val="solid"/>
+            <a:miter lim="800000"/>
+            <a:headEnd type="none" w="sm" len="sm"/>
+            <a:tailEnd type="none" w="sm" len="sm"/>
+          </a:ln>
+        </p:spPr>
+      </p:cxnSp>
+      <p:sp>
+        <p:nvSpPr>
+          <p:cNvPr id="141" name="Google Shape;141;p26"/>
+          <p:cNvSpPr txBox="1"/>
+          <p:nvPr/>
+        </p:nvSpPr>
+        <p:spPr>
+          <a:xfrm>
+            <a:off x="4312990" y="4919588"/>
+            <a:ext cx="518100" cy="238500"/>
+          </a:xfrm>
+          <a:prstGeom prst="rect">
+            <a:avLst/>
+          </a:prstGeom>
+          <a:solidFill>
+            <a:srgbClr val="08244A"/>
+          </a:solidFill>
+          <a:ln>
+            <a:noFill/>
+          </a:ln>
+        </p:spPr>
+        <p:txBody>
+          <a:bodyPr spcFirstLastPara="1" wrap="square" lIns="68575" tIns="34275" rIns="68575" bIns="34275" anchor="t" anchorCtr="0">
+            <a:spAutoFit/>
+          </a:bodyPr>
+          <a:lstStyle/>
+          <a:p>
+            <a:pPr marL="0" marR="0" lvl="0" indent="0" algn="ctr" rtl="0">
+              <a:spcBef>
+                <a:spcPts val="0"/>
+              </a:spcBef>
+              <a:spcAft>
+                <a:spcPts val="0"/>
+              </a:spcAft>
+              <a:buNone/>
+            </a:pPr>
+            <a:endParaRPr sz="1100">
+              <a:solidFill>
+                <a:schemeClr val="lt1"/>
+              </a:solidFill>
+              <a:latin typeface="Arial"/>
+              <a:ea typeface="Arial"/>
+              <a:cs typeface="Arial"/>
+              <a:sym typeface="Arial"/>
+            </a:endParaRPr>
+          </a:p>
+        </p:txBody>
+      </p:sp>
+      <p:sp>
+        <p:nvSpPr>
+          <p:cNvPr id="142" name="Google Shape;142;p26"/>
+          <p:cNvSpPr txBox="1"/>
+          <p:nvPr/>
+        </p:nvSpPr>
+        <p:spPr>
+          <a:xfrm>
+            <a:off x="7422919" y="4868275"/>
+            <a:ext cx="1660500" cy="238500"/>
+          </a:xfrm>
+          <a:prstGeom prst="rect">
+            <a:avLst/>
+          </a:prstGeom>
+          <a:noFill/>
+          <a:ln>
+            <a:noFill/>
+          </a:ln>
+        </p:spPr>
+        <p:txBody>
+          <a:bodyPr spcFirstLastPara="1" wrap="square" lIns="68575" tIns="34275" rIns="68575" bIns="34275" anchor="t" anchorCtr="0">
+            <a:spAutoFit/>
+          </a:bodyPr>
+          <a:lstStyle/>
+          <a:p>
+            <a:pPr marL="0" marR="0" lvl="0" indent="0" algn="r" rtl="0">
+              <a:spcBef>
+                <a:spcPts val="0"/>
+              </a:spcBef>
+              <a:spcAft>
+                <a:spcPts val="0"/>
+              </a:spcAft>
+              <a:buNone/>
+            </a:pPr>
+            <a:r>
+              <a:rPr lang="zh-TW" sz="1100">
+                <a:solidFill>
+                  <a:srgbClr val="A5A5A5"/>
+                </a:solidFill>
+                <a:latin typeface="Consolas"/>
+                <a:ea typeface="Consolas"/>
+                <a:cs typeface="Consolas"/>
+                <a:sym typeface="Consolas"/>
+              </a:rPr>
+              <a:t>NTUST GAMELab</a:t>
+            </a:r>
+            <a:endParaRPr sz="1100">
+              <a:solidFill>
+                <a:srgbClr val="A5A5A5"/>
+              </a:solidFill>
+              <a:latin typeface="Consolas"/>
+              <a:ea typeface="Consolas"/>
+              <a:cs typeface="Consolas"/>
+              <a:sym typeface="Consolas"/>
+            </a:endParaRPr>
+          </a:p>
+        </p:txBody>
+      </p:sp>
+      <p:sp>
+        <p:nvSpPr>
+          <p:cNvPr id="143" name="Google Shape;143;p26"/>
+          <p:cNvSpPr txBox="1">
+            <a:spLocks noGrp="1"/>
+          </p:cNvSpPr>
+          <p:nvPr>
+            <p:ph type="sldNum" idx="12"/>
+          </p:nvPr>
+        </p:nvSpPr>
+        <p:spPr>
+          <a:xfrm>
+            <a:off x="3543300" y="4904660"/>
+            <a:ext cx="2057400" cy="273900"/>
+          </a:xfrm>
+          <a:prstGeom prst="rect">
+            <a:avLst/>
+          </a:prstGeom>
+          <a:noFill/>
+          <a:ln>
+            <a:noFill/>
+          </a:ln>
+        </p:spPr>
+        <p:txBody>
+          <a:bodyPr spcFirstLastPara="1" wrap="square" lIns="68575" tIns="34275" rIns="68575" bIns="34275" anchor="ctr" anchorCtr="0">
+            <a:noAutofit/>
+          </a:bodyPr>
+          <a:lstStyle/>
+          <a:p>
+            <a:pPr marL="0" lvl="0" indent="0" algn="ctr" rtl="0">
+              <a:spcBef>
+                <a:spcPts val="0"/>
+              </a:spcBef>
+              <a:spcAft>
+                <a:spcPts val="0"/>
+              </a:spcAft>
+              <a:buNone/>
+            </a:pPr>
+            <a:fld id="{00000000-1234-1234-1234-123412341234}" type="slidenum">
+              <a:rPr lang="en-US" altLang="zh-TW" sz="1100"/>
+              <a:t>25</a:t>
+            </a:fld>
+            <a:endParaRPr sz="1100"/>
+          </a:p>
+        </p:txBody>
+      </p:sp>
+      <p:sp>
+        <p:nvSpPr>
+          <p:cNvPr id="144" name="Google Shape;144;p26"/>
+          <p:cNvSpPr txBox="1"/>
+          <p:nvPr/>
+        </p:nvSpPr>
+        <p:spPr>
+          <a:xfrm>
+            <a:off x="368600" y="246125"/>
+            <a:ext cx="5633400" cy="392400"/>
+          </a:xfrm>
+          <a:prstGeom prst="rect">
+            <a:avLst/>
+          </a:prstGeom>
+          <a:noFill/>
+          <a:ln>
+            <a:noFill/>
+          </a:ln>
+        </p:spPr>
+        <p:txBody>
+          <a:bodyPr spcFirstLastPara="1" wrap="square" lIns="68575" tIns="34275" rIns="68575" bIns="34275" anchor="t" anchorCtr="0">
+            <a:spAutoFit/>
+          </a:bodyPr>
+          <a:lstStyle/>
+          <a:p>
+            <a:pPr marL="0" marR="0" lvl="0" indent="0" algn="l" rtl="0">
+              <a:spcBef>
+                <a:spcPts val="0"/>
+              </a:spcBef>
+              <a:spcAft>
+                <a:spcPts val="0"/>
+              </a:spcAft>
+              <a:buNone/>
+            </a:pPr>
+            <a:r>
+              <a:rPr lang="en-US" altLang="zh-TW" sz="2100" b="1" dirty="0">
+                <a:solidFill>
+                  <a:srgbClr val="08244A"/>
+                </a:solidFill>
+                <a:latin typeface="Microsoft JhengHei"/>
+                <a:ea typeface="Microsoft JhengHei"/>
+                <a:cs typeface="Microsoft JhengHei"/>
+                <a:sym typeface="Microsoft JhengHei"/>
+              </a:rPr>
+              <a:t>Masked Autoencoders </a:t>
+            </a:r>
+            <a:endParaRPr sz="2100" b="1" dirty="0">
+              <a:solidFill>
+                <a:srgbClr val="08244A"/>
+              </a:solidFill>
+              <a:latin typeface="Microsoft JhengHei"/>
+              <a:ea typeface="Microsoft JhengHei"/>
+              <a:cs typeface="Microsoft JhengHei"/>
+              <a:sym typeface="Microsoft JhengHei"/>
+            </a:endParaRPr>
+          </a:p>
+        </p:txBody>
+      </p:sp>
+      <p:sp>
+        <p:nvSpPr>
+          <p:cNvPr id="145" name="Google Shape;145;p26"/>
+          <p:cNvSpPr txBox="1"/>
+          <p:nvPr/>
+        </p:nvSpPr>
+        <p:spPr>
+          <a:xfrm>
+            <a:off x="471900" y="736201"/>
+            <a:ext cx="7422300" cy="369300"/>
+          </a:xfrm>
+          <a:prstGeom prst="rect">
+            <a:avLst/>
+          </a:prstGeom>
+          <a:noFill/>
+          <a:ln>
+            <a:noFill/>
+          </a:ln>
+        </p:spPr>
+        <p:txBody>
+          <a:bodyPr spcFirstLastPara="1" wrap="square" lIns="91425" tIns="91425" rIns="91425" bIns="91425" anchor="t" anchorCtr="0">
+            <a:spAutoFit/>
+          </a:bodyPr>
+          <a:lstStyle/>
+          <a:p>
+            <a:pPr marL="0" lvl="0" indent="0" algn="l" rtl="0">
+              <a:spcBef>
+                <a:spcPts val="0"/>
+              </a:spcBef>
+              <a:spcAft>
+                <a:spcPts val="0"/>
+              </a:spcAft>
+              <a:buNone/>
+            </a:pPr>
+            <a:endParaRPr sz="1200" b="1">
+              <a:solidFill>
+                <a:schemeClr val="dk1"/>
+              </a:solidFill>
+              <a:latin typeface="Microsoft JhengHei"/>
+              <a:ea typeface="Microsoft JhengHei"/>
+              <a:cs typeface="Microsoft JhengHei"/>
+              <a:sym typeface="Microsoft JhengHei"/>
+            </a:endParaRPr>
+          </a:p>
+        </p:txBody>
+      </p:sp>
+      <p:sp>
+        <p:nvSpPr>
+          <p:cNvPr id="2" name="矩形: 圓角 1">
+            <a:extLst>
+              <a:ext uri="{FF2B5EF4-FFF2-40B4-BE49-F238E27FC236}">
+                <a16:creationId xmlns:a16="http://schemas.microsoft.com/office/drawing/2014/main" id="{5CB48FEF-3BA4-49D5-1600-917B56B0F4AB}"/>
+              </a:ext>
+            </a:extLst>
+          </p:cNvPr>
+          <p:cNvSpPr/>
+          <p:nvPr/>
+        </p:nvSpPr>
+        <p:spPr>
+          <a:xfrm>
+            <a:off x="2873887" y="1427613"/>
+            <a:ext cx="1309163" cy="815594"/>
+          </a:xfrm>
+          <a:prstGeom prst="roundRect">
+            <a:avLst/>
+          </a:prstGeom>
+        </p:spPr>
+        <p:style>
+          <a:lnRef idx="2">
+            <a:schemeClr val="accent1">
+              <a:shade val="50000"/>
+            </a:schemeClr>
+          </a:lnRef>
+          <a:fillRef idx="1">
+            <a:schemeClr val="accent1"/>
+          </a:fillRef>
+          <a:effectRef idx="0">
+            <a:schemeClr val="accent1"/>
+          </a:effectRef>
+          <a:fontRef idx="minor">
+            <a:schemeClr val="lt1"/>
+          </a:fontRef>
+        </p:style>
+        <p:txBody>
+          <a:bodyPr rtlCol="0" anchor="ctr"/>
+          <a:lstStyle/>
+          <a:p>
+            <a:pPr algn="ctr"/>
+            <a:r>
+              <a:rPr lang="en-US" altLang="zh-TW" dirty="0"/>
+              <a:t>NLP</a:t>
+            </a:r>
+            <a:endParaRPr lang="zh-TW" altLang="en-US" dirty="0"/>
+          </a:p>
+        </p:txBody>
+      </p:sp>
+      <p:sp>
+        <p:nvSpPr>
+          <p:cNvPr id="10" name="矩形: 圓角 9">
+            <a:extLst>
+              <a:ext uri="{FF2B5EF4-FFF2-40B4-BE49-F238E27FC236}">
+                <a16:creationId xmlns:a16="http://schemas.microsoft.com/office/drawing/2014/main" id="{248971D0-3A91-AAD8-6117-2346CCFC83A5}"/>
+              </a:ext>
+            </a:extLst>
+          </p:cNvPr>
+          <p:cNvSpPr/>
+          <p:nvPr/>
+        </p:nvSpPr>
+        <p:spPr>
+          <a:xfrm>
+            <a:off x="4817480" y="1424733"/>
+            <a:ext cx="1309163" cy="815594"/>
+          </a:xfrm>
+          <a:prstGeom prst="roundRect">
+            <a:avLst/>
+          </a:prstGeom>
+        </p:spPr>
+        <p:style>
+          <a:lnRef idx="2">
+            <a:schemeClr val="accent1">
+              <a:shade val="50000"/>
+            </a:schemeClr>
+          </a:lnRef>
+          <a:fillRef idx="1">
+            <a:schemeClr val="accent1"/>
+          </a:fillRef>
+          <a:effectRef idx="0">
+            <a:schemeClr val="accent1"/>
+          </a:effectRef>
+          <a:fontRef idx="minor">
+            <a:schemeClr val="lt1"/>
+          </a:fontRef>
+        </p:style>
+        <p:txBody>
+          <a:bodyPr rtlCol="0" anchor="ctr"/>
+          <a:lstStyle/>
+          <a:p>
+            <a:pPr algn="ctr"/>
+            <a:r>
+              <a:rPr lang="en-US" altLang="zh-TW" dirty="0"/>
+              <a:t>CV</a:t>
+            </a:r>
+            <a:endParaRPr lang="zh-TW" altLang="en-US" dirty="0"/>
+          </a:p>
+        </p:txBody>
+      </p:sp>
+      <p:sp>
+        <p:nvSpPr>
+          <p:cNvPr id="11" name="矩形: 圓角 10">
+            <a:extLst>
+              <a:ext uri="{FF2B5EF4-FFF2-40B4-BE49-F238E27FC236}">
+                <a16:creationId xmlns:a16="http://schemas.microsoft.com/office/drawing/2014/main" id="{74D32836-6C02-FFFA-0D6B-408E415C2D65}"/>
+              </a:ext>
+            </a:extLst>
+          </p:cNvPr>
+          <p:cNvSpPr/>
+          <p:nvPr/>
+        </p:nvSpPr>
+        <p:spPr>
+          <a:xfrm>
+            <a:off x="2769076" y="3328118"/>
+            <a:ext cx="1631301" cy="815594"/>
+          </a:xfrm>
+          <a:prstGeom prst="roundRect">
+            <a:avLst/>
+          </a:prstGeom>
+        </p:spPr>
+        <p:style>
+          <a:lnRef idx="2">
+            <a:schemeClr val="accent1">
+              <a:shade val="50000"/>
+            </a:schemeClr>
+          </a:lnRef>
+          <a:fillRef idx="1">
+            <a:schemeClr val="accent1"/>
+          </a:fillRef>
+          <a:effectRef idx="0">
+            <a:schemeClr val="accent1"/>
+          </a:effectRef>
+          <a:fontRef idx="minor">
+            <a:schemeClr val="lt1"/>
+          </a:fontRef>
+        </p:style>
+        <p:txBody>
+          <a:bodyPr rtlCol="0" anchor="ctr"/>
+          <a:lstStyle/>
+          <a:p>
+            <a:pPr algn="ctr"/>
+            <a:r>
+              <a:rPr lang="en-US" altLang="zh-TW" dirty="0"/>
+              <a:t>Transformer</a:t>
+            </a:r>
+            <a:endParaRPr lang="zh-TW" altLang="en-US" dirty="0"/>
+          </a:p>
+        </p:txBody>
+      </p:sp>
+      <p:sp>
+        <p:nvSpPr>
+          <p:cNvPr id="12" name="矩形: 圓角 11">
+            <a:extLst>
+              <a:ext uri="{FF2B5EF4-FFF2-40B4-BE49-F238E27FC236}">
+                <a16:creationId xmlns:a16="http://schemas.microsoft.com/office/drawing/2014/main" id="{C4FED806-949B-54F9-97D1-DD5A2A5269D7}"/>
+              </a:ext>
+            </a:extLst>
+          </p:cNvPr>
+          <p:cNvSpPr/>
+          <p:nvPr/>
+        </p:nvSpPr>
+        <p:spPr>
+          <a:xfrm>
+            <a:off x="4703635" y="3340039"/>
+            <a:ext cx="1631301" cy="815594"/>
+          </a:xfrm>
+          <a:prstGeom prst="roundRect">
+            <a:avLst/>
+          </a:prstGeom>
+        </p:spPr>
+        <p:style>
+          <a:lnRef idx="2">
+            <a:schemeClr val="accent1">
+              <a:shade val="50000"/>
+            </a:schemeClr>
+          </a:lnRef>
+          <a:fillRef idx="1">
+            <a:schemeClr val="accent1"/>
+          </a:fillRef>
+          <a:effectRef idx="0">
+            <a:schemeClr val="accent1"/>
+          </a:effectRef>
+          <a:fontRef idx="minor">
+            <a:schemeClr val="lt1"/>
+          </a:fontRef>
+        </p:style>
+        <p:txBody>
+          <a:bodyPr rtlCol="0" anchor="ctr"/>
+          <a:lstStyle/>
+          <a:p>
+            <a:pPr algn="ctr"/>
+            <a:r>
+              <a:rPr lang="en-US" altLang="zh-TW" dirty="0" err="1"/>
+              <a:t>ViT</a:t>
+            </a:r>
+            <a:endParaRPr lang="zh-TW" altLang="en-US" dirty="0"/>
+          </a:p>
+        </p:txBody>
+      </p:sp>
+      <p:sp>
+        <p:nvSpPr>
+          <p:cNvPr id="13" name="矩形: 圓角 12">
+            <a:extLst>
+              <a:ext uri="{FF2B5EF4-FFF2-40B4-BE49-F238E27FC236}">
+                <a16:creationId xmlns:a16="http://schemas.microsoft.com/office/drawing/2014/main" id="{D4A83F6F-698F-64EC-2164-3EB93F5F89A5}"/>
+              </a:ext>
+            </a:extLst>
+          </p:cNvPr>
+          <p:cNvSpPr/>
+          <p:nvPr/>
+        </p:nvSpPr>
+        <p:spPr>
+          <a:xfrm>
+            <a:off x="2888718" y="2369892"/>
+            <a:ext cx="1309164" cy="815594"/>
+          </a:xfrm>
+          <a:prstGeom prst="roundRect">
+            <a:avLst/>
+          </a:prstGeom>
+        </p:spPr>
+        <p:style>
+          <a:lnRef idx="2">
+            <a:schemeClr val="accent1">
+              <a:shade val="50000"/>
+            </a:schemeClr>
+          </a:lnRef>
+          <a:fillRef idx="1">
+            <a:schemeClr val="accent1"/>
+          </a:fillRef>
+          <a:effectRef idx="0">
+            <a:schemeClr val="accent1"/>
+          </a:effectRef>
+          <a:fontRef idx="minor">
+            <a:schemeClr val="lt1"/>
+          </a:fontRef>
+        </p:style>
+        <p:txBody>
+          <a:bodyPr rtlCol="0" anchor="ctr"/>
+          <a:lstStyle/>
+          <a:p>
+            <a:pPr algn="ctr"/>
+            <a:r>
+              <a:rPr lang="en-US" altLang="zh-TW" dirty="0"/>
+              <a:t>BERT</a:t>
+            </a:r>
+            <a:endParaRPr lang="zh-TW" altLang="en-US" dirty="0"/>
+          </a:p>
+        </p:txBody>
+      </p:sp>
+      <p:sp>
+        <p:nvSpPr>
+          <p:cNvPr id="14" name="矩形: 圓角 13">
+            <a:extLst>
+              <a:ext uri="{FF2B5EF4-FFF2-40B4-BE49-F238E27FC236}">
+                <a16:creationId xmlns:a16="http://schemas.microsoft.com/office/drawing/2014/main" id="{C4BA23F2-8812-59F6-518E-F0A93E67F496}"/>
+              </a:ext>
+            </a:extLst>
+          </p:cNvPr>
+          <p:cNvSpPr/>
+          <p:nvPr/>
+        </p:nvSpPr>
+        <p:spPr>
+          <a:xfrm>
+            <a:off x="4817480" y="2387502"/>
+            <a:ext cx="1309164" cy="815594"/>
+          </a:xfrm>
+          <a:prstGeom prst="roundRect">
+            <a:avLst/>
+          </a:prstGeom>
+          <a:solidFill>
+            <a:srgbClr val="FF0000"/>
+          </a:solidFill>
+        </p:spPr>
+        <p:style>
+          <a:lnRef idx="2">
+            <a:schemeClr val="accent1">
+              <a:shade val="50000"/>
+            </a:schemeClr>
+          </a:lnRef>
+          <a:fillRef idx="1">
+            <a:schemeClr val="accent1"/>
+          </a:fillRef>
+          <a:effectRef idx="0">
+            <a:schemeClr val="accent1"/>
+          </a:effectRef>
+          <a:fontRef idx="minor">
+            <a:schemeClr val="lt1"/>
+          </a:fontRef>
+        </p:style>
+        <p:txBody>
+          <a:bodyPr rtlCol="0" anchor="ctr"/>
+          <a:lstStyle/>
+          <a:p>
+            <a:pPr algn="ctr"/>
+            <a:r>
+              <a:rPr lang="en-US" altLang="zh-TW" dirty="0"/>
+              <a:t>MAE</a:t>
+            </a:r>
+            <a:endParaRPr lang="zh-TW" altLang="en-US" dirty="0"/>
+          </a:p>
+        </p:txBody>
+      </p:sp>
+      <p:sp>
+        <p:nvSpPr>
+          <p:cNvPr id="15" name="矩形: 圓角 14">
+            <a:extLst>
+              <a:ext uri="{FF2B5EF4-FFF2-40B4-BE49-F238E27FC236}">
+                <a16:creationId xmlns:a16="http://schemas.microsoft.com/office/drawing/2014/main" id="{A87EBBBB-EC30-7984-341A-38F982EE024E}"/>
+              </a:ext>
+            </a:extLst>
+          </p:cNvPr>
+          <p:cNvSpPr/>
+          <p:nvPr/>
+        </p:nvSpPr>
+        <p:spPr>
+          <a:xfrm>
+            <a:off x="1087554" y="1424733"/>
+            <a:ext cx="1309163" cy="815594"/>
+          </a:xfrm>
+          <a:prstGeom prst="roundRect">
+            <a:avLst/>
+          </a:prstGeom>
+        </p:spPr>
+        <p:style>
+          <a:lnRef idx="2">
+            <a:schemeClr val="accent1">
+              <a:shade val="50000"/>
+            </a:schemeClr>
+          </a:lnRef>
+          <a:fillRef idx="1">
+            <a:schemeClr val="accent1"/>
+          </a:fillRef>
+          <a:effectRef idx="0">
+            <a:schemeClr val="accent1"/>
+          </a:effectRef>
+          <a:fontRef idx="minor">
+            <a:schemeClr val="lt1"/>
+          </a:fontRef>
+        </p:style>
+        <p:txBody>
+          <a:bodyPr rtlCol="0" anchor="ctr"/>
+          <a:lstStyle/>
+          <a:p>
+            <a:pPr algn="ctr"/>
+            <a:r>
+              <a:rPr lang="zh-TW" altLang="en-US" dirty="0"/>
+              <a:t>領域</a:t>
+            </a:r>
+          </a:p>
+        </p:txBody>
+      </p:sp>
+      <p:sp>
+        <p:nvSpPr>
+          <p:cNvPr id="16" name="矩形: 圓角 15">
+            <a:extLst>
+              <a:ext uri="{FF2B5EF4-FFF2-40B4-BE49-F238E27FC236}">
+                <a16:creationId xmlns:a16="http://schemas.microsoft.com/office/drawing/2014/main" id="{5C397EF9-AA2D-9325-B50C-F0C9F3E136B6}"/>
+              </a:ext>
+            </a:extLst>
+          </p:cNvPr>
+          <p:cNvSpPr/>
+          <p:nvPr/>
+        </p:nvSpPr>
+        <p:spPr>
+          <a:xfrm>
+            <a:off x="1095255" y="2373351"/>
+            <a:ext cx="1309163" cy="815594"/>
+          </a:xfrm>
+          <a:prstGeom prst="roundRect">
+            <a:avLst/>
+          </a:prstGeom>
+        </p:spPr>
+        <p:style>
+          <a:lnRef idx="2">
+            <a:schemeClr val="accent1">
+              <a:shade val="50000"/>
+            </a:schemeClr>
+          </a:lnRef>
+          <a:fillRef idx="1">
+            <a:schemeClr val="accent1"/>
+          </a:fillRef>
+          <a:effectRef idx="0">
+            <a:schemeClr val="accent1"/>
+          </a:effectRef>
+          <a:fontRef idx="minor">
+            <a:schemeClr val="lt1"/>
+          </a:fontRef>
+        </p:style>
+        <p:txBody>
+          <a:bodyPr rtlCol="0" anchor="ctr"/>
+          <a:lstStyle/>
+          <a:p>
+            <a:pPr algn="ctr"/>
+            <a:r>
+              <a:rPr lang="zh-TW" altLang="en-US" dirty="0"/>
+              <a:t>自學習方法</a:t>
+            </a:r>
+          </a:p>
+        </p:txBody>
+      </p:sp>
+      <p:sp>
+        <p:nvSpPr>
+          <p:cNvPr id="17" name="矩形: 圓角 16">
+            <a:extLst>
+              <a:ext uri="{FF2B5EF4-FFF2-40B4-BE49-F238E27FC236}">
+                <a16:creationId xmlns:a16="http://schemas.microsoft.com/office/drawing/2014/main" id="{BB455FCE-D17A-8CDF-FB2E-DC29C5CBE4C9}"/>
+              </a:ext>
+            </a:extLst>
+          </p:cNvPr>
+          <p:cNvSpPr/>
+          <p:nvPr/>
+        </p:nvSpPr>
+        <p:spPr>
+          <a:xfrm>
+            <a:off x="1095254" y="3307567"/>
+            <a:ext cx="1309163" cy="815594"/>
+          </a:xfrm>
+          <a:prstGeom prst="roundRect">
+            <a:avLst/>
+          </a:prstGeom>
+        </p:spPr>
+        <p:style>
+          <a:lnRef idx="2">
+            <a:schemeClr val="accent1">
+              <a:shade val="50000"/>
+            </a:schemeClr>
+          </a:lnRef>
+          <a:fillRef idx="1">
+            <a:schemeClr val="accent1"/>
+          </a:fillRef>
+          <a:effectRef idx="0">
+            <a:schemeClr val="accent1"/>
+          </a:effectRef>
+          <a:fontRef idx="minor">
+            <a:schemeClr val="lt1"/>
+          </a:fontRef>
+        </p:style>
+        <p:txBody>
+          <a:bodyPr rtlCol="0" anchor="ctr"/>
+          <a:lstStyle/>
+          <a:p>
+            <a:pPr algn="ctr"/>
+            <a:r>
+              <a:rPr lang="zh-TW" altLang="en-US" dirty="0"/>
+              <a:t>模型</a:t>
+            </a:r>
+          </a:p>
+        </p:txBody>
+      </p:sp>
+      <p:sp>
+        <p:nvSpPr>
+          <p:cNvPr id="3" name="箭號: 向右 2">
+            <a:extLst>
+              <a:ext uri="{FF2B5EF4-FFF2-40B4-BE49-F238E27FC236}">
+                <a16:creationId xmlns:a16="http://schemas.microsoft.com/office/drawing/2014/main" id="{72AB1AA5-31BD-EC94-1BE3-8C433D182AA8}"/>
+              </a:ext>
+            </a:extLst>
+          </p:cNvPr>
+          <p:cNvSpPr/>
+          <p:nvPr/>
+        </p:nvSpPr>
+        <p:spPr>
+          <a:xfrm>
+            <a:off x="2495227" y="1798737"/>
+            <a:ext cx="273849" cy="115304"/>
+          </a:xfrm>
+          <a:prstGeom prst="rightArrow">
+            <a:avLst/>
+          </a:prstGeom>
+        </p:spPr>
+        <p:style>
+          <a:lnRef idx="2">
+            <a:schemeClr val="accent1">
+              <a:shade val="50000"/>
+            </a:schemeClr>
+          </a:lnRef>
+          <a:fillRef idx="1">
+            <a:schemeClr val="accent1"/>
+          </a:fillRef>
+          <a:effectRef idx="0">
+            <a:schemeClr val="accent1"/>
+          </a:effectRef>
+          <a:fontRef idx="minor">
+            <a:schemeClr val="lt1"/>
+          </a:fontRef>
+        </p:style>
+        <p:txBody>
+          <a:bodyPr rtlCol="0" anchor="ctr"/>
+          <a:lstStyle/>
+          <a:p>
+            <a:pPr algn="ctr"/>
+            <a:endParaRPr lang="zh-TW" altLang="en-US"/>
+          </a:p>
+        </p:txBody>
+      </p:sp>
+      <p:sp>
+        <p:nvSpPr>
+          <p:cNvPr id="19" name="箭號: 向右 18">
+            <a:extLst>
+              <a:ext uri="{FF2B5EF4-FFF2-40B4-BE49-F238E27FC236}">
+                <a16:creationId xmlns:a16="http://schemas.microsoft.com/office/drawing/2014/main" id="{4D2F7E78-D4F4-07C2-6467-188AFA817F7A}"/>
+              </a:ext>
+            </a:extLst>
+          </p:cNvPr>
+          <p:cNvSpPr/>
+          <p:nvPr/>
+        </p:nvSpPr>
+        <p:spPr>
+          <a:xfrm>
+            <a:off x="2495227" y="2702025"/>
+            <a:ext cx="273849" cy="115304"/>
+          </a:xfrm>
+          <a:prstGeom prst="rightArrow">
+            <a:avLst/>
+          </a:prstGeom>
+        </p:spPr>
+        <p:style>
+          <a:lnRef idx="2">
+            <a:schemeClr val="accent1">
+              <a:shade val="50000"/>
+            </a:schemeClr>
+          </a:lnRef>
+          <a:fillRef idx="1">
+            <a:schemeClr val="accent1"/>
+          </a:fillRef>
+          <a:effectRef idx="0">
+            <a:schemeClr val="accent1"/>
+          </a:effectRef>
+          <a:fontRef idx="minor">
+            <a:schemeClr val="lt1"/>
+          </a:fontRef>
+        </p:style>
+        <p:txBody>
+          <a:bodyPr rtlCol="0" anchor="ctr"/>
+          <a:lstStyle/>
+          <a:p>
+            <a:pPr algn="ctr"/>
+            <a:endParaRPr lang="zh-TW" altLang="en-US"/>
+          </a:p>
+        </p:txBody>
+      </p:sp>
+      <p:sp>
+        <p:nvSpPr>
+          <p:cNvPr id="20" name="箭號: 向右 19">
+            <a:extLst>
+              <a:ext uri="{FF2B5EF4-FFF2-40B4-BE49-F238E27FC236}">
+                <a16:creationId xmlns:a16="http://schemas.microsoft.com/office/drawing/2014/main" id="{BBA1F855-A128-C1F8-7F88-757017D1EB82}"/>
+              </a:ext>
+            </a:extLst>
+          </p:cNvPr>
+          <p:cNvSpPr/>
+          <p:nvPr/>
+        </p:nvSpPr>
+        <p:spPr>
+          <a:xfrm>
+            <a:off x="2472519" y="3678263"/>
+            <a:ext cx="273849" cy="115304"/>
+          </a:xfrm>
+          <a:prstGeom prst="rightArrow">
+            <a:avLst/>
+          </a:prstGeom>
+        </p:spPr>
+        <p:style>
+          <a:lnRef idx="2">
+            <a:schemeClr val="accent1">
+              <a:shade val="50000"/>
+            </a:schemeClr>
+          </a:lnRef>
+          <a:fillRef idx="1">
+            <a:schemeClr val="accent1"/>
+          </a:fillRef>
+          <a:effectRef idx="0">
+            <a:schemeClr val="accent1"/>
+          </a:effectRef>
+          <a:fontRef idx="minor">
+            <a:schemeClr val="lt1"/>
+          </a:fontRef>
+        </p:style>
+        <p:txBody>
+          <a:bodyPr rtlCol="0" anchor="ctr"/>
+          <a:lstStyle/>
+          <a:p>
+            <a:pPr algn="ctr"/>
+            <a:endParaRPr lang="zh-TW" altLang="en-US"/>
+          </a:p>
+        </p:txBody>
+      </p:sp>
+    </p:spTree>
+    <p:extLst>
+      <p:ext uri="{BB962C8B-B14F-4D97-AF65-F5344CB8AC3E}">
+        <p14:creationId xmlns:p14="http://schemas.microsoft.com/office/powerpoint/2010/main" val="847146440"/>
+      </p:ext>
+    </p:extLst>
+  </p:cSld>
+  <p:clrMapOvr>
+    <a:masterClrMapping/>
+  </p:clrMapOvr>
+  <p:transition spd="slow">
+    <p:push/>
+  </p:transition>
+</p:sld>
+</file>
+
+<file path=ppt/slides/slide26.xml><?xml version="1.0" encoding="utf-8"?>
+<p:sld xmlns:a="http://schemas.openxmlformats.org/drawingml/2006/main" xmlns:r="http://schemas.openxmlformats.org/officeDocument/2006/relationships" xmlns:p="http://schemas.openxmlformats.org/presentationml/2006/main">
+  <p:cSld>
+    <p:spTree>
+      <p:nvGrpSpPr>
+        <p:cNvPr id="1" name="Shape 163"/>
+        <p:cNvGrpSpPr/>
+        <p:nvPr/>
+      </p:nvGrpSpPr>
+      <p:grpSpPr>
+        <a:xfrm>
+          <a:off x="0" y="0"/>
+          <a:ext cx="0" cy="0"/>
+          <a:chOff x="0" y="0"/>
+          <a:chExt cx="0" cy="0"/>
+        </a:xfrm>
+      </p:grpSpPr>
+      <p:cxnSp>
+        <p:nvCxnSpPr>
+          <p:cNvPr id="164" name="Google Shape;164;p28"/>
+          <p:cNvCxnSpPr/>
+          <p:nvPr/>
+        </p:nvCxnSpPr>
+        <p:spPr>
+          <a:xfrm rot="10800000">
+            <a:off x="471906" y="672952"/>
+            <a:ext cx="8200200" cy="0"/>
+          </a:xfrm>
+          <a:prstGeom prst="straightConnector1">
+            <a:avLst/>
+          </a:prstGeom>
+          <a:noFill/>
+          <a:ln w="38100" cap="flat" cmpd="sng">
+            <a:solidFill>
+              <a:srgbClr val="08244A"/>
+            </a:solidFill>
+            <a:prstDash val="solid"/>
+            <a:miter lim="800000"/>
+            <a:headEnd type="none" w="sm" len="sm"/>
+            <a:tailEnd type="none" w="sm" len="sm"/>
+          </a:ln>
+        </p:spPr>
+      </p:cxnSp>
+      <p:sp>
+        <p:nvSpPr>
+          <p:cNvPr id="165" name="Google Shape;165;p28"/>
+          <p:cNvSpPr txBox="1"/>
+          <p:nvPr/>
+        </p:nvSpPr>
+        <p:spPr>
+          <a:xfrm>
+            <a:off x="4312990" y="4919588"/>
+            <a:ext cx="518100" cy="238500"/>
+          </a:xfrm>
+          <a:prstGeom prst="rect">
+            <a:avLst/>
+          </a:prstGeom>
+          <a:solidFill>
+            <a:srgbClr val="08244A"/>
+          </a:solidFill>
+          <a:ln>
+            <a:noFill/>
+          </a:ln>
+        </p:spPr>
+        <p:txBody>
+          <a:bodyPr spcFirstLastPara="1" wrap="square" lIns="68575" tIns="34275" rIns="68575" bIns="34275" anchor="t" anchorCtr="0">
+            <a:spAutoFit/>
+          </a:bodyPr>
+          <a:lstStyle/>
+          <a:p>
+            <a:pPr marL="0" marR="0" lvl="0" indent="0" algn="ctr" rtl="0">
+              <a:spcBef>
+                <a:spcPts val="0"/>
+              </a:spcBef>
+              <a:spcAft>
+                <a:spcPts val="0"/>
+              </a:spcAft>
+              <a:buNone/>
+            </a:pPr>
+            <a:endParaRPr sz="1100">
+              <a:solidFill>
+                <a:schemeClr val="lt1"/>
+              </a:solidFill>
+              <a:latin typeface="Arial"/>
+              <a:ea typeface="Arial"/>
+              <a:cs typeface="Arial"/>
+              <a:sym typeface="Arial"/>
+            </a:endParaRPr>
+          </a:p>
+        </p:txBody>
+      </p:sp>
+      <p:sp>
+        <p:nvSpPr>
+          <p:cNvPr id="166" name="Google Shape;166;p28"/>
+          <p:cNvSpPr txBox="1"/>
+          <p:nvPr/>
+        </p:nvSpPr>
+        <p:spPr>
+          <a:xfrm>
+            <a:off x="7422919" y="4868275"/>
+            <a:ext cx="1660500" cy="238500"/>
+          </a:xfrm>
+          <a:prstGeom prst="rect">
+            <a:avLst/>
+          </a:prstGeom>
+          <a:noFill/>
+          <a:ln>
+            <a:noFill/>
+          </a:ln>
+        </p:spPr>
+        <p:txBody>
+          <a:bodyPr spcFirstLastPara="1" wrap="square" lIns="68575" tIns="34275" rIns="68575" bIns="34275" anchor="t" anchorCtr="0">
+            <a:spAutoFit/>
+          </a:bodyPr>
+          <a:lstStyle/>
+          <a:p>
+            <a:pPr marL="0" marR="0" lvl="0" indent="0" algn="r" rtl="0">
+              <a:spcBef>
+                <a:spcPts val="0"/>
+              </a:spcBef>
+              <a:spcAft>
+                <a:spcPts val="0"/>
+              </a:spcAft>
+              <a:buNone/>
+            </a:pPr>
+            <a:r>
+              <a:rPr lang="zh-TW" sz="1100">
+                <a:solidFill>
+                  <a:srgbClr val="A5A5A5"/>
+                </a:solidFill>
+                <a:latin typeface="Consolas"/>
+                <a:ea typeface="Consolas"/>
+                <a:cs typeface="Consolas"/>
+                <a:sym typeface="Consolas"/>
+              </a:rPr>
+              <a:t>NTUST GAMELab</a:t>
+            </a:r>
+            <a:endParaRPr sz="1100">
+              <a:solidFill>
+                <a:srgbClr val="A5A5A5"/>
+              </a:solidFill>
+              <a:latin typeface="Consolas"/>
+              <a:ea typeface="Consolas"/>
+              <a:cs typeface="Consolas"/>
+              <a:sym typeface="Consolas"/>
+            </a:endParaRPr>
+          </a:p>
+        </p:txBody>
+      </p:sp>
+      <p:sp>
+        <p:nvSpPr>
+          <p:cNvPr id="167" name="Google Shape;167;p28"/>
+          <p:cNvSpPr txBox="1">
+            <a:spLocks noGrp="1"/>
+          </p:cNvSpPr>
+          <p:nvPr>
+            <p:ph type="sldNum" idx="12"/>
+          </p:nvPr>
+        </p:nvSpPr>
+        <p:spPr>
+          <a:xfrm>
+            <a:off x="3543300" y="4904660"/>
+            <a:ext cx="2057400" cy="273900"/>
+          </a:xfrm>
+          <a:prstGeom prst="rect">
+            <a:avLst/>
+          </a:prstGeom>
+          <a:noFill/>
+          <a:ln>
+            <a:noFill/>
+          </a:ln>
+        </p:spPr>
+        <p:txBody>
+          <a:bodyPr spcFirstLastPara="1" wrap="square" lIns="68575" tIns="34275" rIns="68575" bIns="34275" anchor="ctr" anchorCtr="0">
+            <a:noAutofit/>
+          </a:bodyPr>
+          <a:lstStyle/>
+          <a:p>
+            <a:pPr marL="0" lvl="0" indent="0" algn="ctr" rtl="0">
+              <a:spcBef>
+                <a:spcPts val="0"/>
+              </a:spcBef>
+              <a:spcAft>
+                <a:spcPts val="0"/>
+              </a:spcAft>
+              <a:buNone/>
+            </a:pPr>
+            <a:fld id="{00000000-1234-1234-1234-123412341234}" type="slidenum">
+              <a:rPr lang="en-US" altLang="zh-TW" sz="1100"/>
+              <a:t>26</a:t>
+            </a:fld>
+            <a:endParaRPr sz="1100"/>
+          </a:p>
+        </p:txBody>
+      </p:sp>
+      <p:grpSp>
+        <p:nvGrpSpPr>
+          <p:cNvPr id="6" name="群組 5">
+            <a:extLst>
+              <a:ext uri="{FF2B5EF4-FFF2-40B4-BE49-F238E27FC236}">
+                <a16:creationId xmlns:a16="http://schemas.microsoft.com/office/drawing/2014/main" id="{1539F715-6E4A-488B-A307-E4F799DDC262}"/>
+              </a:ext>
+            </a:extLst>
+          </p:cNvPr>
+          <p:cNvGrpSpPr/>
+          <p:nvPr/>
+        </p:nvGrpSpPr>
+        <p:grpSpPr>
+          <a:xfrm>
+            <a:off x="2941608" y="851317"/>
+            <a:ext cx="6202392" cy="3254821"/>
+            <a:chOff x="471906" y="852083"/>
+            <a:chExt cx="7302954" cy="3800677"/>
+          </a:xfrm>
+        </p:grpSpPr>
+        <p:pic>
+          <p:nvPicPr>
+            <p:cNvPr id="4098" name="Picture 2" descr="結構">
+              <a:extLst>
+                <a:ext uri="{FF2B5EF4-FFF2-40B4-BE49-F238E27FC236}">
+                  <a16:creationId xmlns:a16="http://schemas.microsoft.com/office/drawing/2014/main" id="{2CCBA7B7-13F6-4413-86B2-C225D63ABEE2}"/>
+                </a:ext>
+              </a:extLst>
+            </p:cNvPr>
+            <p:cNvPicPr>
+              <a:picLocks noChangeAspect="1" noChangeArrowheads="1"/>
+            </p:cNvPicPr>
+            <p:nvPr/>
+          </p:nvPicPr>
+          <p:blipFill>
+            <a:blip r:embed="rId3">
+              <a:extLst>
+                <a:ext uri="{28A0092B-C50C-407E-A947-70E740481C1C}">
+                  <a14:useLocalDpi xmlns:a14="http://schemas.microsoft.com/office/drawing/2010/main" val="0"/>
+                </a:ext>
+              </a:extLst>
+            </a:blip>
+            <a:srcRect/>
+            <a:stretch>
+              <a:fillRect/>
+            </a:stretch>
+          </p:blipFill>
+          <p:spPr bwMode="auto">
+            <a:xfrm>
+              <a:off x="471906" y="852083"/>
+              <a:ext cx="7302954" cy="3800677"/>
+            </a:xfrm>
+            <a:prstGeom prst="rect">
+              <a:avLst/>
+            </a:prstGeom>
+            <a:noFill/>
+            <a:extLst>
+              <a:ext uri="{909E8E84-426E-40DD-AFC4-6F175D3DCCD1}">
+                <a14:hiddenFill xmlns:a14="http://schemas.microsoft.com/office/drawing/2010/main">
+                  <a:solidFill>
+                    <a:srgbClr val="FFFFFF"/>
+                  </a:solidFill>
+                </a14:hiddenFill>
+              </a:ext>
+            </a:extLst>
+          </p:spPr>
+        </p:pic>
+        <p:cxnSp>
+          <p:nvCxnSpPr>
+            <p:cNvPr id="5" name="直線單箭頭接點 4">
+              <a:extLst>
+                <a:ext uri="{FF2B5EF4-FFF2-40B4-BE49-F238E27FC236}">
+                  <a16:creationId xmlns:a16="http://schemas.microsoft.com/office/drawing/2014/main" id="{B0188845-15EE-49C6-ADE3-853FC7461714}"/>
+                </a:ext>
+              </a:extLst>
+            </p:cNvPr>
+            <p:cNvCxnSpPr/>
+            <p:nvPr/>
+          </p:nvCxnSpPr>
+          <p:spPr>
+            <a:xfrm flipV="1">
+              <a:off x="2375807" y="1338943"/>
+              <a:ext cx="0" cy="751114"/>
+            </a:xfrm>
+            <a:prstGeom prst="straightConnector1">
+              <a:avLst/>
+            </a:prstGeom>
+            <a:ln>
+              <a:solidFill>
+                <a:srgbClr val="FF0000"/>
+              </a:solidFill>
+              <a:tailEnd type="triangle"/>
+            </a:ln>
+          </p:spPr>
+          <p:style>
+            <a:lnRef idx="1">
+              <a:schemeClr val="accent1"/>
+            </a:lnRef>
+            <a:fillRef idx="0">
+              <a:schemeClr val="accent1"/>
+            </a:fillRef>
+            <a:effectRef idx="0">
+              <a:schemeClr val="accent1"/>
+            </a:effectRef>
+            <a:fontRef idx="minor">
+              <a:schemeClr val="tx1"/>
+            </a:fontRef>
+          </p:style>
+        </p:cxnSp>
+        <p:cxnSp>
+          <p:nvCxnSpPr>
+            <p:cNvPr id="19" name="直線單箭頭接點 18">
+              <a:extLst>
+                <a:ext uri="{FF2B5EF4-FFF2-40B4-BE49-F238E27FC236}">
+                  <a16:creationId xmlns:a16="http://schemas.microsoft.com/office/drawing/2014/main" id="{73D90099-F048-4099-BCCC-8AE8A5B11E14}"/>
+                </a:ext>
+              </a:extLst>
+            </p:cNvPr>
+            <p:cNvCxnSpPr/>
+            <p:nvPr/>
+          </p:nvCxnSpPr>
+          <p:spPr>
+            <a:xfrm flipV="1">
+              <a:off x="2683328" y="1338943"/>
+              <a:ext cx="0" cy="751114"/>
+            </a:xfrm>
+            <a:prstGeom prst="straightConnector1">
+              <a:avLst/>
+            </a:prstGeom>
+            <a:ln>
+              <a:solidFill>
+                <a:srgbClr val="FF0000"/>
+              </a:solidFill>
+              <a:tailEnd type="triangle"/>
+            </a:ln>
+          </p:spPr>
+          <p:style>
+            <a:lnRef idx="1">
+              <a:schemeClr val="accent1"/>
+            </a:lnRef>
+            <a:fillRef idx="0">
+              <a:schemeClr val="accent1"/>
+            </a:fillRef>
+            <a:effectRef idx="0">
+              <a:schemeClr val="accent1"/>
+            </a:effectRef>
+            <a:fontRef idx="minor">
+              <a:schemeClr val="tx1"/>
+            </a:fontRef>
+          </p:style>
+        </p:cxnSp>
+        <p:cxnSp>
+          <p:nvCxnSpPr>
+            <p:cNvPr id="20" name="直線單箭頭接點 19">
+              <a:extLst>
+                <a:ext uri="{FF2B5EF4-FFF2-40B4-BE49-F238E27FC236}">
+                  <a16:creationId xmlns:a16="http://schemas.microsoft.com/office/drawing/2014/main" id="{69729468-54EC-45AD-A1DE-E798BB9397C8}"/>
+                </a:ext>
+              </a:extLst>
+            </p:cNvPr>
+            <p:cNvCxnSpPr/>
+            <p:nvPr/>
+          </p:nvCxnSpPr>
+          <p:spPr>
+            <a:xfrm flipV="1">
+              <a:off x="3039834" y="1338943"/>
+              <a:ext cx="0" cy="751114"/>
+            </a:xfrm>
+            <a:prstGeom prst="straightConnector1">
+              <a:avLst/>
+            </a:prstGeom>
+            <a:ln>
+              <a:solidFill>
+                <a:srgbClr val="FF0000"/>
+              </a:solidFill>
+              <a:tailEnd type="triangle"/>
+            </a:ln>
+          </p:spPr>
+          <p:style>
+            <a:lnRef idx="1">
+              <a:schemeClr val="accent1"/>
+            </a:lnRef>
+            <a:fillRef idx="0">
+              <a:schemeClr val="accent1"/>
+            </a:fillRef>
+            <a:effectRef idx="0">
+              <a:schemeClr val="accent1"/>
+            </a:effectRef>
+            <a:fontRef idx="minor">
+              <a:schemeClr val="tx1"/>
+            </a:fontRef>
+          </p:style>
+        </p:cxnSp>
+        <p:cxnSp>
+          <p:nvCxnSpPr>
+            <p:cNvPr id="21" name="直線單箭頭接點 20">
+              <a:extLst>
+                <a:ext uri="{FF2B5EF4-FFF2-40B4-BE49-F238E27FC236}">
+                  <a16:creationId xmlns:a16="http://schemas.microsoft.com/office/drawing/2014/main" id="{ED024A0C-85FE-4B03-909D-FCC36FA361C8}"/>
+                </a:ext>
+              </a:extLst>
+            </p:cNvPr>
+            <p:cNvCxnSpPr/>
+            <p:nvPr/>
+          </p:nvCxnSpPr>
+          <p:spPr>
+            <a:xfrm flipV="1">
+              <a:off x="3377292" y="1338943"/>
+              <a:ext cx="0" cy="751114"/>
+            </a:xfrm>
+            <a:prstGeom prst="straightConnector1">
+              <a:avLst/>
+            </a:prstGeom>
+            <a:ln>
+              <a:solidFill>
+                <a:srgbClr val="FF0000"/>
+              </a:solidFill>
+              <a:tailEnd type="triangle"/>
+            </a:ln>
+          </p:spPr>
+          <p:style>
+            <a:lnRef idx="1">
+              <a:schemeClr val="accent1"/>
+            </a:lnRef>
+            <a:fillRef idx="0">
+              <a:schemeClr val="accent1"/>
+            </a:fillRef>
+            <a:effectRef idx="0">
+              <a:schemeClr val="accent1"/>
+            </a:effectRef>
+            <a:fontRef idx="minor">
+              <a:schemeClr val="tx1"/>
+            </a:fontRef>
+          </p:style>
+        </p:cxnSp>
+        <p:cxnSp>
+          <p:nvCxnSpPr>
+            <p:cNvPr id="22" name="直線單箭頭接點 21">
+              <a:extLst>
+                <a:ext uri="{FF2B5EF4-FFF2-40B4-BE49-F238E27FC236}">
+                  <a16:creationId xmlns:a16="http://schemas.microsoft.com/office/drawing/2014/main" id="{CE7E59F0-4897-4EE7-AC0C-D11D628F7832}"/>
+                </a:ext>
+              </a:extLst>
+            </p:cNvPr>
+            <p:cNvCxnSpPr/>
+            <p:nvPr/>
+          </p:nvCxnSpPr>
+          <p:spPr>
+            <a:xfrm flipV="1">
+              <a:off x="3684813" y="1338943"/>
+              <a:ext cx="0" cy="751114"/>
+            </a:xfrm>
+            <a:prstGeom prst="straightConnector1">
+              <a:avLst/>
+            </a:prstGeom>
+            <a:ln>
+              <a:solidFill>
+                <a:srgbClr val="FF0000"/>
+              </a:solidFill>
+              <a:tailEnd type="triangle"/>
+            </a:ln>
+          </p:spPr>
+          <p:style>
+            <a:lnRef idx="1">
+              <a:schemeClr val="accent1"/>
+            </a:lnRef>
+            <a:fillRef idx="0">
+              <a:schemeClr val="accent1"/>
+            </a:fillRef>
+            <a:effectRef idx="0">
+              <a:schemeClr val="accent1"/>
+            </a:effectRef>
+            <a:fontRef idx="minor">
+              <a:schemeClr val="tx1"/>
+            </a:fontRef>
+          </p:style>
+        </p:cxnSp>
+        <p:cxnSp>
+          <p:nvCxnSpPr>
+            <p:cNvPr id="23" name="直線單箭頭接點 22">
+              <a:extLst>
+                <a:ext uri="{FF2B5EF4-FFF2-40B4-BE49-F238E27FC236}">
+                  <a16:creationId xmlns:a16="http://schemas.microsoft.com/office/drawing/2014/main" id="{7C118F7C-66DF-4B00-8785-D20C5CE03C30}"/>
+                </a:ext>
+              </a:extLst>
+            </p:cNvPr>
+            <p:cNvCxnSpPr/>
+            <p:nvPr/>
+          </p:nvCxnSpPr>
+          <p:spPr>
+            <a:xfrm flipV="1">
+              <a:off x="4000498" y="1338943"/>
+              <a:ext cx="0" cy="751114"/>
+            </a:xfrm>
+            <a:prstGeom prst="straightConnector1">
+              <a:avLst/>
+            </a:prstGeom>
+            <a:ln>
+              <a:solidFill>
+                <a:srgbClr val="FF0000"/>
+              </a:solidFill>
+              <a:tailEnd type="triangle"/>
+            </a:ln>
+          </p:spPr>
+          <p:style>
+            <a:lnRef idx="1">
+              <a:schemeClr val="accent1"/>
+            </a:lnRef>
+            <a:fillRef idx="0">
+              <a:schemeClr val="accent1"/>
+            </a:fillRef>
+            <a:effectRef idx="0">
+              <a:schemeClr val="accent1"/>
+            </a:effectRef>
+            <a:fontRef idx="minor">
+              <a:schemeClr val="tx1"/>
+            </a:fontRef>
+          </p:style>
+        </p:cxnSp>
+        <p:cxnSp>
+          <p:nvCxnSpPr>
+            <p:cNvPr id="24" name="直線單箭頭接點 23">
+              <a:extLst>
+                <a:ext uri="{FF2B5EF4-FFF2-40B4-BE49-F238E27FC236}">
+                  <a16:creationId xmlns:a16="http://schemas.microsoft.com/office/drawing/2014/main" id="{B54CFFC2-9254-4BA0-B714-919452F4094F}"/>
+                </a:ext>
+              </a:extLst>
+            </p:cNvPr>
+            <p:cNvCxnSpPr/>
+            <p:nvPr/>
+          </p:nvCxnSpPr>
+          <p:spPr>
+            <a:xfrm flipV="1">
+              <a:off x="4400550" y="1338943"/>
+              <a:ext cx="0" cy="751114"/>
+            </a:xfrm>
+            <a:prstGeom prst="straightConnector1">
+              <a:avLst/>
+            </a:prstGeom>
+            <a:ln>
+              <a:solidFill>
+                <a:srgbClr val="FF0000"/>
+              </a:solidFill>
+              <a:tailEnd type="triangle"/>
+            </a:ln>
+          </p:spPr>
+          <p:style>
+            <a:lnRef idx="1">
+              <a:schemeClr val="accent1"/>
+            </a:lnRef>
+            <a:fillRef idx="0">
+              <a:schemeClr val="accent1"/>
+            </a:fillRef>
+            <a:effectRef idx="0">
+              <a:schemeClr val="accent1"/>
+            </a:effectRef>
+            <a:fontRef idx="minor">
+              <a:schemeClr val="tx1"/>
+            </a:fontRef>
+          </p:style>
+        </p:cxnSp>
+        <p:cxnSp>
+          <p:nvCxnSpPr>
+            <p:cNvPr id="25" name="直線單箭頭接點 24">
+              <a:extLst>
+                <a:ext uri="{FF2B5EF4-FFF2-40B4-BE49-F238E27FC236}">
+                  <a16:creationId xmlns:a16="http://schemas.microsoft.com/office/drawing/2014/main" id="{8764228D-596B-413C-B879-21977C910499}"/>
+                </a:ext>
+              </a:extLst>
+            </p:cNvPr>
+            <p:cNvCxnSpPr/>
+            <p:nvPr/>
+          </p:nvCxnSpPr>
+          <p:spPr>
+            <a:xfrm flipV="1">
+              <a:off x="4708071" y="1338943"/>
+              <a:ext cx="0" cy="751114"/>
+            </a:xfrm>
+            <a:prstGeom prst="straightConnector1">
+              <a:avLst/>
+            </a:prstGeom>
+            <a:ln>
+              <a:solidFill>
+                <a:srgbClr val="FF0000"/>
+              </a:solidFill>
+              <a:tailEnd type="triangle"/>
+            </a:ln>
+          </p:spPr>
+          <p:style>
+            <a:lnRef idx="1">
+              <a:schemeClr val="accent1"/>
+            </a:lnRef>
+            <a:fillRef idx="0">
+              <a:schemeClr val="accent1"/>
+            </a:fillRef>
+            <a:effectRef idx="0">
+              <a:schemeClr val="accent1"/>
+            </a:effectRef>
+            <a:fontRef idx="minor">
+              <a:schemeClr val="tx1"/>
+            </a:fontRef>
+          </p:style>
+        </p:cxnSp>
+        <p:cxnSp>
+          <p:nvCxnSpPr>
+            <p:cNvPr id="26" name="直線單箭頭接點 25">
+              <a:extLst>
+                <a:ext uri="{FF2B5EF4-FFF2-40B4-BE49-F238E27FC236}">
+                  <a16:creationId xmlns:a16="http://schemas.microsoft.com/office/drawing/2014/main" id="{850B96CC-87B9-4A94-86EC-7426017EB630}"/>
+                </a:ext>
+              </a:extLst>
+            </p:cNvPr>
+            <p:cNvCxnSpPr/>
+            <p:nvPr/>
+          </p:nvCxnSpPr>
+          <p:spPr>
+            <a:xfrm flipV="1">
+              <a:off x="5023756" y="1338943"/>
+              <a:ext cx="0" cy="751114"/>
+            </a:xfrm>
+            <a:prstGeom prst="straightConnector1">
+              <a:avLst/>
+            </a:prstGeom>
+            <a:ln>
+              <a:solidFill>
+                <a:srgbClr val="FF0000"/>
+              </a:solidFill>
+              <a:tailEnd type="triangle"/>
+            </a:ln>
+          </p:spPr>
+          <p:style>
+            <a:lnRef idx="1">
+              <a:schemeClr val="accent1"/>
+            </a:lnRef>
+            <a:fillRef idx="0">
+              <a:schemeClr val="accent1"/>
+            </a:fillRef>
+            <a:effectRef idx="0">
+              <a:schemeClr val="accent1"/>
+            </a:effectRef>
+            <a:fontRef idx="minor">
+              <a:schemeClr val="tx1"/>
+            </a:fontRef>
+          </p:style>
+        </p:cxnSp>
+      </p:grpSp>
+    </p:spTree>
+    <p:extLst>
+      <p:ext uri="{BB962C8B-B14F-4D97-AF65-F5344CB8AC3E}">
+        <p14:creationId xmlns:p14="http://schemas.microsoft.com/office/powerpoint/2010/main" val="4109834149"/>
+      </p:ext>
+    </p:extLst>
+  </p:cSld>
+  <p:clrMapOvr>
+    <a:masterClrMapping/>
+  </p:clrMapOvr>
+  <p:transition spd="slow">
+    <p:push/>
+  </p:transition>
+</p:sld>
+</file>
+
 <file path=ppt/slides/slide3.xml><?xml version="1.0" encoding="utf-8"?>
 <p:sld xmlns:a="http://schemas.openxmlformats.org/drawingml/2006/main" xmlns:r="http://schemas.openxmlformats.org/officeDocument/2006/relationships" xmlns:p="http://schemas.openxmlformats.org/presentationml/2006/main">
   <p:cSld>
@@ -28553,7 +30499,7 @@
         <p:spPr>
           <a:xfrm>
             <a:off x="471900" y="886850"/>
-            <a:ext cx="8252100" cy="2492960"/>
+            <a:ext cx="8252100" cy="2031295"/>
           </a:xfrm>
           <a:prstGeom prst="rect">
             <a:avLst/>
@@ -28596,31 +30542,19 @@
                 <a:cs typeface="Microsoft JhengHei"/>
                 <a:sym typeface="Microsoft JhengHei"/>
               </a:rPr>
-              <a:t>Deep learning today can easily overfit million of images and begin to demand </a:t>
+              <a:t>Deep learning can easily overfit million of images b</a:t>
             </a:r>
             <a:r>
               <a:rPr lang="en-US" altLang="zh-TW" sz="2000" dirty="0">
                 <a:solidFill>
-                  <a:srgbClr val="FF0000"/>
+                  <a:schemeClr val="tx1"/>
                 </a:solidFill>
                 <a:latin typeface="Microsoft JhengHei"/>
                 <a:ea typeface="Microsoft JhengHei"/>
                 <a:cs typeface="Microsoft JhengHei"/>
                 <a:sym typeface="Microsoft JhengHei"/>
               </a:rPr>
-              <a:t>often publicly inaccessible</a:t>
-            </a:r>
-            <a:r>
-              <a:rPr lang="en-US" sz="2000" dirty="0">
-                <a:solidFill>
-                  <a:srgbClr val="FF0000"/>
-                </a:solidFill>
-                <a:latin typeface="Microsoft JhengHei"/>
-                <a:ea typeface="Microsoft JhengHei"/>
-                <a:cs typeface="Microsoft JhengHei"/>
-                <a:sym typeface="Microsoft JhengHei"/>
-              </a:rPr>
-              <a:t> </a:t>
+              <a:t>ut label image is usually private</a:t>
             </a:r>
             <a:r>
               <a:rPr lang="en-US" sz="2000" dirty="0">
@@ -28632,7 +30566,7 @@
                 <a:cs typeface="Microsoft JhengHei"/>
                 <a:sym typeface="Microsoft JhengHei"/>
               </a:rPr>
-              <a:t>labeled images.</a:t>
+              <a:t>.</a:t>
             </a:r>
           </a:p>
           <a:p>
@@ -28687,7 +30621,7 @@
                 <a:cs typeface="Microsoft JhengHei"/>
                 <a:sym typeface="Microsoft JhengHei"/>
               </a:rPr>
-              <a:t>.  The solutions based on autoregressive language modeling(</a:t>
+              <a:t>.  The solutions based on </a:t>
             </a:r>
             <a:r>
               <a:rPr lang="en-US" altLang="zh-TW" sz="2000" dirty="0">
@@ -28711,7 +30645,7 @@
                 <a:cs typeface="Microsoft JhengHei"/>
                 <a:sym typeface="Microsoft JhengHei"/>
               </a:rPr>
-              <a:t>) and masked autoencoding (</a:t>
+              <a:t> and </a:t>
             </a:r>
             <a:r>
               <a:rPr lang="en-US" altLang="zh-TW" sz="2000" dirty="0">
@@ -28735,7 +30669,7 @@
                 <a:cs typeface="Microsoft JhengHei"/>
                 <a:sym typeface="Microsoft JhengHei"/>
               </a:rPr>
-              <a:t>).</a:t>
+              <a:t>.</a:t>
             </a:r>
           </a:p>
         </p:txBody>
@@ -29105,7 +31039,7 @@
                 <a:cs typeface="Microsoft JhengHei"/>
                 <a:sym typeface="Microsoft JhengHei"/>
               </a:rPr>
-              <a:t>Autoencoding methods is</a:t>
+              <a:t>Autoencoder is</a:t>
             </a:r>
             <a:r>
               <a:rPr lang="zh-TW" altLang="en-US" b="1" dirty="0">
@@ -29207,7 +31141,7 @@
                 <a:latin typeface="Microsoft JhengHei"/>
                 <a:ea typeface="Microsoft JhengHei"/>
               </a:rPr>
-              <a:t>CNN were dominant in vision over the last decade. Convolutions operate on regular grids and it is not easily put mask tokens(BERT)</a:t>
+              <a:t>Convolutions operate on regular grids and it is not easily put mask tokens(BERT)</a:t>
             </a:r>
             <a:r>
               <a:rPr lang="zh-TW" altLang="en-US" dirty="0">
@@ -29283,7 +31217,7 @@
                 <a:effectLst/>
                 <a:latin typeface="Arial" panose="020B0604020202020204" pitchFamily="34" charset="0"/>
               </a:rPr>
-              <a:t>In vision, autoencoder’s decode output a lower semantic level than recognition tasks. Contrast to language, decoder predicts missing words that contain rich semantic information.</a:t>
+              <a:t>In vision, autoencoder’s decode is a low semantic information. In language, decoder predicts missing words contain rich semantic information.</a:t>
             </a:r>
             <a:endParaRPr lang="en-US" altLang="zh-TW" dirty="0">
               <a:solidFill>
@@ -29660,7 +31594,7 @@
         <p:spPr>
           <a:xfrm>
             <a:off x="0" y="733172"/>
-            <a:ext cx="3674076" cy="4247286"/>
+            <a:ext cx="3674076" cy="2400627"/>
           </a:xfrm>
           <a:prstGeom prst="rect">
             <a:avLst/>
@@ -29675,23 +31609,6 @@
             <a:spAutoFit/>
           </a:bodyPr>
           <a:lstStyle/>
-          <a:p>
-            <a:pPr marL="368300" lvl="0" indent="-228600">
-              <a:lnSpc>
-                <a:spcPct val="150000"/>
-              </a:lnSpc>
-              <a:buClr>
-                <a:schemeClr val="dk1"/>
-              </a:buClr>
-              <a:buSzPts val="1400"/>
-              <a:buFont typeface="+mj-lt"/>
-              <a:buAutoNum type="arabicPeriod"/>
-            </a:pPr>
-            <a:r>
-              <a:rPr lang="en-US" altLang="zh-TW" sz="1600" dirty="0"/>
-              <a:t>Decoder reconstructs latent representation along with mask tokens.</a:t>
-            </a:r>
-          </a:p>
           <a:p>
             <a:pPr marL="368300" lvl="0" indent="-228600">
               <a:lnSpc>
@@ -29731,7 +31648,7 @@
             </a:pPr>
             <a:r>
               <a:rPr lang="en-US" altLang="zh-TW" sz="1600" dirty="0"/>
-              <a:t>Transfer learning on object detection, instance segmentation, and semantic segmentation achieves better results than its supervised pretrain.</a:t>
+              <a:t>Transfer learning on other vision  tasks achieves better results than its supervised pretrain.</a:t>
             </a:r>
           </a:p>
         </p:txBody>
@@ -30371,6 +32288,53 @@
           </a:p>
         </p:txBody>
       </p:sp>
+      <p:pic>
+        <p:nvPicPr>
+          <p:cNvPr id="2050" name="Picture 2">
+            <a:extLst>
+              <a:ext uri="{FF2B5EF4-FFF2-40B4-BE49-F238E27FC236}">
+                <a16:creationId xmlns:a16="http://schemas.microsoft.com/office/drawing/2014/main" id="{C888CB98-FB5A-A016-6D77-40D44E91D964}"/>
+              </a:ext>
+            </a:extLst>
+          </p:cNvPr>
+          <p:cNvPicPr>
+            <a:picLocks noChangeAspect="1" noChangeArrowheads="1"/>
+          </p:cNvPicPr>
+          <p:nvPr/>
+        </p:nvPicPr>
+        <p:blipFill>
+          <a:blip r:embed="rId3">
+            <a:extLst>
+              <a:ext uri="{28A0092B-C50C-407E-A947-70E740481C1C}">
+                <a14:useLocalDpi xmlns:a14="http://schemas.microsoft.com/office/drawing/2010/main" val="0"/>
+              </a:ext>
+            </a:extLst>
+          </a:blip>
+          <a:srcRect/>
+          <a:stretch>
+            <a:fillRect/>
+          </a:stretch>
+        </p:blipFill>
+        <p:spPr bwMode="auto">
+          <a:xfrm>
+            <a:off x="3084060" y="2040982"/>
+            <a:ext cx="6059940" cy="2738546"/>
+          </a:xfrm>
+          <a:prstGeom prst="rect">
+            <a:avLst/>
+          </a:prstGeom>
+          <a:noFill/>
+          <a:extLst>
+            <a:ext uri="{909E8E84-426E-40DD-AFC4-6F175D3DCCD1}">
+              <a14:hiddenFill xmlns:a14="http://schemas.microsoft.com/office/drawing/2010/main">
+                <a:solidFill>
+                  <a:srgbClr val="FFFFFF"/>
+                </a:solidFill>
+              </a14:hiddenFill>
+            </a:ext>
+          </a:extLst>
+        </p:spPr>
+      </p:pic>
     </p:spTree>
     <p:extLst>
       <p:ext uri="{BB962C8B-B14F-4D97-AF65-F5344CB8AC3E}">

--- a/Masked Autoencoders Are Scalable Vision Learners.pptx
+++ b/Masked Autoencoders Are Scalable Vision Learners.pptx
@@ -4602,62 +4602,10 @@
             <a:pPr marL="158750" indent="0" algn="l">
               <a:buNone/>
             </a:pPr>
-            <a:r>
-              <a:rPr lang="en-US" altLang="zh-TW" b="0" i="0" dirty="0">
-                <a:effectLst/>
-                <a:latin typeface="Arial" panose="020B0604020202020204" pitchFamily="34" charset="0"/>
-              </a:rPr>
-              <a:t>non-hierarchical</a:t>
-            </a:r>
-          </a:p>
-          <a:p>
-            <a:pPr marL="158750" marR="0" lvl="0" indent="0" algn="l" defTabSz="914400" rtl="0" eaLnBrk="1" fontAlgn="auto" latinLnBrk="0" hangingPunct="1">
-              <a:lnSpc>
-                <a:spcPct val="100000"/>
-              </a:lnSpc>
-              <a:spcBef>
-                <a:spcPts val="0"/>
-              </a:spcBef>
-              <a:spcAft>
-                <a:spcPts val="0"/>
-              </a:spcAft>
-              <a:buClr>
-                <a:srgbClr val="000000"/>
-              </a:buClr>
-              <a:buSzPts val="1100"/>
-              <a:buFont typeface="Arial"/>
-              <a:buNone/>
-              <a:tabLst/>
-              <a:defRPr/>
-            </a:pPr>
-            <a:r>
-              <a:rPr lang="zh-TW" altLang="en-US" b="0" i="0" dirty="0">
-                <a:effectLst/>
-                <a:latin typeface="Arial" panose="020B0604020202020204" pitchFamily="34" charset="0"/>
-              </a:rPr>
-              <a:t>如何將</a:t>
-            </a:r>
-            <a:r>
-              <a:rPr lang="en-US" altLang="zh-TW" b="0" i="0" dirty="0">
-                <a:effectLst/>
-                <a:latin typeface="Arial" panose="020B0604020202020204" pitchFamily="34" charset="0"/>
-              </a:rPr>
-              <a:t>Vit</a:t>
-            </a:r>
-            <a:r>
-              <a:rPr lang="zh-TW" altLang="en-US" b="0" i="0" dirty="0">
-                <a:effectLst/>
-                <a:latin typeface="Arial" panose="020B0604020202020204" pitchFamily="34" charset="0"/>
-              </a:rPr>
-              <a:t>結合</a:t>
-            </a:r>
-            <a:r>
-              <a:rPr lang="en-US" altLang="zh-TW" b="0" i="0" dirty="0">
-                <a:effectLst/>
-                <a:latin typeface="Arial" panose="020B0604020202020204" pitchFamily="34" charset="0"/>
-              </a:rPr>
-              <a:t>FPN</a:t>
-            </a:r>
+            <a:endParaRPr lang="en-US" altLang="zh-TW" b="0" i="0" dirty="0">
+              <a:effectLst/>
+              <a:latin typeface="Arial" panose="020B0604020202020204" pitchFamily="34" charset="0"/>
+            </a:endParaRPr>
           </a:p>
         </p:txBody>
       </p:sp>
